--- a/docs/presentation.pptx
+++ b/docs/presentation.pptx
@@ -108,6 +108,11 @@
       </a:defRPr>
     </a:lvl9pPr>
   </p:defaultTextStyle>
+  <p:extLst>
+    <p:ext uri="{EFAFB233-063F-42B5-8137-9DF3F51BA10A}">
+      <p15:sldGuideLst xmlns:p15="http://schemas.microsoft.com/office/powerpoint/2012/main"/>
+    </p:ext>
+  </p:extLst>
 </p:presentation>
 </file>
 
@@ -328,7 +333,7 @@
           <a:p>
             <a:fld id="{9AB3A824-1A51-4B26-AD58-A6D8E14F6C04}" type="datetimeFigureOut">
               <a:rPr lang="en-US" dirty="0"/>
-              <a:t>3/10/2021</a:t>
+              <a:t>3/12/2021</a:t>
             </a:fld>
             <a:endParaRPr lang="en-US" dirty="0"/>
           </a:p>
@@ -374,7 +379,7 @@
           <a:p>
             <a:fld id="{6D22F896-40B5-4ADD-8801-0D06FADFA095}" type="slidenum">
               <a:rPr lang="en-US" dirty="0"/>
-              <a:t>‹nº›</a:t>
+              <a:t>‹#›</a:t>
             </a:fld>
             <a:endParaRPr lang="en-US" dirty="0"/>
           </a:p>
@@ -662,7 +667,7 @@
           <a:p>
             <a:fld id="{D857E33E-8B18-4087-B112-809917729534}" type="datetimeFigureOut">
               <a:rPr lang="en-US" dirty="0"/>
-              <a:t>3/10/2021</a:t>
+              <a:t>3/12/2021</a:t>
             </a:fld>
             <a:endParaRPr lang="en-US" dirty="0"/>
           </a:p>
@@ -708,7 +713,7 @@
           <a:p>
             <a:fld id="{6D22F896-40B5-4ADD-8801-0D06FADFA095}" type="slidenum">
               <a:rPr lang="en-US" dirty="0"/>
-              <a:t>‹nº›</a:t>
+              <a:t>‹#›</a:t>
             </a:fld>
             <a:endParaRPr lang="en-US" dirty="0"/>
           </a:p>
@@ -964,7 +969,7 @@
           <a:p>
             <a:fld id="{D3FFE419-2371-464F-8239-3959401C3561}" type="datetimeFigureOut">
               <a:rPr lang="en-US" dirty="0"/>
-              <a:t>3/10/2021</a:t>
+              <a:t>3/12/2021</a:t>
             </a:fld>
             <a:endParaRPr lang="en-US" dirty="0"/>
           </a:p>
@@ -1010,7 +1015,7 @@
           <a:p>
             <a:fld id="{6D22F896-40B5-4ADD-8801-0D06FADFA095}" type="slidenum">
               <a:rPr lang="en-US" dirty="0"/>
-              <a:t>‹nº›</a:t>
+              <a:t>‹#›</a:t>
             </a:fld>
             <a:endParaRPr lang="en-US" dirty="0"/>
           </a:p>
@@ -1211,7 +1216,7 @@
           <a:p>
             <a:fld id="{97D162C4-EDD9-4389-A98B-B87ECEA2A816}" type="datetimeFigureOut">
               <a:rPr lang="en-US" dirty="0"/>
-              <a:t>3/10/2021</a:t>
+              <a:t>3/12/2021</a:t>
             </a:fld>
             <a:endParaRPr lang="en-US" dirty="0"/>
           </a:p>
@@ -1257,7 +1262,7 @@
           <a:p>
             <a:fld id="{6D22F896-40B5-4ADD-8801-0D06FADFA095}" type="slidenum">
               <a:rPr lang="en-US" dirty="0"/>
-              <a:t>‹nº›</a:t>
+              <a:t>‹#›</a:t>
             </a:fld>
             <a:endParaRPr lang="en-US" dirty="0"/>
           </a:p>
@@ -1618,7 +1623,7 @@
           <a:p>
             <a:fld id="{3E5059C3-6A89-4494-99FF-5A4D6FFD50EB}" type="datetimeFigureOut">
               <a:rPr lang="en-US" dirty="0"/>
-              <a:t>3/10/2021</a:t>
+              <a:t>3/12/2021</a:t>
             </a:fld>
             <a:endParaRPr lang="en-US" dirty="0"/>
           </a:p>
@@ -1664,7 +1669,7 @@
           <a:p>
             <a:fld id="{6D22F896-40B5-4ADD-8801-0D06FADFA095}" type="slidenum">
               <a:rPr lang="en-US" dirty="0"/>
-              <a:t>‹nº›</a:t>
+              <a:t>‹#›</a:t>
             </a:fld>
             <a:endParaRPr lang="en-US" dirty="0"/>
           </a:p>
@@ -1932,7 +1937,7 @@
           <a:p>
             <a:fld id="{CA954B2F-12DE-47F5-8894-472B206D2E1E}" type="datetimeFigureOut">
               <a:rPr lang="en-US" dirty="0"/>
-              <a:t>3/10/2021</a:t>
+              <a:t>3/12/2021</a:t>
             </a:fld>
             <a:endParaRPr lang="en-US" dirty="0"/>
           </a:p>
@@ -1978,7 +1983,7 @@
           <a:p>
             <a:fld id="{6D22F896-40B5-4ADD-8801-0D06FADFA095}" type="slidenum">
               <a:rPr lang="en-US" dirty="0"/>
-              <a:t>‹nº›</a:t>
+              <a:t>‹#›</a:t>
             </a:fld>
             <a:endParaRPr lang="en-US" dirty="0"/>
           </a:p>
@@ -2476,7 +2481,7 @@
           <a:p>
             <a:fld id="{3F30E46F-7819-4ACF-B48B-48222C2ACC88}" type="datetimeFigureOut">
               <a:rPr lang="en-US" dirty="0"/>
-              <a:t>3/10/2021</a:t>
+              <a:t>3/12/2021</a:t>
             </a:fld>
             <a:endParaRPr lang="en-US" dirty="0"/>
           </a:p>
@@ -2522,7 +2527,7 @@
           <a:p>
             <a:fld id="{6D22F896-40B5-4ADD-8801-0D06FADFA095}" type="slidenum">
               <a:rPr lang="en-US" dirty="0"/>
-              <a:t>‹nº›</a:t>
+              <a:t>‹#›</a:t>
             </a:fld>
             <a:endParaRPr lang="en-US" dirty="0"/>
           </a:p>
@@ -2671,7 +2676,7 @@
           <a:p>
             <a:fld id="{1FAF3416-4057-4DAA-829D-4CA07428D088}" type="datetimeFigureOut">
               <a:rPr lang="en-US" dirty="0"/>
-              <a:t>3/10/2021</a:t>
+              <a:t>3/12/2021</a:t>
             </a:fld>
             <a:endParaRPr lang="en-US" dirty="0"/>
           </a:p>
@@ -2717,7 +2722,7 @@
           <a:p>
             <a:fld id="{6D22F896-40B5-4ADD-8801-0D06FADFA095}" type="slidenum">
               <a:rPr lang="en-US" dirty="0"/>
-              <a:t>‹nº›</a:t>
+              <a:t>‹#›</a:t>
             </a:fld>
             <a:endParaRPr lang="en-US" dirty="0"/>
           </a:p>
@@ -2884,7 +2889,7 @@
           <a:p>
             <a:fld id="{921D9284-D300-4297-87F7-E791DCC15DB1}" type="datetimeFigureOut">
               <a:rPr lang="en-US" dirty="0"/>
-              <a:t>3/10/2021</a:t>
+              <a:t>3/12/2021</a:t>
             </a:fld>
             <a:endParaRPr lang="en-US" dirty="0"/>
           </a:p>
@@ -2930,7 +2935,7 @@
           <a:p>
             <a:fld id="{6D22F896-40B5-4ADD-8801-0D06FADFA095}" type="slidenum">
               <a:rPr lang="en-US" dirty="0"/>
-              <a:t>‹nº›</a:t>
+              <a:t>‹#›</a:t>
             </a:fld>
             <a:endParaRPr lang="en-US" dirty="0"/>
           </a:p>
@@ -3253,7 +3258,7 @@
           <a:p>
             <a:fld id="{37D525BB-DA17-4BA0-B3C8-3AC3ABC827E6}" type="datetimeFigureOut">
               <a:rPr lang="en-US" dirty="0"/>
-              <a:t>3/10/2021</a:t>
+              <a:t>3/12/2021</a:t>
             </a:fld>
             <a:endParaRPr lang="en-US" dirty="0"/>
           </a:p>
@@ -3299,7 +3304,7 @@
           <a:p>
             <a:fld id="{6D22F896-40B5-4ADD-8801-0D06FADFA095}" type="slidenum">
               <a:rPr lang="en-US" dirty="0"/>
-              <a:t>‹nº›</a:t>
+              <a:t>‹#›</a:t>
             </a:fld>
             <a:endParaRPr lang="en-US" dirty="0"/>
           </a:p>
@@ -3656,7 +3661,7 @@
           <a:p>
             <a:fld id="{B16C4C9A-3960-41CF-A4E9-2A8FB932454B}" type="datetimeFigureOut">
               <a:rPr lang="en-US" dirty="0"/>
-              <a:t>3/10/2021</a:t>
+              <a:t>3/12/2021</a:t>
             </a:fld>
             <a:endParaRPr lang="en-US" dirty="0"/>
           </a:p>
@@ -3702,7 +3707,7 @@
           <a:p>
             <a:fld id="{6D22F896-40B5-4ADD-8801-0D06FADFA095}" type="slidenum">
               <a:rPr lang="en-US" dirty="0"/>
-              <a:t>‹nº›</a:t>
+              <a:t>‹#›</a:t>
             </a:fld>
             <a:endParaRPr lang="en-US" dirty="0"/>
           </a:p>
@@ -3967,7 +3972,7 @@
           <a:p>
             <a:fld id="{3CBC1C18-307B-4F68-A007-B5B542270E8D}" type="datetimeFigureOut">
               <a:rPr lang="en-US" dirty="0"/>
-              <a:t>3/10/2021</a:t>
+              <a:t>3/12/2021</a:t>
             </a:fld>
             <a:endParaRPr lang="en-US" dirty="0"/>
           </a:p>
@@ -4050,7 +4055,7 @@
             <a:fld id="{6D22F896-40B5-4ADD-8801-0D06FADFA095}" type="slidenum">
               <a:rPr lang="en-US" dirty="0"/>
               <a:pPr/>
-              <a:t>‹nº›</a:t>
+              <a:t>‹#›</a:t>
             </a:fld>
             <a:endParaRPr lang="en-US" dirty="0"/>
           </a:p>
@@ -4887,7 +4892,7 @@
                   </a:schemeClr>
                 </a:solidFill>
               </a:rPr>
-              <a:t>Grupo ?   </a:t>
+              <a:t>Grupo 39   </a:t>
             </a:r>
             <a:endParaRPr lang="en-US" sz="2400" dirty="0">
               <a:solidFill>
@@ -4915,6 +4920,15 @@
 <file path=ppt/slides/slide2.xml><?xml version="1.0" encoding="utf-8"?>
 <p:sld xmlns:a="http://schemas.openxmlformats.org/drawingml/2006/main" xmlns:r="http://schemas.openxmlformats.org/officeDocument/2006/relationships" xmlns:p="http://schemas.openxmlformats.org/presentationml/2006/main">
   <p:cSld>
+    <p:bg>
+      <p:bgPr>
+        <a:blipFill rotWithShape="1">
+          <a:blip r:embed="rId2"/>
+          <a:stretch/>
+        </a:blipFill>
+        <a:effectLst/>
+      </p:bgPr>
+    </p:bg>
     <p:spTree>
       <p:nvGrpSpPr>
         <p:cNvPr id="1" name=""/>
@@ -4929,6 +4943,348 @@
           <a:chExt cx="0" cy="0"/>
         </a:xfrm>
       </p:grpSpPr>
+      <p:sp useBgFill="1">
+        <p:nvSpPr>
+          <p:cNvPr id="27" name="Rectangle 26">
+            <a:extLst>
+              <a:ext uri="{FF2B5EF4-FFF2-40B4-BE49-F238E27FC236}">
+                <a16:creationId xmlns:a16="http://schemas.microsoft.com/office/drawing/2014/main" id="{6BB306D4-894F-4A1C-8DE5-1D54B03FD1F8}"/>
+              </a:ext>
+              <a:ext uri="{C183D7F6-B498-43B3-948B-1728B52AA6E4}">
+                <adec:decorative xmlns:adec="http://schemas.microsoft.com/office/drawing/2017/decorative" val="1"/>
+              </a:ext>
+            </a:extLst>
+          </p:cNvPr>
+          <p:cNvSpPr>
+            <a:spLocks noGrp="1" noRot="1" noChangeAspect="1" noMove="1" noResize="1" noEditPoints="1" noAdjustHandles="1" noChangeArrowheads="1" noChangeShapeType="1" noTextEdit="1"/>
+          </p:cNvSpPr>
+          <p:nvPr>
+            <p:extLst>
+              <p:ext uri="{386F3935-93C4-4BCD-93E2-E3B085C9AB24}">
+                <p16:designElem xmlns:p16="http://schemas.microsoft.com/office/powerpoint/2015/main" val="1"/>
+              </p:ext>
+            </p:extLst>
+          </p:nvPr>
+        </p:nvSpPr>
+        <p:spPr>
+          <a:xfrm>
+            <a:off x="0" y="0"/>
+            <a:ext cx="12189867" cy="6855282"/>
+          </a:xfrm>
+          <a:prstGeom prst="rect">
+            <a:avLst/>
+          </a:prstGeom>
+          <a:ln>
+            <a:noFill/>
+          </a:ln>
+        </p:spPr>
+        <p:style>
+          <a:lnRef idx="2">
+            <a:schemeClr val="accent1">
+              <a:shade val="50000"/>
+            </a:schemeClr>
+          </a:lnRef>
+          <a:fillRef idx="1">
+            <a:schemeClr val="accent1"/>
+          </a:fillRef>
+          <a:effectRef idx="0">
+            <a:schemeClr val="accent1"/>
+          </a:effectRef>
+          <a:fontRef idx="minor">
+            <a:schemeClr val="lt1"/>
+          </a:fontRef>
+        </p:style>
+        <p:txBody>
+          <a:bodyPr rtlCol="0" anchor="ctr"/>
+          <a:lstStyle/>
+          <a:p>
+            <a:pPr algn="ctr"/>
+            <a:endParaRPr lang="en-US"/>
+          </a:p>
+        </p:txBody>
+      </p:sp>
+      <p:pic>
+        <p:nvPicPr>
+          <p:cNvPr id="29" name="Picture 28">
+            <a:extLst>
+              <a:ext uri="{FF2B5EF4-FFF2-40B4-BE49-F238E27FC236}">
+                <a16:creationId xmlns:a16="http://schemas.microsoft.com/office/drawing/2014/main" id="{9509F6F8-AAE1-4937-902A-BEF577F4E374}"/>
+              </a:ext>
+              <a:ext uri="{C183D7F6-B498-43B3-948B-1728B52AA6E4}">
+                <adec:decorative xmlns:adec="http://schemas.microsoft.com/office/drawing/2017/decorative" val="1"/>
+              </a:ext>
+            </a:extLst>
+          </p:cNvPr>
+          <p:cNvPicPr>
+            <a:picLocks noGrp="1" noRot="1" noChangeAspect="1" noMove="1" noResize="1" noEditPoints="1" noAdjustHandles="1" noChangeArrowheads="1" noChangeShapeType="1" noCrop="1"/>
+          </p:cNvPicPr>
+          <p:nvPr>
+            <p:extLst>
+              <p:ext uri="{386F3935-93C4-4BCD-93E2-E3B085C9AB24}">
+                <p16:designElem xmlns:p16="http://schemas.microsoft.com/office/powerpoint/2015/main" val="1"/>
+              </p:ext>
+            </p:extLst>
+          </p:nvPr>
+        </p:nvPicPr>
+        <p:blipFill>
+          <a:blip r:embed="rId3">
+            <a:extLst>
+              <a:ext uri="{28A0092B-C50C-407E-A947-70E740481C1C}">
+                <a14:useLocalDpi xmlns:a14="http://schemas.microsoft.com/office/drawing/2010/main" val="0"/>
+              </a:ext>
+            </a:extLst>
+          </a:blip>
+          <a:stretch>
+            <a:fillRect/>
+          </a:stretch>
+        </p:blipFill>
+        <p:spPr>
+          <a:xfrm>
+            <a:off x="2831794" y="2105202"/>
+            <a:ext cx="9360205" cy="4752798"/>
+          </a:xfrm>
+          <a:prstGeom prst="rect">
+            <a:avLst/>
+          </a:prstGeom>
+        </p:spPr>
+      </p:pic>
+      <p:pic>
+        <p:nvPicPr>
+          <p:cNvPr id="31" name="Picture 30">
+            <a:extLst>
+              <a:ext uri="{FF2B5EF4-FFF2-40B4-BE49-F238E27FC236}">
+                <a16:creationId xmlns:a16="http://schemas.microsoft.com/office/drawing/2014/main" id="{D4FACF2C-80C1-44CC-8817-9EDADE5FF0E6}"/>
+              </a:ext>
+              <a:ext uri="{C183D7F6-B498-43B3-948B-1728B52AA6E4}">
+                <adec:decorative xmlns:adec="http://schemas.microsoft.com/office/drawing/2017/decorative" val="1"/>
+              </a:ext>
+            </a:extLst>
+          </p:cNvPr>
+          <p:cNvPicPr>
+            <a:picLocks noGrp="1" noRot="1" noChangeAspect="1" noMove="1" noResize="1" noEditPoints="1" noAdjustHandles="1" noChangeArrowheads="1" noChangeShapeType="1" noCrop="1"/>
+          </p:cNvPicPr>
+          <p:nvPr>
+            <p:extLst>
+              <p:ext uri="{386F3935-93C4-4BCD-93E2-E3B085C9AB24}">
+                <p16:designElem xmlns:p16="http://schemas.microsoft.com/office/powerpoint/2015/main" val="1"/>
+              </p:ext>
+            </p:extLst>
+          </p:nvPr>
+        </p:nvPicPr>
+        <p:blipFill>
+          <a:blip r:embed="rId4">
+            <a:alphaModFix/>
+            <a:extLst>
+              <a:ext uri="{28A0092B-C50C-407E-A947-70E740481C1C}">
+                <a14:useLocalDpi xmlns:a14="http://schemas.microsoft.com/office/drawing/2010/main" val="0"/>
+              </a:ext>
+            </a:extLst>
+          </a:blip>
+          <a:stretch>
+            <a:fillRect/>
+          </a:stretch>
+        </p:blipFill>
+        <p:spPr>
+          <a:xfrm>
+            <a:off x="0" y="0"/>
+            <a:ext cx="12189867" cy="6858000"/>
+          </a:xfrm>
+          <a:prstGeom prst="rect">
+            <a:avLst/>
+          </a:prstGeom>
+        </p:spPr>
+      </p:pic>
+      <p:sp>
+        <p:nvSpPr>
+          <p:cNvPr id="33" name="Rectangle 32">
+            <a:extLst>
+              <a:ext uri="{FF2B5EF4-FFF2-40B4-BE49-F238E27FC236}">
+                <a16:creationId xmlns:a16="http://schemas.microsoft.com/office/drawing/2014/main" id="{9610983A-DB5E-4133-A02A-03DA961CE0F4}"/>
+              </a:ext>
+              <a:ext uri="{C183D7F6-B498-43B3-948B-1728B52AA6E4}">
+                <adec:decorative xmlns:adec="http://schemas.microsoft.com/office/drawing/2017/decorative" val="1"/>
+              </a:ext>
+            </a:extLst>
+          </p:cNvPr>
+          <p:cNvSpPr>
+            <a:spLocks noGrp="1" noRot="1" noChangeAspect="1" noMove="1" noResize="1" noEditPoints="1" noAdjustHandles="1" noChangeArrowheads="1" noChangeShapeType="1" noTextEdit="1"/>
+          </p:cNvSpPr>
+          <p:nvPr>
+            <p:extLst>
+              <p:ext uri="{386F3935-93C4-4BCD-93E2-E3B085C9AB24}">
+                <p16:designElem xmlns:p16="http://schemas.microsoft.com/office/powerpoint/2015/main" val="1"/>
+              </p:ext>
+            </p:extLst>
+          </p:nvPr>
+        </p:nvSpPr>
+        <p:spPr>
+          <a:xfrm>
+            <a:off x="0" y="0"/>
+            <a:ext cx="964174" cy="6858000"/>
+          </a:xfrm>
+          <a:prstGeom prst="rect">
+            <a:avLst/>
+          </a:prstGeom>
+          <a:solidFill>
+            <a:schemeClr val="bg2"/>
+          </a:solidFill>
+          <a:ln>
+            <a:noFill/>
+          </a:ln>
+        </p:spPr>
+        <p:style>
+          <a:lnRef idx="2">
+            <a:schemeClr val="accent1">
+              <a:shade val="50000"/>
+            </a:schemeClr>
+          </a:lnRef>
+          <a:fillRef idx="1">
+            <a:schemeClr val="accent1"/>
+          </a:fillRef>
+          <a:effectRef idx="0">
+            <a:schemeClr val="accent1"/>
+          </a:effectRef>
+          <a:fontRef idx="minor">
+            <a:schemeClr val="lt1"/>
+          </a:fontRef>
+        </p:style>
+        <p:txBody>
+          <a:bodyPr rtlCol="0" anchor="ctr"/>
+          <a:lstStyle/>
+          <a:p>
+            <a:pPr algn="ctr"/>
+            <a:endParaRPr lang="en-US"/>
+          </a:p>
+        </p:txBody>
+      </p:sp>
+      <p:sp>
+        <p:nvSpPr>
+          <p:cNvPr id="35" name="Rectangle 34">
+            <a:extLst>
+              <a:ext uri="{FF2B5EF4-FFF2-40B4-BE49-F238E27FC236}">
+                <a16:creationId xmlns:a16="http://schemas.microsoft.com/office/drawing/2014/main" id="{674C9817-74DF-4960-9446-47B3FEBCBCF2}"/>
+              </a:ext>
+              <a:ext uri="{C183D7F6-B498-43B3-948B-1728B52AA6E4}">
+                <adec:decorative xmlns:adec="http://schemas.microsoft.com/office/drawing/2017/decorative" val="1"/>
+              </a:ext>
+            </a:extLst>
+          </p:cNvPr>
+          <p:cNvSpPr>
+            <a:spLocks noGrp="1" noRot="1" noChangeAspect="1" noMove="1" noResize="1" noEditPoints="1" noAdjustHandles="1" noChangeArrowheads="1" noChangeShapeType="1" noTextEdit="1"/>
+          </p:cNvSpPr>
+          <p:nvPr>
+            <p:extLst>
+              <p:ext uri="{386F3935-93C4-4BCD-93E2-E3B085C9AB24}">
+                <p16:designElem xmlns:p16="http://schemas.microsoft.com/office/powerpoint/2015/main" val="1"/>
+              </p:ext>
+            </p:extLst>
+          </p:nvPr>
+        </p:nvSpPr>
+        <p:spPr>
+          <a:xfrm>
+            <a:off x="962042" y="0"/>
+            <a:ext cx="45719" cy="6858000"/>
+          </a:xfrm>
+          <a:prstGeom prst="rect">
+            <a:avLst/>
+          </a:prstGeom>
+          <a:solidFill>
+            <a:schemeClr val="accent6"/>
+          </a:solidFill>
+          <a:ln>
+            <a:noFill/>
+          </a:ln>
+        </p:spPr>
+        <p:style>
+          <a:lnRef idx="2">
+            <a:schemeClr val="accent1">
+              <a:shade val="50000"/>
+            </a:schemeClr>
+          </a:lnRef>
+          <a:fillRef idx="1">
+            <a:schemeClr val="accent1"/>
+          </a:fillRef>
+          <a:effectRef idx="0">
+            <a:schemeClr val="accent1"/>
+          </a:effectRef>
+          <a:fontRef idx="minor">
+            <a:schemeClr val="lt1"/>
+          </a:fontRef>
+        </p:style>
+        <p:txBody>
+          <a:bodyPr rtlCol="0" anchor="ctr"/>
+          <a:lstStyle/>
+          <a:p>
+            <a:pPr algn="ctr"/>
+            <a:endParaRPr lang="en-US"/>
+          </a:p>
+        </p:txBody>
+      </p:sp>
+      <p:sp>
+        <p:nvSpPr>
+          <p:cNvPr id="37" name="Rectangle 36">
+            <a:extLst>
+              <a:ext uri="{FF2B5EF4-FFF2-40B4-BE49-F238E27FC236}">
+                <a16:creationId xmlns:a16="http://schemas.microsoft.com/office/drawing/2014/main" id="{4736E5F1-0280-40B7-BC3A-353B312A672A}"/>
+              </a:ext>
+              <a:ext uri="{C183D7F6-B498-43B3-948B-1728B52AA6E4}">
+                <adec:decorative xmlns:adec="http://schemas.microsoft.com/office/drawing/2017/decorative" val="1"/>
+              </a:ext>
+            </a:extLst>
+          </p:cNvPr>
+          <p:cNvSpPr>
+            <a:spLocks noGrp="1" noRot="1" noChangeAspect="1" noMove="1" noResize="1" noEditPoints="1" noAdjustHandles="1" noChangeArrowheads="1" noChangeShapeType="1" noTextEdit="1"/>
+          </p:cNvSpPr>
+          <p:nvPr>
+            <p:extLst>
+              <p:ext uri="{386F3935-93C4-4BCD-93E2-E3B085C9AB24}">
+                <p16:designElem xmlns:p16="http://schemas.microsoft.com/office/powerpoint/2015/main" val="1"/>
+              </p:ext>
+            </p:extLst>
+          </p:nvPr>
+        </p:nvSpPr>
+        <p:spPr>
+          <a:xfrm>
+            <a:off x="1007533" y="0"/>
+            <a:ext cx="10378001" cy="6858000"/>
+          </a:xfrm>
+          <a:prstGeom prst="rect">
+            <a:avLst/>
+          </a:prstGeom>
+          <a:solidFill>
+            <a:schemeClr val="bg2">
+              <a:alpha val="92000"/>
+            </a:schemeClr>
+          </a:solidFill>
+          <a:ln>
+            <a:noFill/>
+          </a:ln>
+        </p:spPr>
+        <p:style>
+          <a:lnRef idx="2">
+            <a:schemeClr val="accent1">
+              <a:shade val="50000"/>
+            </a:schemeClr>
+          </a:lnRef>
+          <a:fillRef idx="1">
+            <a:schemeClr val="accent1"/>
+          </a:fillRef>
+          <a:effectRef idx="0">
+            <a:schemeClr val="accent1"/>
+          </a:effectRef>
+          <a:fontRef idx="minor">
+            <a:schemeClr val="lt1"/>
+          </a:fontRef>
+        </p:style>
+        <p:txBody>
+          <a:bodyPr rtlCol="0" anchor="ctr"/>
+          <a:lstStyle/>
+          <a:p>
+            <a:pPr algn="ctr"/>
+            <a:endParaRPr lang="en-US"/>
+          </a:p>
+        </p:txBody>
+      </p:sp>
       <p:sp>
         <p:nvSpPr>
           <p:cNvPr id="2" name="Título 1">
@@ -4945,13 +5301,21 @@
             <p:ph type="title"/>
           </p:nvPr>
         </p:nvSpPr>
-        <p:spPr/>
-        <p:txBody>
-          <a:bodyPr/>
+        <p:spPr>
+          <a:xfrm>
+            <a:off x="2295928" y="808056"/>
+            <a:ext cx="4203364" cy="1077229"/>
+          </a:xfrm>
+        </p:spPr>
+        <p:txBody>
+          <a:bodyPr>
+            <a:normAutofit/>
+          </a:bodyPr>
           <a:lstStyle/>
           <a:p>
-            <a:r>
-              <a:rPr lang="pt-PT" dirty="0"/>
+            <a:pPr algn="l"/>
+            <a:r>
+              <a:rPr lang="pt-PT"/>
               <a:t>Especificação do Projeto</a:t>
             </a:r>
             <a:endParaRPr lang="en-US" dirty="0"/>
@@ -4974,11 +5338,140 @@
             <p:ph idx="1"/>
           </p:nvPr>
         </p:nvSpPr>
-        <p:spPr/>
-        <p:txBody>
-          <a:bodyPr/>
+        <p:spPr>
+          <a:xfrm>
+            <a:off x="2295929" y="2052116"/>
+            <a:ext cx="4203364" cy="3997828"/>
+          </a:xfrm>
+        </p:spPr>
+        <p:txBody>
+          <a:bodyPr>
+            <a:normAutofit/>
+          </a:bodyPr>
           <a:lstStyle/>
           <a:p>
+            <a:pPr>
+              <a:lnSpc>
+                <a:spcPct val="110000"/>
+              </a:lnSpc>
+            </a:pPr>
+            <a:r>
+              <a:rPr lang="pt-PT" sz="1100" b="0" i="0">
+                <a:effectLst/>
+                <a:latin typeface="Roboto"/>
+              </a:rPr>
+              <a:t>O jogo consiste na existência de um tabuleiro contendo diferentes tipos de “tiles”, correspondendo cada tile a uma célula do tabuleiro. Existem três tipos de tiles no jogo, onde cada um apresenta uma cor diferente que os relaciona com o seu objetivo no jogo. Tiles preenchidas com uma cor escura correspondem a paredes, tiles com um ponto no centro correspondem a tiles objetivo e tiles pintadas com um círculo no centro correspondem a tiles jogáveis.</a:t>
+            </a:r>
+          </a:p>
+          <a:p>
+            <a:pPr>
+              <a:lnSpc>
+                <a:spcPct val="110000"/>
+              </a:lnSpc>
+            </a:pPr>
+            <a:r>
+              <a:rPr lang="pt-PT" sz="1100" b="0" i="0">
+                <a:effectLst/>
+                <a:latin typeface="Roboto"/>
+              </a:rPr>
+              <a:t>O objetivo do jogo é colocar as tiles jogáveis nas posições onde se encontram as tiles objetivo com a cor correspondente. Para tal, o jogador pode deslocar as peças para cima, baixo, esquerda e direita. Os movimentos são sincronizados, portanto, deve-se usar tiles fixos existentes para criar espaços entre os tiles e resolver o puzzle.</a:t>
+            </a:r>
+          </a:p>
+        </p:txBody>
+      </p:sp>
+      <p:pic>
+        <p:nvPicPr>
+          <p:cNvPr id="7" name="Picture 6">
+            <a:extLst>
+              <a:ext uri="{FF2B5EF4-FFF2-40B4-BE49-F238E27FC236}">
+                <a16:creationId xmlns:a16="http://schemas.microsoft.com/office/drawing/2014/main" id="{0C34EE50-9874-4244-AC6D-A1BD91FD9CEC}"/>
+              </a:ext>
+            </a:extLst>
+          </p:cNvPr>
+          <p:cNvPicPr>
+            <a:picLocks noChangeAspect="1"/>
+          </p:cNvPicPr>
+          <p:nvPr/>
+        </p:nvPicPr>
+        <p:blipFill rotWithShape="1">
+          <a:blip r:embed="rId5"/>
+          <a:srcRect r="-2" b="5124"/>
+          <a:stretch/>
+        </p:blipFill>
+        <p:spPr>
+          <a:xfrm>
+            <a:off x="7318874" y="227"/>
+            <a:ext cx="4066046" cy="6858000"/>
+          </a:xfrm>
+          <a:prstGeom prst="rect">
+            <a:avLst/>
+          </a:prstGeom>
+          <a:ln w="12700">
+            <a:solidFill>
+              <a:schemeClr val="tx1"/>
+            </a:solidFill>
+          </a:ln>
+        </p:spPr>
+      </p:pic>
+      <p:sp>
+        <p:nvSpPr>
+          <p:cNvPr id="39" name="Rectangle 38">
+            <a:extLst>
+              <a:ext uri="{FF2B5EF4-FFF2-40B4-BE49-F238E27FC236}">
+                <a16:creationId xmlns:a16="http://schemas.microsoft.com/office/drawing/2014/main" id="{8FB3060F-E739-42D0-B49B-587B1F7C0F95}"/>
+              </a:ext>
+              <a:ext uri="{C183D7F6-B498-43B3-948B-1728B52AA6E4}">
+                <adec:decorative xmlns:adec="http://schemas.microsoft.com/office/drawing/2017/decorative" val="1"/>
+              </a:ext>
+            </a:extLst>
+          </p:cNvPr>
+          <p:cNvSpPr>
+            <a:spLocks noGrp="1" noRot="1" noChangeAspect="1" noMove="1" noResize="1" noEditPoints="1" noAdjustHandles="1" noChangeArrowheads="1" noChangeShapeType="1" noTextEdit="1"/>
+          </p:cNvSpPr>
+          <p:nvPr>
+            <p:extLst>
+              <p:ext uri="{386F3935-93C4-4BCD-93E2-E3B085C9AB24}">
+                <p16:designElem xmlns:p16="http://schemas.microsoft.com/office/powerpoint/2015/main" val="1"/>
+              </p:ext>
+            </p:extLst>
+          </p:nvPr>
+        </p:nvSpPr>
+        <p:spPr>
+          <a:xfrm>
+            <a:off x="11382586" y="0"/>
+            <a:ext cx="27432" cy="6858000"/>
+          </a:xfrm>
+          <a:prstGeom prst="rect">
+            <a:avLst/>
+          </a:prstGeom>
+          <a:solidFill>
+            <a:schemeClr val="accent6"/>
+          </a:solidFill>
+          <a:ln>
+            <a:noFill/>
+          </a:ln>
+        </p:spPr>
+        <p:style>
+          <a:lnRef idx="2">
+            <a:schemeClr val="accent1">
+              <a:shade val="50000"/>
+            </a:schemeClr>
+          </a:lnRef>
+          <a:fillRef idx="1">
+            <a:schemeClr val="accent1"/>
+          </a:fillRef>
+          <a:effectRef idx="0">
+            <a:schemeClr val="accent1"/>
+          </a:effectRef>
+          <a:fontRef idx="minor">
+            <a:schemeClr val="lt1"/>
+          </a:fontRef>
+        </p:style>
+        <p:txBody>
+          <a:bodyPr rtlCol="0" anchor="ctr"/>
+          <a:lstStyle/>
+          <a:p>
+            <a:pPr algn="ctr"/>
             <a:endParaRPr lang="en-US"/>
           </a:p>
         </p:txBody>
@@ -5036,11 +5529,7 @@
           <a:p>
             <a:r>
               <a:rPr lang="pt-PT" dirty="0"/>
-              <a:t>Referências e Trabalho </a:t>
-            </a:r>
-            <a:r>
-              <a:rPr lang="pt-PT" dirty="0" err="1"/>
-              <a:t>reçacionado</a:t>
+              <a:t>Referências e Trabalho relacionado</a:t>
             </a:r>
             <a:endParaRPr lang="en-US" dirty="0"/>
           </a:p>
@@ -5087,6 +5576,15 @@
 <file path=ppt/slides/slide4.xml><?xml version="1.0" encoding="utf-8"?>
 <p:sld xmlns:a="http://schemas.openxmlformats.org/drawingml/2006/main" xmlns:r="http://schemas.openxmlformats.org/officeDocument/2006/relationships" xmlns:p="http://schemas.openxmlformats.org/presentationml/2006/main">
   <p:cSld>
+    <p:bg>
+      <p:bgPr>
+        <a:blipFill rotWithShape="1">
+          <a:blip r:embed="rId2"/>
+          <a:stretch/>
+        </a:blipFill>
+        <a:effectLst/>
+      </p:bgPr>
+    </p:bg>
     <p:spTree>
       <p:nvGrpSpPr>
         <p:cNvPr id="1" name=""/>
@@ -5101,6 +5599,348 @@
           <a:chExt cx="0" cy="0"/>
         </a:xfrm>
       </p:grpSpPr>
+      <p:sp useBgFill="1">
+        <p:nvSpPr>
+          <p:cNvPr id="67" name="Rectangle 52">
+            <a:extLst>
+              <a:ext uri="{FF2B5EF4-FFF2-40B4-BE49-F238E27FC236}">
+                <a16:creationId xmlns:a16="http://schemas.microsoft.com/office/drawing/2014/main" id="{624A1565-B7E1-4C59-84A2-5831F11608D7}"/>
+              </a:ext>
+              <a:ext uri="{C183D7F6-B498-43B3-948B-1728B52AA6E4}">
+                <adec:decorative xmlns:adec="http://schemas.microsoft.com/office/drawing/2017/decorative" val="1"/>
+              </a:ext>
+            </a:extLst>
+          </p:cNvPr>
+          <p:cNvSpPr>
+            <a:spLocks noGrp="1" noRot="1" noChangeAspect="1" noMove="1" noResize="1" noEditPoints="1" noAdjustHandles="1" noChangeArrowheads="1" noChangeShapeType="1" noTextEdit="1"/>
+          </p:cNvSpPr>
+          <p:nvPr>
+            <p:extLst>
+              <p:ext uri="{386F3935-93C4-4BCD-93E2-E3B085C9AB24}">
+                <p16:designElem xmlns:p16="http://schemas.microsoft.com/office/powerpoint/2015/main" val="1"/>
+              </p:ext>
+            </p:extLst>
+          </p:nvPr>
+        </p:nvSpPr>
+        <p:spPr>
+          <a:xfrm>
+            <a:off x="0" y="0"/>
+            <a:ext cx="12189867" cy="6855282"/>
+          </a:xfrm>
+          <a:prstGeom prst="rect">
+            <a:avLst/>
+          </a:prstGeom>
+          <a:ln>
+            <a:noFill/>
+          </a:ln>
+        </p:spPr>
+        <p:style>
+          <a:lnRef idx="2">
+            <a:schemeClr val="accent1">
+              <a:shade val="50000"/>
+            </a:schemeClr>
+          </a:lnRef>
+          <a:fillRef idx="1">
+            <a:schemeClr val="accent1"/>
+          </a:fillRef>
+          <a:effectRef idx="0">
+            <a:schemeClr val="accent1"/>
+          </a:effectRef>
+          <a:fontRef idx="minor">
+            <a:schemeClr val="lt1"/>
+          </a:fontRef>
+        </p:style>
+        <p:txBody>
+          <a:bodyPr rtlCol="0" anchor="ctr"/>
+          <a:lstStyle/>
+          <a:p>
+            <a:pPr algn="ctr"/>
+            <a:endParaRPr lang="en-US"/>
+          </a:p>
+        </p:txBody>
+      </p:sp>
+      <p:pic>
+        <p:nvPicPr>
+          <p:cNvPr id="68" name="Picture 54">
+            <a:extLst>
+              <a:ext uri="{FF2B5EF4-FFF2-40B4-BE49-F238E27FC236}">
+                <a16:creationId xmlns:a16="http://schemas.microsoft.com/office/drawing/2014/main" id="{3B8B134C-47B2-49B8-B810-2931B20EA760}"/>
+              </a:ext>
+              <a:ext uri="{C183D7F6-B498-43B3-948B-1728B52AA6E4}">
+                <adec:decorative xmlns:adec="http://schemas.microsoft.com/office/drawing/2017/decorative" val="1"/>
+              </a:ext>
+            </a:extLst>
+          </p:cNvPr>
+          <p:cNvPicPr>
+            <a:picLocks noGrp="1" noRot="1" noChangeAspect="1" noMove="1" noResize="1" noEditPoints="1" noAdjustHandles="1" noChangeArrowheads="1" noChangeShapeType="1" noCrop="1"/>
+          </p:cNvPicPr>
+          <p:nvPr>
+            <p:extLst>
+              <p:ext uri="{386F3935-93C4-4BCD-93E2-E3B085C9AB24}">
+                <p16:designElem xmlns:p16="http://schemas.microsoft.com/office/powerpoint/2015/main" val="1"/>
+              </p:ext>
+            </p:extLst>
+          </p:nvPr>
+        </p:nvPicPr>
+        <p:blipFill>
+          <a:blip r:embed="rId3">
+            <a:extLst>
+              <a:ext uri="{28A0092B-C50C-407E-A947-70E740481C1C}">
+                <a14:useLocalDpi xmlns:a14="http://schemas.microsoft.com/office/drawing/2010/main" val="0"/>
+              </a:ext>
+            </a:extLst>
+          </a:blip>
+          <a:stretch>
+            <a:fillRect/>
+          </a:stretch>
+        </p:blipFill>
+        <p:spPr>
+          <a:xfrm>
+            <a:off x="2831794" y="2105202"/>
+            <a:ext cx="9360205" cy="4752798"/>
+          </a:xfrm>
+          <a:prstGeom prst="rect">
+            <a:avLst/>
+          </a:prstGeom>
+        </p:spPr>
+      </p:pic>
+      <p:pic>
+        <p:nvPicPr>
+          <p:cNvPr id="69" name="Picture 56">
+            <a:extLst>
+              <a:ext uri="{FF2B5EF4-FFF2-40B4-BE49-F238E27FC236}">
+                <a16:creationId xmlns:a16="http://schemas.microsoft.com/office/drawing/2014/main" id="{1550BD34-8417-42DB-BEA7-96B1E4156223}"/>
+              </a:ext>
+              <a:ext uri="{C183D7F6-B498-43B3-948B-1728B52AA6E4}">
+                <adec:decorative xmlns:adec="http://schemas.microsoft.com/office/drawing/2017/decorative" val="1"/>
+              </a:ext>
+            </a:extLst>
+          </p:cNvPr>
+          <p:cNvPicPr>
+            <a:picLocks noGrp="1" noRot="1" noChangeAspect="1" noMove="1" noResize="1" noEditPoints="1" noAdjustHandles="1" noChangeArrowheads="1" noChangeShapeType="1" noCrop="1"/>
+          </p:cNvPicPr>
+          <p:nvPr>
+            <p:extLst>
+              <p:ext uri="{386F3935-93C4-4BCD-93E2-E3B085C9AB24}">
+                <p16:designElem xmlns:p16="http://schemas.microsoft.com/office/powerpoint/2015/main" val="1"/>
+              </p:ext>
+            </p:extLst>
+          </p:nvPr>
+        </p:nvPicPr>
+        <p:blipFill>
+          <a:blip r:embed="rId4">
+            <a:alphaModFix/>
+            <a:extLst>
+              <a:ext uri="{28A0092B-C50C-407E-A947-70E740481C1C}">
+                <a14:useLocalDpi xmlns:a14="http://schemas.microsoft.com/office/drawing/2010/main" val="0"/>
+              </a:ext>
+            </a:extLst>
+          </a:blip>
+          <a:stretch>
+            <a:fillRect/>
+          </a:stretch>
+        </p:blipFill>
+        <p:spPr>
+          <a:xfrm>
+            <a:off x="0" y="0"/>
+            <a:ext cx="12189867" cy="6858000"/>
+          </a:xfrm>
+          <a:prstGeom prst="rect">
+            <a:avLst/>
+          </a:prstGeom>
+        </p:spPr>
+      </p:pic>
+      <p:sp>
+        <p:nvSpPr>
+          <p:cNvPr id="70" name="Rectangle 58">
+            <a:extLst>
+              <a:ext uri="{FF2B5EF4-FFF2-40B4-BE49-F238E27FC236}">
+                <a16:creationId xmlns:a16="http://schemas.microsoft.com/office/drawing/2014/main" id="{EE04A24D-ECF7-4024-BAC2-981BA69CF65C}"/>
+              </a:ext>
+              <a:ext uri="{C183D7F6-B498-43B3-948B-1728B52AA6E4}">
+                <adec:decorative xmlns:adec="http://schemas.microsoft.com/office/drawing/2017/decorative" val="1"/>
+              </a:ext>
+            </a:extLst>
+          </p:cNvPr>
+          <p:cNvSpPr>
+            <a:spLocks noGrp="1" noRot="1" noChangeAspect="1" noMove="1" noResize="1" noEditPoints="1" noAdjustHandles="1" noChangeArrowheads="1" noChangeShapeType="1" noTextEdit="1"/>
+          </p:cNvSpPr>
+          <p:nvPr>
+            <p:extLst>
+              <p:ext uri="{386F3935-93C4-4BCD-93E2-E3B085C9AB24}">
+                <p16:designElem xmlns:p16="http://schemas.microsoft.com/office/powerpoint/2015/main" val="1"/>
+              </p:ext>
+            </p:extLst>
+          </p:nvPr>
+        </p:nvSpPr>
+        <p:spPr>
+          <a:xfrm>
+            <a:off x="0" y="0"/>
+            <a:ext cx="964174" cy="6858000"/>
+          </a:xfrm>
+          <a:prstGeom prst="rect">
+            <a:avLst/>
+          </a:prstGeom>
+          <a:solidFill>
+            <a:schemeClr val="bg2"/>
+          </a:solidFill>
+          <a:ln>
+            <a:noFill/>
+          </a:ln>
+        </p:spPr>
+        <p:style>
+          <a:lnRef idx="2">
+            <a:schemeClr val="accent1">
+              <a:shade val="50000"/>
+            </a:schemeClr>
+          </a:lnRef>
+          <a:fillRef idx="1">
+            <a:schemeClr val="accent1"/>
+          </a:fillRef>
+          <a:effectRef idx="0">
+            <a:schemeClr val="accent1"/>
+          </a:effectRef>
+          <a:fontRef idx="minor">
+            <a:schemeClr val="lt1"/>
+          </a:fontRef>
+        </p:style>
+        <p:txBody>
+          <a:bodyPr rtlCol="0" anchor="ctr"/>
+          <a:lstStyle/>
+          <a:p>
+            <a:pPr algn="ctr"/>
+            <a:endParaRPr lang="en-US"/>
+          </a:p>
+        </p:txBody>
+      </p:sp>
+      <p:sp>
+        <p:nvSpPr>
+          <p:cNvPr id="71" name="Rectangle 60">
+            <a:extLst>
+              <a:ext uri="{FF2B5EF4-FFF2-40B4-BE49-F238E27FC236}">
+                <a16:creationId xmlns:a16="http://schemas.microsoft.com/office/drawing/2014/main" id="{F1C3D135-9831-45A9-8FBE-2A2548C87BCE}"/>
+              </a:ext>
+              <a:ext uri="{C183D7F6-B498-43B3-948B-1728B52AA6E4}">
+                <adec:decorative xmlns:adec="http://schemas.microsoft.com/office/drawing/2017/decorative" val="1"/>
+              </a:ext>
+            </a:extLst>
+          </p:cNvPr>
+          <p:cNvSpPr>
+            <a:spLocks noGrp="1" noRot="1" noChangeAspect="1" noMove="1" noResize="1" noEditPoints="1" noAdjustHandles="1" noChangeArrowheads="1" noChangeShapeType="1" noTextEdit="1"/>
+          </p:cNvSpPr>
+          <p:nvPr>
+            <p:extLst>
+              <p:ext uri="{386F3935-93C4-4BCD-93E2-E3B085C9AB24}">
+                <p16:designElem xmlns:p16="http://schemas.microsoft.com/office/powerpoint/2015/main" val="1"/>
+              </p:ext>
+            </p:extLst>
+          </p:nvPr>
+        </p:nvSpPr>
+        <p:spPr>
+          <a:xfrm>
+            <a:off x="962042" y="0"/>
+            <a:ext cx="45719" cy="6858000"/>
+          </a:xfrm>
+          <a:prstGeom prst="rect">
+            <a:avLst/>
+          </a:prstGeom>
+          <a:solidFill>
+            <a:schemeClr val="accent6"/>
+          </a:solidFill>
+          <a:ln>
+            <a:noFill/>
+          </a:ln>
+        </p:spPr>
+        <p:style>
+          <a:lnRef idx="2">
+            <a:schemeClr val="accent1">
+              <a:shade val="50000"/>
+            </a:schemeClr>
+          </a:lnRef>
+          <a:fillRef idx="1">
+            <a:schemeClr val="accent1"/>
+          </a:fillRef>
+          <a:effectRef idx="0">
+            <a:schemeClr val="accent1"/>
+          </a:effectRef>
+          <a:fontRef idx="minor">
+            <a:schemeClr val="lt1"/>
+          </a:fontRef>
+        </p:style>
+        <p:txBody>
+          <a:bodyPr rtlCol="0" anchor="ctr"/>
+          <a:lstStyle/>
+          <a:p>
+            <a:pPr algn="ctr"/>
+            <a:endParaRPr lang="en-US"/>
+          </a:p>
+        </p:txBody>
+      </p:sp>
+      <p:sp>
+        <p:nvSpPr>
+          <p:cNvPr id="72" name="Rectangle 62">
+            <a:extLst>
+              <a:ext uri="{FF2B5EF4-FFF2-40B4-BE49-F238E27FC236}">
+                <a16:creationId xmlns:a16="http://schemas.microsoft.com/office/drawing/2014/main" id="{F8375ABF-52E0-4C78-B2CF-0A949D7D887E}"/>
+              </a:ext>
+              <a:ext uri="{C183D7F6-B498-43B3-948B-1728B52AA6E4}">
+                <adec:decorative xmlns:adec="http://schemas.microsoft.com/office/drawing/2017/decorative" val="1"/>
+              </a:ext>
+            </a:extLst>
+          </p:cNvPr>
+          <p:cNvSpPr>
+            <a:spLocks noGrp="1" noRot="1" noChangeAspect="1" noMove="1" noResize="1" noEditPoints="1" noAdjustHandles="1" noChangeArrowheads="1" noChangeShapeType="1" noTextEdit="1"/>
+          </p:cNvSpPr>
+          <p:nvPr>
+            <p:extLst>
+              <p:ext uri="{386F3935-93C4-4BCD-93E2-E3B085C9AB24}">
+                <p16:designElem xmlns:p16="http://schemas.microsoft.com/office/powerpoint/2015/main" val="1"/>
+              </p:ext>
+            </p:extLst>
+          </p:nvPr>
+        </p:nvSpPr>
+        <p:spPr>
+          <a:xfrm>
+            <a:off x="1007533" y="0"/>
+            <a:ext cx="10378001" cy="6858000"/>
+          </a:xfrm>
+          <a:prstGeom prst="rect">
+            <a:avLst/>
+          </a:prstGeom>
+          <a:solidFill>
+            <a:schemeClr val="bg2">
+              <a:alpha val="92000"/>
+            </a:schemeClr>
+          </a:solidFill>
+          <a:ln>
+            <a:noFill/>
+          </a:ln>
+        </p:spPr>
+        <p:style>
+          <a:lnRef idx="2">
+            <a:schemeClr val="accent1">
+              <a:shade val="50000"/>
+            </a:schemeClr>
+          </a:lnRef>
+          <a:fillRef idx="1">
+            <a:schemeClr val="accent1"/>
+          </a:fillRef>
+          <a:effectRef idx="0">
+            <a:schemeClr val="accent1"/>
+          </a:effectRef>
+          <a:fontRef idx="minor">
+            <a:schemeClr val="lt1"/>
+          </a:fontRef>
+        </p:style>
+        <p:txBody>
+          <a:bodyPr rtlCol="0" anchor="ctr"/>
+          <a:lstStyle/>
+          <a:p>
+            <a:pPr algn="ctr"/>
+            <a:endParaRPr lang="en-US"/>
+          </a:p>
+        </p:txBody>
+      </p:sp>
       <p:sp>
         <p:nvSpPr>
           <p:cNvPr id="2" name="Título 1">
@@ -5117,16 +5957,24 @@
             <p:ph type="title"/>
           </p:nvPr>
         </p:nvSpPr>
-        <p:spPr/>
-        <p:txBody>
-          <a:bodyPr/>
+        <p:spPr>
+          <a:xfrm>
+            <a:off x="1969804" y="808056"/>
+            <a:ext cx="3969504" cy="1077229"/>
+          </a:xfrm>
+        </p:spPr>
+        <p:txBody>
+          <a:bodyPr>
+            <a:normAutofit/>
+          </a:bodyPr>
           <a:lstStyle/>
           <a:p>
-            <a:r>
-              <a:rPr lang="pt-PT" dirty="0"/>
+            <a:pPr algn="l"/>
+            <a:r>
+              <a:rPr lang="pt-PT" sz="2100"/>
               <a:t>Formulação do Problema como um problema de pesquisa</a:t>
             </a:r>
-            <a:endParaRPr lang="en-US" dirty="0"/>
+            <a:endParaRPr lang="en-US" sz="2100"/>
           </a:p>
         </p:txBody>
       </p:sp>
@@ -5146,12 +5994,1755 @@
             <p:ph idx="1"/>
           </p:nvPr>
         </p:nvSpPr>
-        <p:spPr/>
-        <p:txBody>
-          <a:bodyPr/>
+        <p:spPr>
+          <a:xfrm>
+            <a:off x="1571879" y="2363321"/>
+            <a:ext cx="4521988" cy="4601919"/>
+          </a:xfrm>
+        </p:spPr>
+        <p:txBody>
+          <a:bodyPr>
+            <a:normAutofit/>
+          </a:bodyPr>
           <a:lstStyle/>
           <a:p>
+            <a:pPr>
+              <a:lnSpc>
+                <a:spcPct val="110000"/>
+              </a:lnSpc>
+            </a:pPr>
+            <a:r>
+              <a:rPr lang="pt-PT" sz="1300" dirty="0"/>
+              <a:t>Estado de Representação:</a:t>
+            </a:r>
+          </a:p>
+          <a:p>
+            <a:pPr lvl="1">
+              <a:lnSpc>
+                <a:spcPct val="110000"/>
+              </a:lnSpc>
+            </a:pPr>
+            <a:r>
+              <a:rPr lang="pt-PT" sz="1300" dirty="0"/>
+              <a:t>O tabuleiro de jogo é representado por uma matriz B quadrangular com Y colunas e Y linhas, 4&lt;Y&lt;6. Os valores de cada célula podem ser X, no caso de ser uma parede, IZ, no caso de ser uma célula jogável e FZ no caso de ser uma célula destino (Z corresponde à cor da célula).</a:t>
+            </a:r>
+          </a:p>
+          <a:p>
+            <a:pPr>
+              <a:lnSpc>
+                <a:spcPct val="110000"/>
+              </a:lnSpc>
+            </a:pPr>
+            <a:r>
+              <a:rPr lang="en-US" sz="1300" dirty="0"/>
+              <a:t>Initial State: </a:t>
+            </a:r>
+          </a:p>
+          <a:p>
+            <a:pPr lvl="1">
+              <a:lnSpc>
+                <a:spcPct val="110000"/>
+              </a:lnSpc>
+            </a:pPr>
+            <a:r>
+              <a:rPr lang="pt-PT" sz="1100"/>
+              <a:t>Matriz B com estado inicial desejado.</a:t>
+            </a:r>
+            <a:endParaRPr lang="en-US" sz="1100" dirty="0"/>
+          </a:p>
+          <a:p>
+            <a:pPr>
+              <a:lnSpc>
+                <a:spcPct val="110000"/>
+              </a:lnSpc>
+            </a:pPr>
+            <a:r>
+              <a:rPr lang="pt-PT" sz="1300" dirty="0"/>
+              <a:t>Estado Objetivo</a:t>
+            </a:r>
+          </a:p>
+          <a:p>
+            <a:pPr lvl="1">
+              <a:lnSpc>
+                <a:spcPct val="110000"/>
+              </a:lnSpc>
+            </a:pPr>
+            <a:r>
+              <a:rPr lang="pt-PT" sz="1100" dirty="0"/>
+              <a:t>Matriz sem estados finais (FZ) sozinhos.</a:t>
+            </a:r>
+          </a:p>
+          <a:p>
+            <a:pPr>
+              <a:lnSpc>
+                <a:spcPct val="110000"/>
+              </a:lnSpc>
+            </a:pPr>
+            <a:r>
+              <a:rPr lang="pt-PT" sz="1300" dirty="0"/>
+              <a:t>Heurística:</a:t>
+            </a:r>
+          </a:p>
+          <a:p>
+            <a:pPr lvl="1">
+              <a:lnSpc>
+                <a:spcPct val="110000"/>
+              </a:lnSpc>
+            </a:pPr>
+            <a:r>
+              <a:rPr lang="pt-PT" sz="1100" dirty="0"/>
+              <a:t>Número de estados finais () sozinhos (que não têm célula jogável (IZ) em cima)</a:t>
+            </a:r>
+          </a:p>
+          <a:p>
+            <a:pPr>
+              <a:lnSpc>
+                <a:spcPct val="110000"/>
+              </a:lnSpc>
+            </a:pPr>
+            <a:endParaRPr lang="pt-PT" sz="1300" dirty="0"/>
+          </a:p>
+          <a:p>
+            <a:pPr>
+              <a:lnSpc>
+                <a:spcPct val="110000"/>
+              </a:lnSpc>
+            </a:pPr>
+            <a:endParaRPr lang="pt-PT" sz="1300" dirty="0"/>
+          </a:p>
+          <a:p>
+            <a:pPr marL="457200" lvl="1" indent="0">
+              <a:lnSpc>
+                <a:spcPct val="110000"/>
+              </a:lnSpc>
+              <a:buNone/>
+            </a:pPr>
+            <a:endParaRPr lang="pt-PT" sz="1300" dirty="0"/>
+          </a:p>
+        </p:txBody>
+      </p:sp>
+      <p:sp>
+        <p:nvSpPr>
+          <p:cNvPr id="73" name="Rectangle 64">
+            <a:extLst>
+              <a:ext uri="{FF2B5EF4-FFF2-40B4-BE49-F238E27FC236}">
+                <a16:creationId xmlns:a16="http://schemas.microsoft.com/office/drawing/2014/main" id="{34BB1BDF-EAFF-49B6-ABF3-7F9B3201C989}"/>
+              </a:ext>
+              <a:ext uri="{C183D7F6-B498-43B3-948B-1728B52AA6E4}">
+                <adec:decorative xmlns:adec="http://schemas.microsoft.com/office/drawing/2017/decorative" val="1"/>
+              </a:ext>
+            </a:extLst>
+          </p:cNvPr>
+          <p:cNvSpPr>
+            <a:spLocks noGrp="1" noRot="1" noChangeAspect="1" noMove="1" noResize="1" noEditPoints="1" noAdjustHandles="1" noChangeArrowheads="1" noChangeShapeType="1" noTextEdit="1"/>
+          </p:cNvSpPr>
+          <p:nvPr>
+            <p:extLst>
+              <p:ext uri="{386F3935-93C4-4BCD-93E2-E3B085C9AB24}">
+                <p16:designElem xmlns:p16="http://schemas.microsoft.com/office/powerpoint/2015/main" val="1"/>
+              </p:ext>
+            </p:extLst>
+          </p:nvPr>
+        </p:nvSpPr>
+        <p:spPr>
+          <a:xfrm>
+            <a:off x="11387666" y="-2718"/>
+            <a:ext cx="27432" cy="6858000"/>
+          </a:xfrm>
+          <a:prstGeom prst="rect">
+            <a:avLst/>
+          </a:prstGeom>
+          <a:solidFill>
+            <a:schemeClr val="accent6"/>
+          </a:solidFill>
+          <a:ln>
+            <a:noFill/>
+          </a:ln>
+        </p:spPr>
+        <p:style>
+          <a:lnRef idx="2">
+            <a:schemeClr val="accent1">
+              <a:shade val="50000"/>
+            </a:schemeClr>
+          </a:lnRef>
+          <a:fillRef idx="1">
+            <a:schemeClr val="accent1"/>
+          </a:fillRef>
+          <a:effectRef idx="0">
+            <a:schemeClr val="accent1"/>
+          </a:effectRef>
+          <a:fontRef idx="minor">
+            <a:schemeClr val="lt1"/>
+          </a:fontRef>
+        </p:style>
+        <p:txBody>
+          <a:bodyPr rtlCol="0" anchor="ctr"/>
+          <a:lstStyle/>
+          <a:p>
+            <a:pPr algn="ctr"/>
             <a:endParaRPr lang="en-US"/>
+          </a:p>
+        </p:txBody>
+      </p:sp>
+      <p:graphicFrame>
+        <p:nvGraphicFramePr>
+          <p:cNvPr id="6" name="Table 18">
+            <a:extLst>
+              <a:ext uri="{FF2B5EF4-FFF2-40B4-BE49-F238E27FC236}">
+                <a16:creationId xmlns:a16="http://schemas.microsoft.com/office/drawing/2014/main" id="{A5AB2A3A-49C0-4037-8854-D0B68F829BAB}"/>
+              </a:ext>
+            </a:extLst>
+          </p:cNvPr>
+          <p:cNvGraphicFramePr>
+            <a:graphicFrameLocks noGrp="1"/>
+          </p:cNvGraphicFramePr>
+          <p:nvPr>
+            <p:extLst>
+              <p:ext uri="{D42A27DB-BD31-4B8C-83A1-F6EECF244321}">
+                <p14:modId xmlns:p14="http://schemas.microsoft.com/office/powerpoint/2010/main" val="2275611441"/>
+              </p:ext>
+            </p:extLst>
+          </p:nvPr>
+        </p:nvGraphicFramePr>
+        <p:xfrm>
+          <a:off x="6573679" y="2403642"/>
+          <a:ext cx="4144145" cy="3513581"/>
+        </p:xfrm>
+        <a:graphic>
+          <a:graphicData uri="http://schemas.openxmlformats.org/drawingml/2006/table">
+            <a:tbl>
+              <a:tblPr firstRow="1" bandRow="1">
+                <a:noFill/>
+                <a:tableStyleId>{5C22544A-7EE6-4342-B048-85BDC9FD1C3A}</a:tableStyleId>
+              </a:tblPr>
+              <a:tblGrid>
+                <a:gridCol w="812050">
+                  <a:extLst>
+                    <a:ext uri="{9D8B030D-6E8A-4147-A177-3AD203B41FA5}">
+                      <a16:colId xmlns:a16="http://schemas.microsoft.com/office/drawing/2014/main" val="2159812458"/>
+                    </a:ext>
+                  </a:extLst>
+                </a:gridCol>
+                <a:gridCol w="1459333">
+                  <a:extLst>
+                    <a:ext uri="{9D8B030D-6E8A-4147-A177-3AD203B41FA5}">
+                      <a16:colId xmlns:a16="http://schemas.microsoft.com/office/drawing/2014/main" val="4186244219"/>
+                    </a:ext>
+                  </a:extLst>
+                </a:gridCol>
+                <a:gridCol w="1072661">
+                  <a:extLst>
+                    <a:ext uri="{9D8B030D-6E8A-4147-A177-3AD203B41FA5}">
+                      <a16:colId xmlns:a16="http://schemas.microsoft.com/office/drawing/2014/main" val="1842513993"/>
+                    </a:ext>
+                  </a:extLst>
+                </a:gridCol>
+                <a:gridCol w="800101">
+                  <a:extLst>
+                    <a:ext uri="{9D8B030D-6E8A-4147-A177-3AD203B41FA5}">
+                      <a16:colId xmlns:a16="http://schemas.microsoft.com/office/drawing/2014/main" val="3297339727"/>
+                    </a:ext>
+                  </a:extLst>
+                </a:gridCol>
+              </a:tblGrid>
+              <a:tr h="592611">
+                <a:tc>
+                  <a:txBody>
+                    <a:bodyPr/>
+                    <a:lstStyle/>
+                    <a:p>
+                      <a:r>
+                        <a:rPr lang="pt-PT" sz="1200" noProof="0">
+                          <a:solidFill>
+                            <a:schemeClr val="tx1">
+                              <a:lumMod val="75000"/>
+                              <a:lumOff val="25000"/>
+                            </a:schemeClr>
+                          </a:solidFill>
+                        </a:rPr>
+                        <a:t>Nome</a:t>
+                      </a:r>
+                    </a:p>
+                  </a:txBody>
+                  <a:tcPr marL="160954" marR="96573" marT="96573" marB="96573">
+                    <a:lnL w="12700" cmpd="sng">
+                      <a:noFill/>
+                      <a:prstDash val="solid"/>
+                    </a:lnL>
+                    <a:lnR w="12700" cmpd="sng">
+                      <a:noFill/>
+                      <a:prstDash val="solid"/>
+                    </a:lnR>
+                    <a:lnT w="19050" cap="flat" cmpd="sng" algn="ctr">
+                      <a:solidFill>
+                        <a:srgbClr val="8F9A9D">
+                          <a:alpha val="60000"/>
+                        </a:srgbClr>
+                      </a:solidFill>
+                      <a:prstDash val="solid"/>
+                    </a:lnT>
+                    <a:lnB w="12700" cmpd="sng">
+                      <a:noFill/>
+                      <a:prstDash val="solid"/>
+                    </a:lnB>
+                    <a:noFill/>
+                  </a:tcPr>
+                </a:tc>
+                <a:tc>
+                  <a:txBody>
+                    <a:bodyPr/>
+                    <a:lstStyle/>
+                    <a:p>
+                      <a:r>
+                        <a:rPr lang="pt-PT" sz="1200" noProof="0">
+                          <a:solidFill>
+                            <a:schemeClr val="tx1">
+                              <a:lumMod val="75000"/>
+                              <a:lumOff val="25000"/>
+                            </a:schemeClr>
+                          </a:solidFill>
+                        </a:rPr>
+                        <a:t>Pre-condição</a:t>
+                      </a:r>
+                    </a:p>
+                  </a:txBody>
+                  <a:tcPr marL="160954" marR="96573" marT="96573" marB="96573">
+                    <a:lnL w="12700" cmpd="sng">
+                      <a:noFill/>
+                      <a:prstDash val="solid"/>
+                    </a:lnL>
+                    <a:lnR w="12700" cmpd="sng">
+                      <a:noFill/>
+                      <a:prstDash val="solid"/>
+                    </a:lnR>
+                    <a:lnT w="19050" cap="flat" cmpd="sng" algn="ctr">
+                      <a:solidFill>
+                        <a:srgbClr val="8F9A9D">
+                          <a:alpha val="60000"/>
+                        </a:srgbClr>
+                      </a:solidFill>
+                      <a:prstDash val="solid"/>
+                    </a:lnT>
+                    <a:lnB w="12700" cmpd="sng">
+                      <a:noFill/>
+                      <a:prstDash val="solid"/>
+                    </a:lnB>
+                    <a:noFill/>
+                  </a:tcPr>
+                </a:tc>
+                <a:tc>
+                  <a:txBody>
+                    <a:bodyPr/>
+                    <a:lstStyle/>
+                    <a:p>
+                      <a:r>
+                        <a:rPr lang="pt-PT" sz="1200" noProof="0">
+                          <a:solidFill>
+                            <a:schemeClr val="tx1">
+                              <a:lumMod val="75000"/>
+                              <a:lumOff val="25000"/>
+                            </a:schemeClr>
+                          </a:solidFill>
+                        </a:rPr>
+                        <a:t>Efeitos</a:t>
+                      </a:r>
+                      <a:endParaRPr lang="pt-PT" sz="1200" noProof="0" dirty="0">
+                        <a:solidFill>
+                          <a:schemeClr val="tx1">
+                            <a:lumMod val="75000"/>
+                            <a:lumOff val="25000"/>
+                          </a:schemeClr>
+                        </a:solidFill>
+                      </a:endParaRPr>
+                    </a:p>
+                  </a:txBody>
+                  <a:tcPr marL="160954" marR="96573" marT="96573" marB="96573">
+                    <a:lnL w="12700" cmpd="sng">
+                      <a:noFill/>
+                      <a:prstDash val="solid"/>
+                    </a:lnL>
+                    <a:lnR w="12700" cmpd="sng">
+                      <a:noFill/>
+                      <a:prstDash val="solid"/>
+                    </a:lnR>
+                    <a:lnT w="19050" cap="flat" cmpd="sng" algn="ctr">
+                      <a:solidFill>
+                        <a:srgbClr val="8F9A9D">
+                          <a:alpha val="60000"/>
+                        </a:srgbClr>
+                      </a:solidFill>
+                      <a:prstDash val="solid"/>
+                    </a:lnT>
+                    <a:lnB w="12700" cmpd="sng">
+                      <a:noFill/>
+                      <a:prstDash val="solid"/>
+                    </a:lnB>
+                    <a:noFill/>
+                  </a:tcPr>
+                </a:tc>
+                <a:tc>
+                  <a:txBody>
+                    <a:bodyPr/>
+                    <a:lstStyle/>
+                    <a:p>
+                      <a:r>
+                        <a:rPr lang="pt-PT" sz="1200" noProof="0">
+                          <a:solidFill>
+                            <a:schemeClr val="tx1">
+                              <a:lumMod val="75000"/>
+                              <a:lumOff val="25000"/>
+                            </a:schemeClr>
+                          </a:solidFill>
+                        </a:rPr>
+                        <a:t>Custo</a:t>
+                      </a:r>
+                      <a:endParaRPr lang="pt-PT" sz="1200" noProof="0" dirty="0">
+                        <a:solidFill>
+                          <a:schemeClr val="tx1">
+                            <a:lumMod val="75000"/>
+                            <a:lumOff val="25000"/>
+                          </a:schemeClr>
+                        </a:solidFill>
+                      </a:endParaRPr>
+                    </a:p>
+                  </a:txBody>
+                  <a:tcPr marL="160954" marR="96573" marT="96573" marB="96573">
+                    <a:lnL w="12700" cmpd="sng">
+                      <a:noFill/>
+                      <a:prstDash val="solid"/>
+                    </a:lnL>
+                    <a:lnR w="12700" cmpd="sng">
+                      <a:noFill/>
+                      <a:prstDash val="solid"/>
+                    </a:lnR>
+                    <a:lnT w="19050" cap="flat" cmpd="sng" algn="ctr">
+                      <a:solidFill>
+                        <a:srgbClr val="8F9A9D">
+                          <a:alpha val="60000"/>
+                        </a:srgbClr>
+                      </a:solidFill>
+                      <a:prstDash val="solid"/>
+                    </a:lnT>
+                    <a:lnB w="12700" cmpd="sng">
+                      <a:noFill/>
+                      <a:prstDash val="solid"/>
+                    </a:lnB>
+                    <a:noFill/>
+                  </a:tcPr>
+                </a:tc>
+                <a:extLst>
+                  <a:ext uri="{0D108BD9-81ED-4DB2-BD59-A6C34878D82A}">
+                    <a16:rowId xmlns:a16="http://schemas.microsoft.com/office/drawing/2014/main" val="3537534047"/>
+                  </a:ext>
+                </a:extLst>
+              </a:tr>
+              <a:tr h="623951">
+                <a:tc>
+                  <a:txBody>
+                    <a:bodyPr/>
+                    <a:lstStyle/>
+                    <a:p>
+                      <a:r>
+                        <a:rPr lang="en-US" sz="900">
+                          <a:solidFill>
+                            <a:schemeClr val="tx1">
+                              <a:lumMod val="75000"/>
+                              <a:lumOff val="25000"/>
+                            </a:schemeClr>
+                          </a:solidFill>
+                        </a:rPr>
+                        <a:t>Up</a:t>
+                      </a:r>
+                      <a:endParaRPr lang="pt-PT" sz="900">
+                        <a:solidFill>
+                          <a:schemeClr val="tx1">
+                            <a:lumMod val="75000"/>
+                            <a:lumOff val="25000"/>
+                          </a:schemeClr>
+                        </a:solidFill>
+                      </a:endParaRPr>
+                    </a:p>
+                  </a:txBody>
+                  <a:tcPr marL="160954" marR="83697" marT="83697" marB="83697">
+                    <a:lnL w="12700" cmpd="sng">
+                      <a:noFill/>
+                      <a:prstDash val="solid"/>
+                    </a:lnL>
+                    <a:lnR w="12700" cmpd="sng">
+                      <a:noFill/>
+                      <a:prstDash val="solid"/>
+                    </a:lnR>
+                    <a:lnT w="12700" cmpd="sng">
+                      <a:noFill/>
+                      <a:prstDash val="solid"/>
+                    </a:lnT>
+                    <a:lnB w="19050" cap="flat" cmpd="sng" algn="ctr">
+                      <a:solidFill>
+                        <a:srgbClr val="FFFFFF"/>
+                      </a:solidFill>
+                      <a:prstDash val="solid"/>
+                    </a:lnB>
+                    <a:solidFill>
+                      <a:srgbClr val="B4BCBE">
+                        <a:alpha val="34902"/>
+                      </a:srgbClr>
+                    </a:solidFill>
+                  </a:tcPr>
+                </a:tc>
+                <a:tc>
+                  <a:txBody>
+                    <a:bodyPr/>
+                    <a:lstStyle/>
+                    <a:p>
+                      <a:r>
+                        <a:rPr lang="pt-PT" sz="900" b="0" i="0" kern="1200">
+                          <a:solidFill>
+                            <a:schemeClr val="tx1">
+                              <a:lumMod val="75000"/>
+                              <a:lumOff val="25000"/>
+                            </a:schemeClr>
+                          </a:solidFill>
+                          <a:effectLst/>
+                          <a:latin typeface="+mn-lt"/>
+                          <a:ea typeface="+mn-ea"/>
+                          <a:cs typeface="+mn-cs"/>
+                        </a:rPr>
+                        <a:t>∃IZ, B[IZx,IXy-1] ∉ {“X”,”IZ”} ∧ IZy&gt;0</a:t>
+                      </a:r>
+                      <a:endParaRPr lang="pt-PT" sz="900">
+                        <a:solidFill>
+                          <a:schemeClr val="tx1">
+                            <a:lumMod val="75000"/>
+                            <a:lumOff val="25000"/>
+                          </a:schemeClr>
+                        </a:solidFill>
+                      </a:endParaRPr>
+                    </a:p>
+                  </a:txBody>
+                  <a:tcPr marL="160954" marR="83697" marT="83697" marB="83697">
+                    <a:lnL w="12700" cmpd="sng">
+                      <a:noFill/>
+                      <a:prstDash val="solid"/>
+                    </a:lnL>
+                    <a:lnR w="12700" cmpd="sng">
+                      <a:noFill/>
+                      <a:prstDash val="solid"/>
+                    </a:lnR>
+                    <a:lnT w="12700" cmpd="sng">
+                      <a:noFill/>
+                      <a:prstDash val="solid"/>
+                    </a:lnT>
+                    <a:lnB w="19050" cap="flat" cmpd="sng" algn="ctr">
+                      <a:solidFill>
+                        <a:srgbClr val="FFFFFF"/>
+                      </a:solidFill>
+                      <a:prstDash val="solid"/>
+                    </a:lnB>
+                    <a:solidFill>
+                      <a:srgbClr val="B4BCBE">
+                        <a:alpha val="34902"/>
+                      </a:srgbClr>
+                    </a:solidFill>
+                  </a:tcPr>
+                </a:tc>
+                <a:tc>
+                  <a:txBody>
+                    <a:bodyPr/>
+                    <a:lstStyle/>
+                    <a:p>
+                      <a:r>
+                        <a:rPr lang="pt-PT" sz="900" b="0" i="0" kern="1200">
+                          <a:solidFill>
+                            <a:schemeClr val="tx1">
+                              <a:lumMod val="75000"/>
+                              <a:lumOff val="25000"/>
+                            </a:schemeClr>
+                          </a:solidFill>
+                          <a:effectLst/>
+                          <a:latin typeface="+mn-lt"/>
+                          <a:ea typeface="+mn-ea"/>
+                          <a:cs typeface="+mn-cs"/>
+                        </a:rPr>
+                        <a:t>∀IZ, B[IZx,IXy-1]=IZ</a:t>
+                      </a:r>
+                      <a:endParaRPr lang="pt-PT" sz="900">
+                        <a:solidFill>
+                          <a:schemeClr val="tx1">
+                            <a:lumMod val="75000"/>
+                            <a:lumOff val="25000"/>
+                          </a:schemeClr>
+                        </a:solidFill>
+                      </a:endParaRPr>
+                    </a:p>
+                  </a:txBody>
+                  <a:tcPr marL="160954" marR="83697" marT="83697" marB="83697">
+                    <a:lnL w="12700" cmpd="sng">
+                      <a:noFill/>
+                      <a:prstDash val="solid"/>
+                    </a:lnL>
+                    <a:lnR w="12700" cmpd="sng">
+                      <a:noFill/>
+                      <a:prstDash val="solid"/>
+                    </a:lnR>
+                    <a:lnT w="12700" cmpd="sng">
+                      <a:noFill/>
+                      <a:prstDash val="solid"/>
+                    </a:lnT>
+                    <a:lnB w="19050" cap="flat" cmpd="sng" algn="ctr">
+                      <a:solidFill>
+                        <a:srgbClr val="FFFFFF"/>
+                      </a:solidFill>
+                      <a:prstDash val="solid"/>
+                    </a:lnB>
+                    <a:solidFill>
+                      <a:srgbClr val="B4BCBE">
+                        <a:alpha val="34902"/>
+                      </a:srgbClr>
+                    </a:solidFill>
+                  </a:tcPr>
+                </a:tc>
+                <a:tc>
+                  <a:txBody>
+                    <a:bodyPr/>
+                    <a:lstStyle/>
+                    <a:p>
+                      <a:r>
+                        <a:rPr lang="en-US" sz="900">
+                          <a:solidFill>
+                            <a:schemeClr val="tx1">
+                              <a:lumMod val="75000"/>
+                              <a:lumOff val="25000"/>
+                            </a:schemeClr>
+                          </a:solidFill>
+                        </a:rPr>
+                        <a:t>1</a:t>
+                      </a:r>
+                      <a:endParaRPr lang="pt-PT" sz="900">
+                        <a:solidFill>
+                          <a:schemeClr val="tx1">
+                            <a:lumMod val="75000"/>
+                            <a:lumOff val="25000"/>
+                          </a:schemeClr>
+                        </a:solidFill>
+                      </a:endParaRPr>
+                    </a:p>
+                  </a:txBody>
+                  <a:tcPr marL="160954" marR="83697" marT="83697" marB="83697">
+                    <a:lnL w="12700" cmpd="sng">
+                      <a:noFill/>
+                      <a:prstDash val="solid"/>
+                    </a:lnL>
+                    <a:lnR w="12700" cmpd="sng">
+                      <a:noFill/>
+                      <a:prstDash val="solid"/>
+                    </a:lnR>
+                    <a:lnT w="12700" cmpd="sng">
+                      <a:noFill/>
+                      <a:prstDash val="solid"/>
+                    </a:lnT>
+                    <a:lnB w="19050" cap="flat" cmpd="sng" algn="ctr">
+                      <a:solidFill>
+                        <a:srgbClr val="FFFFFF"/>
+                      </a:solidFill>
+                      <a:prstDash val="solid"/>
+                    </a:lnB>
+                    <a:solidFill>
+                      <a:srgbClr val="B4BCBE">
+                        <a:alpha val="34902"/>
+                      </a:srgbClr>
+                    </a:solidFill>
+                  </a:tcPr>
+                </a:tc>
+                <a:extLst>
+                  <a:ext uri="{0D108BD9-81ED-4DB2-BD59-A6C34878D82A}">
+                    <a16:rowId xmlns:a16="http://schemas.microsoft.com/office/drawing/2014/main" val="3942723889"/>
+                  </a:ext>
+                </a:extLst>
+              </a:tr>
+              <a:tr h="765673">
+                <a:tc>
+                  <a:txBody>
+                    <a:bodyPr/>
+                    <a:lstStyle/>
+                    <a:p>
+                      <a:r>
+                        <a:rPr lang="en-US" sz="900">
+                          <a:solidFill>
+                            <a:schemeClr val="tx1">
+                              <a:lumMod val="75000"/>
+                              <a:lumOff val="25000"/>
+                            </a:schemeClr>
+                          </a:solidFill>
+                        </a:rPr>
+                        <a:t>Down</a:t>
+                      </a:r>
+                      <a:endParaRPr lang="pt-PT" sz="900">
+                        <a:solidFill>
+                          <a:schemeClr val="tx1">
+                            <a:lumMod val="75000"/>
+                            <a:lumOff val="25000"/>
+                          </a:schemeClr>
+                        </a:solidFill>
+                      </a:endParaRPr>
+                    </a:p>
+                  </a:txBody>
+                  <a:tcPr marL="160954" marR="83697" marT="83697" marB="83697">
+                    <a:lnL w="12700" cmpd="sng">
+                      <a:noFill/>
+                      <a:prstDash val="solid"/>
+                    </a:lnL>
+                    <a:lnR w="12700" cmpd="sng">
+                      <a:noFill/>
+                      <a:prstDash val="solid"/>
+                    </a:lnR>
+                    <a:lnT w="19050" cap="flat" cmpd="sng" algn="ctr">
+                      <a:solidFill>
+                        <a:srgbClr val="FFFFFF"/>
+                      </a:solidFill>
+                      <a:prstDash val="solid"/>
+                    </a:lnT>
+                    <a:lnB w="19050" cap="flat" cmpd="sng" algn="ctr">
+                      <a:solidFill>
+                        <a:srgbClr val="FFFFFF"/>
+                      </a:solidFill>
+                      <a:prstDash val="solid"/>
+                    </a:lnB>
+                    <a:solidFill>
+                      <a:srgbClr val="B4BCBE">
+                        <a:alpha val="34902"/>
+                      </a:srgbClr>
+                    </a:solidFill>
+                  </a:tcPr>
+                </a:tc>
+                <a:tc>
+                  <a:txBody>
+                    <a:bodyPr/>
+                    <a:lstStyle/>
+                    <a:p>
+                      <a:r>
+                        <a:rPr lang="pt-PT" sz="900" b="0" i="0" kern="1200">
+                          <a:solidFill>
+                            <a:schemeClr val="tx1">
+                              <a:lumMod val="75000"/>
+                              <a:lumOff val="25000"/>
+                            </a:schemeClr>
+                          </a:solidFill>
+                          <a:effectLst/>
+                          <a:latin typeface="+mn-lt"/>
+                          <a:ea typeface="+mn-ea"/>
+                          <a:cs typeface="+mn-cs"/>
+                        </a:rPr>
+                        <a:t>∃IZ, B[IZx,Ixy+1] ∉ {“X”,”IZ”} ∧ IZy&lt;B.size</a:t>
+                      </a:r>
+                      <a:endParaRPr lang="pt-PT" sz="900">
+                        <a:solidFill>
+                          <a:schemeClr val="tx1">
+                            <a:lumMod val="75000"/>
+                            <a:lumOff val="25000"/>
+                          </a:schemeClr>
+                        </a:solidFill>
+                      </a:endParaRPr>
+                    </a:p>
+                  </a:txBody>
+                  <a:tcPr marL="160954" marR="83697" marT="83697" marB="83697">
+                    <a:lnL w="12700" cmpd="sng">
+                      <a:noFill/>
+                      <a:prstDash val="solid"/>
+                    </a:lnL>
+                    <a:lnR w="12700" cmpd="sng">
+                      <a:noFill/>
+                      <a:prstDash val="solid"/>
+                    </a:lnR>
+                    <a:lnT w="19050" cap="flat" cmpd="sng" algn="ctr">
+                      <a:solidFill>
+                        <a:srgbClr val="FFFFFF"/>
+                      </a:solidFill>
+                      <a:prstDash val="solid"/>
+                    </a:lnT>
+                    <a:lnB w="19050" cap="flat" cmpd="sng" algn="ctr">
+                      <a:solidFill>
+                        <a:srgbClr val="FFFFFF"/>
+                      </a:solidFill>
+                      <a:prstDash val="solid"/>
+                    </a:lnB>
+                    <a:solidFill>
+                      <a:srgbClr val="B4BCBE">
+                        <a:alpha val="34902"/>
+                      </a:srgbClr>
+                    </a:solidFill>
+                  </a:tcPr>
+                </a:tc>
+                <a:tc>
+                  <a:txBody>
+                    <a:bodyPr/>
+                    <a:lstStyle/>
+                    <a:p>
+                      <a:pPr marL="0" marR="0" lvl="0" indent="0" algn="l" defTabSz="914400" rtl="0" eaLnBrk="1" fontAlgn="auto" latinLnBrk="0" hangingPunct="1">
+                        <a:lnSpc>
+                          <a:spcPct val="100000"/>
+                        </a:lnSpc>
+                        <a:spcBef>
+                          <a:spcPts val="0"/>
+                        </a:spcBef>
+                        <a:spcAft>
+                          <a:spcPts val="0"/>
+                        </a:spcAft>
+                        <a:buClrTx/>
+                        <a:buSzTx/>
+                        <a:buFontTx/>
+                        <a:buNone/>
+                        <a:tabLst/>
+                        <a:defRPr/>
+                      </a:pPr>
+                      <a:r>
+                        <a:rPr lang="pt-PT" sz="900" b="0" i="0" kern="1200">
+                          <a:solidFill>
+                            <a:schemeClr val="tx1">
+                              <a:lumMod val="75000"/>
+                              <a:lumOff val="25000"/>
+                            </a:schemeClr>
+                          </a:solidFill>
+                          <a:effectLst/>
+                          <a:latin typeface="+mn-lt"/>
+                          <a:ea typeface="+mn-ea"/>
+                          <a:cs typeface="+mn-cs"/>
+                        </a:rPr>
+                        <a:t>∀IZ, B[IZx,IXy+1]=IZ</a:t>
+                      </a:r>
+                      <a:endParaRPr lang="pt-PT" sz="900">
+                        <a:solidFill>
+                          <a:schemeClr val="tx1">
+                            <a:lumMod val="75000"/>
+                            <a:lumOff val="25000"/>
+                          </a:schemeClr>
+                        </a:solidFill>
+                      </a:endParaRPr>
+                    </a:p>
+                    <a:p>
+                      <a:endParaRPr lang="pt-PT" sz="900">
+                        <a:solidFill>
+                          <a:schemeClr val="tx1">
+                            <a:lumMod val="75000"/>
+                            <a:lumOff val="25000"/>
+                          </a:schemeClr>
+                        </a:solidFill>
+                      </a:endParaRPr>
+                    </a:p>
+                  </a:txBody>
+                  <a:tcPr marL="160954" marR="83697" marT="83697" marB="83697">
+                    <a:lnL w="12700" cmpd="sng">
+                      <a:noFill/>
+                      <a:prstDash val="solid"/>
+                    </a:lnL>
+                    <a:lnR w="12700" cmpd="sng">
+                      <a:noFill/>
+                      <a:prstDash val="solid"/>
+                    </a:lnR>
+                    <a:lnT w="19050" cap="flat" cmpd="sng" algn="ctr">
+                      <a:solidFill>
+                        <a:srgbClr val="FFFFFF"/>
+                      </a:solidFill>
+                      <a:prstDash val="solid"/>
+                    </a:lnT>
+                    <a:lnB w="19050" cap="flat" cmpd="sng" algn="ctr">
+                      <a:solidFill>
+                        <a:srgbClr val="FFFFFF"/>
+                      </a:solidFill>
+                      <a:prstDash val="solid"/>
+                    </a:lnB>
+                    <a:solidFill>
+                      <a:srgbClr val="B4BCBE">
+                        <a:alpha val="34902"/>
+                      </a:srgbClr>
+                    </a:solidFill>
+                  </a:tcPr>
+                </a:tc>
+                <a:tc>
+                  <a:txBody>
+                    <a:bodyPr/>
+                    <a:lstStyle/>
+                    <a:p>
+                      <a:r>
+                        <a:rPr lang="en-US" sz="900">
+                          <a:solidFill>
+                            <a:schemeClr val="tx1">
+                              <a:lumMod val="75000"/>
+                              <a:lumOff val="25000"/>
+                            </a:schemeClr>
+                          </a:solidFill>
+                        </a:rPr>
+                        <a:t>1</a:t>
+                      </a:r>
+                      <a:endParaRPr lang="pt-PT" sz="900">
+                        <a:solidFill>
+                          <a:schemeClr val="tx1">
+                            <a:lumMod val="75000"/>
+                            <a:lumOff val="25000"/>
+                          </a:schemeClr>
+                        </a:solidFill>
+                      </a:endParaRPr>
+                    </a:p>
+                  </a:txBody>
+                  <a:tcPr marL="160954" marR="83697" marT="83697" marB="83697">
+                    <a:lnL w="12700" cmpd="sng">
+                      <a:noFill/>
+                      <a:prstDash val="solid"/>
+                    </a:lnL>
+                    <a:lnR w="12700" cmpd="sng">
+                      <a:noFill/>
+                      <a:prstDash val="solid"/>
+                    </a:lnR>
+                    <a:lnT w="19050" cap="flat" cmpd="sng" algn="ctr">
+                      <a:solidFill>
+                        <a:srgbClr val="FFFFFF"/>
+                      </a:solidFill>
+                      <a:prstDash val="solid"/>
+                    </a:lnT>
+                    <a:lnB w="19050" cap="flat" cmpd="sng" algn="ctr">
+                      <a:solidFill>
+                        <a:srgbClr val="FFFFFF"/>
+                      </a:solidFill>
+                      <a:prstDash val="solid"/>
+                    </a:lnB>
+                    <a:solidFill>
+                      <a:srgbClr val="B4BCBE">
+                        <a:alpha val="34902"/>
+                      </a:srgbClr>
+                    </a:solidFill>
+                  </a:tcPr>
+                </a:tc>
+                <a:extLst>
+                  <a:ext uri="{0D108BD9-81ED-4DB2-BD59-A6C34878D82A}">
+                    <a16:rowId xmlns:a16="http://schemas.microsoft.com/office/drawing/2014/main" val="3673022739"/>
+                  </a:ext>
+                </a:extLst>
+              </a:tr>
+              <a:tr h="765673">
+                <a:tc>
+                  <a:txBody>
+                    <a:bodyPr/>
+                    <a:lstStyle/>
+                    <a:p>
+                      <a:r>
+                        <a:rPr lang="en-US" sz="900">
+                          <a:solidFill>
+                            <a:schemeClr val="tx1">
+                              <a:lumMod val="75000"/>
+                              <a:lumOff val="25000"/>
+                            </a:schemeClr>
+                          </a:solidFill>
+                        </a:rPr>
+                        <a:t>Left</a:t>
+                      </a:r>
+                      <a:endParaRPr lang="pt-PT" sz="900">
+                        <a:solidFill>
+                          <a:schemeClr val="tx1">
+                            <a:lumMod val="75000"/>
+                            <a:lumOff val="25000"/>
+                          </a:schemeClr>
+                        </a:solidFill>
+                      </a:endParaRPr>
+                    </a:p>
+                  </a:txBody>
+                  <a:tcPr marL="160954" marR="83697" marT="83697" marB="83697">
+                    <a:lnL w="12700" cmpd="sng">
+                      <a:noFill/>
+                      <a:prstDash val="solid"/>
+                    </a:lnL>
+                    <a:lnR w="12700" cmpd="sng">
+                      <a:noFill/>
+                      <a:prstDash val="solid"/>
+                    </a:lnR>
+                    <a:lnT w="19050" cap="flat" cmpd="sng" algn="ctr">
+                      <a:solidFill>
+                        <a:srgbClr val="FFFFFF"/>
+                      </a:solidFill>
+                      <a:prstDash val="solid"/>
+                    </a:lnT>
+                    <a:lnB w="19050" cap="flat" cmpd="sng" algn="ctr">
+                      <a:solidFill>
+                        <a:srgbClr val="FFFFFF"/>
+                      </a:solidFill>
+                      <a:prstDash val="solid"/>
+                    </a:lnB>
+                    <a:solidFill>
+                      <a:srgbClr val="B4BCBE">
+                        <a:alpha val="34902"/>
+                      </a:srgbClr>
+                    </a:solidFill>
+                  </a:tcPr>
+                </a:tc>
+                <a:tc>
+                  <a:txBody>
+                    <a:bodyPr/>
+                    <a:lstStyle/>
+                    <a:p>
+                      <a:r>
+                        <a:rPr lang="pt-PT" sz="900" b="0" i="0" kern="1200">
+                          <a:solidFill>
+                            <a:schemeClr val="tx1">
+                              <a:lumMod val="75000"/>
+                              <a:lumOff val="25000"/>
+                            </a:schemeClr>
+                          </a:solidFill>
+                          <a:effectLst/>
+                          <a:latin typeface="+mn-lt"/>
+                          <a:ea typeface="+mn-ea"/>
+                          <a:cs typeface="+mn-cs"/>
+                        </a:rPr>
+                        <a:t>∃IZ, B[Izx-1,IXy] ∉ {“X”,”IZ”} ∧ IZx&gt;0</a:t>
+                      </a:r>
+                      <a:endParaRPr lang="pt-PT" sz="900">
+                        <a:solidFill>
+                          <a:schemeClr val="tx1">
+                            <a:lumMod val="75000"/>
+                            <a:lumOff val="25000"/>
+                          </a:schemeClr>
+                        </a:solidFill>
+                      </a:endParaRPr>
+                    </a:p>
+                  </a:txBody>
+                  <a:tcPr marL="160954" marR="83697" marT="83697" marB="83697">
+                    <a:lnL w="12700" cmpd="sng">
+                      <a:noFill/>
+                      <a:prstDash val="solid"/>
+                    </a:lnL>
+                    <a:lnR w="12700" cmpd="sng">
+                      <a:noFill/>
+                      <a:prstDash val="solid"/>
+                    </a:lnR>
+                    <a:lnT w="19050" cap="flat" cmpd="sng" algn="ctr">
+                      <a:solidFill>
+                        <a:srgbClr val="FFFFFF"/>
+                      </a:solidFill>
+                      <a:prstDash val="solid"/>
+                    </a:lnT>
+                    <a:lnB w="19050" cap="flat" cmpd="sng" algn="ctr">
+                      <a:solidFill>
+                        <a:srgbClr val="FFFFFF"/>
+                      </a:solidFill>
+                      <a:prstDash val="solid"/>
+                    </a:lnB>
+                    <a:solidFill>
+                      <a:srgbClr val="B4BCBE">
+                        <a:alpha val="34902"/>
+                      </a:srgbClr>
+                    </a:solidFill>
+                  </a:tcPr>
+                </a:tc>
+                <a:tc>
+                  <a:txBody>
+                    <a:bodyPr/>
+                    <a:lstStyle/>
+                    <a:p>
+                      <a:pPr marL="0" marR="0" lvl="0" indent="0" algn="l" defTabSz="914400" rtl="0" eaLnBrk="1" fontAlgn="auto" latinLnBrk="0" hangingPunct="1">
+                        <a:lnSpc>
+                          <a:spcPct val="100000"/>
+                        </a:lnSpc>
+                        <a:spcBef>
+                          <a:spcPts val="0"/>
+                        </a:spcBef>
+                        <a:spcAft>
+                          <a:spcPts val="0"/>
+                        </a:spcAft>
+                        <a:buClrTx/>
+                        <a:buSzTx/>
+                        <a:buFontTx/>
+                        <a:buNone/>
+                        <a:tabLst/>
+                        <a:defRPr/>
+                      </a:pPr>
+                      <a:r>
+                        <a:rPr lang="pt-PT" sz="900" b="0" i="0" kern="1200">
+                          <a:solidFill>
+                            <a:schemeClr val="tx1">
+                              <a:lumMod val="75000"/>
+                              <a:lumOff val="25000"/>
+                            </a:schemeClr>
+                          </a:solidFill>
+                          <a:effectLst/>
+                          <a:latin typeface="+mn-lt"/>
+                          <a:ea typeface="+mn-ea"/>
+                          <a:cs typeface="+mn-cs"/>
+                        </a:rPr>
+                        <a:t>∀IZ, B[IZx-1,IXy]=IZ</a:t>
+                      </a:r>
+                      <a:endParaRPr lang="pt-PT" sz="900">
+                        <a:solidFill>
+                          <a:schemeClr val="tx1">
+                            <a:lumMod val="75000"/>
+                            <a:lumOff val="25000"/>
+                          </a:schemeClr>
+                        </a:solidFill>
+                      </a:endParaRPr>
+                    </a:p>
+                    <a:p>
+                      <a:endParaRPr lang="pt-PT" sz="900">
+                        <a:solidFill>
+                          <a:schemeClr val="tx1">
+                            <a:lumMod val="75000"/>
+                            <a:lumOff val="25000"/>
+                          </a:schemeClr>
+                        </a:solidFill>
+                      </a:endParaRPr>
+                    </a:p>
+                  </a:txBody>
+                  <a:tcPr marL="160954" marR="83697" marT="83697" marB="83697">
+                    <a:lnL w="12700" cmpd="sng">
+                      <a:noFill/>
+                      <a:prstDash val="solid"/>
+                    </a:lnL>
+                    <a:lnR w="12700" cmpd="sng">
+                      <a:noFill/>
+                      <a:prstDash val="solid"/>
+                    </a:lnR>
+                    <a:lnT w="19050" cap="flat" cmpd="sng" algn="ctr">
+                      <a:solidFill>
+                        <a:srgbClr val="FFFFFF"/>
+                      </a:solidFill>
+                      <a:prstDash val="solid"/>
+                    </a:lnT>
+                    <a:lnB w="19050" cap="flat" cmpd="sng" algn="ctr">
+                      <a:solidFill>
+                        <a:srgbClr val="FFFFFF"/>
+                      </a:solidFill>
+                      <a:prstDash val="solid"/>
+                    </a:lnB>
+                    <a:solidFill>
+                      <a:srgbClr val="B4BCBE">
+                        <a:alpha val="34902"/>
+                      </a:srgbClr>
+                    </a:solidFill>
+                  </a:tcPr>
+                </a:tc>
+                <a:tc>
+                  <a:txBody>
+                    <a:bodyPr/>
+                    <a:lstStyle/>
+                    <a:p>
+                      <a:r>
+                        <a:rPr lang="en-US" sz="900">
+                          <a:solidFill>
+                            <a:schemeClr val="tx1">
+                              <a:lumMod val="75000"/>
+                              <a:lumOff val="25000"/>
+                            </a:schemeClr>
+                          </a:solidFill>
+                        </a:rPr>
+                        <a:t>1</a:t>
+                      </a:r>
+                      <a:endParaRPr lang="pt-PT" sz="900">
+                        <a:solidFill>
+                          <a:schemeClr val="tx1">
+                            <a:lumMod val="75000"/>
+                            <a:lumOff val="25000"/>
+                          </a:schemeClr>
+                        </a:solidFill>
+                      </a:endParaRPr>
+                    </a:p>
+                  </a:txBody>
+                  <a:tcPr marL="160954" marR="83697" marT="83697" marB="83697">
+                    <a:lnL w="12700" cmpd="sng">
+                      <a:noFill/>
+                      <a:prstDash val="solid"/>
+                    </a:lnL>
+                    <a:lnR w="12700" cmpd="sng">
+                      <a:noFill/>
+                      <a:prstDash val="solid"/>
+                    </a:lnR>
+                    <a:lnT w="19050" cap="flat" cmpd="sng" algn="ctr">
+                      <a:solidFill>
+                        <a:srgbClr val="FFFFFF"/>
+                      </a:solidFill>
+                      <a:prstDash val="solid"/>
+                    </a:lnT>
+                    <a:lnB w="19050" cap="flat" cmpd="sng" algn="ctr">
+                      <a:solidFill>
+                        <a:srgbClr val="FFFFFF"/>
+                      </a:solidFill>
+                      <a:prstDash val="solid"/>
+                    </a:lnB>
+                    <a:solidFill>
+                      <a:srgbClr val="B4BCBE">
+                        <a:alpha val="34902"/>
+                      </a:srgbClr>
+                    </a:solidFill>
+                  </a:tcPr>
+                </a:tc>
+                <a:extLst>
+                  <a:ext uri="{0D108BD9-81ED-4DB2-BD59-A6C34878D82A}">
+                    <a16:rowId xmlns:a16="http://schemas.microsoft.com/office/drawing/2014/main" val="3184130834"/>
+                  </a:ext>
+                </a:extLst>
+              </a:tr>
+              <a:tr h="765673">
+                <a:tc>
+                  <a:txBody>
+                    <a:bodyPr/>
+                    <a:lstStyle/>
+                    <a:p>
+                      <a:r>
+                        <a:rPr lang="en-US" sz="900">
+                          <a:solidFill>
+                            <a:schemeClr val="tx1">
+                              <a:lumMod val="75000"/>
+                              <a:lumOff val="25000"/>
+                            </a:schemeClr>
+                          </a:solidFill>
+                        </a:rPr>
+                        <a:t>Right</a:t>
+                      </a:r>
+                      <a:endParaRPr lang="pt-PT" sz="900">
+                        <a:solidFill>
+                          <a:schemeClr val="tx1">
+                            <a:lumMod val="75000"/>
+                            <a:lumOff val="25000"/>
+                          </a:schemeClr>
+                        </a:solidFill>
+                      </a:endParaRPr>
+                    </a:p>
+                  </a:txBody>
+                  <a:tcPr marL="160954" marR="83697" marT="83697" marB="83697">
+                    <a:lnL w="12700" cmpd="sng">
+                      <a:noFill/>
+                      <a:prstDash val="solid"/>
+                    </a:lnL>
+                    <a:lnR w="12700" cmpd="sng">
+                      <a:noFill/>
+                      <a:prstDash val="solid"/>
+                    </a:lnR>
+                    <a:lnT w="19050" cap="flat" cmpd="sng" algn="ctr">
+                      <a:solidFill>
+                        <a:srgbClr val="FFFFFF"/>
+                      </a:solidFill>
+                      <a:prstDash val="solid"/>
+                    </a:lnT>
+                    <a:lnB w="19050" cap="flat" cmpd="sng" algn="ctr">
+                      <a:solidFill>
+                        <a:srgbClr val="FFFFFF"/>
+                      </a:solidFill>
+                      <a:prstDash val="solid"/>
+                    </a:lnB>
+                    <a:solidFill>
+                      <a:srgbClr val="B4BCBE">
+                        <a:alpha val="34902"/>
+                      </a:srgbClr>
+                    </a:solidFill>
+                  </a:tcPr>
+                </a:tc>
+                <a:tc>
+                  <a:txBody>
+                    <a:bodyPr/>
+                    <a:lstStyle/>
+                    <a:p>
+                      <a:pPr marL="0" marR="0" lvl="0" indent="0" algn="l" defTabSz="914400" rtl="0" eaLnBrk="1" fontAlgn="auto" latinLnBrk="0" hangingPunct="1">
+                        <a:lnSpc>
+                          <a:spcPct val="100000"/>
+                        </a:lnSpc>
+                        <a:spcBef>
+                          <a:spcPts val="0"/>
+                        </a:spcBef>
+                        <a:spcAft>
+                          <a:spcPts val="0"/>
+                        </a:spcAft>
+                        <a:buClrTx/>
+                        <a:buSzTx/>
+                        <a:buFontTx/>
+                        <a:buNone/>
+                        <a:tabLst/>
+                        <a:defRPr/>
+                      </a:pPr>
+                      <a:r>
+                        <a:rPr lang="pt-PT" sz="900" b="0" i="0" kern="1200">
+                          <a:solidFill>
+                            <a:schemeClr val="tx1">
+                              <a:lumMod val="75000"/>
+                              <a:lumOff val="25000"/>
+                            </a:schemeClr>
+                          </a:solidFill>
+                          <a:effectLst/>
+                          <a:latin typeface="+mn-lt"/>
+                          <a:ea typeface="+mn-ea"/>
+                          <a:cs typeface="+mn-cs"/>
+                        </a:rPr>
+                        <a:t>∃IZ, B[Izx+1,IXy] ∉ {“X”,”IZ”} ∧ IZx&lt;B.size</a:t>
+                      </a:r>
+                      <a:endParaRPr lang="pt-PT" sz="900">
+                        <a:solidFill>
+                          <a:schemeClr val="tx1">
+                            <a:lumMod val="75000"/>
+                            <a:lumOff val="25000"/>
+                          </a:schemeClr>
+                        </a:solidFill>
+                      </a:endParaRPr>
+                    </a:p>
+                  </a:txBody>
+                  <a:tcPr marL="160954" marR="83697" marT="83697" marB="83697">
+                    <a:lnL w="12700" cmpd="sng">
+                      <a:noFill/>
+                      <a:prstDash val="solid"/>
+                    </a:lnL>
+                    <a:lnR w="12700" cmpd="sng">
+                      <a:noFill/>
+                      <a:prstDash val="solid"/>
+                    </a:lnR>
+                    <a:lnT w="19050" cap="flat" cmpd="sng" algn="ctr">
+                      <a:solidFill>
+                        <a:srgbClr val="FFFFFF"/>
+                      </a:solidFill>
+                      <a:prstDash val="solid"/>
+                    </a:lnT>
+                    <a:lnB w="19050" cap="flat" cmpd="sng" algn="ctr">
+                      <a:solidFill>
+                        <a:srgbClr val="FFFFFF"/>
+                      </a:solidFill>
+                      <a:prstDash val="solid"/>
+                    </a:lnB>
+                    <a:solidFill>
+                      <a:srgbClr val="B4BCBE">
+                        <a:alpha val="34902"/>
+                      </a:srgbClr>
+                    </a:solidFill>
+                  </a:tcPr>
+                </a:tc>
+                <a:tc>
+                  <a:txBody>
+                    <a:bodyPr/>
+                    <a:lstStyle/>
+                    <a:p>
+                      <a:pPr marL="0" marR="0" lvl="0" indent="0" algn="l" defTabSz="914400" rtl="0" eaLnBrk="1" fontAlgn="auto" latinLnBrk="0" hangingPunct="1">
+                        <a:lnSpc>
+                          <a:spcPct val="100000"/>
+                        </a:lnSpc>
+                        <a:spcBef>
+                          <a:spcPts val="0"/>
+                        </a:spcBef>
+                        <a:spcAft>
+                          <a:spcPts val="0"/>
+                        </a:spcAft>
+                        <a:buClrTx/>
+                        <a:buSzTx/>
+                        <a:buFontTx/>
+                        <a:buNone/>
+                        <a:tabLst/>
+                        <a:defRPr/>
+                      </a:pPr>
+                      <a:r>
+                        <a:rPr lang="pt-PT" sz="900" b="0" i="0" kern="1200">
+                          <a:solidFill>
+                            <a:schemeClr val="tx1">
+                              <a:lumMod val="75000"/>
+                              <a:lumOff val="25000"/>
+                            </a:schemeClr>
+                          </a:solidFill>
+                          <a:effectLst/>
+                          <a:latin typeface="+mn-lt"/>
+                          <a:ea typeface="+mn-ea"/>
+                          <a:cs typeface="+mn-cs"/>
+                        </a:rPr>
+                        <a:t>∀IZ, B[IZx+1,IXy]=IZ</a:t>
+                      </a:r>
+                      <a:endParaRPr lang="pt-PT" sz="900">
+                        <a:solidFill>
+                          <a:schemeClr val="tx1">
+                            <a:lumMod val="75000"/>
+                            <a:lumOff val="25000"/>
+                          </a:schemeClr>
+                        </a:solidFill>
+                      </a:endParaRPr>
+                    </a:p>
+                    <a:p>
+                      <a:endParaRPr lang="pt-PT" sz="900" dirty="0">
+                        <a:solidFill>
+                          <a:schemeClr val="tx1">
+                            <a:lumMod val="75000"/>
+                            <a:lumOff val="25000"/>
+                          </a:schemeClr>
+                        </a:solidFill>
+                      </a:endParaRPr>
+                    </a:p>
+                  </a:txBody>
+                  <a:tcPr marL="160954" marR="83697" marT="83697" marB="83697">
+                    <a:lnL w="12700" cmpd="sng">
+                      <a:noFill/>
+                      <a:prstDash val="solid"/>
+                    </a:lnL>
+                    <a:lnR w="12700" cmpd="sng">
+                      <a:noFill/>
+                      <a:prstDash val="solid"/>
+                    </a:lnR>
+                    <a:lnT w="19050" cap="flat" cmpd="sng" algn="ctr">
+                      <a:solidFill>
+                        <a:srgbClr val="FFFFFF"/>
+                      </a:solidFill>
+                      <a:prstDash val="solid"/>
+                    </a:lnT>
+                    <a:lnB w="19050" cap="flat" cmpd="sng" algn="ctr">
+                      <a:solidFill>
+                        <a:srgbClr val="FFFFFF"/>
+                      </a:solidFill>
+                      <a:prstDash val="solid"/>
+                    </a:lnB>
+                    <a:solidFill>
+                      <a:srgbClr val="B4BCBE">
+                        <a:alpha val="34902"/>
+                      </a:srgbClr>
+                    </a:solidFill>
+                  </a:tcPr>
+                </a:tc>
+                <a:tc>
+                  <a:txBody>
+                    <a:bodyPr/>
+                    <a:lstStyle/>
+                    <a:p>
+                      <a:r>
+                        <a:rPr lang="en-US" sz="900">
+                          <a:solidFill>
+                            <a:schemeClr val="tx1">
+                              <a:lumMod val="75000"/>
+                              <a:lumOff val="25000"/>
+                            </a:schemeClr>
+                          </a:solidFill>
+                        </a:rPr>
+                        <a:t>1</a:t>
+                      </a:r>
+                      <a:endParaRPr lang="pt-PT" sz="900" dirty="0">
+                        <a:solidFill>
+                          <a:schemeClr val="tx1">
+                            <a:lumMod val="75000"/>
+                            <a:lumOff val="25000"/>
+                          </a:schemeClr>
+                        </a:solidFill>
+                      </a:endParaRPr>
+                    </a:p>
+                  </a:txBody>
+                  <a:tcPr marL="160954" marR="83697" marT="83697" marB="83697">
+                    <a:lnL w="12700" cmpd="sng">
+                      <a:noFill/>
+                      <a:prstDash val="solid"/>
+                    </a:lnL>
+                    <a:lnR w="12700" cmpd="sng">
+                      <a:noFill/>
+                      <a:prstDash val="solid"/>
+                    </a:lnR>
+                    <a:lnT w="19050" cap="flat" cmpd="sng" algn="ctr">
+                      <a:solidFill>
+                        <a:srgbClr val="FFFFFF"/>
+                      </a:solidFill>
+                      <a:prstDash val="solid"/>
+                    </a:lnT>
+                    <a:lnB w="19050" cap="flat" cmpd="sng" algn="ctr">
+                      <a:solidFill>
+                        <a:srgbClr val="FFFFFF"/>
+                      </a:solidFill>
+                      <a:prstDash val="solid"/>
+                    </a:lnB>
+                    <a:solidFill>
+                      <a:srgbClr val="B4BCBE">
+                        <a:alpha val="34902"/>
+                      </a:srgbClr>
+                    </a:solidFill>
+                  </a:tcPr>
+                </a:tc>
+                <a:extLst>
+                  <a:ext uri="{0D108BD9-81ED-4DB2-BD59-A6C34878D82A}">
+                    <a16:rowId xmlns:a16="http://schemas.microsoft.com/office/drawing/2014/main" val="4223273851"/>
+                  </a:ext>
+                </a:extLst>
+              </a:tr>
+            </a:tbl>
+          </a:graphicData>
+        </a:graphic>
+      </p:graphicFrame>
+      <p:sp>
+        <p:nvSpPr>
+          <p:cNvPr id="60" name="Marcador de Posição de Conteúdo 2">
+            <a:extLst>
+              <a:ext uri="{FF2B5EF4-FFF2-40B4-BE49-F238E27FC236}">
+                <a16:creationId xmlns:a16="http://schemas.microsoft.com/office/drawing/2014/main" id="{938C2F00-508E-4333-8055-BE6DC9009C33}"/>
+              </a:ext>
+            </a:extLst>
+          </p:cNvPr>
+          <p:cNvSpPr txBox="1">
+            <a:spLocks/>
+          </p:cNvSpPr>
+          <p:nvPr/>
+        </p:nvSpPr>
+        <p:spPr>
+          <a:xfrm>
+            <a:off x="6094933" y="1949021"/>
+            <a:ext cx="2088671" cy="720577"/>
+          </a:xfrm>
+          <a:prstGeom prst="rect">
+            <a:avLst/>
+          </a:prstGeom>
+        </p:spPr>
+        <p:txBody>
+          <a:bodyPr vert="horz" lIns="91440" tIns="45720" rIns="91440" bIns="45720" rtlCol="0" anchor="ctr">
+            <a:normAutofit/>
+          </a:bodyPr>
+          <a:lstStyle>
+            <a:lvl1pPr marL="344488" indent="-344488" algn="l" defTabSz="914400" rtl="0" eaLnBrk="1" latinLnBrk="0" hangingPunct="1">
+              <a:lnSpc>
+                <a:spcPct val="120000"/>
+              </a:lnSpc>
+              <a:spcBef>
+                <a:spcPts val="1000"/>
+              </a:spcBef>
+              <a:spcAft>
+                <a:spcPts val="600"/>
+              </a:spcAft>
+              <a:buClr>
+                <a:schemeClr val="accent6"/>
+              </a:buClr>
+              <a:buSzPct val="90000"/>
+              <a:buFont typeface="Wingdings" panose="05000000000000000000" pitchFamily="2" charset="2"/>
+              <a:buChar char="§"/>
+              <a:defRPr sz="2000" kern="1200">
+                <a:solidFill>
+                  <a:schemeClr val="tx1"/>
+                </a:solidFill>
+                <a:effectLst/>
+                <a:latin typeface="+mn-lt"/>
+                <a:ea typeface="+mn-ea"/>
+                <a:cs typeface="+mn-cs"/>
+              </a:defRPr>
+            </a:lvl1pPr>
+            <a:lvl2pPr marL="795338" indent="-338138" algn="l" defTabSz="914400" rtl="0" eaLnBrk="1" latinLnBrk="0" hangingPunct="1">
+              <a:lnSpc>
+                <a:spcPct val="120000"/>
+              </a:lnSpc>
+              <a:spcBef>
+                <a:spcPts val="500"/>
+              </a:spcBef>
+              <a:spcAft>
+                <a:spcPts val="600"/>
+              </a:spcAft>
+              <a:buClr>
+                <a:schemeClr val="accent6"/>
+              </a:buClr>
+              <a:buSzPct val="90000"/>
+              <a:buFont typeface="Wingdings" panose="05000000000000000000" pitchFamily="2" charset="2"/>
+              <a:buChar char="§"/>
+              <a:defRPr sz="1800" kern="1200">
+                <a:solidFill>
+                  <a:schemeClr val="tx1"/>
+                </a:solidFill>
+                <a:effectLst/>
+                <a:latin typeface="+mn-lt"/>
+                <a:ea typeface="+mn-ea"/>
+                <a:cs typeface="+mn-cs"/>
+              </a:defRPr>
+            </a:lvl2pPr>
+            <a:lvl3pPr marL="1258888" indent="-344488" algn="l" defTabSz="914400" rtl="0" eaLnBrk="1" latinLnBrk="0" hangingPunct="1">
+              <a:lnSpc>
+                <a:spcPct val="120000"/>
+              </a:lnSpc>
+              <a:spcBef>
+                <a:spcPts val="500"/>
+              </a:spcBef>
+              <a:spcAft>
+                <a:spcPts val="600"/>
+              </a:spcAft>
+              <a:buClr>
+                <a:schemeClr val="accent6"/>
+              </a:buClr>
+              <a:buSzPct val="90000"/>
+              <a:buFont typeface="Wingdings" panose="05000000000000000000" pitchFamily="2" charset="2"/>
+              <a:buChar char="§"/>
+              <a:defRPr sz="1600" kern="1200">
+                <a:solidFill>
+                  <a:schemeClr val="tx1"/>
+                </a:solidFill>
+                <a:effectLst/>
+                <a:latin typeface="+mn-lt"/>
+                <a:ea typeface="+mn-ea"/>
+                <a:cs typeface="+mn-cs"/>
+              </a:defRPr>
+            </a:lvl3pPr>
+            <a:lvl4pPr marL="1709738" indent="-338138" algn="l" defTabSz="914400" rtl="0" eaLnBrk="1" latinLnBrk="0" hangingPunct="1">
+              <a:lnSpc>
+                <a:spcPct val="120000"/>
+              </a:lnSpc>
+              <a:spcBef>
+                <a:spcPts val="500"/>
+              </a:spcBef>
+              <a:spcAft>
+                <a:spcPts val="600"/>
+              </a:spcAft>
+              <a:buClr>
+                <a:schemeClr val="accent6"/>
+              </a:buClr>
+              <a:buSzPct val="90000"/>
+              <a:buFont typeface="Wingdings" panose="05000000000000000000" pitchFamily="2" charset="2"/>
+              <a:buChar char="§"/>
+              <a:defRPr sz="1400" kern="1200">
+                <a:solidFill>
+                  <a:schemeClr val="tx1"/>
+                </a:solidFill>
+                <a:effectLst/>
+                <a:latin typeface="+mn-lt"/>
+                <a:ea typeface="+mn-ea"/>
+                <a:cs typeface="+mn-cs"/>
+              </a:defRPr>
+            </a:lvl4pPr>
+            <a:lvl5pPr marL="2173288" indent="-344488" algn="l" defTabSz="914400" rtl="0" eaLnBrk="1" latinLnBrk="0" hangingPunct="1">
+              <a:lnSpc>
+                <a:spcPct val="120000"/>
+              </a:lnSpc>
+              <a:spcBef>
+                <a:spcPts val="500"/>
+              </a:spcBef>
+              <a:spcAft>
+                <a:spcPts val="600"/>
+              </a:spcAft>
+              <a:buClr>
+                <a:schemeClr val="accent6"/>
+              </a:buClr>
+              <a:buSzPct val="90000"/>
+              <a:buFont typeface="Wingdings" panose="05000000000000000000" pitchFamily="2" charset="2"/>
+              <a:buChar char="§"/>
+              <a:defRPr sz="1200" kern="1200">
+                <a:solidFill>
+                  <a:schemeClr val="tx1"/>
+                </a:solidFill>
+                <a:effectLst/>
+                <a:latin typeface="+mn-lt"/>
+                <a:ea typeface="+mn-ea"/>
+                <a:cs typeface="+mn-cs"/>
+              </a:defRPr>
+            </a:lvl5pPr>
+            <a:lvl6pPr marL="2642616" indent="-338328" algn="l" defTabSz="914400" rtl="0" eaLnBrk="1" latinLnBrk="0" hangingPunct="1">
+              <a:lnSpc>
+                <a:spcPct val="120000"/>
+              </a:lnSpc>
+              <a:spcBef>
+                <a:spcPts val="500"/>
+              </a:spcBef>
+              <a:spcAft>
+                <a:spcPts val="600"/>
+              </a:spcAft>
+              <a:buClr>
+                <a:schemeClr val="accent6"/>
+              </a:buClr>
+              <a:buSzPct val="90000"/>
+              <a:buFont typeface="Wingdings" panose="05000000000000000000" pitchFamily="2" charset="2"/>
+              <a:buChar char="§"/>
+              <a:defRPr sz="1200" kern="1200" baseline="0">
+                <a:solidFill>
+                  <a:schemeClr val="tx1"/>
+                </a:solidFill>
+                <a:effectLst/>
+                <a:latin typeface="+mn-lt"/>
+                <a:ea typeface="+mn-ea"/>
+                <a:cs typeface="+mn-cs"/>
+              </a:defRPr>
+            </a:lvl6pPr>
+            <a:lvl7pPr marL="3108960" indent="-338328" algn="l" defTabSz="914400" rtl="0" eaLnBrk="1" latinLnBrk="0" hangingPunct="1">
+              <a:lnSpc>
+                <a:spcPct val="120000"/>
+              </a:lnSpc>
+              <a:spcBef>
+                <a:spcPts val="500"/>
+              </a:spcBef>
+              <a:spcAft>
+                <a:spcPts val="600"/>
+              </a:spcAft>
+              <a:buClr>
+                <a:schemeClr val="accent6"/>
+              </a:buClr>
+              <a:buSzPct val="90000"/>
+              <a:buFont typeface="Wingdings" panose="05000000000000000000" pitchFamily="2" charset="2"/>
+              <a:buChar char="§"/>
+              <a:defRPr sz="1200" kern="1200" baseline="0">
+                <a:solidFill>
+                  <a:schemeClr val="tx1"/>
+                </a:solidFill>
+                <a:effectLst/>
+                <a:latin typeface="+mn-lt"/>
+                <a:ea typeface="+mn-ea"/>
+                <a:cs typeface="+mn-cs"/>
+              </a:defRPr>
+            </a:lvl7pPr>
+            <a:lvl8pPr marL="3575304" indent="-338328" algn="l" defTabSz="914400" rtl="0" eaLnBrk="1" latinLnBrk="0" hangingPunct="1">
+              <a:lnSpc>
+                <a:spcPct val="120000"/>
+              </a:lnSpc>
+              <a:spcBef>
+                <a:spcPts val="500"/>
+              </a:spcBef>
+              <a:spcAft>
+                <a:spcPts val="600"/>
+              </a:spcAft>
+              <a:buClr>
+                <a:schemeClr val="accent6"/>
+              </a:buClr>
+              <a:buSzPct val="90000"/>
+              <a:buFont typeface="Wingdings" panose="05000000000000000000" pitchFamily="2" charset="2"/>
+              <a:buChar char="§"/>
+              <a:defRPr sz="1200" kern="1200" baseline="0">
+                <a:solidFill>
+                  <a:schemeClr val="tx1"/>
+                </a:solidFill>
+                <a:effectLst/>
+                <a:latin typeface="+mn-lt"/>
+                <a:ea typeface="+mn-ea"/>
+                <a:cs typeface="+mn-cs"/>
+              </a:defRPr>
+            </a:lvl8pPr>
+            <a:lvl9pPr marL="4041648" indent="-338328" algn="l" defTabSz="914400" rtl="0" eaLnBrk="1" latinLnBrk="0" hangingPunct="1">
+              <a:lnSpc>
+                <a:spcPct val="120000"/>
+              </a:lnSpc>
+              <a:spcBef>
+                <a:spcPts val="500"/>
+              </a:spcBef>
+              <a:spcAft>
+                <a:spcPts val="600"/>
+              </a:spcAft>
+              <a:buClr>
+                <a:schemeClr val="accent6"/>
+              </a:buClr>
+              <a:buSzPct val="90000"/>
+              <a:buFont typeface="Wingdings" panose="05000000000000000000" pitchFamily="2" charset="2"/>
+              <a:buChar char="§"/>
+              <a:defRPr sz="1200" kern="1200" baseline="0">
+                <a:solidFill>
+                  <a:schemeClr val="tx1"/>
+                </a:solidFill>
+                <a:effectLst/>
+                <a:latin typeface="+mn-lt"/>
+                <a:ea typeface="+mn-ea"/>
+                <a:cs typeface="+mn-cs"/>
+              </a:defRPr>
+            </a:lvl9pPr>
+          </a:lstStyle>
+          <a:p>
+            <a:pPr marL="285750" indent="-285750">
+              <a:spcAft>
+                <a:spcPts val="600"/>
+              </a:spcAft>
+              <a:buFont typeface="Wingdings" panose="05000000000000000000" pitchFamily="2" charset="2"/>
+              <a:buChar char="§"/>
+            </a:pPr>
+            <a:r>
+              <a:rPr lang="pt-PT" sz="1300" dirty="0"/>
+              <a:t>Operadores</a:t>
+            </a:r>
+            <a:r>
+              <a:rPr lang="en-US" sz="1300" dirty="0"/>
+              <a:t>:</a:t>
+            </a:r>
+          </a:p>
+          <a:p>
+            <a:pPr marL="457200" lvl="1" indent="0">
+              <a:lnSpc>
+                <a:spcPct val="110000"/>
+              </a:lnSpc>
+              <a:buFont typeface="Wingdings" panose="05000000000000000000" pitchFamily="2" charset="2"/>
+              <a:buNone/>
+            </a:pPr>
+            <a:endParaRPr lang="pt-PT" sz="1300" dirty="0"/>
           </a:p>
         </p:txBody>
       </p:sp>

--- a/docs/presentation.pptx
+++ b/docs/presentation.pptx
@@ -5971,10 +5971,10 @@
           <a:p>
             <a:pPr algn="l"/>
             <a:r>
-              <a:rPr lang="pt-PT" sz="2100"/>
+              <a:rPr lang="pt-PT" sz="2100" dirty="0"/>
               <a:t>Formulação do Problema como um problema de pesquisa</a:t>
             </a:r>
-            <a:endParaRPr lang="en-US" sz="2100"/>
+            <a:endParaRPr lang="en-US" sz="2100" dirty="0"/>
           </a:p>
         </p:txBody>
       </p:sp>
@@ -6023,7 +6023,7 @@
               </a:lnSpc>
             </a:pPr>
             <a:r>
-              <a:rPr lang="pt-PT" sz="1300" dirty="0"/>
+              <a:rPr lang="pt-PT" sz="1100" dirty="0"/>
               <a:t>O tabuleiro de jogo é representado por uma matriz B quadrangular com Y colunas e Y linhas, 4&lt;Y&lt;6. Os valores de cada célula podem ser X, no caso de ser uma parede, IZ, no caso de ser uma célula jogável e FZ no caso de ser uma célula destino (Z corresponde à cor da célula).</a:t>
             </a:r>
           </a:p>
@@ -6045,7 +6045,7 @@
               </a:lnSpc>
             </a:pPr>
             <a:r>
-              <a:rPr lang="pt-PT" sz="1100"/>
+              <a:rPr lang="pt-PT" sz="1100" dirty="0"/>
               <a:t>Matriz B com estado inicial desejado.</a:t>
             </a:r>
             <a:endParaRPr lang="en-US" sz="1100" dirty="0"/>
@@ -6091,7 +6091,7 @@
             </a:pPr>
             <a:r>
               <a:rPr lang="pt-PT" sz="1100" dirty="0"/>
-              <a:t>Número de estados finais () sozinhos (que não têm célula jogável (IZ) em cima)</a:t>
+              <a:t>Número de estados finais (FZ) sozinhos (que não têm célula jogável (IZ) em cima)</a:t>
             </a:r>
           </a:p>
           <a:p>
@@ -6199,14 +6199,14 @@
           <p:nvPr>
             <p:extLst>
               <p:ext uri="{D42A27DB-BD31-4B8C-83A1-F6EECF244321}">
-                <p14:modId xmlns:p14="http://schemas.microsoft.com/office/powerpoint/2010/main" val="2275611441"/>
+                <p14:modId xmlns:p14="http://schemas.microsoft.com/office/powerpoint/2010/main" val="1669763127"/>
               </p:ext>
             </p:extLst>
           </p:nvPr>
         </p:nvGraphicFramePr>
         <p:xfrm>
-          <a:off x="6573679" y="2403642"/>
-          <a:ext cx="4144145" cy="3513581"/>
+          <a:off x="6542768" y="2431612"/>
+          <a:ext cx="4289355" cy="3513581"/>
         </p:xfrm>
         <a:graphic>
           <a:graphicData uri="http://schemas.openxmlformats.org/drawingml/2006/table">
@@ -6216,28 +6216,28 @@
                 <a:tableStyleId>{5C22544A-7EE6-4342-B048-85BDC9FD1C3A}</a:tableStyleId>
               </a:tblPr>
               <a:tblGrid>
-                <a:gridCol w="812050">
+                <a:gridCol w="706352">
                   <a:extLst>
                     <a:ext uri="{9D8B030D-6E8A-4147-A177-3AD203B41FA5}">
                       <a16:colId xmlns:a16="http://schemas.microsoft.com/office/drawing/2014/main" val="2159812458"/>
                     </a:ext>
                   </a:extLst>
                 </a:gridCol>
-                <a:gridCol w="1459333">
+                <a:gridCol w="1397977">
                   <a:extLst>
                     <a:ext uri="{9D8B030D-6E8A-4147-A177-3AD203B41FA5}">
                       <a16:colId xmlns:a16="http://schemas.microsoft.com/office/drawing/2014/main" val="4186244219"/>
                     </a:ext>
                   </a:extLst>
                 </a:gridCol>
-                <a:gridCol w="1072661">
+                <a:gridCol w="1450730">
                   <a:extLst>
                     <a:ext uri="{9D8B030D-6E8A-4147-A177-3AD203B41FA5}">
                       <a16:colId xmlns:a16="http://schemas.microsoft.com/office/drawing/2014/main" val="1842513993"/>
                     </a:ext>
                   </a:extLst>
                 </a:gridCol>
-                <a:gridCol w="800101">
+                <a:gridCol w="734296">
                   <a:extLst>
                     <a:ext uri="{9D8B030D-6E8A-4147-A177-3AD203B41FA5}">
                       <a16:colId xmlns:a16="http://schemas.microsoft.com/office/drawing/2014/main" val="3297339727"/>
@@ -6386,7 +6386,7 @@
                     <a:lstStyle/>
                     <a:p>
                       <a:r>
-                        <a:rPr lang="pt-PT" sz="1200" noProof="0">
+                        <a:rPr lang="pt-PT" sz="1200" noProof="0" dirty="0">
                           <a:solidFill>
                             <a:schemeClr val="tx1">
                               <a:lumMod val="75000"/>
@@ -6396,14 +6396,6 @@
                         </a:rPr>
                         <a:t>Custo</a:t>
                       </a:r>
-                      <a:endParaRPr lang="pt-PT" sz="1200" noProof="0" dirty="0">
-                        <a:solidFill>
-                          <a:schemeClr val="tx1">
-                            <a:lumMod val="75000"/>
-                            <a:lumOff val="25000"/>
-                          </a:schemeClr>
-                        </a:solidFill>
-                      </a:endParaRPr>
                     </a:p>
                   </a:txBody>
                   <a:tcPr marL="160954" marR="96573" marT="96573" marB="96573">
@@ -6443,7 +6435,7 @@
                     <a:lstStyle/>
                     <a:p>
                       <a:r>
-                        <a:rPr lang="en-US" sz="900">
+                        <a:rPr lang="en-US" sz="900" dirty="0">
                           <a:solidFill>
                             <a:schemeClr val="tx1">
                               <a:lumMod val="75000"/>
@@ -6453,7 +6445,7 @@
                         </a:rPr>
                         <a:t>Up</a:t>
                       </a:r>
-                      <a:endParaRPr lang="pt-PT" sz="900">
+                      <a:endParaRPr lang="pt-PT" sz="900" dirty="0">
                         <a:solidFill>
                           <a:schemeClr val="tx1">
                             <a:lumMod val="75000"/>
@@ -6495,7 +6487,7 @@
                     <a:lstStyle/>
                     <a:p>
                       <a:r>
-                        <a:rPr lang="pt-PT" sz="900" b="0" i="0" kern="1200">
+                        <a:rPr lang="pt-PT" sz="900" b="0" i="0" kern="1200" dirty="0">
                           <a:solidFill>
                             <a:schemeClr val="tx1">
                               <a:lumMod val="75000"/>
@@ -6507,9 +6499,39 @@
                           <a:ea typeface="+mn-ea"/>
                           <a:cs typeface="+mn-cs"/>
                         </a:rPr>
-                        <a:t>∃IZ, B[IZx,IXy-1] ∉ {“X”,”IZ”} ∧ IZy&gt;0</a:t>
+                        <a:t>∃IZ, B[IZx,IXy-1] ∉ {“X”,”IZ”} ∧ </a:t>
                       </a:r>
-                      <a:endParaRPr lang="pt-PT" sz="900">
+                      <a:r>
+                        <a:rPr lang="pt-PT" sz="900" b="0" i="0" kern="1200" dirty="0" err="1">
+                          <a:solidFill>
+                            <a:schemeClr val="tx1">
+                              <a:lumMod val="75000"/>
+                              <a:lumOff val="25000"/>
+                            </a:schemeClr>
+                          </a:solidFill>
+                          <a:effectLst/>
+                          <a:latin typeface="+mn-lt"/>
+                          <a:ea typeface="+mn-ea"/>
+                          <a:cs typeface="+mn-cs"/>
+                        </a:rPr>
+                        <a:t>IZy</a:t>
+                      </a:r>
+                      <a:r>
+                        <a:rPr lang="pt-PT" sz="900" b="0" i="0" kern="1200" dirty="0">
+                          <a:solidFill>
+                            <a:schemeClr val="tx1">
+                              <a:lumMod val="75000"/>
+                              <a:lumOff val="25000"/>
+                            </a:schemeClr>
+                          </a:solidFill>
+                          <a:effectLst/>
+                          <a:latin typeface="+mn-lt"/>
+                          <a:ea typeface="+mn-ea"/>
+                          <a:cs typeface="+mn-cs"/>
+                        </a:rPr>
+                        <a:t>&gt;0</a:t>
+                      </a:r>
+                      <a:endParaRPr lang="pt-PT" sz="900" dirty="0">
                         <a:solidFill>
                           <a:schemeClr val="tx1">
                             <a:lumMod val="75000"/>
@@ -6551,7 +6573,7 @@
                     <a:lstStyle/>
                     <a:p>
                       <a:r>
-                        <a:rPr lang="pt-PT" sz="900" b="0" i="0" kern="1200">
+                        <a:rPr lang="pt-PT" sz="900" b="0" i="0" kern="1200" dirty="0">
                           <a:solidFill>
                             <a:schemeClr val="tx1">
                               <a:lumMod val="75000"/>
@@ -6565,7 +6587,7 @@
                         </a:rPr>
                         <a:t>∀IZ, B[IZx,IXy-1]=IZ</a:t>
                       </a:r>
-                      <a:endParaRPr lang="pt-PT" sz="900">
+                      <a:endParaRPr lang="pt-PT" sz="900" dirty="0">
                         <a:solidFill>
                           <a:schemeClr val="tx1">
                             <a:lumMod val="75000"/>
@@ -6720,7 +6742,7 @@
                     <a:lstStyle/>
                     <a:p>
                       <a:r>
-                        <a:rPr lang="pt-PT" sz="900" b="0" i="0" kern="1200">
+                        <a:rPr lang="pt-PT" sz="900" b="0" i="0" kern="1200" dirty="0">
                           <a:solidFill>
                             <a:schemeClr val="tx1">
                               <a:lumMod val="75000"/>
@@ -6732,9 +6754,54 @@
                           <a:ea typeface="+mn-ea"/>
                           <a:cs typeface="+mn-cs"/>
                         </a:rPr>
-                        <a:t>∃IZ, B[IZx,Ixy+1] ∉ {“X”,”IZ”} ∧ IZy&lt;B.size</a:t>
+                        <a:t>∃IZ, B[IZx,Ixy+1] ∉ {“X”,”IZ”} ∧ </a:t>
                       </a:r>
-                      <a:endParaRPr lang="pt-PT" sz="900">
+                      <a:r>
+                        <a:rPr lang="pt-PT" sz="900" b="0" i="0" kern="1200" dirty="0" err="1">
+                          <a:solidFill>
+                            <a:schemeClr val="tx1">
+                              <a:lumMod val="75000"/>
+                              <a:lumOff val="25000"/>
+                            </a:schemeClr>
+                          </a:solidFill>
+                          <a:effectLst/>
+                          <a:latin typeface="+mn-lt"/>
+                          <a:ea typeface="+mn-ea"/>
+                          <a:cs typeface="+mn-cs"/>
+                        </a:rPr>
+                        <a:t>IZy</a:t>
+                      </a:r>
+                      <a:r>
+                        <a:rPr lang="pt-PT" sz="900" b="0" i="0" kern="1200" dirty="0">
+                          <a:solidFill>
+                            <a:schemeClr val="tx1">
+                              <a:lumMod val="75000"/>
+                              <a:lumOff val="25000"/>
+                            </a:schemeClr>
+                          </a:solidFill>
+                          <a:effectLst/>
+                          <a:latin typeface="+mn-lt"/>
+                          <a:ea typeface="+mn-ea"/>
+                          <a:cs typeface="+mn-cs"/>
+                        </a:rPr>
+                        <a:t>&lt;</a:t>
+                      </a:r>
+                      <a:r>
+                        <a:rPr lang="pt-PT" sz="900" b="0" i="0" kern="1200" dirty="0" err="1">
+                          <a:solidFill>
+                            <a:schemeClr val="tx1">
+                              <a:lumMod val="75000"/>
+                              <a:lumOff val="25000"/>
+                            </a:schemeClr>
+                          </a:solidFill>
+                          <a:effectLst/>
+                          <a:latin typeface="+mn-lt"/>
+                          <a:ea typeface="+mn-ea"/>
+                          <a:cs typeface="+mn-cs"/>
+                        </a:rPr>
+                        <a:t>B.size</a:t>
+                      </a:r>
+                      <a:endParaRPr lang="pt-PT" sz="900" dirty="0">
                         <a:solidFill>
                           <a:schemeClr val="tx1">
                             <a:lumMod val="75000"/>
@@ -6795,7 +6862,7 @@
                         <a:defRPr/>
                       </a:pPr>
                       <a:r>
-                        <a:rPr lang="pt-PT" sz="900" b="0" i="0" kern="1200">
+                        <a:rPr lang="pt-PT" sz="900" b="0" i="0" kern="1200" dirty="0">
                           <a:solidFill>
                             <a:schemeClr val="tx1">
                               <a:lumMod val="75000"/>
@@ -6809,7 +6876,7 @@
                         </a:rPr>
                         <a:t>∀IZ, B[IZx,IXy+1]=IZ</a:t>
                       </a:r>
-                      <a:endParaRPr lang="pt-PT" sz="900">
+                      <a:endParaRPr lang="pt-PT" sz="900" dirty="0">
                         <a:solidFill>
                           <a:schemeClr val="tx1">
                             <a:lumMod val="75000"/>
@@ -6819,7 +6886,7 @@
                       </a:endParaRPr>
                     </a:p>
                     <a:p>
-                      <a:endParaRPr lang="pt-PT" sz="900">
+                      <a:endParaRPr lang="pt-PT" sz="900" dirty="0">
                         <a:solidFill>
                           <a:schemeClr val="tx1">
                             <a:lumMod val="75000"/>
@@ -6863,7 +6930,7 @@
                     <a:lstStyle/>
                     <a:p>
                       <a:r>
-                        <a:rPr lang="en-US" sz="900">
+                        <a:rPr lang="en-US" sz="900" dirty="0">
                           <a:solidFill>
                             <a:schemeClr val="tx1">
                               <a:lumMod val="75000"/>
@@ -6873,7 +6940,7 @@
                         </a:rPr>
                         <a:t>1</a:t>
                       </a:r>
-                      <a:endParaRPr lang="pt-PT" sz="900">
+                      <a:endParaRPr lang="pt-PT" sz="900" dirty="0">
                         <a:solidFill>
                           <a:schemeClr val="tx1">
                             <a:lumMod val="75000"/>
@@ -6978,7 +7045,7 @@
                     <a:lstStyle/>
                     <a:p>
                       <a:r>
-                        <a:rPr lang="pt-PT" sz="900" b="0" i="0" kern="1200">
+                        <a:rPr lang="pt-PT" sz="900" b="0" i="0" kern="1200" dirty="0">
                           <a:solidFill>
                             <a:schemeClr val="tx1">
                               <a:lumMod val="75000"/>
@@ -6990,9 +7057,39 @@
                           <a:ea typeface="+mn-ea"/>
                           <a:cs typeface="+mn-cs"/>
                         </a:rPr>
-                        <a:t>∃IZ, B[Izx-1,IXy] ∉ {“X”,”IZ”} ∧ IZx&gt;0</a:t>
+                        <a:t>∃IZ, B[Izx-1,IXy] ∉ {“X”,”IZ”} ∧ </a:t>
                       </a:r>
-                      <a:endParaRPr lang="pt-PT" sz="900">
+                      <a:r>
+                        <a:rPr lang="pt-PT" sz="900" b="0" i="0" kern="1200" dirty="0" err="1">
+                          <a:solidFill>
+                            <a:schemeClr val="tx1">
+                              <a:lumMod val="75000"/>
+                              <a:lumOff val="25000"/>
+                            </a:schemeClr>
+                          </a:solidFill>
+                          <a:effectLst/>
+                          <a:latin typeface="+mn-lt"/>
+                          <a:ea typeface="+mn-ea"/>
+                          <a:cs typeface="+mn-cs"/>
+                        </a:rPr>
+                        <a:t>IZx</a:t>
+                      </a:r>
+                      <a:r>
+                        <a:rPr lang="pt-PT" sz="900" b="0" i="0" kern="1200" dirty="0">
+                          <a:solidFill>
+                            <a:schemeClr val="tx1">
+                              <a:lumMod val="75000"/>
+                              <a:lumOff val="25000"/>
+                            </a:schemeClr>
+                          </a:solidFill>
+                          <a:effectLst/>
+                          <a:latin typeface="+mn-lt"/>
+                          <a:ea typeface="+mn-ea"/>
+                          <a:cs typeface="+mn-cs"/>
+                        </a:rPr>
+                        <a:t>&gt;0</a:t>
+                      </a:r>
+                      <a:endParaRPr lang="pt-PT" sz="900" dirty="0">
                         <a:solidFill>
                           <a:schemeClr val="tx1">
                             <a:lumMod val="75000"/>
@@ -7253,7 +7350,7 @@
                         <a:defRPr/>
                       </a:pPr>
                       <a:r>
-                        <a:rPr lang="pt-PT" sz="900" b="0" i="0" kern="1200">
+                        <a:rPr lang="pt-PT" sz="900" b="0" i="0" kern="1200" dirty="0">
                           <a:solidFill>
                             <a:schemeClr val="tx1">
                               <a:lumMod val="75000"/>
@@ -7265,9 +7362,54 @@
                           <a:ea typeface="+mn-ea"/>
                           <a:cs typeface="+mn-cs"/>
                         </a:rPr>
-                        <a:t>∃IZ, B[Izx+1,IXy] ∉ {“X”,”IZ”} ∧ IZx&lt;B.size</a:t>
+                        <a:t>∃IZ, B[Izx+1,IXy] ∉ {“X”,”IZ”} ∧ </a:t>
                       </a:r>
-                      <a:endParaRPr lang="pt-PT" sz="900">
+                      <a:r>
+                        <a:rPr lang="pt-PT" sz="900" b="0" i="0" kern="1200" dirty="0" err="1">
+                          <a:solidFill>
+                            <a:schemeClr val="tx1">
+                              <a:lumMod val="75000"/>
+                              <a:lumOff val="25000"/>
+                            </a:schemeClr>
+                          </a:solidFill>
+                          <a:effectLst/>
+                          <a:latin typeface="+mn-lt"/>
+                          <a:ea typeface="+mn-ea"/>
+                          <a:cs typeface="+mn-cs"/>
+                        </a:rPr>
+                        <a:t>IZx</a:t>
+                      </a:r>
+                      <a:r>
+                        <a:rPr lang="pt-PT" sz="900" b="0" i="0" kern="1200" dirty="0">
+                          <a:solidFill>
+                            <a:schemeClr val="tx1">
+                              <a:lumMod val="75000"/>
+                              <a:lumOff val="25000"/>
+                            </a:schemeClr>
+                          </a:solidFill>
+                          <a:effectLst/>
+                          <a:latin typeface="+mn-lt"/>
+                          <a:ea typeface="+mn-ea"/>
+                          <a:cs typeface="+mn-cs"/>
+                        </a:rPr>
+                        <a:t>&lt;</a:t>
+                      </a:r>
+                      <a:r>
+                        <a:rPr lang="pt-PT" sz="900" b="0" i="0" kern="1200" dirty="0" err="1">
+                          <a:solidFill>
+                            <a:schemeClr val="tx1">
+                              <a:lumMod val="75000"/>
+                              <a:lumOff val="25000"/>
+                            </a:schemeClr>
+                          </a:solidFill>
+                          <a:effectLst/>
+                          <a:latin typeface="+mn-lt"/>
+                          <a:ea typeface="+mn-ea"/>
+                          <a:cs typeface="+mn-cs"/>
+                        </a:rPr>
+                        <a:t>B.size</a:t>
+                      </a:r>
+                      <a:endParaRPr lang="pt-PT" sz="900" dirty="0">
                         <a:solidFill>
                           <a:schemeClr val="tx1">
                             <a:lumMod val="75000"/>
@@ -7396,7 +7538,7 @@
                     <a:lstStyle/>
                     <a:p>
                       <a:r>
-                        <a:rPr lang="en-US" sz="900">
+                        <a:rPr lang="en-US" sz="900" dirty="0">
                           <a:solidFill>
                             <a:schemeClr val="tx1">
                               <a:lumMod val="75000"/>

--- a/docs/presentation.pptx
+++ b/docs/presentation.pptx
@@ -333,7 +333,7 @@
           <a:p>
             <a:fld id="{9AB3A824-1A51-4B26-AD58-A6D8E14F6C04}" type="datetimeFigureOut">
               <a:rPr lang="en-US" dirty="0"/>
-              <a:t>3/12/2021</a:t>
+              <a:t>3/14/2021</a:t>
             </a:fld>
             <a:endParaRPr lang="en-US" dirty="0"/>
           </a:p>
@@ -667,7 +667,7 @@
           <a:p>
             <a:fld id="{D857E33E-8B18-4087-B112-809917729534}" type="datetimeFigureOut">
               <a:rPr lang="en-US" dirty="0"/>
-              <a:t>3/12/2021</a:t>
+              <a:t>3/14/2021</a:t>
             </a:fld>
             <a:endParaRPr lang="en-US" dirty="0"/>
           </a:p>
@@ -969,7 +969,7 @@
           <a:p>
             <a:fld id="{D3FFE419-2371-464F-8239-3959401C3561}" type="datetimeFigureOut">
               <a:rPr lang="en-US" dirty="0"/>
-              <a:t>3/12/2021</a:t>
+              <a:t>3/14/2021</a:t>
             </a:fld>
             <a:endParaRPr lang="en-US" dirty="0"/>
           </a:p>
@@ -1216,7 +1216,7 @@
           <a:p>
             <a:fld id="{97D162C4-EDD9-4389-A98B-B87ECEA2A816}" type="datetimeFigureOut">
               <a:rPr lang="en-US" dirty="0"/>
-              <a:t>3/12/2021</a:t>
+              <a:t>3/14/2021</a:t>
             </a:fld>
             <a:endParaRPr lang="en-US" dirty="0"/>
           </a:p>
@@ -1623,7 +1623,7 @@
           <a:p>
             <a:fld id="{3E5059C3-6A89-4494-99FF-5A4D6FFD50EB}" type="datetimeFigureOut">
               <a:rPr lang="en-US" dirty="0"/>
-              <a:t>3/12/2021</a:t>
+              <a:t>3/14/2021</a:t>
             </a:fld>
             <a:endParaRPr lang="en-US" dirty="0"/>
           </a:p>
@@ -1937,7 +1937,7 @@
           <a:p>
             <a:fld id="{CA954B2F-12DE-47F5-8894-472B206D2E1E}" type="datetimeFigureOut">
               <a:rPr lang="en-US" dirty="0"/>
-              <a:t>3/12/2021</a:t>
+              <a:t>3/14/2021</a:t>
             </a:fld>
             <a:endParaRPr lang="en-US" dirty="0"/>
           </a:p>
@@ -2481,7 +2481,7 @@
           <a:p>
             <a:fld id="{3F30E46F-7819-4ACF-B48B-48222C2ACC88}" type="datetimeFigureOut">
               <a:rPr lang="en-US" dirty="0"/>
-              <a:t>3/12/2021</a:t>
+              <a:t>3/14/2021</a:t>
             </a:fld>
             <a:endParaRPr lang="en-US" dirty="0"/>
           </a:p>
@@ -2676,7 +2676,7 @@
           <a:p>
             <a:fld id="{1FAF3416-4057-4DAA-829D-4CA07428D088}" type="datetimeFigureOut">
               <a:rPr lang="en-US" dirty="0"/>
-              <a:t>3/12/2021</a:t>
+              <a:t>3/14/2021</a:t>
             </a:fld>
             <a:endParaRPr lang="en-US" dirty="0"/>
           </a:p>
@@ -2889,7 +2889,7 @@
           <a:p>
             <a:fld id="{921D9284-D300-4297-87F7-E791DCC15DB1}" type="datetimeFigureOut">
               <a:rPr lang="en-US" dirty="0"/>
-              <a:t>3/12/2021</a:t>
+              <a:t>3/14/2021</a:t>
             </a:fld>
             <a:endParaRPr lang="en-US" dirty="0"/>
           </a:p>
@@ -3258,7 +3258,7 @@
           <a:p>
             <a:fld id="{37D525BB-DA17-4BA0-B3C8-3AC3ABC827E6}" type="datetimeFigureOut">
               <a:rPr lang="en-US" dirty="0"/>
-              <a:t>3/12/2021</a:t>
+              <a:t>3/14/2021</a:t>
             </a:fld>
             <a:endParaRPr lang="en-US" dirty="0"/>
           </a:p>
@@ -3661,7 +3661,7 @@
           <a:p>
             <a:fld id="{B16C4C9A-3960-41CF-A4E9-2A8FB932454B}" type="datetimeFigureOut">
               <a:rPr lang="en-US" dirty="0"/>
-              <a:t>3/12/2021</a:t>
+              <a:t>3/14/2021</a:t>
             </a:fld>
             <a:endParaRPr lang="en-US" dirty="0"/>
           </a:p>
@@ -3972,7 +3972,7 @@
           <a:p>
             <a:fld id="{3CBC1C18-307B-4F68-A007-B5B542270E8D}" type="datetimeFigureOut">
               <a:rPr lang="en-US" dirty="0"/>
-              <a:t>3/12/2021</a:t>
+              <a:t>3/14/2021</a:t>
             </a:fld>
             <a:endParaRPr lang="en-US" dirty="0"/>
           </a:p>
@@ -6199,7 +6199,7 @@
           <p:nvPr>
             <p:extLst>
               <p:ext uri="{D42A27DB-BD31-4B8C-83A1-F6EECF244321}">
-                <p14:modId xmlns:p14="http://schemas.microsoft.com/office/powerpoint/2010/main" val="1669763127"/>
+                <p14:modId xmlns:p14="http://schemas.microsoft.com/office/powerpoint/2010/main" val="1933664723"/>
               </p:ext>
             </p:extLst>
           </p:nvPr>
@@ -6585,7 +6585,37 @@
                           <a:ea typeface="+mn-ea"/>
                           <a:cs typeface="+mn-cs"/>
                         </a:rPr>
-                        <a:t>∀IZ, B[IZx,IXy-1]=IZ</a:t>
+                        <a:t>∀IZ, </a:t>
+                      </a:r>
+                      <a:r>
+                        <a:rPr lang="pt-PT" sz="900" b="0" i="0" kern="1200" dirty="0" err="1">
+                          <a:solidFill>
+                            <a:schemeClr val="tx1">
+                              <a:lumMod val="75000"/>
+                              <a:lumOff val="25000"/>
+                            </a:schemeClr>
+                          </a:solidFill>
+                          <a:effectLst/>
+                          <a:latin typeface="+mn-lt"/>
+                          <a:ea typeface="+mn-ea"/>
+                          <a:cs typeface="+mn-cs"/>
+                        </a:rPr>
+                        <a:t>While</a:t>
+                      </a:r>
+                      <a:r>
+                        <a:rPr lang="pt-PT" sz="900" b="0" i="0" kern="1200" dirty="0">
+                          <a:solidFill>
+                            <a:schemeClr val="tx1">
+                              <a:lumMod val="75000"/>
+                              <a:lumOff val="25000"/>
+                            </a:schemeClr>
+                          </a:solidFill>
+                          <a:effectLst/>
+                          <a:latin typeface="+mn-lt"/>
+                          <a:ea typeface="+mn-ea"/>
+                          <a:cs typeface="+mn-cs"/>
+                        </a:rPr>
+                        <a:t>(B[IZx-1,IZy] ∉ {“X”,”IZ”}) do B[IZx,IXy-1]=IZ</a:t>
                       </a:r>
                       <a:endParaRPr lang="pt-PT" sz="900" dirty="0">
                         <a:solidFill>
@@ -6874,7 +6904,37 @@
                           <a:ea typeface="+mn-ea"/>
                           <a:cs typeface="+mn-cs"/>
                         </a:rPr>
-                        <a:t>∀IZ, B[IZx,IXy+1]=IZ</a:t>
+                        <a:t>∀IZ, </a:t>
+                      </a:r>
+                      <a:r>
+                        <a:rPr lang="pt-PT" sz="900" b="0" i="0" kern="1200" dirty="0" err="1">
+                          <a:solidFill>
+                            <a:schemeClr val="tx1">
+                              <a:lumMod val="75000"/>
+                              <a:lumOff val="25000"/>
+                            </a:schemeClr>
+                          </a:solidFill>
+                          <a:effectLst/>
+                          <a:latin typeface="+mn-lt"/>
+                          <a:ea typeface="+mn-ea"/>
+                          <a:cs typeface="+mn-cs"/>
+                        </a:rPr>
+                        <a:t>While</a:t>
+                      </a:r>
+                      <a:r>
+                        <a:rPr lang="pt-PT" sz="900" b="0" i="0" kern="1200" dirty="0">
+                          <a:solidFill>
+                            <a:schemeClr val="tx1">
+                              <a:lumMod val="75000"/>
+                              <a:lumOff val="25000"/>
+                            </a:schemeClr>
+                          </a:solidFill>
+                          <a:effectLst/>
+                          <a:latin typeface="+mn-lt"/>
+                          <a:ea typeface="+mn-ea"/>
+                          <a:cs typeface="+mn-cs"/>
+                        </a:rPr>
+                        <a:t>(B[IZx+1,IZy] ∉ {“X”,”IZ”}) do  B[IZx,IXy+1]=IZ</a:t>
                       </a:r>
                       <a:endParaRPr lang="pt-PT" sz="900" dirty="0">
                         <a:solidFill>
@@ -7150,7 +7210,7 @@
                         <a:defRPr/>
                       </a:pPr>
                       <a:r>
-                        <a:rPr lang="pt-PT" sz="900" b="0" i="0" kern="1200">
+                        <a:rPr lang="pt-PT" sz="900" b="0" i="0" kern="1200" dirty="0">
                           <a:solidFill>
                             <a:schemeClr val="tx1">
                               <a:lumMod val="75000"/>
@@ -7162,9 +7222,39 @@
                           <a:ea typeface="+mn-ea"/>
                           <a:cs typeface="+mn-cs"/>
                         </a:rPr>
-                        <a:t>∀IZ, B[IZx-1,IXy]=IZ</a:t>
+                        <a:t>∀IZ, </a:t>
                       </a:r>
-                      <a:endParaRPr lang="pt-PT" sz="900">
+                      <a:r>
+                        <a:rPr lang="pt-PT" sz="900" b="0" i="0" kern="1200" dirty="0" err="1">
+                          <a:solidFill>
+                            <a:schemeClr val="tx1">
+                              <a:lumMod val="75000"/>
+                              <a:lumOff val="25000"/>
+                            </a:schemeClr>
+                          </a:solidFill>
+                          <a:effectLst/>
+                          <a:latin typeface="+mn-lt"/>
+                          <a:ea typeface="+mn-ea"/>
+                          <a:cs typeface="+mn-cs"/>
+                        </a:rPr>
+                        <a:t>While</a:t>
+                      </a:r>
+                      <a:r>
+                        <a:rPr lang="pt-PT" sz="900" b="0" i="0" kern="1200" dirty="0">
+                          <a:solidFill>
+                            <a:schemeClr val="tx1">
+                              <a:lumMod val="75000"/>
+                              <a:lumOff val="25000"/>
+                            </a:schemeClr>
+                          </a:solidFill>
+                          <a:effectLst/>
+                          <a:latin typeface="+mn-lt"/>
+                          <a:ea typeface="+mn-ea"/>
+                          <a:cs typeface="+mn-cs"/>
+                        </a:rPr>
+                        <a:t>(B[IZx,IZy-1] ∉ {“X”,”IZ”}) do B[IZx-1,IXy]=IZ</a:t>
+                      </a:r>
+                      <a:endParaRPr lang="pt-PT" sz="900" dirty="0">
                         <a:solidFill>
                           <a:schemeClr val="tx1">
                             <a:lumMod val="75000"/>
@@ -7174,7 +7264,7 @@
                       </a:endParaRPr>
                     </a:p>
                     <a:p>
-                      <a:endParaRPr lang="pt-PT" sz="900">
+                      <a:endParaRPr lang="pt-PT" sz="900" dirty="0">
                         <a:solidFill>
                           <a:schemeClr val="tx1">
                             <a:lumMod val="75000"/>
@@ -7470,7 +7560,7 @@
                         <a:defRPr/>
                       </a:pPr>
                       <a:r>
-                        <a:rPr lang="pt-PT" sz="900" b="0" i="0" kern="1200">
+                        <a:rPr lang="pt-PT" sz="900" b="0" i="0" kern="1200" dirty="0">
                           <a:solidFill>
                             <a:schemeClr val="tx1">
                               <a:lumMod val="75000"/>
@@ -7482,9 +7572,39 @@
                           <a:ea typeface="+mn-ea"/>
                           <a:cs typeface="+mn-cs"/>
                         </a:rPr>
-                        <a:t>∀IZ, B[IZx+1,IXy]=IZ</a:t>
+                        <a:t>∀IZ, </a:t>
                       </a:r>
-                      <a:endParaRPr lang="pt-PT" sz="900">
+                      <a:r>
+                        <a:rPr lang="pt-PT" sz="900" b="0" i="0" kern="1200" dirty="0" err="1">
+                          <a:solidFill>
+                            <a:schemeClr val="tx1">
+                              <a:lumMod val="75000"/>
+                              <a:lumOff val="25000"/>
+                            </a:schemeClr>
+                          </a:solidFill>
+                          <a:effectLst/>
+                          <a:latin typeface="+mn-lt"/>
+                          <a:ea typeface="+mn-ea"/>
+                          <a:cs typeface="+mn-cs"/>
+                        </a:rPr>
+                        <a:t>While</a:t>
+                      </a:r>
+                      <a:r>
+                        <a:rPr lang="pt-PT" sz="900" b="0" i="0" kern="1200" dirty="0">
+                          <a:solidFill>
+                            <a:schemeClr val="tx1">
+                              <a:lumMod val="75000"/>
+                              <a:lumOff val="25000"/>
+                            </a:schemeClr>
+                          </a:solidFill>
+                          <a:effectLst/>
+                          <a:latin typeface="+mn-lt"/>
+                          <a:ea typeface="+mn-ea"/>
+                          <a:cs typeface="+mn-cs"/>
+                        </a:rPr>
+                        <a:t>(B[IZx,IZy+1] ∉ {“X”,”IZ”}) do B[IZx+1,IXy]=IZ</a:t>
+                      </a:r>
+                      <a:endParaRPr lang="pt-PT" sz="900" dirty="0">
                         <a:solidFill>
                           <a:schemeClr val="tx1">
                             <a:lumMod val="75000"/>

--- a/docs/presentation.pptx
+++ b/docs/presentation.pptx
@@ -9,7 +9,8 @@
     <p:sldId id="257" r:id="rId3"/>
     <p:sldId id="258" r:id="rId4"/>
     <p:sldId id="259" r:id="rId5"/>
-    <p:sldId id="260" r:id="rId6"/>
+    <p:sldId id="261" r:id="rId6"/>
+    <p:sldId id="260" r:id="rId7"/>
   </p:sldIdLst>
   <p:sldSz cx="12192000" cy="6858000"/>
   <p:notesSz cx="6858000" cy="9144000"/>
@@ -333,7 +334,7 @@
           <a:p>
             <a:fld id="{9AB3A824-1A51-4B26-AD58-A6D8E14F6C04}" type="datetimeFigureOut">
               <a:rPr lang="en-US" dirty="0"/>
-              <a:t>3/14/2021</a:t>
+              <a:t>3/18/2021</a:t>
             </a:fld>
             <a:endParaRPr lang="en-US" dirty="0"/>
           </a:p>
@@ -379,7 +380,7 @@
           <a:p>
             <a:fld id="{6D22F896-40B5-4ADD-8801-0D06FADFA095}" type="slidenum">
               <a:rPr lang="en-US" dirty="0"/>
-              <a:t>‹#›</a:t>
+              <a:t>‹nº›</a:t>
             </a:fld>
             <a:endParaRPr lang="en-US" dirty="0"/>
           </a:p>
@@ -667,7 +668,7 @@
           <a:p>
             <a:fld id="{D857E33E-8B18-4087-B112-809917729534}" type="datetimeFigureOut">
               <a:rPr lang="en-US" dirty="0"/>
-              <a:t>3/14/2021</a:t>
+              <a:t>3/18/2021</a:t>
             </a:fld>
             <a:endParaRPr lang="en-US" dirty="0"/>
           </a:p>
@@ -713,7 +714,7 @@
           <a:p>
             <a:fld id="{6D22F896-40B5-4ADD-8801-0D06FADFA095}" type="slidenum">
               <a:rPr lang="en-US" dirty="0"/>
-              <a:t>‹#›</a:t>
+              <a:t>‹nº›</a:t>
             </a:fld>
             <a:endParaRPr lang="en-US" dirty="0"/>
           </a:p>
@@ -969,7 +970,7 @@
           <a:p>
             <a:fld id="{D3FFE419-2371-464F-8239-3959401C3561}" type="datetimeFigureOut">
               <a:rPr lang="en-US" dirty="0"/>
-              <a:t>3/14/2021</a:t>
+              <a:t>3/18/2021</a:t>
             </a:fld>
             <a:endParaRPr lang="en-US" dirty="0"/>
           </a:p>
@@ -1015,7 +1016,7 @@
           <a:p>
             <a:fld id="{6D22F896-40B5-4ADD-8801-0D06FADFA095}" type="slidenum">
               <a:rPr lang="en-US" dirty="0"/>
-              <a:t>‹#›</a:t>
+              <a:t>‹nº›</a:t>
             </a:fld>
             <a:endParaRPr lang="en-US" dirty="0"/>
           </a:p>
@@ -1216,7 +1217,7 @@
           <a:p>
             <a:fld id="{97D162C4-EDD9-4389-A98B-B87ECEA2A816}" type="datetimeFigureOut">
               <a:rPr lang="en-US" dirty="0"/>
-              <a:t>3/14/2021</a:t>
+              <a:t>3/18/2021</a:t>
             </a:fld>
             <a:endParaRPr lang="en-US" dirty="0"/>
           </a:p>
@@ -1262,7 +1263,7 @@
           <a:p>
             <a:fld id="{6D22F896-40B5-4ADD-8801-0D06FADFA095}" type="slidenum">
               <a:rPr lang="en-US" dirty="0"/>
-              <a:t>‹#›</a:t>
+              <a:t>‹nº›</a:t>
             </a:fld>
             <a:endParaRPr lang="en-US" dirty="0"/>
           </a:p>
@@ -1623,7 +1624,7 @@
           <a:p>
             <a:fld id="{3E5059C3-6A89-4494-99FF-5A4D6FFD50EB}" type="datetimeFigureOut">
               <a:rPr lang="en-US" dirty="0"/>
-              <a:t>3/14/2021</a:t>
+              <a:t>3/18/2021</a:t>
             </a:fld>
             <a:endParaRPr lang="en-US" dirty="0"/>
           </a:p>
@@ -1669,7 +1670,7 @@
           <a:p>
             <a:fld id="{6D22F896-40B5-4ADD-8801-0D06FADFA095}" type="slidenum">
               <a:rPr lang="en-US" dirty="0"/>
-              <a:t>‹#›</a:t>
+              <a:t>‹nº›</a:t>
             </a:fld>
             <a:endParaRPr lang="en-US" dirty="0"/>
           </a:p>
@@ -1937,7 +1938,7 @@
           <a:p>
             <a:fld id="{CA954B2F-12DE-47F5-8894-472B206D2E1E}" type="datetimeFigureOut">
               <a:rPr lang="en-US" dirty="0"/>
-              <a:t>3/14/2021</a:t>
+              <a:t>3/18/2021</a:t>
             </a:fld>
             <a:endParaRPr lang="en-US" dirty="0"/>
           </a:p>
@@ -1983,7 +1984,7 @@
           <a:p>
             <a:fld id="{6D22F896-40B5-4ADD-8801-0D06FADFA095}" type="slidenum">
               <a:rPr lang="en-US" dirty="0"/>
-              <a:t>‹#›</a:t>
+              <a:t>‹nº›</a:t>
             </a:fld>
             <a:endParaRPr lang="en-US" dirty="0"/>
           </a:p>
@@ -2481,7 +2482,7 @@
           <a:p>
             <a:fld id="{3F30E46F-7819-4ACF-B48B-48222C2ACC88}" type="datetimeFigureOut">
               <a:rPr lang="en-US" dirty="0"/>
-              <a:t>3/14/2021</a:t>
+              <a:t>3/18/2021</a:t>
             </a:fld>
             <a:endParaRPr lang="en-US" dirty="0"/>
           </a:p>
@@ -2527,7 +2528,7 @@
           <a:p>
             <a:fld id="{6D22F896-40B5-4ADD-8801-0D06FADFA095}" type="slidenum">
               <a:rPr lang="en-US" dirty="0"/>
-              <a:t>‹#›</a:t>
+              <a:t>‹nº›</a:t>
             </a:fld>
             <a:endParaRPr lang="en-US" dirty="0"/>
           </a:p>
@@ -2676,7 +2677,7 @@
           <a:p>
             <a:fld id="{1FAF3416-4057-4DAA-829D-4CA07428D088}" type="datetimeFigureOut">
               <a:rPr lang="en-US" dirty="0"/>
-              <a:t>3/14/2021</a:t>
+              <a:t>3/18/2021</a:t>
             </a:fld>
             <a:endParaRPr lang="en-US" dirty="0"/>
           </a:p>
@@ -2722,7 +2723,7 @@
           <a:p>
             <a:fld id="{6D22F896-40B5-4ADD-8801-0D06FADFA095}" type="slidenum">
               <a:rPr lang="en-US" dirty="0"/>
-              <a:t>‹#›</a:t>
+              <a:t>‹nº›</a:t>
             </a:fld>
             <a:endParaRPr lang="en-US" dirty="0"/>
           </a:p>
@@ -2889,7 +2890,7 @@
           <a:p>
             <a:fld id="{921D9284-D300-4297-87F7-E791DCC15DB1}" type="datetimeFigureOut">
               <a:rPr lang="en-US" dirty="0"/>
-              <a:t>3/14/2021</a:t>
+              <a:t>3/18/2021</a:t>
             </a:fld>
             <a:endParaRPr lang="en-US" dirty="0"/>
           </a:p>
@@ -2935,7 +2936,7 @@
           <a:p>
             <a:fld id="{6D22F896-40B5-4ADD-8801-0D06FADFA095}" type="slidenum">
               <a:rPr lang="en-US" dirty="0"/>
-              <a:t>‹#›</a:t>
+              <a:t>‹nº›</a:t>
             </a:fld>
             <a:endParaRPr lang="en-US" dirty="0"/>
           </a:p>
@@ -3258,7 +3259,7 @@
           <a:p>
             <a:fld id="{37D525BB-DA17-4BA0-B3C8-3AC3ABC827E6}" type="datetimeFigureOut">
               <a:rPr lang="en-US" dirty="0"/>
-              <a:t>3/14/2021</a:t>
+              <a:t>3/18/2021</a:t>
             </a:fld>
             <a:endParaRPr lang="en-US" dirty="0"/>
           </a:p>
@@ -3304,7 +3305,7 @@
           <a:p>
             <a:fld id="{6D22F896-40B5-4ADD-8801-0D06FADFA095}" type="slidenum">
               <a:rPr lang="en-US" dirty="0"/>
-              <a:t>‹#›</a:t>
+              <a:t>‹nº›</a:t>
             </a:fld>
             <a:endParaRPr lang="en-US" dirty="0"/>
           </a:p>
@@ -3661,7 +3662,7 @@
           <a:p>
             <a:fld id="{B16C4C9A-3960-41CF-A4E9-2A8FB932454B}" type="datetimeFigureOut">
               <a:rPr lang="en-US" dirty="0"/>
-              <a:t>3/14/2021</a:t>
+              <a:t>3/18/2021</a:t>
             </a:fld>
             <a:endParaRPr lang="en-US" dirty="0"/>
           </a:p>
@@ -3707,7 +3708,7 @@
           <a:p>
             <a:fld id="{6D22F896-40B5-4ADD-8801-0D06FADFA095}" type="slidenum">
               <a:rPr lang="en-US" dirty="0"/>
-              <a:t>‹#›</a:t>
+              <a:t>‹nº›</a:t>
             </a:fld>
             <a:endParaRPr lang="en-US" dirty="0"/>
           </a:p>
@@ -3972,7 +3973,7 @@
           <a:p>
             <a:fld id="{3CBC1C18-307B-4F68-A007-B5B542270E8D}" type="datetimeFigureOut">
               <a:rPr lang="en-US" dirty="0"/>
-              <a:t>3/14/2021</a:t>
+              <a:t>3/18/2021</a:t>
             </a:fld>
             <a:endParaRPr lang="en-US" dirty="0"/>
           </a:p>
@@ -4055,7 +4056,7 @@
             <a:fld id="{6D22F896-40B5-4ADD-8801-0D06FADFA095}" type="slidenum">
               <a:rPr lang="en-US" dirty="0"/>
               <a:pPr/>
-              <a:t>‹#›</a:t>
+              <a:t>‹nº›</a:t>
             </a:fld>
             <a:endParaRPr lang="en-US" dirty="0"/>
           </a:p>
@@ -4580,8 +4581,8 @@
         </p:nvSpPr>
         <p:spPr>
           <a:xfrm>
-            <a:off x="6356987" y="4563278"/>
-            <a:ext cx="5357600" cy="1959874"/>
+            <a:off x="7517423" y="4563278"/>
+            <a:ext cx="4197164" cy="1959874"/>
           </a:xfrm>
           <a:prstGeom prst="rect">
             <a:avLst/>
@@ -4828,7 +4829,7 @@
             </a:lvl9pPr>
           </a:lstStyle>
           <a:p>
-            <a:pPr>
+            <a:pPr algn="l">
               <a:lnSpc>
                 <a:spcPct val="100000"/>
               </a:lnSpc>
@@ -4841,11 +4842,11 @@
                   </a:schemeClr>
                 </a:solidFill>
               </a:rPr>
-              <a:t>Mariana Ramos</a:t>
-            </a:r>
-          </a:p>
-          <a:p>
-            <a:pPr>
+              <a:t>Mariana Ramos – up201806869</a:t>
+            </a:r>
+          </a:p>
+          <a:p>
+            <a:pPr algn="l">
               <a:lnSpc>
                 <a:spcPct val="100000"/>
               </a:lnSpc>
@@ -4858,11 +4859,11 @@
                   </a:schemeClr>
                 </a:solidFill>
               </a:rPr>
-              <a:t>Pedro Ferreira</a:t>
-            </a:r>
-          </a:p>
-          <a:p>
-            <a:pPr>
+              <a:t>Pedro Ferreira – up201806506</a:t>
+            </a:r>
+          </a:p>
+          <a:p>
+            <a:pPr algn="l">
               <a:lnSpc>
                 <a:spcPct val="100000"/>
               </a:lnSpc>
@@ -4875,11 +4876,11 @@
                   </a:schemeClr>
                 </a:solidFill>
               </a:rPr>
-              <a:t>Pedro Ponte</a:t>
-            </a:r>
-          </a:p>
-          <a:p>
-            <a:pPr>
+              <a:t>Pedro Ponte – up201809694</a:t>
+            </a:r>
+          </a:p>
+          <a:p>
+            <a:pPr algn="ctr">
               <a:lnSpc>
                 <a:spcPct val="100000"/>
               </a:lnSpc>
@@ -5303,7 +5304,7 @@
         </p:nvSpPr>
         <p:spPr>
           <a:xfrm>
-            <a:off x="2295928" y="808056"/>
+            <a:off x="2061522" y="512819"/>
             <a:ext cx="4203364" cy="1077229"/>
           </a:xfrm>
         </p:spPr>
@@ -5315,7 +5316,7 @@
           <a:p>
             <a:pPr algn="l"/>
             <a:r>
-              <a:rPr lang="pt-PT"/>
+              <a:rPr lang="pt-PT" dirty="0"/>
               <a:t>Especificação do Projeto</a:t>
             </a:r>
             <a:endParaRPr lang="en-US" dirty="0"/>
@@ -5340,7 +5341,7 @@
         </p:nvSpPr>
         <p:spPr>
           <a:xfrm>
-            <a:off x="2295929" y="2052116"/>
+            <a:off x="2203494" y="1814723"/>
             <a:ext cx="4203364" cy="3997828"/>
           </a:xfrm>
         </p:spPr>
@@ -5356,9 +5357,8 @@
               </a:lnSpc>
             </a:pPr>
             <a:r>
-              <a:rPr lang="pt-PT" sz="1100" b="0" i="0">
+              <a:rPr lang="pt-PT" sz="1200" b="0" i="0" dirty="0">
                 <a:effectLst/>
-                <a:latin typeface="Roboto"/>
               </a:rPr>
               <a:t>O jogo consiste na existência de um tabuleiro contendo diferentes tipos de “tiles”, correspondendo cada tile a uma célula do tabuleiro. Existem três tipos de tiles no jogo, onde cada um apresenta uma cor diferente que os relaciona com o seu objetivo no jogo. Tiles preenchidas com uma cor escura correspondem a paredes, tiles com um ponto no centro correspondem a tiles objetivo e tiles pintadas com um círculo no centro correspondem a tiles jogáveis.</a:t>
             </a:r>
@@ -5370,9 +5370,8 @@
               </a:lnSpc>
             </a:pPr>
             <a:r>
-              <a:rPr lang="pt-PT" sz="1100" b="0" i="0">
+              <a:rPr lang="pt-PT" sz="1200" b="0" i="0" dirty="0">
                 <a:effectLst/>
-                <a:latin typeface="Roboto"/>
               </a:rPr>
               <a:t>O objetivo do jogo é colocar as tiles jogáveis nas posições onde se encontram as tiles objetivo com a cor correspondente. Para tal, o jogador pode deslocar as peças para cima, baixo, esquerda e direita. Os movimentos são sincronizados, portanto, deve-se usar tiles fixos existentes para criar espaços entre os tiles e resolver o puzzle.</a:t>
             </a:r>
@@ -5519,17 +5518,23 @@
             <a:spLocks noGrp="1"/>
           </p:cNvSpPr>
           <p:nvPr>
-            <p:ph type="title"/>
+            <p:ph type="title" idx="4294967295"/>
           </p:nvPr>
         </p:nvSpPr>
-        <p:spPr/>
+        <p:spPr>
+          <a:xfrm>
+            <a:off x="2116931" y="288925"/>
+            <a:ext cx="7958137" cy="1077913"/>
+          </a:xfrm>
+        </p:spPr>
         <p:txBody>
           <a:bodyPr/>
           <a:lstStyle/>
           <a:p>
+            <a:pPr algn="ctr"/>
             <a:r>
               <a:rPr lang="pt-PT" dirty="0"/>
-              <a:t>Referências e Trabalho relacionado</a:t>
+              <a:t>Referências e Trabalho Relacionado</a:t>
             </a:r>
             <a:endParaRPr lang="en-US" dirty="0"/>
           </a:p>
@@ -5537,26 +5542,81 @@
       </p:sp>
       <p:sp>
         <p:nvSpPr>
-          <p:cNvPr id="3" name="Marcador de Posição de Conteúdo 2">
+          <p:cNvPr id="6" name="CaixaDeTexto 5">
             <a:extLst>
               <a:ext uri="{FF2B5EF4-FFF2-40B4-BE49-F238E27FC236}">
-                <a16:creationId xmlns:a16="http://schemas.microsoft.com/office/drawing/2014/main" id="{E7C9542C-28E1-495B-B358-A0D2306109C8}"/>
+                <a16:creationId xmlns:a16="http://schemas.microsoft.com/office/drawing/2014/main" id="{4EEB3CFE-DAB9-4944-88F9-23E0B8D58216}"/>
               </a:ext>
             </a:extLst>
           </p:cNvPr>
-          <p:cNvSpPr>
-            <a:spLocks noGrp="1"/>
-          </p:cNvSpPr>
-          <p:nvPr>
-            <p:ph idx="1"/>
-          </p:nvPr>
-        </p:nvSpPr>
-        <p:spPr/>
-        <p:txBody>
-          <a:bodyPr/>
+          <p:cNvSpPr txBox="1"/>
+          <p:nvPr/>
+        </p:nvSpPr>
+        <p:spPr>
+          <a:xfrm>
+            <a:off x="1647091" y="1212949"/>
+            <a:ext cx="8897816" cy="1021883"/>
+          </a:xfrm>
+          <a:prstGeom prst="rect">
+            <a:avLst/>
+          </a:prstGeom>
+          <a:noFill/>
+        </p:spPr>
+        <p:txBody>
+          <a:bodyPr wrap="square" rtlCol="0">
+            <a:spAutoFit/>
+          </a:bodyPr>
           <a:lstStyle/>
           <a:p>
-            <a:endParaRPr lang="en-US"/>
+            <a:pPr marL="285750" indent="-285750">
+              <a:lnSpc>
+                <a:spcPct val="150000"/>
+              </a:lnSpc>
+              <a:buFont typeface="Wingdings" panose="05000000000000000000" pitchFamily="2" charset="2"/>
+              <a:buChar char="§"/>
+            </a:pPr>
+            <a:r>
+              <a:rPr lang="pt-PT" sz="1400" dirty="0">
+                <a:hlinkClick r:id="rId2"/>
+              </a:rPr>
+              <a:t>Link para a página do jogo na Google Play</a:t>
+            </a:r>
+            <a:r>
+              <a:rPr lang="pt-PT" sz="1400" dirty="0"/>
+              <a:t>;</a:t>
+            </a:r>
+          </a:p>
+          <a:p>
+            <a:pPr marL="285750" indent="-285750">
+              <a:lnSpc>
+                <a:spcPct val="150000"/>
+              </a:lnSpc>
+              <a:buFont typeface="Wingdings" panose="05000000000000000000" pitchFamily="2" charset="2"/>
+              <a:buChar char="§"/>
+            </a:pPr>
+            <a:r>
+              <a:rPr lang="pt-PT" sz="1400" dirty="0">
+                <a:hlinkClick r:id="rId3"/>
+              </a:rPr>
+              <a:t>Exemplo para desenvolvimento gráfico</a:t>
+            </a:r>
+            <a:r>
+              <a:rPr lang="pt-PT" sz="1400" dirty="0"/>
+              <a:t>;</a:t>
+            </a:r>
+          </a:p>
+          <a:p>
+            <a:pPr marL="285750" indent="-285750">
+              <a:lnSpc>
+                <a:spcPct val="150000"/>
+              </a:lnSpc>
+              <a:buFont typeface="Wingdings" panose="05000000000000000000" pitchFamily="2" charset="2"/>
+              <a:buChar char="§"/>
+            </a:pPr>
+            <a:r>
+              <a:rPr lang="pt-PT" sz="1400" dirty="0"/>
+              <a:t>Slides das aulas teóricas e teórico-práticas para desenvolvimento dos diferentes algoritmos. </a:t>
+            </a:r>
           </a:p>
         </p:txBody>
       </p:sp>
@@ -5959,8 +6019,8 @@
         </p:nvSpPr>
         <p:spPr>
           <a:xfrm>
-            <a:off x="1969804" y="808056"/>
-            <a:ext cx="3969504" cy="1077229"/>
+            <a:off x="1816189" y="439978"/>
+            <a:ext cx="8760916" cy="1077229"/>
           </a:xfrm>
         </p:spPr>
         <p:txBody>
@@ -5969,12 +6029,12 @@
           </a:bodyPr>
           <a:lstStyle/>
           <a:p>
-            <a:pPr algn="l"/>
-            <a:r>
-              <a:rPr lang="pt-PT" sz="2100" dirty="0"/>
+            <a:pPr algn="ctr"/>
+            <a:r>
+              <a:rPr lang="pt-PT" dirty="0"/>
               <a:t>Formulação do Problema como um problema de pesquisa</a:t>
             </a:r>
-            <a:endParaRPr lang="en-US" sz="2100" dirty="0"/>
+            <a:endParaRPr lang="en-US" dirty="0"/>
           </a:p>
         </p:txBody>
       </p:sp>
@@ -5996,12 +6056,12 @@
         </p:nvSpPr>
         <p:spPr>
           <a:xfrm>
-            <a:off x="1571879" y="2363321"/>
-            <a:ext cx="4521988" cy="4601919"/>
+            <a:off x="1461280" y="1885285"/>
+            <a:ext cx="9479595" cy="4601919"/>
           </a:xfrm>
         </p:spPr>
         <p:txBody>
-          <a:bodyPr>
+          <a:bodyPr numCol="2" spcCol="720000">
             <a:normAutofit/>
           </a:bodyPr>
           <a:lstStyle/>
@@ -6012,8 +6072,12 @@
               </a:lnSpc>
             </a:pPr>
             <a:r>
-              <a:rPr lang="pt-PT" sz="1300" dirty="0"/>
-              <a:t>Estado de Representação:</a:t>
+              <a:rPr lang="pt-PT" sz="1300" b="1" dirty="0"/>
+              <a:t>Est</a:t>
+            </a:r>
+            <a:r>
+              <a:rPr lang="pt-PT" sz="1400" b="1" dirty="0"/>
+              <a:t>ado de Representação:</a:t>
             </a:r>
           </a:p>
           <a:p>
@@ -6023,8 +6087,8 @@
               </a:lnSpc>
             </a:pPr>
             <a:r>
-              <a:rPr lang="pt-PT" sz="1100" dirty="0"/>
-              <a:t>O tabuleiro de jogo é representado por uma matriz B quadrangular com Y colunas e Y linhas, 4&lt;Y&lt;6. Os valores de cada célula podem ser X, no caso de ser uma parede, IZ, no caso de ser uma célula jogável e FZ no caso de ser uma célula destino (Z corresponde à cor da célula).</a:t>
+              <a:rPr lang="pt-PT" sz="1200" dirty="0"/>
+              <a:t>O tabuleiro de jogo é representado por uma matriz B quadrangular com Y colunas e Y linhas, 4&lt;Y&lt;6. Os valores de cada célula podem ser ‘X’, no caso de ser uma parede, ‘B’, ‘G’, ‘O’, ‘P’, ‘R’ ou ‘Y’ no caso de ser uma célula jogável, ‘BF’, ‘GF’, ‘OF’, ‘PF’, ‘RF’ ou ‘YF’ no caso de ser uma célula destino e ‘-’ no caso de ser uma célula vazia.</a:t>
             </a:r>
           </a:p>
           <a:p>
@@ -6034,8 +6098,20 @@
               </a:lnSpc>
             </a:pPr>
             <a:r>
-              <a:rPr lang="en-US" sz="1300" dirty="0"/>
-              <a:t>Initial State: </a:t>
+              <a:rPr lang="en-US" sz="1400" b="1" dirty="0"/>
+              <a:t>Estado </a:t>
+            </a:r>
+            <a:r>
+              <a:rPr lang="en-US" sz="1400" b="1" dirty="0" err="1"/>
+              <a:t>Inicial</a:t>
+            </a:r>
+            <a:r>
+              <a:rPr lang="en-US" sz="1400" b="1" dirty="0"/>
+              <a:t>:</a:t>
+            </a:r>
+            <a:r>
+              <a:rPr lang="en-US" sz="1400" dirty="0"/>
+              <a:t> </a:t>
             </a:r>
           </a:p>
           <a:p>
@@ -6045,10 +6121,69 @@
               </a:lnSpc>
             </a:pPr>
             <a:r>
-              <a:rPr lang="pt-PT" sz="1100" dirty="0"/>
+              <a:rPr lang="pt-PT" sz="1200" dirty="0"/>
               <a:t>Matriz B com estado inicial desejado.</a:t>
             </a:r>
-            <a:endParaRPr lang="en-US" sz="1100" dirty="0"/>
+          </a:p>
+          <a:p>
+            <a:pPr lvl="1">
+              <a:lnSpc>
+                <a:spcPct val="110000"/>
+              </a:lnSpc>
+            </a:pPr>
+            <a:r>
+              <a:rPr lang="pt-PT" sz="1200" dirty="0"/>
+              <a:t>Por exemplo:</a:t>
+            </a:r>
+          </a:p>
+          <a:p>
+            <a:pPr marL="457200" lvl="1" indent="0">
+              <a:lnSpc>
+                <a:spcPct val="110000"/>
+              </a:lnSpc>
+              <a:buNone/>
+            </a:pPr>
+            <a:r>
+              <a:rPr lang="en-US" sz="1200" dirty="0"/>
+              <a:t>B = [  [ 'X’ , '-’ , '-’ , ‘Y’ ],</a:t>
+            </a:r>
+          </a:p>
+          <a:p>
+            <a:pPr marL="457200" lvl="1" indent="0">
+              <a:lnSpc>
+                <a:spcPct val="110000"/>
+              </a:lnSpc>
+              <a:buNone/>
+            </a:pPr>
+            <a:r>
+              <a:rPr lang="en-US" sz="1200" dirty="0"/>
+              <a:t>          [ ‘B’ , ’-’ , ’-’ , ’-’ ],</a:t>
+            </a:r>
+          </a:p>
+          <a:p>
+            <a:pPr marL="457200" lvl="1" indent="0">
+              <a:lnSpc>
+                <a:spcPct val="110000"/>
+              </a:lnSpc>
+              <a:buNone/>
+            </a:pPr>
+            <a:r>
+              <a:rPr lang="en-US" sz="1200" dirty="0"/>
+              <a:t>          [ 'X’ , 'BF’ , ‘-’ , ‘-’ ],</a:t>
+            </a:r>
+          </a:p>
+          <a:p>
+            <a:pPr marL="457200" lvl="1" indent="0">
+              <a:lnSpc>
+                <a:spcPct val="110000"/>
+              </a:lnSpc>
+              <a:buNone/>
+            </a:pPr>
+            <a:r>
+              <a:rPr lang="en-US" sz="1200" dirty="0"/>
+              <a:t>          [ ‘X’ , ’YF’ , ’-’ , ’-’ ] ]		</a:t>
+            </a:r>
+            <a:endParaRPr lang="pt-PT" sz="1300" dirty="0"/>
           </a:p>
           <a:p>
             <a:pPr>
@@ -6057,8 +6192,8 @@
               </a:lnSpc>
             </a:pPr>
             <a:r>
-              <a:rPr lang="pt-PT" sz="1300" dirty="0"/>
-              <a:t>Estado Objetivo</a:t>
+              <a:rPr lang="pt-PT" sz="1400" b="1" dirty="0"/>
+              <a:t>Estado Objetivo:</a:t>
             </a:r>
           </a:p>
           <a:p>
@@ -6068,9 +6203,28 @@
               </a:lnSpc>
             </a:pPr>
             <a:r>
-              <a:rPr lang="pt-PT" sz="1100" dirty="0"/>
-              <a:t>Matriz sem estados finais (FZ) sozinhos.</a:t>
-            </a:r>
+              <a:rPr lang="pt-PT" sz="1200" dirty="0"/>
+              <a:t>Matriz F sem estados finais (FZ) sozinhos.</a:t>
+            </a:r>
+          </a:p>
+          <a:p>
+            <a:pPr lvl="1">
+              <a:lnSpc>
+                <a:spcPct val="110000"/>
+              </a:lnSpc>
+            </a:pPr>
+            <a:r>
+              <a:rPr lang="pt-PT" sz="1200" dirty="0"/>
+              <a:t>Por exemplo:</a:t>
+            </a:r>
+          </a:p>
+          <a:p>
+            <a:pPr lvl="1">
+              <a:lnSpc>
+                <a:spcPct val="110000"/>
+              </a:lnSpc>
+            </a:pPr>
+            <a:endParaRPr lang="pt-PT" sz="1200" dirty="0"/>
           </a:p>
           <a:p>
             <a:pPr>
@@ -6079,7 +6233,7 @@
               </a:lnSpc>
             </a:pPr>
             <a:r>
-              <a:rPr lang="pt-PT" sz="1300" dirty="0"/>
+              <a:rPr lang="pt-PT" sz="1400" b="1" dirty="0"/>
               <a:t>Heurística:</a:t>
             </a:r>
           </a:p>
@@ -6090,8 +6244,8 @@
               </a:lnSpc>
             </a:pPr>
             <a:r>
-              <a:rPr lang="pt-PT" sz="1100" dirty="0"/>
-              <a:t>Número de estados finais (FZ) sozinhos (que não têm célula jogável (IZ) em cima)</a:t>
+              <a:rPr lang="pt-PT" sz="1200" dirty="0"/>
+              <a:t>Número de estados finais (FZ) sozinhos (que não têm célula jogável (IZ) em cima).</a:t>
             </a:r>
           </a:p>
           <a:p>
@@ -6184,12 +6338,466 @@
           </a:p>
         </p:txBody>
       </p:sp>
+    </p:spTree>
+    <p:extLst>
+      <p:ext uri="{BB962C8B-B14F-4D97-AF65-F5344CB8AC3E}">
+        <p14:creationId xmlns:p14="http://schemas.microsoft.com/office/powerpoint/2010/main" val="902295854"/>
+      </p:ext>
+    </p:extLst>
+  </p:cSld>
+  <p:clrMapOvr>
+    <a:masterClrMapping/>
+  </p:clrMapOvr>
+</p:sld>
+</file>
+
+<file path=ppt/slides/slide5.xml><?xml version="1.0" encoding="utf-8"?>
+<p:sld xmlns:a="http://schemas.openxmlformats.org/drawingml/2006/main" xmlns:r="http://schemas.openxmlformats.org/officeDocument/2006/relationships" xmlns:p="http://schemas.openxmlformats.org/presentationml/2006/main">
+  <p:cSld>
+    <p:spTree>
+      <p:nvGrpSpPr>
+        <p:cNvPr id="1" name=""/>
+        <p:cNvGrpSpPr/>
+        <p:nvPr/>
+      </p:nvGrpSpPr>
+      <p:grpSpPr>
+        <a:xfrm>
+          <a:off x="0" y="0"/>
+          <a:ext cx="0" cy="0"/>
+          <a:chOff x="0" y="0"/>
+          <a:chExt cx="0" cy="0"/>
+        </a:xfrm>
+      </p:grpSpPr>
+      <p:sp>
+        <p:nvSpPr>
+          <p:cNvPr id="4" name="Marcador de Posição de Conteúdo 2">
+            <a:extLst>
+              <a:ext uri="{FF2B5EF4-FFF2-40B4-BE49-F238E27FC236}">
+                <a16:creationId xmlns:a16="http://schemas.microsoft.com/office/drawing/2014/main" id="{6A10878F-5128-4206-8760-5C26BB27F5A1}"/>
+              </a:ext>
+            </a:extLst>
+          </p:cNvPr>
+          <p:cNvSpPr txBox="1">
+            <a:spLocks/>
+          </p:cNvSpPr>
+          <p:nvPr/>
+        </p:nvSpPr>
+        <p:spPr>
+          <a:xfrm>
+            <a:off x="1575687" y="770852"/>
+            <a:ext cx="5185598" cy="720577"/>
+          </a:xfrm>
+          <a:prstGeom prst="rect">
+            <a:avLst/>
+          </a:prstGeom>
+        </p:spPr>
+        <p:txBody>
+          <a:bodyPr vert="horz" lIns="91440" tIns="45720" rIns="91440" bIns="45720" rtlCol="0" anchor="ctr">
+            <a:normAutofit fontScale="92500"/>
+          </a:bodyPr>
+          <a:lstStyle>
+            <a:lvl1pPr marL="344488" indent="-344488" algn="l" defTabSz="914400" rtl="0" eaLnBrk="1" latinLnBrk="0" hangingPunct="1">
+              <a:lnSpc>
+                <a:spcPct val="120000"/>
+              </a:lnSpc>
+              <a:spcBef>
+                <a:spcPts val="1000"/>
+              </a:spcBef>
+              <a:spcAft>
+                <a:spcPts val="600"/>
+              </a:spcAft>
+              <a:buClr>
+                <a:schemeClr val="accent6"/>
+              </a:buClr>
+              <a:buSzPct val="90000"/>
+              <a:buFont typeface="Wingdings" panose="05000000000000000000" pitchFamily="2" charset="2"/>
+              <a:buChar char="§"/>
+              <a:defRPr sz="2000" kern="1200">
+                <a:solidFill>
+                  <a:schemeClr val="tx1"/>
+                </a:solidFill>
+                <a:effectLst/>
+                <a:latin typeface="+mn-lt"/>
+                <a:ea typeface="+mn-ea"/>
+                <a:cs typeface="+mn-cs"/>
+              </a:defRPr>
+            </a:lvl1pPr>
+            <a:lvl2pPr marL="795338" indent="-338138" algn="l" defTabSz="914400" rtl="0" eaLnBrk="1" latinLnBrk="0" hangingPunct="1">
+              <a:lnSpc>
+                <a:spcPct val="120000"/>
+              </a:lnSpc>
+              <a:spcBef>
+                <a:spcPts val="500"/>
+              </a:spcBef>
+              <a:spcAft>
+                <a:spcPts val="600"/>
+              </a:spcAft>
+              <a:buClr>
+                <a:schemeClr val="accent6"/>
+              </a:buClr>
+              <a:buSzPct val="90000"/>
+              <a:buFont typeface="Wingdings" panose="05000000000000000000" pitchFamily="2" charset="2"/>
+              <a:buChar char="§"/>
+              <a:defRPr sz="1800" kern="1200">
+                <a:solidFill>
+                  <a:schemeClr val="tx1"/>
+                </a:solidFill>
+                <a:effectLst/>
+                <a:latin typeface="+mn-lt"/>
+                <a:ea typeface="+mn-ea"/>
+                <a:cs typeface="+mn-cs"/>
+              </a:defRPr>
+            </a:lvl2pPr>
+            <a:lvl3pPr marL="1258888" indent="-344488" algn="l" defTabSz="914400" rtl="0" eaLnBrk="1" latinLnBrk="0" hangingPunct="1">
+              <a:lnSpc>
+                <a:spcPct val="120000"/>
+              </a:lnSpc>
+              <a:spcBef>
+                <a:spcPts val="500"/>
+              </a:spcBef>
+              <a:spcAft>
+                <a:spcPts val="600"/>
+              </a:spcAft>
+              <a:buClr>
+                <a:schemeClr val="accent6"/>
+              </a:buClr>
+              <a:buSzPct val="90000"/>
+              <a:buFont typeface="Wingdings" panose="05000000000000000000" pitchFamily="2" charset="2"/>
+              <a:buChar char="§"/>
+              <a:defRPr sz="1600" kern="1200">
+                <a:solidFill>
+                  <a:schemeClr val="tx1"/>
+                </a:solidFill>
+                <a:effectLst/>
+                <a:latin typeface="+mn-lt"/>
+                <a:ea typeface="+mn-ea"/>
+                <a:cs typeface="+mn-cs"/>
+              </a:defRPr>
+            </a:lvl3pPr>
+            <a:lvl4pPr marL="1709738" indent="-338138" algn="l" defTabSz="914400" rtl="0" eaLnBrk="1" latinLnBrk="0" hangingPunct="1">
+              <a:lnSpc>
+                <a:spcPct val="120000"/>
+              </a:lnSpc>
+              <a:spcBef>
+                <a:spcPts val="500"/>
+              </a:spcBef>
+              <a:spcAft>
+                <a:spcPts val="600"/>
+              </a:spcAft>
+              <a:buClr>
+                <a:schemeClr val="accent6"/>
+              </a:buClr>
+              <a:buSzPct val="90000"/>
+              <a:buFont typeface="Wingdings" panose="05000000000000000000" pitchFamily="2" charset="2"/>
+              <a:buChar char="§"/>
+              <a:defRPr sz="1400" kern="1200">
+                <a:solidFill>
+                  <a:schemeClr val="tx1"/>
+                </a:solidFill>
+                <a:effectLst/>
+                <a:latin typeface="+mn-lt"/>
+                <a:ea typeface="+mn-ea"/>
+                <a:cs typeface="+mn-cs"/>
+              </a:defRPr>
+            </a:lvl4pPr>
+            <a:lvl5pPr marL="2173288" indent="-344488" algn="l" defTabSz="914400" rtl="0" eaLnBrk="1" latinLnBrk="0" hangingPunct="1">
+              <a:lnSpc>
+                <a:spcPct val="120000"/>
+              </a:lnSpc>
+              <a:spcBef>
+                <a:spcPts val="500"/>
+              </a:spcBef>
+              <a:spcAft>
+                <a:spcPts val="600"/>
+              </a:spcAft>
+              <a:buClr>
+                <a:schemeClr val="accent6"/>
+              </a:buClr>
+              <a:buSzPct val="90000"/>
+              <a:buFont typeface="Wingdings" panose="05000000000000000000" pitchFamily="2" charset="2"/>
+              <a:buChar char="§"/>
+              <a:defRPr sz="1200" kern="1200">
+                <a:solidFill>
+                  <a:schemeClr val="tx1"/>
+                </a:solidFill>
+                <a:effectLst/>
+                <a:latin typeface="+mn-lt"/>
+                <a:ea typeface="+mn-ea"/>
+                <a:cs typeface="+mn-cs"/>
+              </a:defRPr>
+            </a:lvl5pPr>
+            <a:lvl6pPr marL="2642616" indent="-338328" algn="l" defTabSz="914400" rtl="0" eaLnBrk="1" latinLnBrk="0" hangingPunct="1">
+              <a:lnSpc>
+                <a:spcPct val="120000"/>
+              </a:lnSpc>
+              <a:spcBef>
+                <a:spcPts val="500"/>
+              </a:spcBef>
+              <a:spcAft>
+                <a:spcPts val="600"/>
+              </a:spcAft>
+              <a:buClr>
+                <a:schemeClr val="accent6"/>
+              </a:buClr>
+              <a:buSzPct val="90000"/>
+              <a:buFont typeface="Wingdings" panose="05000000000000000000" pitchFamily="2" charset="2"/>
+              <a:buChar char="§"/>
+              <a:defRPr sz="1200" kern="1200" baseline="0">
+                <a:solidFill>
+                  <a:schemeClr val="tx1"/>
+                </a:solidFill>
+                <a:effectLst/>
+                <a:latin typeface="+mn-lt"/>
+                <a:ea typeface="+mn-ea"/>
+                <a:cs typeface="+mn-cs"/>
+              </a:defRPr>
+            </a:lvl6pPr>
+            <a:lvl7pPr marL="3108960" indent="-338328" algn="l" defTabSz="914400" rtl="0" eaLnBrk="1" latinLnBrk="0" hangingPunct="1">
+              <a:lnSpc>
+                <a:spcPct val="120000"/>
+              </a:lnSpc>
+              <a:spcBef>
+                <a:spcPts val="500"/>
+              </a:spcBef>
+              <a:spcAft>
+                <a:spcPts val="600"/>
+              </a:spcAft>
+              <a:buClr>
+                <a:schemeClr val="accent6"/>
+              </a:buClr>
+              <a:buSzPct val="90000"/>
+              <a:buFont typeface="Wingdings" panose="05000000000000000000" pitchFamily="2" charset="2"/>
+              <a:buChar char="§"/>
+              <a:defRPr sz="1200" kern="1200" baseline="0">
+                <a:solidFill>
+                  <a:schemeClr val="tx1"/>
+                </a:solidFill>
+                <a:effectLst/>
+                <a:latin typeface="+mn-lt"/>
+                <a:ea typeface="+mn-ea"/>
+                <a:cs typeface="+mn-cs"/>
+              </a:defRPr>
+            </a:lvl7pPr>
+            <a:lvl8pPr marL="3575304" indent="-338328" algn="l" defTabSz="914400" rtl="0" eaLnBrk="1" latinLnBrk="0" hangingPunct="1">
+              <a:lnSpc>
+                <a:spcPct val="120000"/>
+              </a:lnSpc>
+              <a:spcBef>
+                <a:spcPts val="500"/>
+              </a:spcBef>
+              <a:spcAft>
+                <a:spcPts val="600"/>
+              </a:spcAft>
+              <a:buClr>
+                <a:schemeClr val="accent6"/>
+              </a:buClr>
+              <a:buSzPct val="90000"/>
+              <a:buFont typeface="Wingdings" panose="05000000000000000000" pitchFamily="2" charset="2"/>
+              <a:buChar char="§"/>
+              <a:defRPr sz="1200" kern="1200" baseline="0">
+                <a:solidFill>
+                  <a:schemeClr val="tx1"/>
+                </a:solidFill>
+                <a:effectLst/>
+                <a:latin typeface="+mn-lt"/>
+                <a:ea typeface="+mn-ea"/>
+                <a:cs typeface="+mn-cs"/>
+              </a:defRPr>
+            </a:lvl8pPr>
+            <a:lvl9pPr marL="4041648" indent="-338328" algn="l" defTabSz="914400" rtl="0" eaLnBrk="1" latinLnBrk="0" hangingPunct="1">
+              <a:lnSpc>
+                <a:spcPct val="120000"/>
+              </a:lnSpc>
+              <a:spcBef>
+                <a:spcPts val="500"/>
+              </a:spcBef>
+              <a:spcAft>
+                <a:spcPts val="600"/>
+              </a:spcAft>
+              <a:buClr>
+                <a:schemeClr val="accent6"/>
+              </a:buClr>
+              <a:buSzPct val="90000"/>
+              <a:buFont typeface="Wingdings" panose="05000000000000000000" pitchFamily="2" charset="2"/>
+              <a:buChar char="§"/>
+              <a:defRPr sz="1200" kern="1200" baseline="0">
+                <a:solidFill>
+                  <a:schemeClr val="tx1"/>
+                </a:solidFill>
+                <a:effectLst/>
+                <a:latin typeface="+mn-lt"/>
+                <a:ea typeface="+mn-ea"/>
+                <a:cs typeface="+mn-cs"/>
+              </a:defRPr>
+            </a:lvl9pPr>
+          </a:lstStyle>
+          <a:p>
+            <a:pPr marL="285750" indent="-285750">
+              <a:spcAft>
+                <a:spcPts val="600"/>
+              </a:spcAft>
+              <a:buFont typeface="Wingdings" panose="05000000000000000000" pitchFamily="2" charset="2"/>
+              <a:buChar char="§"/>
+            </a:pPr>
+            <a:r>
+              <a:rPr lang="pt-PT" sz="1500" dirty="0"/>
+              <a:t>Operadores</a:t>
+            </a:r>
+            <a:r>
+              <a:rPr lang="en-US" sz="1500" dirty="0"/>
+              <a:t>:</a:t>
+            </a:r>
+            <a:r>
+              <a:rPr lang="en-US" sz="1300" dirty="0"/>
+              <a:t> (</a:t>
+            </a:r>
+            <a:r>
+              <a:rPr lang="en-US" sz="1300" dirty="0" err="1"/>
+              <a:t>corrigir</a:t>
+            </a:r>
+            <a:r>
+              <a:rPr lang="en-US" sz="1300" dirty="0"/>
+              <a:t> </a:t>
+            </a:r>
+            <a:r>
+              <a:rPr lang="en-US" sz="1300" dirty="0" err="1"/>
+              <a:t>tabela</a:t>
+            </a:r>
+            <a:r>
+              <a:rPr lang="en-US" sz="1300" dirty="0"/>
+              <a:t> – </a:t>
+            </a:r>
+            <a:r>
+              <a:rPr lang="en-US" sz="1300" dirty="0" err="1"/>
+              <a:t>movimentos</a:t>
+            </a:r>
+            <a:r>
+              <a:rPr lang="en-US" sz="1300" dirty="0"/>
+              <a:t> </a:t>
+            </a:r>
+            <a:r>
+              <a:rPr lang="en-US" sz="1300" dirty="0" err="1"/>
+              <a:t>não</a:t>
+            </a:r>
+            <a:r>
+              <a:rPr lang="en-US" sz="1300" dirty="0"/>
+              <a:t> </a:t>
+            </a:r>
+            <a:r>
+              <a:rPr lang="en-US" sz="1300" dirty="0" err="1"/>
+              <a:t>são</a:t>
+            </a:r>
+            <a:r>
+              <a:rPr lang="en-US" sz="1300" dirty="0"/>
+              <a:t> </a:t>
+            </a:r>
+            <a:r>
+              <a:rPr lang="en-US" sz="1300" dirty="0" err="1"/>
+              <a:t>apenas</a:t>
+            </a:r>
+            <a:r>
+              <a:rPr lang="en-US" sz="1300" dirty="0"/>
+              <a:t> de </a:t>
+            </a:r>
+            <a:r>
+              <a:rPr lang="en-US" sz="1300" dirty="0" err="1"/>
+              <a:t>uma</a:t>
+            </a:r>
+            <a:r>
+              <a:rPr lang="en-US" sz="1300" dirty="0"/>
+              <a:t> casa, </a:t>
+            </a:r>
+            <a:r>
+              <a:rPr lang="en-US" sz="1300" dirty="0" err="1"/>
+              <a:t>são</a:t>
+            </a:r>
+            <a:r>
+              <a:rPr lang="en-US" sz="1300" dirty="0"/>
+              <a:t> </a:t>
+            </a:r>
+            <a:r>
+              <a:rPr lang="en-US" sz="1300" dirty="0" err="1"/>
+              <a:t>até</a:t>
+            </a:r>
+            <a:r>
+              <a:rPr lang="en-US" sz="1300" dirty="0"/>
+              <a:t> </a:t>
+            </a:r>
+            <a:r>
+              <a:rPr lang="en-US" sz="1300" dirty="0" err="1"/>
+              <a:t>encontrar</a:t>
+            </a:r>
+            <a:r>
+              <a:rPr lang="en-US" sz="1300" dirty="0"/>
+              <a:t> </a:t>
+            </a:r>
+            <a:r>
+              <a:rPr lang="en-US" sz="1300" dirty="0" err="1"/>
+              <a:t>uma</a:t>
+            </a:r>
+            <a:r>
+              <a:rPr lang="en-US" sz="1300" dirty="0"/>
+              <a:t> </a:t>
+            </a:r>
+            <a:r>
+              <a:rPr lang="en-US" sz="1300" dirty="0" err="1"/>
+              <a:t>parede</a:t>
+            </a:r>
+            <a:r>
+              <a:rPr lang="en-US" sz="1300" dirty="0"/>
+              <a:t> </a:t>
+            </a:r>
+            <a:r>
+              <a:rPr lang="en-US" sz="1300" dirty="0" err="1"/>
+              <a:t>ou</a:t>
+            </a:r>
+            <a:r>
+              <a:rPr lang="en-US" sz="1300" dirty="0"/>
+              <a:t> </a:t>
+            </a:r>
+            <a:r>
+              <a:rPr lang="en-US" sz="1300" dirty="0" err="1"/>
+              <a:t>chegar</a:t>
+            </a:r>
+            <a:r>
+              <a:rPr lang="en-US" sz="1300" dirty="0"/>
+              <a:t> </a:t>
+            </a:r>
+            <a:r>
+              <a:rPr lang="en-US" sz="1300" dirty="0" err="1"/>
+              <a:t>ao</a:t>
+            </a:r>
+            <a:r>
+              <a:rPr lang="en-US" sz="1300" dirty="0"/>
+              <a:t> </a:t>
+            </a:r>
+            <a:r>
+              <a:rPr lang="en-US" sz="1300" dirty="0" err="1"/>
+              <a:t>fim</a:t>
+            </a:r>
+            <a:r>
+              <a:rPr lang="en-US" sz="1300" dirty="0"/>
+              <a:t> da fila)</a:t>
+            </a:r>
+          </a:p>
+          <a:p>
+            <a:pPr marL="457200" lvl="1" indent="0">
+              <a:lnSpc>
+                <a:spcPct val="110000"/>
+              </a:lnSpc>
+              <a:buFont typeface="Wingdings" panose="05000000000000000000" pitchFamily="2" charset="2"/>
+              <a:buNone/>
+            </a:pPr>
+            <a:endParaRPr lang="pt-PT" sz="1300" dirty="0"/>
+          </a:p>
+        </p:txBody>
+      </p:sp>
       <p:graphicFrame>
         <p:nvGraphicFramePr>
-          <p:cNvPr id="6" name="Table 18">
+          <p:cNvPr id="5" name="Table 18">
             <a:extLst>
               <a:ext uri="{FF2B5EF4-FFF2-40B4-BE49-F238E27FC236}">
-                <a16:creationId xmlns:a16="http://schemas.microsoft.com/office/drawing/2014/main" id="{A5AB2A3A-49C0-4037-8854-D0B68F829BAB}"/>
+                <a16:creationId xmlns:a16="http://schemas.microsoft.com/office/drawing/2014/main" id="{2D53CD06-6EE7-404F-8716-447A687760BF}"/>
               </a:ext>
             </a:extLst>
           </p:cNvPr>
@@ -6199,14 +6807,14 @@
           <p:nvPr>
             <p:extLst>
               <p:ext uri="{D42A27DB-BD31-4B8C-83A1-F6EECF244321}">
-                <p14:modId xmlns:p14="http://schemas.microsoft.com/office/powerpoint/2010/main" val="1933664723"/>
+                <p14:modId xmlns:p14="http://schemas.microsoft.com/office/powerpoint/2010/main" val="3865880117"/>
               </p:ext>
             </p:extLst>
           </p:nvPr>
         </p:nvGraphicFramePr>
         <p:xfrm>
-          <a:off x="6542768" y="2431612"/>
-          <a:ext cx="4289355" cy="3513581"/>
+          <a:off x="2570284" y="1491429"/>
+          <a:ext cx="7051431" cy="4183469"/>
         </p:xfrm>
         <a:graphic>
           <a:graphicData uri="http://schemas.openxmlformats.org/drawingml/2006/table">
@@ -6216,28 +6824,28 @@
                 <a:tableStyleId>{5C22544A-7EE6-4342-B048-85BDC9FD1C3A}</a:tableStyleId>
               </a:tblPr>
               <a:tblGrid>
-                <a:gridCol w="706352">
+                <a:gridCol w="1161199">
                   <a:extLst>
                     <a:ext uri="{9D8B030D-6E8A-4147-A177-3AD203B41FA5}">
                       <a16:colId xmlns:a16="http://schemas.microsoft.com/office/drawing/2014/main" val="2159812458"/>
                     </a:ext>
                   </a:extLst>
                 </a:gridCol>
-                <a:gridCol w="1397977">
+                <a:gridCol w="2298187">
                   <a:extLst>
                     <a:ext uri="{9D8B030D-6E8A-4147-A177-3AD203B41FA5}">
                       <a16:colId xmlns:a16="http://schemas.microsoft.com/office/drawing/2014/main" val="4186244219"/>
                     </a:ext>
                   </a:extLst>
                 </a:gridCol>
-                <a:gridCol w="1450730">
+                <a:gridCol w="2384909">
                   <a:extLst>
                     <a:ext uri="{9D8B030D-6E8A-4147-A177-3AD203B41FA5}">
                       <a16:colId xmlns:a16="http://schemas.microsoft.com/office/drawing/2014/main" val="1842513993"/>
                     </a:ext>
                   </a:extLst>
                 </a:gridCol>
-                <a:gridCol w="734296">
+                <a:gridCol w="1207136">
                   <a:extLst>
                     <a:ext uri="{9D8B030D-6E8A-4147-A177-3AD203B41FA5}">
                       <a16:colId xmlns:a16="http://schemas.microsoft.com/office/drawing/2014/main" val="3297339727"/>
@@ -6245,7 +6853,7 @@
                   </a:extLst>
                 </a:gridCol>
               </a:tblGrid>
-              <a:tr h="592611">
+              <a:tr h="705596">
                 <a:tc>
                   <a:txBody>
                     <a:bodyPr/>
@@ -6428,12 +7036,13 @@
                   </a:ext>
                 </a:extLst>
               </a:tr>
-              <a:tr h="623951">
+              <a:tr h="742911">
                 <a:tc>
                   <a:txBody>
                     <a:bodyPr/>
                     <a:lstStyle/>
                     <a:p>
+                      <a:pPr algn="l"/>
                       <a:r>
                         <a:rPr lang="en-US" sz="900" dirty="0">
                           <a:solidFill>
@@ -6711,14 +7320,14 @@
                   </a:ext>
                 </a:extLst>
               </a:tr>
-              <a:tr h="765673">
+              <a:tr h="911654">
                 <a:tc>
                   <a:txBody>
                     <a:bodyPr/>
                     <a:lstStyle/>
                     <a:p>
                       <a:r>
-                        <a:rPr lang="en-US" sz="900">
+                        <a:rPr lang="en-US" sz="900" dirty="0">
                           <a:solidFill>
                             <a:schemeClr val="tx1">
                               <a:lumMod val="75000"/>
@@ -6728,7 +7337,7 @@
                         </a:rPr>
                         <a:t>Down</a:t>
                       </a:r>
-                      <a:endParaRPr lang="pt-PT" sz="900">
+                      <a:endParaRPr lang="pt-PT" sz="900" dirty="0">
                         <a:solidFill>
                           <a:schemeClr val="tx1">
                             <a:lumMod val="75000"/>
@@ -7044,7 +7653,7 @@
                   </a:ext>
                 </a:extLst>
               </a:tr>
-              <a:tr h="765673">
+              <a:tr h="911654">
                 <a:tc>
                   <a:txBody>
                     <a:bodyPr/>
@@ -7362,7 +7971,7 @@
                   </a:ext>
                 </a:extLst>
               </a:tr>
-              <a:tr h="765673">
+              <a:tr h="911654">
                 <a:tc>
                   <a:txBody>
                     <a:bodyPr/>
@@ -7716,302 +8325,10 @@
           </a:graphicData>
         </a:graphic>
       </p:graphicFrame>
-      <p:sp>
-        <p:nvSpPr>
-          <p:cNvPr id="60" name="Marcador de Posição de Conteúdo 2">
-            <a:extLst>
-              <a:ext uri="{FF2B5EF4-FFF2-40B4-BE49-F238E27FC236}">
-                <a16:creationId xmlns:a16="http://schemas.microsoft.com/office/drawing/2014/main" id="{938C2F00-508E-4333-8055-BE6DC9009C33}"/>
-              </a:ext>
-            </a:extLst>
-          </p:cNvPr>
-          <p:cNvSpPr txBox="1">
-            <a:spLocks/>
-          </p:cNvSpPr>
-          <p:nvPr/>
-        </p:nvSpPr>
-        <p:spPr>
-          <a:xfrm>
-            <a:off x="6094933" y="1949021"/>
-            <a:ext cx="2088671" cy="720577"/>
-          </a:xfrm>
-          <a:prstGeom prst="rect">
-            <a:avLst/>
-          </a:prstGeom>
-        </p:spPr>
-        <p:txBody>
-          <a:bodyPr vert="horz" lIns="91440" tIns="45720" rIns="91440" bIns="45720" rtlCol="0" anchor="ctr">
-            <a:normAutofit/>
-          </a:bodyPr>
-          <a:lstStyle>
-            <a:lvl1pPr marL="344488" indent="-344488" algn="l" defTabSz="914400" rtl="0" eaLnBrk="1" latinLnBrk="0" hangingPunct="1">
-              <a:lnSpc>
-                <a:spcPct val="120000"/>
-              </a:lnSpc>
-              <a:spcBef>
-                <a:spcPts val="1000"/>
-              </a:spcBef>
-              <a:spcAft>
-                <a:spcPts val="600"/>
-              </a:spcAft>
-              <a:buClr>
-                <a:schemeClr val="accent6"/>
-              </a:buClr>
-              <a:buSzPct val="90000"/>
-              <a:buFont typeface="Wingdings" panose="05000000000000000000" pitchFamily="2" charset="2"/>
-              <a:buChar char="§"/>
-              <a:defRPr sz="2000" kern="1200">
-                <a:solidFill>
-                  <a:schemeClr val="tx1"/>
-                </a:solidFill>
-                <a:effectLst/>
-                <a:latin typeface="+mn-lt"/>
-                <a:ea typeface="+mn-ea"/>
-                <a:cs typeface="+mn-cs"/>
-              </a:defRPr>
-            </a:lvl1pPr>
-            <a:lvl2pPr marL="795338" indent="-338138" algn="l" defTabSz="914400" rtl="0" eaLnBrk="1" latinLnBrk="0" hangingPunct="1">
-              <a:lnSpc>
-                <a:spcPct val="120000"/>
-              </a:lnSpc>
-              <a:spcBef>
-                <a:spcPts val="500"/>
-              </a:spcBef>
-              <a:spcAft>
-                <a:spcPts val="600"/>
-              </a:spcAft>
-              <a:buClr>
-                <a:schemeClr val="accent6"/>
-              </a:buClr>
-              <a:buSzPct val="90000"/>
-              <a:buFont typeface="Wingdings" panose="05000000000000000000" pitchFamily="2" charset="2"/>
-              <a:buChar char="§"/>
-              <a:defRPr sz="1800" kern="1200">
-                <a:solidFill>
-                  <a:schemeClr val="tx1"/>
-                </a:solidFill>
-                <a:effectLst/>
-                <a:latin typeface="+mn-lt"/>
-                <a:ea typeface="+mn-ea"/>
-                <a:cs typeface="+mn-cs"/>
-              </a:defRPr>
-            </a:lvl2pPr>
-            <a:lvl3pPr marL="1258888" indent="-344488" algn="l" defTabSz="914400" rtl="0" eaLnBrk="1" latinLnBrk="0" hangingPunct="1">
-              <a:lnSpc>
-                <a:spcPct val="120000"/>
-              </a:lnSpc>
-              <a:spcBef>
-                <a:spcPts val="500"/>
-              </a:spcBef>
-              <a:spcAft>
-                <a:spcPts val="600"/>
-              </a:spcAft>
-              <a:buClr>
-                <a:schemeClr val="accent6"/>
-              </a:buClr>
-              <a:buSzPct val="90000"/>
-              <a:buFont typeface="Wingdings" panose="05000000000000000000" pitchFamily="2" charset="2"/>
-              <a:buChar char="§"/>
-              <a:defRPr sz="1600" kern="1200">
-                <a:solidFill>
-                  <a:schemeClr val="tx1"/>
-                </a:solidFill>
-                <a:effectLst/>
-                <a:latin typeface="+mn-lt"/>
-                <a:ea typeface="+mn-ea"/>
-                <a:cs typeface="+mn-cs"/>
-              </a:defRPr>
-            </a:lvl3pPr>
-            <a:lvl4pPr marL="1709738" indent="-338138" algn="l" defTabSz="914400" rtl="0" eaLnBrk="1" latinLnBrk="0" hangingPunct="1">
-              <a:lnSpc>
-                <a:spcPct val="120000"/>
-              </a:lnSpc>
-              <a:spcBef>
-                <a:spcPts val="500"/>
-              </a:spcBef>
-              <a:spcAft>
-                <a:spcPts val="600"/>
-              </a:spcAft>
-              <a:buClr>
-                <a:schemeClr val="accent6"/>
-              </a:buClr>
-              <a:buSzPct val="90000"/>
-              <a:buFont typeface="Wingdings" panose="05000000000000000000" pitchFamily="2" charset="2"/>
-              <a:buChar char="§"/>
-              <a:defRPr sz="1400" kern="1200">
-                <a:solidFill>
-                  <a:schemeClr val="tx1"/>
-                </a:solidFill>
-                <a:effectLst/>
-                <a:latin typeface="+mn-lt"/>
-                <a:ea typeface="+mn-ea"/>
-                <a:cs typeface="+mn-cs"/>
-              </a:defRPr>
-            </a:lvl4pPr>
-            <a:lvl5pPr marL="2173288" indent="-344488" algn="l" defTabSz="914400" rtl="0" eaLnBrk="1" latinLnBrk="0" hangingPunct="1">
-              <a:lnSpc>
-                <a:spcPct val="120000"/>
-              </a:lnSpc>
-              <a:spcBef>
-                <a:spcPts val="500"/>
-              </a:spcBef>
-              <a:spcAft>
-                <a:spcPts val="600"/>
-              </a:spcAft>
-              <a:buClr>
-                <a:schemeClr val="accent6"/>
-              </a:buClr>
-              <a:buSzPct val="90000"/>
-              <a:buFont typeface="Wingdings" panose="05000000000000000000" pitchFamily="2" charset="2"/>
-              <a:buChar char="§"/>
-              <a:defRPr sz="1200" kern="1200">
-                <a:solidFill>
-                  <a:schemeClr val="tx1"/>
-                </a:solidFill>
-                <a:effectLst/>
-                <a:latin typeface="+mn-lt"/>
-                <a:ea typeface="+mn-ea"/>
-                <a:cs typeface="+mn-cs"/>
-              </a:defRPr>
-            </a:lvl5pPr>
-            <a:lvl6pPr marL="2642616" indent="-338328" algn="l" defTabSz="914400" rtl="0" eaLnBrk="1" latinLnBrk="0" hangingPunct="1">
-              <a:lnSpc>
-                <a:spcPct val="120000"/>
-              </a:lnSpc>
-              <a:spcBef>
-                <a:spcPts val="500"/>
-              </a:spcBef>
-              <a:spcAft>
-                <a:spcPts val="600"/>
-              </a:spcAft>
-              <a:buClr>
-                <a:schemeClr val="accent6"/>
-              </a:buClr>
-              <a:buSzPct val="90000"/>
-              <a:buFont typeface="Wingdings" panose="05000000000000000000" pitchFamily="2" charset="2"/>
-              <a:buChar char="§"/>
-              <a:defRPr sz="1200" kern="1200" baseline="0">
-                <a:solidFill>
-                  <a:schemeClr val="tx1"/>
-                </a:solidFill>
-                <a:effectLst/>
-                <a:latin typeface="+mn-lt"/>
-                <a:ea typeface="+mn-ea"/>
-                <a:cs typeface="+mn-cs"/>
-              </a:defRPr>
-            </a:lvl6pPr>
-            <a:lvl7pPr marL="3108960" indent="-338328" algn="l" defTabSz="914400" rtl="0" eaLnBrk="1" latinLnBrk="0" hangingPunct="1">
-              <a:lnSpc>
-                <a:spcPct val="120000"/>
-              </a:lnSpc>
-              <a:spcBef>
-                <a:spcPts val="500"/>
-              </a:spcBef>
-              <a:spcAft>
-                <a:spcPts val="600"/>
-              </a:spcAft>
-              <a:buClr>
-                <a:schemeClr val="accent6"/>
-              </a:buClr>
-              <a:buSzPct val="90000"/>
-              <a:buFont typeface="Wingdings" panose="05000000000000000000" pitchFamily="2" charset="2"/>
-              <a:buChar char="§"/>
-              <a:defRPr sz="1200" kern="1200" baseline="0">
-                <a:solidFill>
-                  <a:schemeClr val="tx1"/>
-                </a:solidFill>
-                <a:effectLst/>
-                <a:latin typeface="+mn-lt"/>
-                <a:ea typeface="+mn-ea"/>
-                <a:cs typeface="+mn-cs"/>
-              </a:defRPr>
-            </a:lvl7pPr>
-            <a:lvl8pPr marL="3575304" indent="-338328" algn="l" defTabSz="914400" rtl="0" eaLnBrk="1" latinLnBrk="0" hangingPunct="1">
-              <a:lnSpc>
-                <a:spcPct val="120000"/>
-              </a:lnSpc>
-              <a:spcBef>
-                <a:spcPts val="500"/>
-              </a:spcBef>
-              <a:spcAft>
-                <a:spcPts val="600"/>
-              </a:spcAft>
-              <a:buClr>
-                <a:schemeClr val="accent6"/>
-              </a:buClr>
-              <a:buSzPct val="90000"/>
-              <a:buFont typeface="Wingdings" panose="05000000000000000000" pitchFamily="2" charset="2"/>
-              <a:buChar char="§"/>
-              <a:defRPr sz="1200" kern="1200" baseline="0">
-                <a:solidFill>
-                  <a:schemeClr val="tx1"/>
-                </a:solidFill>
-                <a:effectLst/>
-                <a:latin typeface="+mn-lt"/>
-                <a:ea typeface="+mn-ea"/>
-                <a:cs typeface="+mn-cs"/>
-              </a:defRPr>
-            </a:lvl8pPr>
-            <a:lvl9pPr marL="4041648" indent="-338328" algn="l" defTabSz="914400" rtl="0" eaLnBrk="1" latinLnBrk="0" hangingPunct="1">
-              <a:lnSpc>
-                <a:spcPct val="120000"/>
-              </a:lnSpc>
-              <a:spcBef>
-                <a:spcPts val="500"/>
-              </a:spcBef>
-              <a:spcAft>
-                <a:spcPts val="600"/>
-              </a:spcAft>
-              <a:buClr>
-                <a:schemeClr val="accent6"/>
-              </a:buClr>
-              <a:buSzPct val="90000"/>
-              <a:buFont typeface="Wingdings" panose="05000000000000000000" pitchFamily="2" charset="2"/>
-              <a:buChar char="§"/>
-              <a:defRPr sz="1200" kern="1200" baseline="0">
-                <a:solidFill>
-                  <a:schemeClr val="tx1"/>
-                </a:solidFill>
-                <a:effectLst/>
-                <a:latin typeface="+mn-lt"/>
-                <a:ea typeface="+mn-ea"/>
-                <a:cs typeface="+mn-cs"/>
-              </a:defRPr>
-            </a:lvl9pPr>
-          </a:lstStyle>
-          <a:p>
-            <a:pPr marL="285750" indent="-285750">
-              <a:spcAft>
-                <a:spcPts val="600"/>
-              </a:spcAft>
-              <a:buFont typeface="Wingdings" panose="05000000000000000000" pitchFamily="2" charset="2"/>
-              <a:buChar char="§"/>
-            </a:pPr>
-            <a:r>
-              <a:rPr lang="pt-PT" sz="1300" dirty="0"/>
-              <a:t>Operadores</a:t>
-            </a:r>
-            <a:r>
-              <a:rPr lang="en-US" sz="1300" dirty="0"/>
-              <a:t>:</a:t>
-            </a:r>
-          </a:p>
-          <a:p>
-            <a:pPr marL="457200" lvl="1" indent="0">
-              <a:lnSpc>
-                <a:spcPct val="110000"/>
-              </a:lnSpc>
-              <a:buFont typeface="Wingdings" panose="05000000000000000000" pitchFamily="2" charset="2"/>
-              <a:buNone/>
-            </a:pPr>
-            <a:endParaRPr lang="pt-PT" sz="1300" dirty="0"/>
-          </a:p>
-        </p:txBody>
-      </p:sp>
     </p:spTree>
     <p:extLst>
       <p:ext uri="{BB962C8B-B14F-4D97-AF65-F5344CB8AC3E}">
-        <p14:creationId xmlns:p14="http://schemas.microsoft.com/office/powerpoint/2010/main" val="902295854"/>
+        <p14:creationId xmlns:p14="http://schemas.microsoft.com/office/powerpoint/2010/main" val="2061166622"/>
       </p:ext>
     </p:extLst>
   </p:cSld>
@@ -8021,7 +8338,7 @@
 </p:sld>
 </file>
 
-<file path=ppt/slides/slide5.xml><?xml version="1.0" encoding="utf-8"?>
+<file path=ppt/slides/slide6.xml><?xml version="1.0" encoding="utf-8"?>
 <p:sld xmlns:a="http://schemas.openxmlformats.org/drawingml/2006/main" xmlns:r="http://schemas.openxmlformats.org/officeDocument/2006/relationships" xmlns:p="http://schemas.openxmlformats.org/presentationml/2006/main">
   <p:cSld>
     <p:spTree>
@@ -8051,14 +8368,20 @@
             <a:spLocks noGrp="1"/>
           </p:cNvSpPr>
           <p:nvPr>
-            <p:ph type="title"/>
+            <p:ph type="title" idx="4294967295"/>
           </p:nvPr>
         </p:nvSpPr>
-        <p:spPr/>
+        <p:spPr>
+          <a:xfrm>
+            <a:off x="2116137" y="306999"/>
+            <a:ext cx="7959725" cy="1077913"/>
+          </a:xfrm>
+        </p:spPr>
         <p:txBody>
           <a:bodyPr/>
           <a:lstStyle/>
           <a:p>
+            <a:pPr algn="ctr"/>
             <a:r>
               <a:rPr lang="pt-PT" dirty="0"/>
               <a:t>Detalhes de Implementação</a:t>
@@ -8069,26 +8392,198 @@
       </p:sp>
       <p:sp>
         <p:nvSpPr>
-          <p:cNvPr id="3" name="Marcador de Posição de Conteúdo 2">
+          <p:cNvPr id="4" name="CaixaDeTexto 3">
             <a:extLst>
               <a:ext uri="{FF2B5EF4-FFF2-40B4-BE49-F238E27FC236}">
-                <a16:creationId xmlns:a16="http://schemas.microsoft.com/office/drawing/2014/main" id="{3C765FCD-DB41-481A-88D8-1C376BE52A03}"/>
+                <a16:creationId xmlns:a16="http://schemas.microsoft.com/office/drawing/2014/main" id="{BC940C51-22E4-4709-9EEA-F1FAE974F641}"/>
               </a:ext>
             </a:extLst>
           </p:cNvPr>
-          <p:cNvSpPr>
-            <a:spLocks noGrp="1"/>
-          </p:cNvSpPr>
-          <p:nvPr>
-            <p:ph idx="1"/>
-          </p:nvPr>
-        </p:nvSpPr>
-        <p:spPr/>
-        <p:txBody>
-          <a:bodyPr/>
+          <p:cNvSpPr txBox="1"/>
+          <p:nvPr/>
+        </p:nvSpPr>
+        <p:spPr>
+          <a:xfrm>
+            <a:off x="1642695" y="1231023"/>
+            <a:ext cx="8906608" cy="3539430"/>
+          </a:xfrm>
+          <a:prstGeom prst="rect">
+            <a:avLst/>
+          </a:prstGeom>
+          <a:noFill/>
+        </p:spPr>
+        <p:txBody>
+          <a:bodyPr wrap="square" rtlCol="0">
+            <a:spAutoFit/>
+          </a:bodyPr>
           <a:lstStyle/>
           <a:p>
-            <a:endParaRPr lang="en-US"/>
+            <a:pPr marL="285750" indent="-285750">
+              <a:lnSpc>
+                <a:spcPct val="150000"/>
+              </a:lnSpc>
+              <a:buFont typeface="Wingdings" panose="05000000000000000000" pitchFamily="2" charset="2"/>
+              <a:buChar char="§"/>
+            </a:pPr>
+            <a:r>
+              <a:rPr lang="pt-PT" sz="1400" b="1" dirty="0"/>
+              <a:t>Linguagem de programação: </a:t>
+            </a:r>
+            <a:r>
+              <a:rPr lang="pt-PT" sz="1400" dirty="0" err="1"/>
+              <a:t>Python</a:t>
+            </a:r>
+            <a:r>
+              <a:rPr lang="pt-PT" sz="1400" dirty="0"/>
+              <a:t>, recorrendo ao pacote </a:t>
+            </a:r>
+            <a:r>
+              <a:rPr lang="pt-PT" sz="1400" i="1" dirty="0" err="1"/>
+              <a:t>pygame</a:t>
+            </a:r>
+            <a:r>
+              <a:rPr lang="pt-PT" sz="1400" dirty="0"/>
+              <a:t> para representação da interface do jogo.</a:t>
+            </a:r>
+          </a:p>
+          <a:p>
+            <a:pPr marL="285750" indent="-285750">
+              <a:lnSpc>
+                <a:spcPct val="150000"/>
+              </a:lnSpc>
+              <a:buFont typeface="Wingdings" panose="05000000000000000000" pitchFamily="2" charset="2"/>
+              <a:buChar char="§"/>
+            </a:pPr>
+            <a:r>
+              <a:rPr lang="pt-PT" sz="1400" b="1" dirty="0"/>
+              <a:t>Ambiente de desenvolvimento: </a:t>
+            </a:r>
+            <a:r>
+              <a:rPr lang="pt-PT" sz="1400" dirty="0" err="1"/>
+              <a:t>VSCode</a:t>
+            </a:r>
+            <a:r>
+              <a:rPr lang="pt-PT" sz="1400" dirty="0"/>
+              <a:t> / </a:t>
+            </a:r>
+            <a:r>
+              <a:rPr lang="pt-PT" sz="1400" dirty="0" err="1"/>
+              <a:t>Spyder</a:t>
+            </a:r>
+            <a:r>
+              <a:rPr lang="pt-PT" sz="1400" dirty="0"/>
+              <a:t>.</a:t>
+            </a:r>
+          </a:p>
+          <a:p>
+            <a:pPr marL="285750" indent="-285750">
+              <a:lnSpc>
+                <a:spcPct val="150000"/>
+              </a:lnSpc>
+              <a:buFont typeface="Wingdings" panose="05000000000000000000" pitchFamily="2" charset="2"/>
+              <a:buChar char="§"/>
+            </a:pPr>
+            <a:r>
+              <a:rPr lang="pt-PT" sz="1400" b="1" dirty="0"/>
+              <a:t>Estruturas de dados:</a:t>
+            </a:r>
+          </a:p>
+          <a:p>
+            <a:pPr marL="742950" lvl="1" indent="-285750">
+              <a:lnSpc>
+                <a:spcPct val="150000"/>
+              </a:lnSpc>
+              <a:buFont typeface="Wingdings" panose="05000000000000000000" pitchFamily="2" charset="2"/>
+              <a:buChar char="§"/>
+            </a:pPr>
+            <a:r>
+              <a:rPr lang="pt-PT" sz="1400" dirty="0"/>
+              <a:t>Listas, para representar os tabuleiros de jogo;</a:t>
+            </a:r>
+          </a:p>
+          <a:p>
+            <a:pPr marL="742950" lvl="1" indent="-285750">
+              <a:lnSpc>
+                <a:spcPct val="150000"/>
+              </a:lnSpc>
+              <a:buFont typeface="Wingdings" panose="05000000000000000000" pitchFamily="2" charset="2"/>
+              <a:buChar char="§"/>
+            </a:pPr>
+            <a:r>
+              <a:rPr lang="pt-PT" sz="1400" i="1" dirty="0"/>
+              <a:t>Nodes</a:t>
+            </a:r>
+            <a:r>
+              <a:rPr lang="pt-PT" sz="1400" dirty="0"/>
+              <a:t> e </a:t>
+            </a:r>
+            <a:r>
+              <a:rPr lang="pt-PT" sz="1400" i="1" dirty="0" err="1"/>
+              <a:t>Graphs</a:t>
+            </a:r>
+            <a:r>
+              <a:rPr lang="pt-PT" sz="1400" dirty="0"/>
+              <a:t>.</a:t>
+            </a:r>
+          </a:p>
+          <a:p>
+            <a:pPr marL="285750" indent="-285750">
+              <a:lnSpc>
+                <a:spcPct val="150000"/>
+              </a:lnSpc>
+              <a:buFont typeface="Wingdings" panose="05000000000000000000" pitchFamily="2" charset="2"/>
+              <a:buChar char="§"/>
+            </a:pPr>
+            <a:r>
+              <a:rPr lang="pt-PT" sz="1400" b="1" dirty="0"/>
+              <a:t>Estrutura de ficheiros: ???</a:t>
+            </a:r>
+          </a:p>
+          <a:p>
+            <a:pPr marL="285750" indent="-285750">
+              <a:lnSpc>
+                <a:spcPct val="150000"/>
+              </a:lnSpc>
+              <a:buFont typeface="Wingdings" panose="05000000000000000000" pitchFamily="2" charset="2"/>
+              <a:buChar char="§"/>
+            </a:pPr>
+            <a:r>
+              <a:rPr lang="pt-PT" sz="1400" b="1" dirty="0"/>
+              <a:t>Trabalho já implementado: </a:t>
+            </a:r>
+          </a:p>
+          <a:p>
+            <a:pPr marL="742950" lvl="1" indent="-285750">
+              <a:lnSpc>
+                <a:spcPct val="150000"/>
+              </a:lnSpc>
+              <a:buFont typeface="Wingdings" panose="05000000000000000000" pitchFamily="2" charset="2"/>
+              <a:buChar char="§"/>
+            </a:pPr>
+            <a:r>
+              <a:rPr lang="pt-PT" sz="1400" dirty="0"/>
+              <a:t>Representação gráfica do tabuleiro;</a:t>
+            </a:r>
+          </a:p>
+          <a:p>
+            <a:pPr marL="742950" lvl="1" indent="-285750">
+              <a:lnSpc>
+                <a:spcPct val="150000"/>
+              </a:lnSpc>
+              <a:buFont typeface="Wingdings" panose="05000000000000000000" pitchFamily="2" charset="2"/>
+              <a:buChar char="§"/>
+            </a:pPr>
+            <a:r>
+              <a:rPr lang="pt-PT" sz="1400" dirty="0"/>
+              <a:t>Verificação dos movimentos válidos.</a:t>
+            </a:r>
+          </a:p>
+          <a:p>
+            <a:pPr marL="285750" indent="-285750">
+              <a:buFont typeface="Wingdings" panose="05000000000000000000" pitchFamily="2" charset="2"/>
+              <a:buChar char="§"/>
+            </a:pPr>
+            <a:endParaRPr lang="pt-PT" sz="1400" b="1" dirty="0"/>
           </a:p>
         </p:txBody>
       </p:sp>

--- a/docs/presentation.pptx
+++ b/docs/presentation.pptx
@@ -4550,7 +4550,12 @@
             <p:ph type="subTitle" idx="1"/>
           </p:nvPr>
         </p:nvSpPr>
-        <p:spPr/>
+        <p:spPr>
+          <a:xfrm>
+            <a:off x="2852507" y="2023298"/>
+            <a:ext cx="5357600" cy="1160213"/>
+          </a:xfrm>
+        </p:spPr>
         <p:txBody>
           <a:bodyPr>
             <a:normAutofit/>
@@ -4581,8 +4586,8 @@
         </p:nvSpPr>
         <p:spPr>
           <a:xfrm>
-            <a:off x="7517423" y="4563278"/>
-            <a:ext cx="4197164" cy="1959874"/>
+            <a:off x="4521200" y="4419600"/>
+            <a:ext cx="3688907" cy="1628130"/>
           </a:xfrm>
           <a:prstGeom prst="rect">
             <a:avLst/>
@@ -4590,7 +4595,7 @@
         </p:spPr>
         <p:txBody>
           <a:bodyPr vert="horz" lIns="91440" tIns="0" rIns="91440" bIns="45720" rtlCol="0" anchor="b">
-            <a:normAutofit fontScale="92500" lnSpcReduction="10000"/>
+            <a:normAutofit/>
           </a:bodyPr>
           <a:lstStyle>
             <a:lvl1pPr marL="0" indent="0" algn="r" defTabSz="914400" rtl="0" eaLnBrk="1" latinLnBrk="0" hangingPunct="1">
@@ -4829,79 +4834,39 @@
             </a:lvl9pPr>
           </a:lstStyle>
           <a:p>
-            <a:pPr algn="l">
+            <a:pPr>
               <a:lnSpc>
                 <a:spcPct val="100000"/>
               </a:lnSpc>
             </a:pPr>
             <a:r>
-              <a:rPr lang="pt-PT" sz="2400" dirty="0">
+              <a:rPr lang="pt-PT" sz="1600" dirty="0">
                 <a:solidFill>
-                  <a:schemeClr val="accent1">
-                    <a:lumMod val="50000"/>
-                  </a:schemeClr>
+                  <a:schemeClr val="accent1"/>
                 </a:solidFill>
               </a:rPr>
-              <a:t>Mariana Ramos – up201806869</a:t>
-            </a:r>
-          </a:p>
-          <a:p>
-            <a:pPr algn="l">
+              <a:t>Grupo 39   </a:t>
+            </a:r>
+            <a:endParaRPr lang="en-US" sz="1600" dirty="0">
+              <a:solidFill>
+                <a:schemeClr val="accent1"/>
+              </a:solidFill>
+            </a:endParaRPr>
+          </a:p>
+          <a:p>
+            <a:pPr>
               <a:lnSpc>
                 <a:spcPct val="100000"/>
               </a:lnSpc>
             </a:pPr>
             <a:r>
-              <a:rPr lang="pt-PT" sz="2400" dirty="0">
+              <a:rPr lang="pt-PT" sz="1600" dirty="0">
                 <a:solidFill>
-                  <a:schemeClr val="accent1">
-                    <a:lumMod val="50000"/>
-                  </a:schemeClr>
+                  <a:schemeClr val="accent1"/>
                 </a:solidFill>
               </a:rPr>
-              <a:t>Pedro Ferreira – up201806506</a:t>
-            </a:r>
-          </a:p>
-          <a:p>
-            <a:pPr algn="l">
-              <a:lnSpc>
-                <a:spcPct val="100000"/>
-              </a:lnSpc>
-            </a:pPr>
-            <a:r>
-              <a:rPr lang="pt-PT" sz="2400" dirty="0">
-                <a:solidFill>
-                  <a:schemeClr val="accent1">
-                    <a:lumMod val="50000"/>
-                  </a:schemeClr>
-                </a:solidFill>
-              </a:rPr>
-              <a:t>Pedro Ponte – up201809694</a:t>
-            </a:r>
-          </a:p>
-          <a:p>
-            <a:pPr algn="ctr">
-              <a:lnSpc>
-                <a:spcPct val="100000"/>
-              </a:lnSpc>
-            </a:pPr>
-            <a:r>
-              <a:rPr lang="pt-PT" sz="2400" dirty="0">
-                <a:solidFill>
-                  <a:schemeClr val="accent1">
-                    <a:lumMod val="50000"/>
-                  </a:schemeClr>
-                </a:solidFill>
-              </a:rPr>
-              <a:t>Grupo 39   </a:t>
-            </a:r>
-            <a:endParaRPr lang="en-US" sz="2400" dirty="0">
-              <a:solidFill>
-                <a:schemeClr val="accent1">
-                  <a:lumMod val="50000"/>
-                </a:schemeClr>
-              </a:solidFill>
-            </a:endParaRPr>
+              <a:t>Mariana Ramos – up201806869          Pedro Ferreira – up201806506    Pedro Ponte – up201809694</a:t>
+            </a:r>
           </a:p>
         </p:txBody>
       </p:sp>
@@ -5304,8 +5269,8 @@
         </p:nvSpPr>
         <p:spPr>
           <a:xfrm>
-            <a:off x="2061522" y="512819"/>
-            <a:ext cx="4203364" cy="1077229"/>
+            <a:off x="1186145" y="647700"/>
+            <a:ext cx="5076609" cy="1077229"/>
           </a:xfrm>
         </p:spPr>
         <p:txBody>
@@ -5341,8 +5306,8 @@
         </p:nvSpPr>
         <p:spPr>
           <a:xfrm>
-            <a:off x="2203494" y="1814723"/>
-            <a:ext cx="4203364" cy="3997828"/>
+            <a:off x="1188277" y="1590048"/>
+            <a:ext cx="5218581" cy="4620252"/>
           </a:xfrm>
         </p:spPr>
         <p:txBody>
@@ -5357,10 +5322,10 @@
               </a:lnSpc>
             </a:pPr>
             <a:r>
-              <a:rPr lang="pt-PT" sz="1200" b="0" i="0" dirty="0">
+              <a:rPr lang="pt-PT" sz="1400" b="0" i="0" dirty="0">
                 <a:effectLst/>
               </a:rPr>
-              <a:t>O jogo consiste na existência de um tabuleiro contendo diferentes tipos de “tiles”, correspondendo cada tile a uma célula do tabuleiro. Existem três tipos de tiles no jogo, onde cada um apresenta uma cor diferente que os relaciona com o seu objetivo no jogo. Tiles preenchidas com uma cor escura correspondem a paredes, tiles com um ponto no centro correspondem a tiles objetivo e tiles pintadas com um círculo no centro correspondem a tiles jogáveis.</a:t>
+              <a:t>O jogo consiste na existência de um tabuleiro contendo diferentes tipos de “tiles”, correspondendo cada tile a uma célula do tabuleiro. </a:t>
             </a:r>
           </a:p>
           <a:p>
@@ -5370,7 +5335,20 @@
               </a:lnSpc>
             </a:pPr>
             <a:r>
-              <a:rPr lang="pt-PT" sz="1200" b="0" i="0" dirty="0">
+              <a:rPr lang="pt-PT" sz="1400" b="0" i="0" dirty="0">
+                <a:effectLst/>
+              </a:rPr>
+              <a:t>Existem três tipos de tiles no jogo, onde cada um apresenta uma cor diferente que os relaciona com o seu objetivo no jogo. Tiles preenchidas com uma cor escura correspondem a paredes, tiles com um ponto no centro correspondem a tiles objetivo e tiles pintadas com um círculo no centro correspondem a tiles jogáveis.</a:t>
+            </a:r>
+          </a:p>
+          <a:p>
+            <a:pPr>
+              <a:lnSpc>
+                <a:spcPct val="110000"/>
+              </a:lnSpc>
+            </a:pPr>
+            <a:r>
+              <a:rPr lang="pt-PT" sz="1400" b="0" i="0" dirty="0">
                 <a:effectLst/>
               </a:rPr>
               <a:t>O objetivo do jogo é colocar as tiles jogáveis nas posições onde se encontram as tiles objetivo com a cor correspondente. Para tal, o jogador pode deslocar as peças para cima, baixo, esquerda e direita. Os movimentos são sincronizados, portanto, deve-se usar tiles fixos existentes para criar espaços entre os tiles e resolver o puzzle.</a:t>
@@ -5523,7 +5501,7 @@
         </p:nvSpPr>
         <p:spPr>
           <a:xfrm>
-            <a:off x="2116931" y="288925"/>
+            <a:off x="2116930" y="517525"/>
             <a:ext cx="7958137" cy="1077913"/>
           </a:xfrm>
         </p:spPr>
@@ -5554,7 +5532,7 @@
         </p:nvSpPr>
         <p:spPr>
           <a:xfrm>
-            <a:off x="1647091" y="1212949"/>
+            <a:off x="1647091" y="1466949"/>
             <a:ext cx="8897816" cy="1021883"/>
           </a:xfrm>
           <a:prstGeom prst="rect">
@@ -6019,8 +5997,8 @@
         </p:nvSpPr>
         <p:spPr>
           <a:xfrm>
-            <a:off x="1816189" y="439978"/>
-            <a:ext cx="8760916" cy="1077229"/>
+            <a:off x="1691639" y="513987"/>
+            <a:ext cx="8448044" cy="1077229"/>
           </a:xfrm>
         </p:spPr>
         <p:txBody>
@@ -6056,15 +6034,24 @@
         </p:nvSpPr>
         <p:spPr>
           <a:xfrm>
-            <a:off x="1461280" y="1885285"/>
-            <a:ext cx="9479595" cy="4601919"/>
-          </a:xfrm>
-        </p:spPr>
-        <p:txBody>
-          <a:bodyPr numCol="2" spcCol="720000">
-            <a:normAutofit/>
+            <a:off x="1436602" y="1689100"/>
+            <a:ext cx="4659398" cy="3606336"/>
+          </a:xfrm>
+        </p:spPr>
+        <p:txBody>
+          <a:bodyPr numCol="1" spcCol="720000">
+            <a:normAutofit fontScale="92500" lnSpcReduction="20000"/>
           </a:bodyPr>
           <a:lstStyle/>
+          <a:p>
+            <a:pPr marL="0" indent="0">
+              <a:lnSpc>
+                <a:spcPct val="110000"/>
+              </a:lnSpc>
+              <a:buNone/>
+            </a:pPr>
+            <a:endParaRPr lang="pt-PT" sz="1700" b="1" dirty="0"/>
+          </a:p>
           <a:p>
             <a:pPr>
               <a:lnSpc>
@@ -6072,197 +6059,75 @@
               </a:lnSpc>
             </a:pPr>
             <a:r>
-              <a:rPr lang="pt-PT" sz="1300" b="1" dirty="0"/>
-              <a:t>Est</a:t>
-            </a:r>
-            <a:r>
-              <a:rPr lang="pt-PT" sz="1400" b="1" dirty="0"/>
-              <a:t>ado de Representação:</a:t>
-            </a:r>
-          </a:p>
-          <a:p>
-            <a:pPr lvl="1">
-              <a:lnSpc>
-                <a:spcPct val="110000"/>
-              </a:lnSpc>
-            </a:pPr>
-            <a:r>
-              <a:rPr lang="pt-PT" sz="1200" dirty="0"/>
-              <a:t>O tabuleiro de jogo é representado por uma matriz B quadrangular com Y colunas e Y linhas, 4&lt;Y&lt;6. Os valores de cada célula podem ser ‘X’, no caso de ser uma parede, ‘B’, ‘G’, ‘O’, ‘P’, ‘R’ ou ‘Y’ no caso de ser uma célula jogável, ‘BF’, ‘GF’, ‘OF’, ‘PF’, ‘RF’ ou ‘YF’ no caso de ser uma célula destino e ‘-’ no caso de ser uma célula vazia.</a:t>
-            </a:r>
-          </a:p>
-          <a:p>
-            <a:pPr>
-              <a:lnSpc>
-                <a:spcPct val="110000"/>
-              </a:lnSpc>
-            </a:pPr>
-            <a:r>
-              <a:rPr lang="en-US" sz="1400" b="1" dirty="0"/>
-              <a:t>Estado </a:t>
-            </a:r>
-            <a:r>
-              <a:rPr lang="en-US" sz="1400" b="1" dirty="0" err="1"/>
-              <a:t>Inicial</a:t>
-            </a:r>
-            <a:r>
-              <a:rPr lang="en-US" sz="1400" b="1" dirty="0"/>
-              <a:t>:</a:t>
-            </a:r>
-            <a:r>
-              <a:rPr lang="en-US" sz="1400" dirty="0"/>
-              <a:t> </a:t>
-            </a:r>
-          </a:p>
-          <a:p>
-            <a:pPr lvl="1">
-              <a:lnSpc>
-                <a:spcPct val="110000"/>
-              </a:lnSpc>
-            </a:pPr>
-            <a:r>
-              <a:rPr lang="pt-PT" sz="1200" dirty="0"/>
-              <a:t>Matriz B com estado inicial desejado.</a:t>
-            </a:r>
-          </a:p>
-          <a:p>
-            <a:pPr lvl="1">
-              <a:lnSpc>
-                <a:spcPct val="110000"/>
-              </a:lnSpc>
-            </a:pPr>
-            <a:r>
-              <a:rPr lang="pt-PT" sz="1200" dirty="0"/>
-              <a:t>Por exemplo:</a:t>
-            </a:r>
-          </a:p>
-          <a:p>
-            <a:pPr marL="457200" lvl="1" indent="0">
+              <a:rPr lang="pt-PT" sz="1700" b="1" dirty="0"/>
+              <a:t>Estado de Representação</a:t>
+            </a:r>
+          </a:p>
+          <a:p>
+            <a:pPr marL="457200" lvl="1" indent="0" algn="just">
               <a:lnSpc>
                 <a:spcPct val="110000"/>
               </a:lnSpc>
               <a:buNone/>
             </a:pPr>
             <a:r>
-              <a:rPr lang="en-US" sz="1200" dirty="0"/>
-              <a:t>B = [  [ 'X’ , '-’ , '-’ , ‘Y’ ],</a:t>
-            </a:r>
-          </a:p>
-          <a:p>
-            <a:pPr marL="457200" lvl="1" indent="0">
-              <a:lnSpc>
-                <a:spcPct val="110000"/>
-              </a:lnSpc>
-              <a:buNone/>
-            </a:pPr>
-            <a:r>
-              <a:rPr lang="en-US" sz="1200" dirty="0"/>
-              <a:t>          [ ‘B’ , ’-’ , ’-’ , ’-’ ],</a:t>
-            </a:r>
-          </a:p>
-          <a:p>
-            <a:pPr marL="457200" lvl="1" indent="0">
-              <a:lnSpc>
-                <a:spcPct val="110000"/>
-              </a:lnSpc>
-              <a:buNone/>
-            </a:pPr>
-            <a:r>
-              <a:rPr lang="en-US" sz="1200" dirty="0"/>
-              <a:t>          [ 'X’ , 'BF’ , ‘-’ , ‘-’ ],</a:t>
-            </a:r>
-          </a:p>
-          <a:p>
-            <a:pPr marL="457200" lvl="1" indent="0">
-              <a:lnSpc>
-                <a:spcPct val="110000"/>
-              </a:lnSpc>
-              <a:buNone/>
-            </a:pPr>
-            <a:r>
-              <a:rPr lang="en-US" sz="1200" dirty="0"/>
-              <a:t>          [ ‘X’ , ’YF’ , ’-’ , ’-’ ] ]		</a:t>
-            </a:r>
-            <a:endParaRPr lang="pt-PT" sz="1300" dirty="0"/>
-          </a:p>
-          <a:p>
-            <a:pPr>
+              <a:rPr lang="pt-PT" sz="1500" dirty="0"/>
+              <a:t>O tabuleiro de jogo é representado por uma matriz B quadrangular com Y colunas e Y linhas, 4&lt;Y&lt;6. Os valores de cada célula têm os seguintes valores:</a:t>
+            </a:r>
+          </a:p>
+          <a:p>
+            <a:pPr lvl="1" algn="just">
               <a:lnSpc>
                 <a:spcPct val="110000"/>
               </a:lnSpc>
             </a:pPr>
             <a:r>
-              <a:rPr lang="pt-PT" sz="1400" b="1" dirty="0"/>
-              <a:t>Estado Objetivo:</a:t>
-            </a:r>
-          </a:p>
-          <a:p>
-            <a:pPr lvl="1">
+              <a:rPr lang="pt-PT" sz="1500" dirty="0"/>
+              <a:t>‘X’, no caso de ser uma parede, </a:t>
+            </a:r>
+          </a:p>
+          <a:p>
+            <a:pPr lvl="1" algn="just">
               <a:lnSpc>
                 <a:spcPct val="110000"/>
               </a:lnSpc>
             </a:pPr>
             <a:r>
-              <a:rPr lang="pt-PT" sz="1200" dirty="0"/>
-              <a:t>Matriz F sem estados finais (FZ) sozinhos.</a:t>
-            </a:r>
-          </a:p>
-          <a:p>
-            <a:pPr lvl="1">
+              <a:rPr lang="pt-PT" sz="1500" dirty="0"/>
+              <a:t>‘B’, ‘G’, ‘O’, ‘P’, ‘R’ ou ‘Y’ no caso de ser uma célula jogável</a:t>
+            </a:r>
+          </a:p>
+          <a:p>
+            <a:pPr lvl="1" algn="just">
               <a:lnSpc>
                 <a:spcPct val="110000"/>
               </a:lnSpc>
             </a:pPr>
             <a:r>
-              <a:rPr lang="pt-PT" sz="1200" dirty="0"/>
-              <a:t>Por exemplo:</a:t>
-            </a:r>
-          </a:p>
-          <a:p>
-            <a:pPr lvl="1">
+              <a:rPr lang="pt-PT" sz="1500" dirty="0"/>
+              <a:t>‘BF’, ‘GF’, ‘OF’, ‘PF’, ‘RF’ ou ‘YF’ no caso de ser uma célula destino </a:t>
+            </a:r>
+          </a:p>
+          <a:p>
+            <a:pPr lvl="1" algn="just">
               <a:lnSpc>
                 <a:spcPct val="110000"/>
               </a:lnSpc>
             </a:pPr>
-            <a:endParaRPr lang="pt-PT" sz="1200" dirty="0"/>
-          </a:p>
-          <a:p>
-            <a:pPr>
+            <a:r>
+              <a:rPr lang="pt-PT" sz="1500" dirty="0"/>
+              <a:t>‘-’ no caso de ser uma célula vazia.</a:t>
+            </a:r>
+            <a:endParaRPr lang="en-US" sz="1500" dirty="0"/>
+          </a:p>
+          <a:p>
+            <a:pPr marL="457200" lvl="1" indent="0">
               <a:lnSpc>
-                <a:spcPct val="110000"/>
+                <a:spcPct val="100000"/>
               </a:lnSpc>
+              <a:buNone/>
             </a:pPr>
-            <a:r>
-              <a:rPr lang="pt-PT" sz="1400" b="1" dirty="0"/>
-              <a:t>Heurística:</a:t>
-            </a:r>
-          </a:p>
-          <a:p>
-            <a:pPr lvl="1">
-              <a:lnSpc>
-                <a:spcPct val="110000"/>
-              </a:lnSpc>
-            </a:pPr>
-            <a:r>
-              <a:rPr lang="pt-PT" sz="1200" dirty="0"/>
-              <a:t>Número de estados finais (FZ) sozinhos (que não têm célula jogável (IZ) em cima).</a:t>
-            </a:r>
-          </a:p>
-          <a:p>
-            <a:pPr>
-              <a:lnSpc>
-                <a:spcPct val="110000"/>
-              </a:lnSpc>
-            </a:pPr>
-            <a:endParaRPr lang="pt-PT" sz="1300" dirty="0"/>
-          </a:p>
-          <a:p>
-            <a:pPr>
-              <a:lnSpc>
-                <a:spcPct val="110000"/>
-              </a:lnSpc>
-            </a:pPr>
-            <a:endParaRPr lang="pt-PT" sz="1300" dirty="0"/>
+            <a:endParaRPr lang="pt-PT" sz="1400" dirty="0"/>
           </a:p>
           <a:p>
             <a:pPr marL="457200" lvl="1" indent="0">
@@ -6335,6 +6200,424 @@
           <a:p>
             <a:pPr algn="ctr"/>
             <a:endParaRPr lang="en-US"/>
+          </a:p>
+        </p:txBody>
+      </p:sp>
+      <p:sp>
+        <p:nvSpPr>
+          <p:cNvPr id="5" name="CaixaDeTexto 4">
+            <a:extLst>
+              <a:ext uri="{FF2B5EF4-FFF2-40B4-BE49-F238E27FC236}">
+                <a16:creationId xmlns:a16="http://schemas.microsoft.com/office/drawing/2014/main" id="{B795423D-3070-45C9-B218-01C3FA13B4FB}"/>
+              </a:ext>
+            </a:extLst>
+          </p:cNvPr>
+          <p:cNvSpPr txBox="1"/>
+          <p:nvPr/>
+        </p:nvSpPr>
+        <p:spPr>
+          <a:xfrm>
+            <a:off x="7214211" y="2844649"/>
+            <a:ext cx="3342586" cy="1110195"/>
+          </a:xfrm>
+          <a:prstGeom prst="rect">
+            <a:avLst/>
+          </a:prstGeom>
+          <a:solidFill>
+            <a:schemeClr val="tx1"/>
+          </a:solidFill>
+        </p:spPr>
+        <p:txBody>
+          <a:bodyPr wrap="square" rtlCol="0">
+            <a:spAutoFit/>
+          </a:bodyPr>
+          <a:lstStyle/>
+          <a:p>
+            <a:pPr marL="457200" lvl="1" indent="0">
+              <a:lnSpc>
+                <a:spcPct val="100000"/>
+              </a:lnSpc>
+              <a:buNone/>
+            </a:pPr>
+            <a:r>
+              <a:rPr lang="en-US" sz="1600" dirty="0">
+                <a:solidFill>
+                  <a:schemeClr val="bg2">
+                    <a:lumMod val="90000"/>
+                    <a:lumOff val="10000"/>
+                  </a:schemeClr>
+                </a:solidFill>
+              </a:rPr>
+              <a:t>B = [  [ 'X’ , '-’ , '-’ , ‘Y’ ],</a:t>
+            </a:r>
+          </a:p>
+          <a:p>
+            <a:pPr marL="457200" lvl="1" indent="0">
+              <a:lnSpc>
+                <a:spcPct val="100000"/>
+              </a:lnSpc>
+              <a:buNone/>
+            </a:pPr>
+            <a:r>
+              <a:rPr lang="en-US" sz="1600" dirty="0">
+                <a:solidFill>
+                  <a:schemeClr val="bg2">
+                    <a:lumMod val="90000"/>
+                    <a:lumOff val="10000"/>
+                  </a:schemeClr>
+                </a:solidFill>
+              </a:rPr>
+              <a:t>          [ ‘B’ , ’-’ , ’-’ , ’-’ ],</a:t>
+            </a:r>
+          </a:p>
+          <a:p>
+            <a:pPr marL="457200" lvl="1" indent="0">
+              <a:lnSpc>
+                <a:spcPct val="100000"/>
+              </a:lnSpc>
+              <a:buNone/>
+            </a:pPr>
+            <a:r>
+              <a:rPr lang="en-US" sz="1600" dirty="0">
+                <a:solidFill>
+                  <a:schemeClr val="bg2">
+                    <a:lumMod val="90000"/>
+                    <a:lumOff val="10000"/>
+                  </a:schemeClr>
+                </a:solidFill>
+              </a:rPr>
+              <a:t>          [ 'X’ , 'BF’ , ‘-’ , ‘-’ ],</a:t>
+            </a:r>
+          </a:p>
+          <a:p>
+            <a:pPr marL="457200" lvl="1" indent="0">
+              <a:lnSpc>
+                <a:spcPct val="110000"/>
+              </a:lnSpc>
+              <a:buNone/>
+            </a:pPr>
+            <a:r>
+              <a:rPr lang="en-US" sz="1600" dirty="0">
+                <a:solidFill>
+                  <a:schemeClr val="bg2">
+                    <a:lumMod val="90000"/>
+                    <a:lumOff val="10000"/>
+                  </a:schemeClr>
+                </a:solidFill>
+              </a:rPr>
+              <a:t>          [ ‘X’ , ’YF’ , ’-’ , ’-’ ] ]</a:t>
+            </a:r>
+          </a:p>
+        </p:txBody>
+      </p:sp>
+      <p:sp>
+        <p:nvSpPr>
+          <p:cNvPr id="16" name="CaixaDeTexto 15">
+            <a:extLst>
+              <a:ext uri="{FF2B5EF4-FFF2-40B4-BE49-F238E27FC236}">
+                <a16:creationId xmlns:a16="http://schemas.microsoft.com/office/drawing/2014/main" id="{831FB070-1238-4692-B797-ECEB22A7AEE5}"/>
+              </a:ext>
+            </a:extLst>
+          </p:cNvPr>
+          <p:cNvSpPr txBox="1"/>
+          <p:nvPr/>
+        </p:nvSpPr>
+        <p:spPr>
+          <a:xfrm>
+            <a:off x="7214211" y="5428747"/>
+            <a:ext cx="3342586" cy="1110195"/>
+          </a:xfrm>
+          <a:prstGeom prst="rect">
+            <a:avLst/>
+          </a:prstGeom>
+          <a:solidFill>
+            <a:schemeClr val="tx1"/>
+          </a:solidFill>
+        </p:spPr>
+        <p:txBody>
+          <a:bodyPr wrap="square" rtlCol="0">
+            <a:spAutoFit/>
+          </a:bodyPr>
+          <a:lstStyle/>
+          <a:p>
+            <a:pPr marL="457200" lvl="1" indent="0">
+              <a:lnSpc>
+                <a:spcPct val="100000"/>
+              </a:lnSpc>
+              <a:buNone/>
+            </a:pPr>
+            <a:r>
+              <a:rPr lang="en-US" sz="1600" dirty="0">
+                <a:solidFill>
+                  <a:schemeClr val="bg2">
+                    <a:lumMod val="90000"/>
+                    <a:lumOff val="10000"/>
+                  </a:schemeClr>
+                </a:solidFill>
+              </a:rPr>
+              <a:t>B = [  [ 'X’ , '-’ , '-’ , ‘-’ ],</a:t>
+            </a:r>
+          </a:p>
+          <a:p>
+            <a:pPr marL="457200" lvl="1" indent="0">
+              <a:lnSpc>
+                <a:spcPct val="100000"/>
+              </a:lnSpc>
+              <a:buNone/>
+            </a:pPr>
+            <a:r>
+              <a:rPr lang="en-US" sz="1600" dirty="0">
+                <a:solidFill>
+                  <a:schemeClr val="bg2">
+                    <a:lumMod val="90000"/>
+                    <a:lumOff val="10000"/>
+                  </a:schemeClr>
+                </a:solidFill>
+              </a:rPr>
+              <a:t>          [ ‘-’ , ’-’ , ’-’ , ’-’ ],</a:t>
+            </a:r>
+          </a:p>
+          <a:p>
+            <a:pPr marL="457200" lvl="1" indent="0">
+              <a:lnSpc>
+                <a:spcPct val="100000"/>
+              </a:lnSpc>
+              <a:buNone/>
+            </a:pPr>
+            <a:r>
+              <a:rPr lang="en-US" sz="1600" dirty="0">
+                <a:solidFill>
+                  <a:schemeClr val="bg2">
+                    <a:lumMod val="90000"/>
+                    <a:lumOff val="10000"/>
+                  </a:schemeClr>
+                </a:solidFill>
+              </a:rPr>
+              <a:t>          [ 'X’ , 'B’ , ‘-’ , ‘-’ ],</a:t>
+            </a:r>
+          </a:p>
+          <a:p>
+            <a:pPr marL="457200" lvl="1" indent="0">
+              <a:lnSpc>
+                <a:spcPct val="110000"/>
+              </a:lnSpc>
+              <a:buNone/>
+            </a:pPr>
+            <a:r>
+              <a:rPr lang="en-US" sz="1600" dirty="0">
+                <a:solidFill>
+                  <a:schemeClr val="bg2">
+                    <a:lumMod val="90000"/>
+                    <a:lumOff val="10000"/>
+                  </a:schemeClr>
+                </a:solidFill>
+              </a:rPr>
+              <a:t>          [ ‘X’ , ’Y’ , ’-’ , ’-’ ] ]</a:t>
+            </a:r>
+          </a:p>
+        </p:txBody>
+      </p:sp>
+      <p:sp>
+        <p:nvSpPr>
+          <p:cNvPr id="8" name="CaixaDeTexto 7">
+            <a:extLst>
+              <a:ext uri="{FF2B5EF4-FFF2-40B4-BE49-F238E27FC236}">
+                <a16:creationId xmlns:a16="http://schemas.microsoft.com/office/drawing/2014/main" id="{B8CDB071-88DF-4551-92C3-4CE54587FEC6}"/>
+              </a:ext>
+            </a:extLst>
+          </p:cNvPr>
+          <p:cNvSpPr txBox="1"/>
+          <p:nvPr/>
+        </p:nvSpPr>
+        <p:spPr>
+          <a:xfrm>
+            <a:off x="6307294" y="1901603"/>
+            <a:ext cx="5156421" cy="1148007"/>
+          </a:xfrm>
+          <a:prstGeom prst="rect">
+            <a:avLst/>
+          </a:prstGeom>
+          <a:noFill/>
+        </p:spPr>
+        <p:txBody>
+          <a:bodyPr wrap="square" rtlCol="0">
+            <a:spAutoFit/>
+          </a:bodyPr>
+          <a:lstStyle/>
+          <a:p>
+            <a:pPr marL="285750" indent="-285750">
+              <a:lnSpc>
+                <a:spcPct val="110000"/>
+              </a:lnSpc>
+              <a:buFont typeface="Wingdings" panose="05000000000000000000" pitchFamily="2" charset="2"/>
+              <a:buChar char="§"/>
+            </a:pPr>
+            <a:r>
+              <a:rPr lang="en-US" sz="1600" b="1" dirty="0"/>
+              <a:t>Estado </a:t>
+            </a:r>
+            <a:r>
+              <a:rPr lang="en-US" sz="1600" b="1" dirty="0" err="1"/>
+              <a:t>Inicial</a:t>
+            </a:r>
+            <a:endParaRPr lang="en-US" sz="1600" dirty="0"/>
+          </a:p>
+          <a:p>
+            <a:pPr marL="285750" indent="-285750">
+              <a:lnSpc>
+                <a:spcPct val="110000"/>
+              </a:lnSpc>
+              <a:buFont typeface="Wingdings" panose="05000000000000000000" pitchFamily="2" charset="2"/>
+              <a:buChar char="§"/>
+            </a:pPr>
+            <a:endParaRPr lang="en-US" sz="1600" dirty="0"/>
+          </a:p>
+          <a:p>
+            <a:pPr marL="457200" lvl="1" indent="0" algn="just">
+              <a:lnSpc>
+                <a:spcPct val="110000"/>
+              </a:lnSpc>
+              <a:buNone/>
+            </a:pPr>
+            <a:r>
+              <a:rPr lang="pt-PT" sz="1400" dirty="0"/>
+              <a:t>Matriz B com estado inicial desejado. Por exemplo:</a:t>
+            </a:r>
+          </a:p>
+          <a:p>
+            <a:endParaRPr lang="en-US" dirty="0"/>
+          </a:p>
+        </p:txBody>
+      </p:sp>
+      <p:sp>
+        <p:nvSpPr>
+          <p:cNvPr id="9" name="CaixaDeTexto 8">
+            <a:extLst>
+              <a:ext uri="{FF2B5EF4-FFF2-40B4-BE49-F238E27FC236}">
+                <a16:creationId xmlns:a16="http://schemas.microsoft.com/office/drawing/2014/main" id="{3F91275C-4A02-4E26-8CB0-AA41AF86A95E}"/>
+              </a:ext>
+            </a:extLst>
+          </p:cNvPr>
+          <p:cNvSpPr txBox="1"/>
+          <p:nvPr/>
+        </p:nvSpPr>
+        <p:spPr>
+          <a:xfrm>
+            <a:off x="6408632" y="4205842"/>
+            <a:ext cx="4721328" cy="1089594"/>
+          </a:xfrm>
+          <a:prstGeom prst="rect">
+            <a:avLst/>
+          </a:prstGeom>
+          <a:noFill/>
+        </p:spPr>
+        <p:txBody>
+          <a:bodyPr wrap="square" rtlCol="0">
+            <a:spAutoFit/>
+          </a:bodyPr>
+          <a:lstStyle/>
+          <a:p>
+            <a:pPr marL="285750" indent="-285750">
+              <a:lnSpc>
+                <a:spcPct val="110000"/>
+              </a:lnSpc>
+              <a:buFont typeface="Wingdings" panose="05000000000000000000" pitchFamily="2" charset="2"/>
+              <a:buChar char="§"/>
+            </a:pPr>
+            <a:r>
+              <a:rPr lang="pt-PT" sz="1600" b="1" dirty="0"/>
+              <a:t>Estado Objetivo</a:t>
+            </a:r>
+          </a:p>
+          <a:p>
+            <a:pPr>
+              <a:lnSpc>
+                <a:spcPct val="110000"/>
+              </a:lnSpc>
+            </a:pPr>
+            <a:endParaRPr lang="pt-PT" sz="1600" b="1" dirty="0"/>
+          </a:p>
+          <a:p>
+            <a:pPr marL="457200" lvl="1" indent="0">
+              <a:lnSpc>
+                <a:spcPct val="110000"/>
+              </a:lnSpc>
+              <a:buNone/>
+            </a:pPr>
+            <a:r>
+              <a:rPr lang="pt-PT" sz="1400" dirty="0"/>
+              <a:t>Matriz F sem estados finais (FZ) sozinhos. Por exemplo:</a:t>
+            </a:r>
+          </a:p>
+        </p:txBody>
+      </p:sp>
+      <p:sp>
+        <p:nvSpPr>
+          <p:cNvPr id="10" name="CaixaDeTexto 9">
+            <a:extLst>
+              <a:ext uri="{FF2B5EF4-FFF2-40B4-BE49-F238E27FC236}">
+                <a16:creationId xmlns:a16="http://schemas.microsoft.com/office/drawing/2014/main" id="{29FF57F4-7DFD-42F7-A162-997A102A4B1E}"/>
+              </a:ext>
+            </a:extLst>
+          </p:cNvPr>
+          <p:cNvSpPr txBox="1"/>
+          <p:nvPr/>
+        </p:nvSpPr>
+        <p:spPr>
+          <a:xfrm>
+            <a:off x="1431732" y="5145775"/>
+            <a:ext cx="4721328" cy="1311000"/>
+          </a:xfrm>
+          <a:prstGeom prst="rect">
+            <a:avLst/>
+          </a:prstGeom>
+          <a:noFill/>
+        </p:spPr>
+        <p:txBody>
+          <a:bodyPr wrap="square" rtlCol="0">
+            <a:spAutoFit/>
+          </a:bodyPr>
+          <a:lstStyle/>
+          <a:p>
+            <a:pPr marL="285750" indent="-285750">
+              <a:lnSpc>
+                <a:spcPct val="110000"/>
+              </a:lnSpc>
+              <a:buFont typeface="Wingdings" panose="05000000000000000000" pitchFamily="2" charset="2"/>
+              <a:buChar char="§"/>
+            </a:pPr>
+            <a:r>
+              <a:rPr lang="pt-PT" sz="1600" b="1" dirty="0"/>
+              <a:t>Heurística:</a:t>
+            </a:r>
+          </a:p>
+          <a:p>
+            <a:pPr>
+              <a:lnSpc>
+                <a:spcPct val="110000"/>
+              </a:lnSpc>
+            </a:pPr>
+            <a:endParaRPr lang="pt-PT" sz="1600" b="1" dirty="0"/>
+          </a:p>
+          <a:p>
+            <a:pPr marL="457200" lvl="1" indent="0">
+              <a:lnSpc>
+                <a:spcPct val="110000"/>
+              </a:lnSpc>
+              <a:buNone/>
+            </a:pPr>
+            <a:r>
+              <a:rPr lang="pt-PT" sz="1400" dirty="0"/>
+              <a:t>Número de estados finais (FZ) sozinhos (que não têm célula jogável (IZ) em cima).</a:t>
+            </a:r>
+          </a:p>
+          <a:p>
+            <a:pPr>
+              <a:lnSpc>
+                <a:spcPct val="110000"/>
+              </a:lnSpc>
+            </a:pPr>
+            <a:endParaRPr lang="pt-PT" sz="1300" dirty="0"/>
           </a:p>
         </p:txBody>
       </p:sp>
@@ -6384,8 +6667,8 @@
         </p:nvSpPr>
         <p:spPr>
           <a:xfrm>
-            <a:off x="1575687" y="770852"/>
-            <a:ext cx="5185598" cy="720577"/>
+            <a:off x="1575687" y="469901"/>
+            <a:ext cx="2374014" cy="613448"/>
           </a:xfrm>
           <a:prstGeom prst="rect">
             <a:avLst/>
@@ -6393,7 +6676,7 @@
         </p:spPr>
         <p:txBody>
           <a:bodyPr vert="horz" lIns="91440" tIns="45720" rIns="91440" bIns="45720" rtlCol="0" anchor="ctr">
-            <a:normAutofit fontScale="92500"/>
+            <a:normAutofit/>
           </a:bodyPr>
           <a:lstStyle>
             <a:lvl1pPr marL="344488" indent="-344488" algn="l" defTabSz="914400" rtl="0" eaLnBrk="1" latinLnBrk="0" hangingPunct="1">
@@ -6640,155 +6923,14 @@
               <a:buChar char="§"/>
             </a:pPr>
             <a:r>
-              <a:rPr lang="pt-PT" sz="1500" dirty="0"/>
+              <a:rPr lang="pt-PT" sz="1600" b="1" dirty="0"/>
               <a:t>Operadores</a:t>
             </a:r>
             <a:r>
-              <a:rPr lang="en-US" sz="1500" dirty="0"/>
+              <a:rPr lang="en-US" sz="1600" b="1" dirty="0"/>
               <a:t>:</a:t>
             </a:r>
-            <a:r>
-              <a:rPr lang="en-US" sz="1300" dirty="0"/>
-              <a:t> (</a:t>
-            </a:r>
-            <a:r>
-              <a:rPr lang="en-US" sz="1300" dirty="0" err="1"/>
-              <a:t>corrigir</a:t>
-            </a:r>
-            <a:r>
-              <a:rPr lang="en-US" sz="1300" dirty="0"/>
-              <a:t> </a:t>
-            </a:r>
-            <a:r>
-              <a:rPr lang="en-US" sz="1300" dirty="0" err="1"/>
-              <a:t>tabela</a:t>
-            </a:r>
-            <a:r>
-              <a:rPr lang="en-US" sz="1300" dirty="0"/>
-              <a:t> – </a:t>
-            </a:r>
-            <a:r>
-              <a:rPr lang="en-US" sz="1300" dirty="0" err="1"/>
-              <a:t>movimentos</a:t>
-            </a:r>
-            <a:r>
-              <a:rPr lang="en-US" sz="1300" dirty="0"/>
-              <a:t> </a:t>
-            </a:r>
-            <a:r>
-              <a:rPr lang="en-US" sz="1300" dirty="0" err="1"/>
-              <a:t>não</a:t>
-            </a:r>
-            <a:r>
-              <a:rPr lang="en-US" sz="1300" dirty="0"/>
-              <a:t> </a:t>
-            </a:r>
-            <a:r>
-              <a:rPr lang="en-US" sz="1300" dirty="0" err="1"/>
-              <a:t>são</a:t>
-            </a:r>
-            <a:r>
-              <a:rPr lang="en-US" sz="1300" dirty="0"/>
-              <a:t> </a:t>
-            </a:r>
-            <a:r>
-              <a:rPr lang="en-US" sz="1300" dirty="0" err="1"/>
-              <a:t>apenas</a:t>
-            </a:r>
-            <a:r>
-              <a:rPr lang="en-US" sz="1300" dirty="0"/>
-              <a:t> de </a:t>
-            </a:r>
-            <a:r>
-              <a:rPr lang="en-US" sz="1300" dirty="0" err="1"/>
-              <a:t>uma</a:t>
-            </a:r>
-            <a:r>
-              <a:rPr lang="en-US" sz="1300" dirty="0"/>
-              <a:t> casa, </a:t>
-            </a:r>
-            <a:r>
-              <a:rPr lang="en-US" sz="1300" dirty="0" err="1"/>
-              <a:t>são</a:t>
-            </a:r>
-            <a:r>
-              <a:rPr lang="en-US" sz="1300" dirty="0"/>
-              <a:t> </a:t>
-            </a:r>
-            <a:r>
-              <a:rPr lang="en-US" sz="1300" dirty="0" err="1"/>
-              <a:t>até</a:t>
-            </a:r>
-            <a:r>
-              <a:rPr lang="en-US" sz="1300" dirty="0"/>
-              <a:t> </a:t>
-            </a:r>
-            <a:r>
-              <a:rPr lang="en-US" sz="1300" dirty="0" err="1"/>
-              <a:t>encontrar</a:t>
-            </a:r>
-            <a:r>
-              <a:rPr lang="en-US" sz="1300" dirty="0"/>
-              <a:t> </a:t>
-            </a:r>
-            <a:r>
-              <a:rPr lang="en-US" sz="1300" dirty="0" err="1"/>
-              <a:t>uma</a:t>
-            </a:r>
-            <a:r>
-              <a:rPr lang="en-US" sz="1300" dirty="0"/>
-              <a:t> </a:t>
-            </a:r>
-            <a:r>
-              <a:rPr lang="en-US" sz="1300" dirty="0" err="1"/>
-              <a:t>parede</a:t>
-            </a:r>
-            <a:r>
-              <a:rPr lang="en-US" sz="1300" dirty="0"/>
-              <a:t> </a:t>
-            </a:r>
-            <a:r>
-              <a:rPr lang="en-US" sz="1300" dirty="0" err="1"/>
-              <a:t>ou</a:t>
-            </a:r>
-            <a:r>
-              <a:rPr lang="en-US" sz="1300" dirty="0"/>
-              <a:t> </a:t>
-            </a:r>
-            <a:r>
-              <a:rPr lang="en-US" sz="1300" dirty="0" err="1"/>
-              <a:t>chegar</a:t>
-            </a:r>
-            <a:r>
-              <a:rPr lang="en-US" sz="1300" dirty="0"/>
-              <a:t> </a:t>
-            </a:r>
-            <a:r>
-              <a:rPr lang="en-US" sz="1300" dirty="0" err="1"/>
-              <a:t>ao</a:t>
-            </a:r>
-            <a:r>
-              <a:rPr lang="en-US" sz="1300" dirty="0"/>
-              <a:t> </a:t>
-            </a:r>
-            <a:r>
-              <a:rPr lang="en-US" sz="1300" dirty="0" err="1"/>
-              <a:t>fim</a:t>
-            </a:r>
-            <a:r>
-              <a:rPr lang="en-US" sz="1300" dirty="0"/>
-              <a:t> da fila)</a:t>
-            </a:r>
-          </a:p>
-          <a:p>
-            <a:pPr marL="457200" lvl="1" indent="0">
-              <a:lnSpc>
-                <a:spcPct val="110000"/>
-              </a:lnSpc>
-              <a:buFont typeface="Wingdings" panose="05000000000000000000" pitchFamily="2" charset="2"/>
-              <a:buNone/>
-            </a:pPr>
-            <a:endParaRPr lang="pt-PT" sz="1300" dirty="0"/>
+            <a:endParaRPr lang="pt-PT" sz="1600" dirty="0"/>
           </a:p>
         </p:txBody>
       </p:sp>
@@ -6807,45 +6949,44 @@
           <p:nvPr>
             <p:extLst>
               <p:ext uri="{D42A27DB-BD31-4B8C-83A1-F6EECF244321}">
-                <p14:modId xmlns:p14="http://schemas.microsoft.com/office/powerpoint/2010/main" val="3865880117"/>
+                <p14:modId xmlns:p14="http://schemas.microsoft.com/office/powerpoint/2010/main" val="3330898760"/>
               </p:ext>
             </p:extLst>
           </p:nvPr>
         </p:nvGraphicFramePr>
         <p:xfrm>
-          <a:off x="2570284" y="1491429"/>
-          <a:ext cx="7051431" cy="4183469"/>
+          <a:off x="1575687" y="1313629"/>
+          <a:ext cx="9040628" cy="4820470"/>
         </p:xfrm>
         <a:graphic>
           <a:graphicData uri="http://schemas.openxmlformats.org/drawingml/2006/table">
             <a:tbl>
               <a:tblPr firstRow="1" bandRow="1">
-                <a:noFill/>
-                <a:tableStyleId>{5C22544A-7EE6-4342-B048-85BDC9FD1C3A}</a:tableStyleId>
+                <a:tableStyleId>{3C2FFA5D-87B4-456A-9821-1D502468CF0F}</a:tableStyleId>
               </a:tblPr>
               <a:tblGrid>
-                <a:gridCol w="1161199">
+                <a:gridCol w="1488771">
                   <a:extLst>
                     <a:ext uri="{9D8B030D-6E8A-4147-A177-3AD203B41FA5}">
                       <a16:colId xmlns:a16="http://schemas.microsoft.com/office/drawing/2014/main" val="2159812458"/>
                     </a:ext>
                   </a:extLst>
                 </a:gridCol>
-                <a:gridCol w="2298187">
+                <a:gridCol w="2946502">
                   <a:extLst>
                     <a:ext uri="{9D8B030D-6E8A-4147-A177-3AD203B41FA5}">
                       <a16:colId xmlns:a16="http://schemas.microsoft.com/office/drawing/2014/main" val="4186244219"/>
                     </a:ext>
                   </a:extLst>
                 </a:gridCol>
-                <a:gridCol w="2384909">
+                <a:gridCol w="3399740">
                   <a:extLst>
                     <a:ext uri="{9D8B030D-6E8A-4147-A177-3AD203B41FA5}">
                       <a16:colId xmlns:a16="http://schemas.microsoft.com/office/drawing/2014/main" val="1842513993"/>
                     </a:ext>
                   </a:extLst>
                 </a:gridCol>
-                <a:gridCol w="1207136">
+                <a:gridCol w="1205615">
                   <a:extLst>
                     <a:ext uri="{9D8B030D-6E8A-4147-A177-3AD203B41FA5}">
                       <a16:colId xmlns:a16="http://schemas.microsoft.com/office/drawing/2014/main" val="3297339727"/>
@@ -6853,182 +6994,83 @@
                   </a:extLst>
                 </a:gridCol>
               </a:tblGrid>
-              <a:tr h="705596">
+              <a:tr h="813035">
                 <a:tc>
                   <a:txBody>
                     <a:bodyPr/>
                     <a:lstStyle/>
                     <a:p>
+                      <a:pPr algn="ctr"/>
                       <a:r>
-                        <a:rPr lang="pt-PT" sz="1200" noProof="0">
+                        <a:rPr lang="pt-PT" sz="1200" noProof="0" dirty="0">
                           <a:solidFill>
-                            <a:schemeClr val="tx1">
-                              <a:lumMod val="75000"/>
-                              <a:lumOff val="25000"/>
-                            </a:schemeClr>
+                            <a:schemeClr val="bg1"/>
                           </a:solidFill>
                         </a:rPr>
                         <a:t>Nome</a:t>
                       </a:r>
                     </a:p>
                   </a:txBody>
-                  <a:tcPr marL="160954" marR="96573" marT="96573" marB="96573">
-                    <a:lnL w="12700" cmpd="sng">
-                      <a:noFill/>
-                      <a:prstDash val="solid"/>
-                    </a:lnL>
-                    <a:lnR w="12700" cmpd="sng">
-                      <a:noFill/>
-                      <a:prstDash val="solid"/>
-                    </a:lnR>
-                    <a:lnT w="19050" cap="flat" cmpd="sng" algn="ctr">
-                      <a:solidFill>
-                        <a:srgbClr val="8F9A9D">
-                          <a:alpha val="60000"/>
-                        </a:srgbClr>
-                      </a:solidFill>
-                      <a:prstDash val="solid"/>
-                    </a:lnT>
-                    <a:lnB w="12700" cmpd="sng">
-                      <a:noFill/>
-                      <a:prstDash val="solid"/>
-                    </a:lnB>
-                    <a:noFill/>
-                  </a:tcPr>
+                  <a:tcPr marL="160954" marR="96573" marT="96573" marB="96573" anchor="ctr"/>
                 </a:tc>
                 <a:tc>
                   <a:txBody>
                     <a:bodyPr/>
                     <a:lstStyle/>
                     <a:p>
+                      <a:pPr algn="ctr"/>
                       <a:r>
-                        <a:rPr lang="pt-PT" sz="1200" noProof="0">
+                        <a:rPr lang="pt-PT" sz="1200" noProof="0" dirty="0">
                           <a:solidFill>
-                            <a:schemeClr val="tx1">
-                              <a:lumMod val="75000"/>
-                              <a:lumOff val="25000"/>
-                            </a:schemeClr>
+                            <a:schemeClr val="bg1"/>
                           </a:solidFill>
                         </a:rPr>
-                        <a:t>Pre-condição</a:t>
+                        <a:t>Pré-condição</a:t>
                       </a:r>
                     </a:p>
                   </a:txBody>
-                  <a:tcPr marL="160954" marR="96573" marT="96573" marB="96573">
-                    <a:lnL w="12700" cmpd="sng">
-                      <a:noFill/>
-                      <a:prstDash val="solid"/>
-                    </a:lnL>
-                    <a:lnR w="12700" cmpd="sng">
-                      <a:noFill/>
-                      <a:prstDash val="solid"/>
-                    </a:lnR>
-                    <a:lnT w="19050" cap="flat" cmpd="sng" algn="ctr">
-                      <a:solidFill>
-                        <a:srgbClr val="8F9A9D">
-                          <a:alpha val="60000"/>
-                        </a:srgbClr>
-                      </a:solidFill>
-                      <a:prstDash val="solid"/>
-                    </a:lnT>
-                    <a:lnB w="12700" cmpd="sng">
-                      <a:noFill/>
-                      <a:prstDash val="solid"/>
-                    </a:lnB>
-                    <a:noFill/>
-                  </a:tcPr>
+                  <a:tcPr marL="160954" marR="96573" marT="96573" marB="96573" anchor="ctr"/>
                 </a:tc>
                 <a:tc>
                   <a:txBody>
                     <a:bodyPr/>
                     <a:lstStyle/>
                     <a:p>
+                      <a:pPr algn="ctr"/>
                       <a:r>
                         <a:rPr lang="pt-PT" sz="1200" noProof="0">
                           <a:solidFill>
-                            <a:schemeClr val="tx1">
-                              <a:lumMod val="75000"/>
-                              <a:lumOff val="25000"/>
-                            </a:schemeClr>
+                            <a:schemeClr val="bg1"/>
                           </a:solidFill>
                         </a:rPr>
                         <a:t>Efeitos</a:t>
                       </a:r>
                       <a:endParaRPr lang="pt-PT" sz="1200" noProof="0" dirty="0">
                         <a:solidFill>
-                          <a:schemeClr val="tx1">
-                            <a:lumMod val="75000"/>
-                            <a:lumOff val="25000"/>
-                          </a:schemeClr>
+                          <a:schemeClr val="bg1"/>
                         </a:solidFill>
                       </a:endParaRPr>
                     </a:p>
                   </a:txBody>
-                  <a:tcPr marL="160954" marR="96573" marT="96573" marB="96573">
-                    <a:lnL w="12700" cmpd="sng">
-                      <a:noFill/>
-                      <a:prstDash val="solid"/>
-                    </a:lnL>
-                    <a:lnR w="12700" cmpd="sng">
-                      <a:noFill/>
-                      <a:prstDash val="solid"/>
-                    </a:lnR>
-                    <a:lnT w="19050" cap="flat" cmpd="sng" algn="ctr">
-                      <a:solidFill>
-                        <a:srgbClr val="8F9A9D">
-                          <a:alpha val="60000"/>
-                        </a:srgbClr>
-                      </a:solidFill>
-                      <a:prstDash val="solid"/>
-                    </a:lnT>
-                    <a:lnB w="12700" cmpd="sng">
-                      <a:noFill/>
-                      <a:prstDash val="solid"/>
-                    </a:lnB>
-                    <a:noFill/>
-                  </a:tcPr>
+                  <a:tcPr marL="160954" marR="96573" marT="96573" marB="96573" anchor="ctr"/>
                 </a:tc>
                 <a:tc>
                   <a:txBody>
                     <a:bodyPr/>
                     <a:lstStyle/>
                     <a:p>
+                      <a:pPr algn="ctr"/>
                       <a:r>
                         <a:rPr lang="pt-PT" sz="1200" noProof="0" dirty="0">
                           <a:solidFill>
-                            <a:schemeClr val="tx1">
-                              <a:lumMod val="75000"/>
-                              <a:lumOff val="25000"/>
-                            </a:schemeClr>
+                            <a:schemeClr val="bg1"/>
                           </a:solidFill>
                         </a:rPr>
                         <a:t>Custo</a:t>
                       </a:r>
                     </a:p>
                   </a:txBody>
-                  <a:tcPr marL="160954" marR="96573" marT="96573" marB="96573">
-                    <a:lnL w="12700" cmpd="sng">
-                      <a:noFill/>
-                      <a:prstDash val="solid"/>
-                    </a:lnL>
-                    <a:lnR w="12700" cmpd="sng">
-                      <a:noFill/>
-                      <a:prstDash val="solid"/>
-                    </a:lnR>
-                    <a:lnT w="19050" cap="flat" cmpd="sng" algn="ctr">
-                      <a:solidFill>
-                        <a:srgbClr val="8F9A9D">
-                          <a:alpha val="60000"/>
-                        </a:srgbClr>
-                      </a:solidFill>
-                      <a:prstDash val="solid"/>
-                    </a:lnT>
-                    <a:lnB w="12700" cmpd="sng">
-                      <a:noFill/>
-                      <a:prstDash val="solid"/>
-                    </a:lnB>
-                    <a:noFill/>
-                  </a:tcPr>
+                  <a:tcPr marL="160954" marR="96573" marT="96573" marB="96573" anchor="ctr"/>
                 </a:tc>
                 <a:extLst>
                   <a:ext uri="{0D108BD9-81ED-4DB2-BD59-A6C34878D82A}">
@@ -7036,283 +7078,214 @@
                   </a:ext>
                 </a:extLst>
               </a:tr>
-              <a:tr h="742911">
+              <a:tr h="856031">
                 <a:tc>
                   <a:txBody>
                     <a:bodyPr/>
                     <a:lstStyle/>
                     <a:p>
-                      <a:pPr algn="l"/>
+                      <a:pPr algn="ctr"/>
                       <a:r>
-                        <a:rPr lang="en-US" sz="900" dirty="0">
+                        <a:rPr lang="en-US" sz="1200" dirty="0">
                           <a:solidFill>
-                            <a:schemeClr val="tx1">
-                              <a:lumMod val="75000"/>
-                              <a:lumOff val="25000"/>
-                            </a:schemeClr>
+                            <a:schemeClr val="bg1"/>
                           </a:solidFill>
                         </a:rPr>
                         <a:t>Up</a:t>
                       </a:r>
-                      <a:endParaRPr lang="pt-PT" sz="900" dirty="0">
+                      <a:endParaRPr lang="pt-PT" sz="1200" dirty="0">
                         <a:solidFill>
-                          <a:schemeClr val="tx1">
-                            <a:lumMod val="75000"/>
-                            <a:lumOff val="25000"/>
-                          </a:schemeClr>
+                          <a:schemeClr val="bg1"/>
                         </a:solidFill>
                       </a:endParaRPr>
                     </a:p>
                   </a:txBody>
-                  <a:tcPr marL="160954" marR="83697" marT="83697" marB="83697">
-                    <a:lnL w="12700" cmpd="sng">
-                      <a:noFill/>
-                      <a:prstDash val="solid"/>
-                    </a:lnL>
-                    <a:lnR w="12700" cmpd="sng">
-                      <a:noFill/>
-                      <a:prstDash val="solid"/>
-                    </a:lnR>
-                    <a:lnT w="12700" cmpd="sng">
-                      <a:noFill/>
-                      <a:prstDash val="solid"/>
-                    </a:lnT>
-                    <a:lnB w="19050" cap="flat" cmpd="sng" algn="ctr">
-                      <a:solidFill>
-                        <a:srgbClr val="FFFFFF"/>
-                      </a:solidFill>
-                      <a:prstDash val="solid"/>
-                    </a:lnB>
-                    <a:solidFill>
-                      <a:srgbClr val="B4BCBE">
-                        <a:alpha val="34902"/>
-                      </a:srgbClr>
-                    </a:solidFill>
-                  </a:tcPr>
+                  <a:tcPr marL="160954" marR="83697" marT="83697" marB="83697" anchor="ctr"/>
                 </a:tc>
                 <a:tc>
                   <a:txBody>
                     <a:bodyPr/>
                     <a:lstStyle/>
                     <a:p>
+                      <a:pPr algn="ctr"/>
                       <a:r>
-                        <a:rPr lang="pt-PT" sz="900" b="0" i="0" kern="1200" dirty="0">
+                        <a:rPr lang="pt-PT" sz="1400" b="0" kern="1200" dirty="0">
                           <a:solidFill>
-                            <a:schemeClr val="tx1">
-                              <a:lumMod val="75000"/>
-                              <a:lumOff val="25000"/>
-                            </a:schemeClr>
+                            <a:schemeClr val="bg1"/>
                           </a:solidFill>
                           <a:effectLst/>
-                          <a:latin typeface="+mn-lt"/>
-                          <a:ea typeface="+mn-ea"/>
-                          <a:cs typeface="+mn-cs"/>
                         </a:rPr>
-                        <a:t>∃IZ, B[IZx,IXy-1] ∉ {“X”,”IZ”} ∧ </a:t>
+                        <a:t>∃IZ, B[ </a:t>
                       </a:r>
                       <a:r>
-                        <a:rPr lang="pt-PT" sz="900" b="0" i="0" kern="1200" dirty="0" err="1">
+                        <a:rPr lang="pt-PT" sz="1400" b="0" kern="1200" dirty="0" err="1">
                           <a:solidFill>
-                            <a:schemeClr val="tx1">
-                              <a:lumMod val="75000"/>
-                              <a:lumOff val="25000"/>
-                            </a:schemeClr>
+                            <a:schemeClr val="bg1"/>
                           </a:solidFill>
                           <a:effectLst/>
-                          <a:latin typeface="+mn-lt"/>
-                          <a:ea typeface="+mn-ea"/>
-                          <a:cs typeface="+mn-cs"/>
+                        </a:rPr>
+                        <a:t>IZx</a:t>
+                      </a:r>
+                      <a:r>
+                        <a:rPr lang="pt-PT" sz="1400" b="0" kern="1200" dirty="0">
+                          <a:solidFill>
+                            <a:schemeClr val="bg1"/>
+                          </a:solidFill>
+                          <a:effectLst/>
+                        </a:rPr>
+                        <a:t> , IZy-1 ] ∉ { “X” , ”IZ” } ∧ </a:t>
+                      </a:r>
+                      <a:r>
+                        <a:rPr lang="pt-PT" sz="1400" b="0" kern="1200" dirty="0" err="1">
+                          <a:solidFill>
+                            <a:schemeClr val="bg1"/>
+                          </a:solidFill>
+                          <a:effectLst/>
                         </a:rPr>
                         <a:t>IZy</a:t>
                       </a:r>
                       <a:r>
-                        <a:rPr lang="pt-PT" sz="900" b="0" i="0" kern="1200" dirty="0">
+                        <a:rPr lang="pt-PT" sz="1400" b="0" kern="1200" dirty="0">
                           <a:solidFill>
-                            <a:schemeClr val="tx1">
-                              <a:lumMod val="75000"/>
-                              <a:lumOff val="25000"/>
-                            </a:schemeClr>
+                            <a:schemeClr val="bg1"/>
                           </a:solidFill>
                           <a:effectLst/>
-                          <a:latin typeface="+mn-lt"/>
-                          <a:ea typeface="+mn-ea"/>
-                          <a:cs typeface="+mn-cs"/>
                         </a:rPr>
-                        <a:t>&gt;0</a:t>
+                        <a:t> &gt; 0</a:t>
                       </a:r>
-                      <a:endParaRPr lang="pt-PT" sz="900" dirty="0">
+                      <a:endParaRPr lang="pt-PT" sz="1400" dirty="0">
                         <a:solidFill>
-                          <a:schemeClr val="tx1">
-                            <a:lumMod val="75000"/>
-                            <a:lumOff val="25000"/>
-                          </a:schemeClr>
+                          <a:schemeClr val="bg1"/>
                         </a:solidFill>
                       </a:endParaRPr>
                     </a:p>
                   </a:txBody>
-                  <a:tcPr marL="160954" marR="83697" marT="83697" marB="83697">
-                    <a:lnL w="12700" cmpd="sng">
-                      <a:noFill/>
-                      <a:prstDash val="solid"/>
-                    </a:lnL>
-                    <a:lnR w="12700" cmpd="sng">
-                      <a:noFill/>
-                      <a:prstDash val="solid"/>
-                    </a:lnR>
-                    <a:lnT w="12700" cmpd="sng">
-                      <a:noFill/>
-                      <a:prstDash val="solid"/>
-                    </a:lnT>
-                    <a:lnB w="19050" cap="flat" cmpd="sng" algn="ctr">
-                      <a:solidFill>
-                        <a:srgbClr val="FFFFFF"/>
-                      </a:solidFill>
-                      <a:prstDash val="solid"/>
-                    </a:lnB>
-                    <a:solidFill>
-                      <a:srgbClr val="B4BCBE">
-                        <a:alpha val="34902"/>
-                      </a:srgbClr>
-                    </a:solidFill>
-                  </a:tcPr>
+                  <a:tcPr marL="160954" marR="83697" marT="83697" marB="83697" anchor="ctr"/>
                 </a:tc>
                 <a:tc>
                   <a:txBody>
                     <a:bodyPr/>
                     <a:lstStyle/>
                     <a:p>
+                      <a:pPr algn="ctr"/>
                       <a:r>
-                        <a:rPr lang="pt-PT" sz="900" b="0" i="0" kern="1200" dirty="0">
+                        <a:rPr lang="pt-PT" sz="1400" b="0" kern="1200" dirty="0">
                           <a:solidFill>
-                            <a:schemeClr val="tx1">
-                              <a:lumMod val="75000"/>
-                              <a:lumOff val="25000"/>
-                            </a:schemeClr>
+                            <a:schemeClr val="bg1"/>
                           </a:solidFill>
                           <a:effectLst/>
-                          <a:latin typeface="+mn-lt"/>
-                          <a:ea typeface="+mn-ea"/>
-                          <a:cs typeface="+mn-cs"/>
                         </a:rPr>
                         <a:t>∀IZ, </a:t>
                       </a:r>
+                    </a:p>
+                    <a:p>
+                      <a:pPr algn="ctr"/>
                       <a:r>
-                        <a:rPr lang="pt-PT" sz="900" b="0" i="0" kern="1200" dirty="0" err="1">
+                        <a:rPr lang="pt-PT" sz="1400" b="0" i="1" kern="1200" dirty="0" err="1">
                           <a:solidFill>
-                            <a:schemeClr val="tx1">
-                              <a:lumMod val="75000"/>
-                              <a:lumOff val="25000"/>
-                            </a:schemeClr>
+                            <a:schemeClr val="bg1"/>
                           </a:solidFill>
                           <a:effectLst/>
-                          <a:latin typeface="+mn-lt"/>
-                          <a:ea typeface="+mn-ea"/>
-                          <a:cs typeface="+mn-cs"/>
                         </a:rPr>
                         <a:t>While</a:t>
                       </a:r>
                       <a:r>
-                        <a:rPr lang="pt-PT" sz="900" b="0" i="0" kern="1200" dirty="0">
+                        <a:rPr lang="pt-PT" sz="1400" b="0" kern="1200" dirty="0">
                           <a:solidFill>
-                            <a:schemeClr val="tx1">
-                              <a:lumMod val="75000"/>
-                              <a:lumOff val="25000"/>
-                            </a:schemeClr>
+                            <a:schemeClr val="bg1"/>
                           </a:solidFill>
                           <a:effectLst/>
-                          <a:latin typeface="+mn-lt"/>
-                          <a:ea typeface="+mn-ea"/>
-                          <a:cs typeface="+mn-cs"/>
                         </a:rPr>
-                        <a:t>(B[IZx-1,IZy] ∉ {“X”,”IZ”}) do B[IZx,IXy-1]=IZ</a:t>
+                        <a:t> (B[ IZx-1, </a:t>
                       </a:r>
-                      <a:endParaRPr lang="pt-PT" sz="900" dirty="0">
+                      <a:r>
+                        <a:rPr lang="pt-PT" sz="1400" b="0" kern="1200" dirty="0" err="1">
+                          <a:solidFill>
+                            <a:schemeClr val="bg1"/>
+                          </a:solidFill>
+                          <a:effectLst/>
+                        </a:rPr>
+                        <a:t>IZy</a:t>
+                      </a:r>
+                      <a:r>
+                        <a:rPr lang="pt-PT" sz="1400" b="0" kern="1200" dirty="0">
+                          <a:solidFill>
+                            <a:schemeClr val="bg1"/>
+                          </a:solidFill>
+                          <a:effectLst/>
+                        </a:rPr>
+                        <a:t> ] ∉ { “X” , ”IY” }) </a:t>
+                      </a:r>
+                    </a:p>
+                    <a:p>
+                      <a:pPr algn="ctr"/>
+                      <a:r>
+                        <a:rPr lang="pt-PT" sz="1400" b="0" i="1" kern="1200" dirty="0">
+                          <a:solidFill>
+                            <a:schemeClr val="bg1"/>
+                          </a:solidFill>
+                          <a:effectLst/>
+                        </a:rPr>
+                        <a:t>do</a:t>
+                      </a:r>
+                      <a:r>
+                        <a:rPr lang="pt-PT" sz="1400" b="0" kern="1200" dirty="0">
+                          <a:solidFill>
+                            <a:schemeClr val="bg1"/>
+                          </a:solidFill>
+                          <a:effectLst/>
+                        </a:rPr>
+                        <a:t> B[ </a:t>
+                      </a:r>
+                      <a:r>
+                        <a:rPr lang="pt-PT" sz="1400" b="0" kern="1200" dirty="0" err="1">
+                          <a:solidFill>
+                            <a:schemeClr val="bg1"/>
+                          </a:solidFill>
+                          <a:effectLst/>
+                        </a:rPr>
+                        <a:t>Izx</a:t>
+                      </a:r>
+                      <a:r>
+                        <a:rPr lang="pt-PT" sz="1400" b="0" kern="1200" dirty="0">
+                          <a:solidFill>
+                            <a:schemeClr val="bg1"/>
+                          </a:solidFill>
+                          <a:effectLst/>
+                        </a:rPr>
+                        <a:t> , IXy-1 ]=IZ</a:t>
+                      </a:r>
+                      <a:endParaRPr lang="pt-PT" sz="1400" dirty="0">
                         <a:solidFill>
-                          <a:schemeClr val="tx1">
-                            <a:lumMod val="75000"/>
-                            <a:lumOff val="25000"/>
-                          </a:schemeClr>
+                          <a:schemeClr val="bg1"/>
                         </a:solidFill>
                       </a:endParaRPr>
                     </a:p>
                   </a:txBody>
-                  <a:tcPr marL="160954" marR="83697" marT="83697" marB="83697">
-                    <a:lnL w="12700" cmpd="sng">
-                      <a:noFill/>
-                      <a:prstDash val="solid"/>
-                    </a:lnL>
-                    <a:lnR w="12700" cmpd="sng">
-                      <a:noFill/>
-                      <a:prstDash val="solid"/>
-                    </a:lnR>
-                    <a:lnT w="12700" cmpd="sng">
-                      <a:noFill/>
-                      <a:prstDash val="solid"/>
-                    </a:lnT>
-                    <a:lnB w="19050" cap="flat" cmpd="sng" algn="ctr">
-                      <a:solidFill>
-                        <a:srgbClr val="FFFFFF"/>
-                      </a:solidFill>
-                      <a:prstDash val="solid"/>
-                    </a:lnB>
-                    <a:solidFill>
-                      <a:srgbClr val="B4BCBE">
-                        <a:alpha val="34902"/>
-                      </a:srgbClr>
-                    </a:solidFill>
-                  </a:tcPr>
+                  <a:tcPr marL="160954" marR="83697" marT="83697" marB="83697" anchor="ctr"/>
                 </a:tc>
                 <a:tc>
                   <a:txBody>
                     <a:bodyPr/>
                     <a:lstStyle/>
                     <a:p>
+                      <a:pPr algn="ctr"/>
                       <a:r>
-                        <a:rPr lang="en-US" sz="900">
+                        <a:rPr lang="en-US" sz="1200">
                           <a:solidFill>
-                            <a:schemeClr val="tx1">
-                              <a:lumMod val="75000"/>
-                              <a:lumOff val="25000"/>
-                            </a:schemeClr>
+                            <a:schemeClr val="bg1"/>
                           </a:solidFill>
                         </a:rPr>
                         <a:t>1</a:t>
                       </a:r>
-                      <a:endParaRPr lang="pt-PT" sz="900">
+                      <a:endParaRPr lang="pt-PT" sz="1200">
                         <a:solidFill>
-                          <a:schemeClr val="tx1">
-                            <a:lumMod val="75000"/>
-                            <a:lumOff val="25000"/>
-                          </a:schemeClr>
+                          <a:schemeClr val="bg1"/>
                         </a:solidFill>
                       </a:endParaRPr>
                     </a:p>
                   </a:txBody>
-                  <a:tcPr marL="160954" marR="83697" marT="83697" marB="83697">
-                    <a:lnL w="12700" cmpd="sng">
-                      <a:noFill/>
-                      <a:prstDash val="solid"/>
-                    </a:lnL>
-                    <a:lnR w="12700" cmpd="sng">
-                      <a:noFill/>
-                      <a:prstDash val="solid"/>
-                    </a:lnR>
-                    <a:lnT w="12700" cmpd="sng">
-                      <a:noFill/>
-                      <a:prstDash val="solid"/>
-                    </a:lnT>
-                    <a:lnB w="19050" cap="flat" cmpd="sng" algn="ctr">
-                      <a:solidFill>
-                        <a:srgbClr val="FFFFFF"/>
-                      </a:solidFill>
-                      <a:prstDash val="solid"/>
-                    </a:lnB>
-                    <a:solidFill>
-                      <a:srgbClr val="B4BCBE">
-                        <a:alpha val="34902"/>
-                      </a:srgbClr>
-                    </a:solidFill>
-                  </a:tcPr>
+                  <a:tcPr marL="160954" marR="83697" marT="83697" marB="83697" anchor="ctr"/>
                 </a:tc>
                 <a:extLst>
                   <a:ext uri="{0D108BD9-81ED-4DB2-BD59-A6C34878D82A}">
@@ -7320,170 +7293,123 @@
                   </a:ext>
                 </a:extLst>
               </a:tr>
-              <a:tr h="911654">
+              <a:tr h="1050468">
                 <a:tc>
                   <a:txBody>
                     <a:bodyPr/>
                     <a:lstStyle/>
                     <a:p>
+                      <a:pPr algn="ctr"/>
                       <a:r>
-                        <a:rPr lang="en-US" sz="900" dirty="0">
+                        <a:rPr lang="en-US" sz="1200" dirty="0">
                           <a:solidFill>
-                            <a:schemeClr val="tx1">
-                              <a:lumMod val="75000"/>
-                              <a:lumOff val="25000"/>
-                            </a:schemeClr>
+                            <a:schemeClr val="bg1"/>
                           </a:solidFill>
                         </a:rPr>
                         <a:t>Down</a:t>
                       </a:r>
-                      <a:endParaRPr lang="pt-PT" sz="900" dirty="0">
+                      <a:endParaRPr lang="pt-PT" sz="1200" dirty="0">
                         <a:solidFill>
-                          <a:schemeClr val="tx1">
-                            <a:lumMod val="75000"/>
-                            <a:lumOff val="25000"/>
-                          </a:schemeClr>
+                          <a:schemeClr val="bg1"/>
                         </a:solidFill>
                       </a:endParaRPr>
                     </a:p>
                   </a:txBody>
-                  <a:tcPr marL="160954" marR="83697" marT="83697" marB="83697">
-                    <a:lnL w="12700" cmpd="sng">
-                      <a:noFill/>
-                      <a:prstDash val="solid"/>
-                    </a:lnL>
-                    <a:lnR w="12700" cmpd="sng">
-                      <a:noFill/>
-                      <a:prstDash val="solid"/>
-                    </a:lnR>
-                    <a:lnT w="19050" cap="flat" cmpd="sng" algn="ctr">
-                      <a:solidFill>
-                        <a:srgbClr val="FFFFFF"/>
-                      </a:solidFill>
-                      <a:prstDash val="solid"/>
-                    </a:lnT>
-                    <a:lnB w="19050" cap="flat" cmpd="sng" algn="ctr">
-                      <a:solidFill>
-                        <a:srgbClr val="FFFFFF"/>
-                      </a:solidFill>
-                      <a:prstDash val="solid"/>
-                    </a:lnB>
-                    <a:solidFill>
-                      <a:srgbClr val="B4BCBE">
-                        <a:alpha val="34902"/>
-                      </a:srgbClr>
-                    </a:solidFill>
-                  </a:tcPr>
+                  <a:tcPr marL="160954" marR="83697" marT="83697" marB="83697" anchor="ctr"/>
                 </a:tc>
                 <a:tc>
                   <a:txBody>
                     <a:bodyPr/>
                     <a:lstStyle/>
                     <a:p>
+                      <a:pPr algn="ctr"/>
                       <a:r>
-                        <a:rPr lang="pt-PT" sz="900" b="0" i="0" kern="1200" dirty="0">
+                        <a:rPr lang="pt-PT" sz="1400" b="0" kern="1200" dirty="0">
                           <a:solidFill>
-                            <a:schemeClr val="tx1">
-                              <a:lumMod val="75000"/>
-                              <a:lumOff val="25000"/>
-                            </a:schemeClr>
+                            <a:schemeClr val="bg1"/>
                           </a:solidFill>
                           <a:effectLst/>
-                          <a:latin typeface="+mn-lt"/>
-                          <a:ea typeface="+mn-ea"/>
-                          <a:cs typeface="+mn-cs"/>
                         </a:rPr>
-                        <a:t>∃IZ, B[IZx,Ixy+1] ∉ {“X”,”IZ”} ∧ </a:t>
+                        <a:t>∃IZ, B[ </a:t>
                       </a:r>
                       <a:r>
-                        <a:rPr lang="pt-PT" sz="900" b="0" i="0" kern="1200" dirty="0" err="1">
+                        <a:rPr lang="pt-PT" sz="1400" b="0" kern="1200" dirty="0" err="1">
                           <a:solidFill>
-                            <a:schemeClr val="tx1">
-                              <a:lumMod val="75000"/>
-                              <a:lumOff val="25000"/>
-                            </a:schemeClr>
+                            <a:schemeClr val="bg1"/>
                           </a:solidFill>
                           <a:effectLst/>
-                          <a:latin typeface="+mn-lt"/>
-                          <a:ea typeface="+mn-ea"/>
-                          <a:cs typeface="+mn-cs"/>
+                        </a:rPr>
+                        <a:t>IZx</a:t>
+                      </a:r>
+                      <a:r>
+                        <a:rPr lang="pt-PT" sz="1400" b="0" kern="1200" dirty="0">
+                          <a:solidFill>
+                            <a:schemeClr val="bg1"/>
+                          </a:solidFill>
+                          <a:effectLst/>
+                        </a:rPr>
+                        <a:t> , </a:t>
+                      </a:r>
+                      <a:r>
+                        <a:rPr lang="pt-PT" sz="1400" b="0" kern="1200" dirty="0" err="1">
+                          <a:solidFill>
+                            <a:schemeClr val="bg1"/>
+                          </a:solidFill>
+                          <a:effectLst/>
+                        </a:rPr>
+                        <a:t>Ixy</a:t>
+                      </a:r>
+                      <a:r>
+                        <a:rPr lang="pt-PT" sz="1400" b="0" kern="1200" dirty="0">
+                          <a:solidFill>
+                            <a:schemeClr val="bg1"/>
+                          </a:solidFill>
+                          <a:effectLst/>
+                        </a:rPr>
+                        <a:t> + 1 ] ∉ { “X” , ”IZ” } ∧ </a:t>
+                      </a:r>
+                      <a:r>
+                        <a:rPr lang="pt-PT" sz="1400" b="0" kern="1200" dirty="0" err="1">
+                          <a:solidFill>
+                            <a:schemeClr val="bg1"/>
+                          </a:solidFill>
+                          <a:effectLst/>
                         </a:rPr>
                         <a:t>IZy</a:t>
                       </a:r>
                       <a:r>
-                        <a:rPr lang="pt-PT" sz="900" b="0" i="0" kern="1200" dirty="0">
+                        <a:rPr lang="pt-PT" sz="1400" b="0" kern="1200" dirty="0">
                           <a:solidFill>
-                            <a:schemeClr val="tx1">
-                              <a:lumMod val="75000"/>
-                              <a:lumOff val="25000"/>
-                            </a:schemeClr>
+                            <a:schemeClr val="bg1"/>
                           </a:solidFill>
                           <a:effectLst/>
-                          <a:latin typeface="+mn-lt"/>
-                          <a:ea typeface="+mn-ea"/>
-                          <a:cs typeface="+mn-cs"/>
                         </a:rPr>
-                        <a:t>&lt;</a:t>
+                        <a:t> &lt; </a:t>
                       </a:r>
                       <a:r>
-                        <a:rPr lang="pt-PT" sz="900" b="0" i="0" kern="1200" dirty="0" err="1">
+                        <a:rPr lang="pt-PT" sz="1400" b="0" kern="1200" dirty="0" err="1">
                           <a:solidFill>
-                            <a:schemeClr val="tx1">
-                              <a:lumMod val="75000"/>
-                              <a:lumOff val="25000"/>
-                            </a:schemeClr>
+                            <a:schemeClr val="bg1"/>
                           </a:solidFill>
                           <a:effectLst/>
-                          <a:latin typeface="+mn-lt"/>
-                          <a:ea typeface="+mn-ea"/>
-                          <a:cs typeface="+mn-cs"/>
                         </a:rPr>
                         <a:t>B.size</a:t>
                       </a:r>
-                      <a:endParaRPr lang="pt-PT" sz="900" dirty="0">
+                      <a:endParaRPr lang="pt-PT" sz="1400" dirty="0">
                         <a:solidFill>
-                          <a:schemeClr val="tx1">
-                            <a:lumMod val="75000"/>
-                            <a:lumOff val="25000"/>
-                          </a:schemeClr>
+                          <a:schemeClr val="bg1"/>
                         </a:solidFill>
                       </a:endParaRPr>
                     </a:p>
                   </a:txBody>
-                  <a:tcPr marL="160954" marR="83697" marT="83697" marB="83697">
-                    <a:lnL w="12700" cmpd="sng">
-                      <a:noFill/>
-                      <a:prstDash val="solid"/>
-                    </a:lnL>
-                    <a:lnR w="12700" cmpd="sng">
-                      <a:noFill/>
-                      <a:prstDash val="solid"/>
-                    </a:lnR>
-                    <a:lnT w="19050" cap="flat" cmpd="sng" algn="ctr">
-                      <a:solidFill>
-                        <a:srgbClr val="FFFFFF"/>
-                      </a:solidFill>
-                      <a:prstDash val="solid"/>
-                    </a:lnT>
-                    <a:lnB w="19050" cap="flat" cmpd="sng" algn="ctr">
-                      <a:solidFill>
-                        <a:srgbClr val="FFFFFF"/>
-                      </a:solidFill>
-                      <a:prstDash val="solid"/>
-                    </a:lnB>
-                    <a:solidFill>
-                      <a:srgbClr val="B4BCBE">
-                        <a:alpha val="34902"/>
-                      </a:srgbClr>
-                    </a:solidFill>
-                  </a:tcPr>
+                  <a:tcPr marL="160954" marR="83697" marT="83697" marB="83697" anchor="ctr"/>
                 </a:tc>
                 <a:tc>
                   <a:txBody>
                     <a:bodyPr/>
                     <a:lstStyle/>
                     <a:p>
-                      <a:pPr marL="0" marR="0" lvl="0" indent="0" algn="l" defTabSz="914400" rtl="0" eaLnBrk="1" fontAlgn="auto" latinLnBrk="0" hangingPunct="1">
+                      <a:pPr marL="0" marR="0" lvl="0" indent="0" algn="ctr" defTabSz="914400" rtl="0" eaLnBrk="1" fontAlgn="auto" latinLnBrk="0" hangingPunct="1">
                         <a:lnSpc>
                           <a:spcPct val="100000"/>
                         </a:lnSpc>
@@ -7501,307 +7427,17 @@
                         <a:defRPr/>
                       </a:pPr>
                       <a:r>
-                        <a:rPr lang="pt-PT" sz="900" b="0" i="0" kern="1200" dirty="0">
+                        <a:rPr lang="pt-PT" sz="1400" b="0" kern="1200" dirty="0">
                           <a:solidFill>
-                            <a:schemeClr val="tx1">
-                              <a:lumMod val="75000"/>
-                              <a:lumOff val="25000"/>
-                            </a:schemeClr>
+                            <a:schemeClr val="bg1"/>
                           </a:solidFill>
                           <a:effectLst/>
-                          <a:latin typeface="+mn-lt"/>
-                          <a:ea typeface="+mn-ea"/>
-                          <a:cs typeface="+mn-cs"/>
                         </a:rPr>
                         <a:t>∀IZ, </a:t>
                       </a:r>
-                      <a:r>
-                        <a:rPr lang="pt-PT" sz="900" b="0" i="0" kern="1200" dirty="0" err="1">
-                          <a:solidFill>
-                            <a:schemeClr val="tx1">
-                              <a:lumMod val="75000"/>
-                              <a:lumOff val="25000"/>
-                            </a:schemeClr>
-                          </a:solidFill>
-                          <a:effectLst/>
-                          <a:latin typeface="+mn-lt"/>
-                          <a:ea typeface="+mn-ea"/>
-                          <a:cs typeface="+mn-cs"/>
-                        </a:rPr>
-                        <a:t>While</a:t>
-                      </a:r>
-                      <a:r>
-                        <a:rPr lang="pt-PT" sz="900" b="0" i="0" kern="1200" dirty="0">
-                          <a:solidFill>
-                            <a:schemeClr val="tx1">
-                              <a:lumMod val="75000"/>
-                              <a:lumOff val="25000"/>
-                            </a:schemeClr>
-                          </a:solidFill>
-                          <a:effectLst/>
-                          <a:latin typeface="+mn-lt"/>
-                          <a:ea typeface="+mn-ea"/>
-                          <a:cs typeface="+mn-cs"/>
-                        </a:rPr>
-                        <a:t>(B[IZx+1,IZy] ∉ {“X”,”IZ”}) do  B[IZx,IXy+1]=IZ</a:t>
-                      </a:r>
-                      <a:endParaRPr lang="pt-PT" sz="900" dirty="0">
-                        <a:solidFill>
-                          <a:schemeClr val="tx1">
-                            <a:lumMod val="75000"/>
-                            <a:lumOff val="25000"/>
-                          </a:schemeClr>
-                        </a:solidFill>
-                      </a:endParaRPr>
                     </a:p>
                     <a:p>
-                      <a:endParaRPr lang="pt-PT" sz="900" dirty="0">
-                        <a:solidFill>
-                          <a:schemeClr val="tx1">
-                            <a:lumMod val="75000"/>
-                            <a:lumOff val="25000"/>
-                          </a:schemeClr>
-                        </a:solidFill>
-                      </a:endParaRPr>
-                    </a:p>
-                  </a:txBody>
-                  <a:tcPr marL="160954" marR="83697" marT="83697" marB="83697">
-                    <a:lnL w="12700" cmpd="sng">
-                      <a:noFill/>
-                      <a:prstDash val="solid"/>
-                    </a:lnL>
-                    <a:lnR w="12700" cmpd="sng">
-                      <a:noFill/>
-                      <a:prstDash val="solid"/>
-                    </a:lnR>
-                    <a:lnT w="19050" cap="flat" cmpd="sng" algn="ctr">
-                      <a:solidFill>
-                        <a:srgbClr val="FFFFFF"/>
-                      </a:solidFill>
-                      <a:prstDash val="solid"/>
-                    </a:lnT>
-                    <a:lnB w="19050" cap="flat" cmpd="sng" algn="ctr">
-                      <a:solidFill>
-                        <a:srgbClr val="FFFFFF"/>
-                      </a:solidFill>
-                      <a:prstDash val="solid"/>
-                    </a:lnB>
-                    <a:solidFill>
-                      <a:srgbClr val="B4BCBE">
-                        <a:alpha val="34902"/>
-                      </a:srgbClr>
-                    </a:solidFill>
-                  </a:tcPr>
-                </a:tc>
-                <a:tc>
-                  <a:txBody>
-                    <a:bodyPr/>
-                    <a:lstStyle/>
-                    <a:p>
-                      <a:r>
-                        <a:rPr lang="en-US" sz="900" dirty="0">
-                          <a:solidFill>
-                            <a:schemeClr val="tx1">
-                              <a:lumMod val="75000"/>
-                              <a:lumOff val="25000"/>
-                            </a:schemeClr>
-                          </a:solidFill>
-                        </a:rPr>
-                        <a:t>1</a:t>
-                      </a:r>
-                      <a:endParaRPr lang="pt-PT" sz="900" dirty="0">
-                        <a:solidFill>
-                          <a:schemeClr val="tx1">
-                            <a:lumMod val="75000"/>
-                            <a:lumOff val="25000"/>
-                          </a:schemeClr>
-                        </a:solidFill>
-                      </a:endParaRPr>
-                    </a:p>
-                  </a:txBody>
-                  <a:tcPr marL="160954" marR="83697" marT="83697" marB="83697">
-                    <a:lnL w="12700" cmpd="sng">
-                      <a:noFill/>
-                      <a:prstDash val="solid"/>
-                    </a:lnL>
-                    <a:lnR w="12700" cmpd="sng">
-                      <a:noFill/>
-                      <a:prstDash val="solid"/>
-                    </a:lnR>
-                    <a:lnT w="19050" cap="flat" cmpd="sng" algn="ctr">
-                      <a:solidFill>
-                        <a:srgbClr val="FFFFFF"/>
-                      </a:solidFill>
-                      <a:prstDash val="solid"/>
-                    </a:lnT>
-                    <a:lnB w="19050" cap="flat" cmpd="sng" algn="ctr">
-                      <a:solidFill>
-                        <a:srgbClr val="FFFFFF"/>
-                      </a:solidFill>
-                      <a:prstDash val="solid"/>
-                    </a:lnB>
-                    <a:solidFill>
-                      <a:srgbClr val="B4BCBE">
-                        <a:alpha val="34902"/>
-                      </a:srgbClr>
-                    </a:solidFill>
-                  </a:tcPr>
-                </a:tc>
-                <a:extLst>
-                  <a:ext uri="{0D108BD9-81ED-4DB2-BD59-A6C34878D82A}">
-                    <a16:rowId xmlns:a16="http://schemas.microsoft.com/office/drawing/2014/main" val="3673022739"/>
-                  </a:ext>
-                </a:extLst>
-              </a:tr>
-              <a:tr h="911654">
-                <a:tc>
-                  <a:txBody>
-                    <a:bodyPr/>
-                    <a:lstStyle/>
-                    <a:p>
-                      <a:r>
-                        <a:rPr lang="en-US" sz="900">
-                          <a:solidFill>
-                            <a:schemeClr val="tx1">
-                              <a:lumMod val="75000"/>
-                              <a:lumOff val="25000"/>
-                            </a:schemeClr>
-                          </a:solidFill>
-                        </a:rPr>
-                        <a:t>Left</a:t>
-                      </a:r>
-                      <a:endParaRPr lang="pt-PT" sz="900">
-                        <a:solidFill>
-                          <a:schemeClr val="tx1">
-                            <a:lumMod val="75000"/>
-                            <a:lumOff val="25000"/>
-                          </a:schemeClr>
-                        </a:solidFill>
-                      </a:endParaRPr>
-                    </a:p>
-                  </a:txBody>
-                  <a:tcPr marL="160954" marR="83697" marT="83697" marB="83697">
-                    <a:lnL w="12700" cmpd="sng">
-                      <a:noFill/>
-                      <a:prstDash val="solid"/>
-                    </a:lnL>
-                    <a:lnR w="12700" cmpd="sng">
-                      <a:noFill/>
-                      <a:prstDash val="solid"/>
-                    </a:lnR>
-                    <a:lnT w="19050" cap="flat" cmpd="sng" algn="ctr">
-                      <a:solidFill>
-                        <a:srgbClr val="FFFFFF"/>
-                      </a:solidFill>
-                      <a:prstDash val="solid"/>
-                    </a:lnT>
-                    <a:lnB w="19050" cap="flat" cmpd="sng" algn="ctr">
-                      <a:solidFill>
-                        <a:srgbClr val="FFFFFF"/>
-                      </a:solidFill>
-                      <a:prstDash val="solid"/>
-                    </a:lnB>
-                    <a:solidFill>
-                      <a:srgbClr val="B4BCBE">
-                        <a:alpha val="34902"/>
-                      </a:srgbClr>
-                    </a:solidFill>
-                  </a:tcPr>
-                </a:tc>
-                <a:tc>
-                  <a:txBody>
-                    <a:bodyPr/>
-                    <a:lstStyle/>
-                    <a:p>
-                      <a:r>
-                        <a:rPr lang="pt-PT" sz="900" b="0" i="0" kern="1200" dirty="0">
-                          <a:solidFill>
-                            <a:schemeClr val="tx1">
-                              <a:lumMod val="75000"/>
-                              <a:lumOff val="25000"/>
-                            </a:schemeClr>
-                          </a:solidFill>
-                          <a:effectLst/>
-                          <a:latin typeface="+mn-lt"/>
-                          <a:ea typeface="+mn-ea"/>
-                          <a:cs typeface="+mn-cs"/>
-                        </a:rPr>
-                        <a:t>∃IZ, B[Izx-1,IXy] ∉ {“X”,”IZ”} ∧ </a:t>
-                      </a:r>
-                      <a:r>
-                        <a:rPr lang="pt-PT" sz="900" b="0" i="0" kern="1200" dirty="0" err="1">
-                          <a:solidFill>
-                            <a:schemeClr val="tx1">
-                              <a:lumMod val="75000"/>
-                              <a:lumOff val="25000"/>
-                            </a:schemeClr>
-                          </a:solidFill>
-                          <a:effectLst/>
-                          <a:latin typeface="+mn-lt"/>
-                          <a:ea typeface="+mn-ea"/>
-                          <a:cs typeface="+mn-cs"/>
-                        </a:rPr>
-                        <a:t>IZx</a:t>
-                      </a:r>
-                      <a:r>
-                        <a:rPr lang="pt-PT" sz="900" b="0" i="0" kern="1200" dirty="0">
-                          <a:solidFill>
-                            <a:schemeClr val="tx1">
-                              <a:lumMod val="75000"/>
-                              <a:lumOff val="25000"/>
-                            </a:schemeClr>
-                          </a:solidFill>
-                          <a:effectLst/>
-                          <a:latin typeface="+mn-lt"/>
-                          <a:ea typeface="+mn-ea"/>
-                          <a:cs typeface="+mn-cs"/>
-                        </a:rPr>
-                        <a:t>&gt;0</a:t>
-                      </a:r>
-                      <a:endParaRPr lang="pt-PT" sz="900" dirty="0">
-                        <a:solidFill>
-                          <a:schemeClr val="tx1">
-                            <a:lumMod val="75000"/>
-                            <a:lumOff val="25000"/>
-                          </a:schemeClr>
-                        </a:solidFill>
-                      </a:endParaRPr>
-                    </a:p>
-                  </a:txBody>
-                  <a:tcPr marL="160954" marR="83697" marT="83697" marB="83697">
-                    <a:lnL w="12700" cmpd="sng">
-                      <a:noFill/>
-                      <a:prstDash val="solid"/>
-                    </a:lnL>
-                    <a:lnR w="12700" cmpd="sng">
-                      <a:noFill/>
-                      <a:prstDash val="solid"/>
-                    </a:lnR>
-                    <a:lnT w="19050" cap="flat" cmpd="sng" algn="ctr">
-                      <a:solidFill>
-                        <a:srgbClr val="FFFFFF"/>
-                      </a:solidFill>
-                      <a:prstDash val="solid"/>
-                    </a:lnT>
-                    <a:lnB w="19050" cap="flat" cmpd="sng" algn="ctr">
-                      <a:solidFill>
-                        <a:srgbClr val="FFFFFF"/>
-                      </a:solidFill>
-                      <a:prstDash val="solid"/>
-                    </a:lnB>
-                    <a:solidFill>
-                      <a:srgbClr val="B4BCBE">
-                        <a:alpha val="34902"/>
-                      </a:srgbClr>
-                    </a:solidFill>
-                  </a:tcPr>
-                </a:tc>
-                <a:tc>
-                  <a:txBody>
-                    <a:bodyPr/>
-                    <a:lstStyle/>
-                    <a:p>
-                      <a:pPr marL="0" marR="0" lvl="0" indent="0" algn="l" defTabSz="914400" rtl="0" eaLnBrk="1" fontAlgn="auto" latinLnBrk="0" hangingPunct="1">
+                      <a:pPr marL="0" marR="0" lvl="0" indent="0" algn="ctr" defTabSz="914400" rtl="0" eaLnBrk="1" fontAlgn="auto" latinLnBrk="0" hangingPunct="1">
                         <a:lnSpc>
                           <a:spcPct val="100000"/>
                         </a:lnSpc>
@@ -7819,219 +7455,26 @@
                         <a:defRPr/>
                       </a:pPr>
                       <a:r>
-                        <a:rPr lang="pt-PT" sz="900" b="0" i="0" kern="1200" dirty="0">
+                        <a:rPr lang="pt-PT" sz="1400" b="0" i="1" kern="1200" dirty="0" err="1">
                           <a:solidFill>
-                            <a:schemeClr val="tx1">
-                              <a:lumMod val="75000"/>
-                              <a:lumOff val="25000"/>
-                            </a:schemeClr>
+                            <a:schemeClr val="bg1"/>
                           </a:solidFill>
                           <a:effectLst/>
-                          <a:latin typeface="+mn-lt"/>
-                          <a:ea typeface="+mn-ea"/>
-                          <a:cs typeface="+mn-cs"/>
-                        </a:rPr>
-                        <a:t>∀IZ, </a:t>
-                      </a:r>
-                      <a:r>
-                        <a:rPr lang="pt-PT" sz="900" b="0" i="0" kern="1200" dirty="0" err="1">
-                          <a:solidFill>
-                            <a:schemeClr val="tx1">
-                              <a:lumMod val="75000"/>
-                              <a:lumOff val="25000"/>
-                            </a:schemeClr>
-                          </a:solidFill>
-                          <a:effectLst/>
-                          <a:latin typeface="+mn-lt"/>
-                          <a:ea typeface="+mn-ea"/>
-                          <a:cs typeface="+mn-cs"/>
                         </a:rPr>
                         <a:t>While</a:t>
                       </a:r>
                       <a:r>
-                        <a:rPr lang="pt-PT" sz="900" b="0" i="0" kern="1200" dirty="0">
+                        <a:rPr lang="pt-PT" sz="1400" b="0" kern="1200" dirty="0">
                           <a:solidFill>
-                            <a:schemeClr val="tx1">
-                              <a:lumMod val="75000"/>
-                              <a:lumOff val="25000"/>
-                            </a:schemeClr>
+                            <a:schemeClr val="bg1"/>
                           </a:solidFill>
                           <a:effectLst/>
-                          <a:latin typeface="+mn-lt"/>
-                          <a:ea typeface="+mn-ea"/>
-                          <a:cs typeface="+mn-cs"/>
                         </a:rPr>
-                        <a:t>(B[IZx,IZy-1] ∉ {“X”,”IZ”}) do B[IZx-1,IXy]=IZ</a:t>
+                        <a:t> (B[ IZx+1,Izy ] ∉ { “X” ,”IY”}) </a:t>
                       </a:r>
-                      <a:endParaRPr lang="pt-PT" sz="900" dirty="0">
-                        <a:solidFill>
-                          <a:schemeClr val="tx1">
-                            <a:lumMod val="75000"/>
-                            <a:lumOff val="25000"/>
-                          </a:schemeClr>
-                        </a:solidFill>
-                      </a:endParaRPr>
                     </a:p>
                     <a:p>
-                      <a:endParaRPr lang="pt-PT" sz="900" dirty="0">
-                        <a:solidFill>
-                          <a:schemeClr val="tx1">
-                            <a:lumMod val="75000"/>
-                            <a:lumOff val="25000"/>
-                          </a:schemeClr>
-                        </a:solidFill>
-                      </a:endParaRPr>
-                    </a:p>
-                  </a:txBody>
-                  <a:tcPr marL="160954" marR="83697" marT="83697" marB="83697">
-                    <a:lnL w="12700" cmpd="sng">
-                      <a:noFill/>
-                      <a:prstDash val="solid"/>
-                    </a:lnL>
-                    <a:lnR w="12700" cmpd="sng">
-                      <a:noFill/>
-                      <a:prstDash val="solid"/>
-                    </a:lnR>
-                    <a:lnT w="19050" cap="flat" cmpd="sng" algn="ctr">
-                      <a:solidFill>
-                        <a:srgbClr val="FFFFFF"/>
-                      </a:solidFill>
-                      <a:prstDash val="solid"/>
-                    </a:lnT>
-                    <a:lnB w="19050" cap="flat" cmpd="sng" algn="ctr">
-                      <a:solidFill>
-                        <a:srgbClr val="FFFFFF"/>
-                      </a:solidFill>
-                      <a:prstDash val="solid"/>
-                    </a:lnB>
-                    <a:solidFill>
-                      <a:srgbClr val="B4BCBE">
-                        <a:alpha val="34902"/>
-                      </a:srgbClr>
-                    </a:solidFill>
-                  </a:tcPr>
-                </a:tc>
-                <a:tc>
-                  <a:txBody>
-                    <a:bodyPr/>
-                    <a:lstStyle/>
-                    <a:p>
-                      <a:r>
-                        <a:rPr lang="en-US" sz="900">
-                          <a:solidFill>
-                            <a:schemeClr val="tx1">
-                              <a:lumMod val="75000"/>
-                              <a:lumOff val="25000"/>
-                            </a:schemeClr>
-                          </a:solidFill>
-                        </a:rPr>
-                        <a:t>1</a:t>
-                      </a:r>
-                      <a:endParaRPr lang="pt-PT" sz="900">
-                        <a:solidFill>
-                          <a:schemeClr val="tx1">
-                            <a:lumMod val="75000"/>
-                            <a:lumOff val="25000"/>
-                          </a:schemeClr>
-                        </a:solidFill>
-                      </a:endParaRPr>
-                    </a:p>
-                  </a:txBody>
-                  <a:tcPr marL="160954" marR="83697" marT="83697" marB="83697">
-                    <a:lnL w="12700" cmpd="sng">
-                      <a:noFill/>
-                      <a:prstDash val="solid"/>
-                    </a:lnL>
-                    <a:lnR w="12700" cmpd="sng">
-                      <a:noFill/>
-                      <a:prstDash val="solid"/>
-                    </a:lnR>
-                    <a:lnT w="19050" cap="flat" cmpd="sng" algn="ctr">
-                      <a:solidFill>
-                        <a:srgbClr val="FFFFFF"/>
-                      </a:solidFill>
-                      <a:prstDash val="solid"/>
-                    </a:lnT>
-                    <a:lnB w="19050" cap="flat" cmpd="sng" algn="ctr">
-                      <a:solidFill>
-                        <a:srgbClr val="FFFFFF"/>
-                      </a:solidFill>
-                      <a:prstDash val="solid"/>
-                    </a:lnB>
-                    <a:solidFill>
-                      <a:srgbClr val="B4BCBE">
-                        <a:alpha val="34902"/>
-                      </a:srgbClr>
-                    </a:solidFill>
-                  </a:tcPr>
-                </a:tc>
-                <a:extLst>
-                  <a:ext uri="{0D108BD9-81ED-4DB2-BD59-A6C34878D82A}">
-                    <a16:rowId xmlns:a16="http://schemas.microsoft.com/office/drawing/2014/main" val="3184130834"/>
-                  </a:ext>
-                </a:extLst>
-              </a:tr>
-              <a:tr h="911654">
-                <a:tc>
-                  <a:txBody>
-                    <a:bodyPr/>
-                    <a:lstStyle/>
-                    <a:p>
-                      <a:r>
-                        <a:rPr lang="en-US" sz="900">
-                          <a:solidFill>
-                            <a:schemeClr val="tx1">
-                              <a:lumMod val="75000"/>
-                              <a:lumOff val="25000"/>
-                            </a:schemeClr>
-                          </a:solidFill>
-                        </a:rPr>
-                        <a:t>Right</a:t>
-                      </a:r>
-                      <a:endParaRPr lang="pt-PT" sz="900">
-                        <a:solidFill>
-                          <a:schemeClr val="tx1">
-                            <a:lumMod val="75000"/>
-                            <a:lumOff val="25000"/>
-                          </a:schemeClr>
-                        </a:solidFill>
-                      </a:endParaRPr>
-                    </a:p>
-                  </a:txBody>
-                  <a:tcPr marL="160954" marR="83697" marT="83697" marB="83697">
-                    <a:lnL w="12700" cmpd="sng">
-                      <a:noFill/>
-                      <a:prstDash val="solid"/>
-                    </a:lnL>
-                    <a:lnR w="12700" cmpd="sng">
-                      <a:noFill/>
-                      <a:prstDash val="solid"/>
-                    </a:lnR>
-                    <a:lnT w="19050" cap="flat" cmpd="sng" algn="ctr">
-                      <a:solidFill>
-                        <a:srgbClr val="FFFFFF"/>
-                      </a:solidFill>
-                      <a:prstDash val="solid"/>
-                    </a:lnT>
-                    <a:lnB w="19050" cap="flat" cmpd="sng" algn="ctr">
-                      <a:solidFill>
-                        <a:srgbClr val="FFFFFF"/>
-                      </a:solidFill>
-                      <a:prstDash val="solid"/>
-                    </a:lnB>
-                    <a:solidFill>
-                      <a:srgbClr val="B4BCBE">
-                        <a:alpha val="34902"/>
-                      </a:srgbClr>
-                    </a:solidFill>
-                  </a:tcPr>
-                </a:tc>
-                <a:tc>
-                  <a:txBody>
-                    <a:bodyPr/>
-                    <a:lstStyle/>
-                    <a:p>
-                      <a:pPr marL="0" marR="0" lvl="0" indent="0" algn="l" defTabSz="914400" rtl="0" eaLnBrk="1" fontAlgn="auto" latinLnBrk="0" hangingPunct="1">
+                      <a:pPr marL="0" marR="0" lvl="0" indent="0" algn="ctr" defTabSz="914400" rtl="0" eaLnBrk="1" fontAlgn="auto" latinLnBrk="0" hangingPunct="1">
                         <a:lnSpc>
                           <a:spcPct val="100000"/>
                         </a:lnSpc>
@@ -8049,109 +7492,177 @@
                         <a:defRPr/>
                       </a:pPr>
                       <a:r>
-                        <a:rPr lang="pt-PT" sz="900" b="0" i="0" kern="1200" dirty="0">
+                        <a:rPr lang="pt-PT" sz="1400" b="0" i="1" kern="1200" dirty="0">
                           <a:solidFill>
-                            <a:schemeClr val="tx1">
-                              <a:lumMod val="75000"/>
-                              <a:lumOff val="25000"/>
-                            </a:schemeClr>
+                            <a:schemeClr val="bg1"/>
                           </a:solidFill>
                           <a:effectLst/>
-                          <a:latin typeface="+mn-lt"/>
-                          <a:ea typeface="+mn-ea"/>
-                          <a:cs typeface="+mn-cs"/>
                         </a:rPr>
-                        <a:t>∃IZ, B[Izx+1,IXy] ∉ {“X”,”IZ”} ∧ </a:t>
+                        <a:t>do</a:t>
                       </a:r>
                       <a:r>
-                        <a:rPr lang="pt-PT" sz="900" b="0" i="0" kern="1200" dirty="0" err="1">
+                        <a:rPr lang="pt-PT" sz="1400" b="0" kern="1200" dirty="0">
                           <a:solidFill>
-                            <a:schemeClr val="tx1">
-                              <a:lumMod val="75000"/>
-                              <a:lumOff val="25000"/>
-                            </a:schemeClr>
+                            <a:schemeClr val="bg1"/>
                           </a:solidFill>
                           <a:effectLst/>
-                          <a:latin typeface="+mn-lt"/>
-                          <a:ea typeface="+mn-ea"/>
-                          <a:cs typeface="+mn-cs"/>
                         </a:rPr>
-                        <a:t>IZx</a:t>
+                        <a:t>  B[ </a:t>
                       </a:r>
                       <a:r>
-                        <a:rPr lang="pt-PT" sz="900" b="0" i="0" kern="1200" dirty="0">
+                        <a:rPr lang="pt-PT" sz="1400" b="0" kern="1200" dirty="0" err="1">
                           <a:solidFill>
-                            <a:schemeClr val="tx1">
-                              <a:lumMod val="75000"/>
-                              <a:lumOff val="25000"/>
-                            </a:schemeClr>
+                            <a:schemeClr val="bg1"/>
                           </a:solidFill>
                           <a:effectLst/>
-                          <a:latin typeface="+mn-lt"/>
-                          <a:ea typeface="+mn-ea"/>
-                          <a:cs typeface="+mn-cs"/>
                         </a:rPr>
-                        <a:t>&lt;</a:t>
+                        <a:t>Izx</a:t>
                       </a:r>
                       <a:r>
-                        <a:rPr lang="pt-PT" sz="900" b="0" i="0" kern="1200" dirty="0" err="1">
+                        <a:rPr lang="pt-PT" sz="1400" b="0" kern="1200" dirty="0">
                           <a:solidFill>
-                            <a:schemeClr val="tx1">
-                              <a:lumMod val="75000"/>
-                              <a:lumOff val="25000"/>
-                            </a:schemeClr>
+                            <a:schemeClr val="bg1"/>
                           </a:solidFill>
                           <a:effectLst/>
-                          <a:latin typeface="+mn-lt"/>
-                          <a:ea typeface="+mn-ea"/>
-                          <a:cs typeface="+mn-cs"/>
                         </a:rPr>
-                        <a:t>B.size</a:t>
+                        <a:t> , IXy+1] = IZ</a:t>
                       </a:r>
-                      <a:endParaRPr lang="pt-PT" sz="900" dirty="0">
+                      <a:endParaRPr lang="pt-PT" sz="1400" dirty="0">
                         <a:solidFill>
-                          <a:schemeClr val="tx1">
-                            <a:lumMod val="75000"/>
-                            <a:lumOff val="25000"/>
-                          </a:schemeClr>
+                          <a:schemeClr val="bg1"/>
+                        </a:solidFill>
+                      </a:endParaRPr>
+                    </a:p>
+                    <a:p>
+                      <a:pPr algn="ctr"/>
+                      <a:endParaRPr lang="pt-PT" sz="1400" dirty="0">
+                        <a:solidFill>
+                          <a:schemeClr val="bg1"/>
                         </a:solidFill>
                       </a:endParaRPr>
                     </a:p>
                   </a:txBody>
-                  <a:tcPr marL="160954" marR="83697" marT="83697" marB="83697">
-                    <a:lnL w="12700" cmpd="sng">
-                      <a:noFill/>
-                      <a:prstDash val="solid"/>
-                    </a:lnL>
-                    <a:lnR w="12700" cmpd="sng">
-                      <a:noFill/>
-                      <a:prstDash val="solid"/>
-                    </a:lnR>
-                    <a:lnT w="19050" cap="flat" cmpd="sng" algn="ctr">
-                      <a:solidFill>
-                        <a:srgbClr val="FFFFFF"/>
-                      </a:solidFill>
-                      <a:prstDash val="solid"/>
-                    </a:lnT>
-                    <a:lnB w="19050" cap="flat" cmpd="sng" algn="ctr">
-                      <a:solidFill>
-                        <a:srgbClr val="FFFFFF"/>
-                      </a:solidFill>
-                      <a:prstDash val="solid"/>
-                    </a:lnB>
-                    <a:solidFill>
-                      <a:srgbClr val="B4BCBE">
-                        <a:alpha val="34902"/>
-                      </a:srgbClr>
-                    </a:solidFill>
-                  </a:tcPr>
+                  <a:tcPr marL="160954" marR="83697" marT="83697" marB="83697" anchor="ctr"/>
                 </a:tc>
                 <a:tc>
                   <a:txBody>
                     <a:bodyPr/>
                     <a:lstStyle/>
                     <a:p>
-                      <a:pPr marL="0" marR="0" lvl="0" indent="0" algn="l" defTabSz="914400" rtl="0" eaLnBrk="1" fontAlgn="auto" latinLnBrk="0" hangingPunct="1">
+                      <a:pPr algn="ctr"/>
+                      <a:r>
+                        <a:rPr lang="en-US" sz="1200" dirty="0">
+                          <a:solidFill>
+                            <a:schemeClr val="bg1"/>
+                          </a:solidFill>
+                        </a:rPr>
+                        <a:t>1</a:t>
+                      </a:r>
+                      <a:endParaRPr lang="pt-PT" sz="1200" dirty="0">
+                        <a:solidFill>
+                          <a:schemeClr val="bg1"/>
+                        </a:solidFill>
+                      </a:endParaRPr>
+                    </a:p>
+                  </a:txBody>
+                  <a:tcPr marL="160954" marR="83697" marT="83697" marB="83697" anchor="ctr"/>
+                </a:tc>
+                <a:extLst>
+                  <a:ext uri="{0D108BD9-81ED-4DB2-BD59-A6C34878D82A}">
+                    <a16:rowId xmlns:a16="http://schemas.microsoft.com/office/drawing/2014/main" val="3673022739"/>
+                  </a:ext>
+                </a:extLst>
+              </a:tr>
+              <a:tr h="1050468">
+                <a:tc>
+                  <a:txBody>
+                    <a:bodyPr/>
+                    <a:lstStyle/>
+                    <a:p>
+                      <a:pPr algn="ctr"/>
+                      <a:r>
+                        <a:rPr lang="en-US" sz="1200" dirty="0">
+                          <a:solidFill>
+                            <a:schemeClr val="bg1"/>
+                          </a:solidFill>
+                        </a:rPr>
+                        <a:t>Left</a:t>
+                      </a:r>
+                      <a:endParaRPr lang="pt-PT" sz="1200" dirty="0">
+                        <a:solidFill>
+                          <a:schemeClr val="bg1"/>
+                        </a:solidFill>
+                      </a:endParaRPr>
+                    </a:p>
+                  </a:txBody>
+                  <a:tcPr marL="160954" marR="83697" marT="83697" marB="83697" anchor="ctr"/>
+                </a:tc>
+                <a:tc>
+                  <a:txBody>
+                    <a:bodyPr/>
+                    <a:lstStyle/>
+                    <a:p>
+                      <a:pPr algn="ctr"/>
+                      <a:r>
+                        <a:rPr lang="pt-PT" sz="1400" b="0" kern="1200" dirty="0">
+                          <a:solidFill>
+                            <a:schemeClr val="bg1"/>
+                          </a:solidFill>
+                          <a:effectLst/>
+                        </a:rPr>
+                        <a:t>∃IZ, B[ IZx-1 , </a:t>
+                      </a:r>
+                      <a:r>
+                        <a:rPr lang="pt-PT" sz="1400" b="0" kern="1200" dirty="0" err="1">
+                          <a:solidFill>
+                            <a:schemeClr val="bg1"/>
+                          </a:solidFill>
+                          <a:effectLst/>
+                        </a:rPr>
+                        <a:t>Ixy</a:t>
+                      </a:r>
+                      <a:r>
+                        <a:rPr lang="pt-PT" sz="1400" b="0" kern="1200" dirty="0">
+                          <a:solidFill>
+                            <a:schemeClr val="bg1"/>
+                          </a:solidFill>
+                          <a:effectLst/>
+                        </a:rPr>
+                        <a:t> ] ∉ { “X” , ”IZ” } ∧ </a:t>
+                      </a:r>
+                      <a:r>
+                        <a:rPr lang="pt-PT" sz="1400" b="0" kern="1200" dirty="0" err="1">
+                          <a:solidFill>
+                            <a:schemeClr val="bg1"/>
+                          </a:solidFill>
+                          <a:effectLst/>
+                        </a:rPr>
+                        <a:t>IZx</a:t>
+                      </a:r>
+                      <a:r>
+                        <a:rPr lang="pt-PT" sz="1400" b="0" kern="1200" dirty="0">
+                          <a:solidFill>
+                            <a:schemeClr val="bg1"/>
+                          </a:solidFill>
+                          <a:effectLst/>
+                        </a:rPr>
+                        <a:t> &gt; 0</a:t>
+                      </a:r>
+                      <a:endParaRPr lang="pt-PT" sz="1400" dirty="0">
+                        <a:solidFill>
+                          <a:schemeClr val="bg1"/>
+                        </a:solidFill>
+                      </a:endParaRPr>
+                    </a:p>
+                  </a:txBody>
+                  <a:tcPr marL="160954" marR="83697" marT="83697" marB="83697" anchor="ctr"/>
+                </a:tc>
+                <a:tc>
+                  <a:txBody>
+                    <a:bodyPr/>
+                    <a:lstStyle/>
+                    <a:p>
+                      <a:pPr marL="0" marR="0" lvl="0" indent="0" algn="ctr" defTabSz="914400" rtl="0" eaLnBrk="1" fontAlgn="auto" latinLnBrk="0" hangingPunct="1">
                         <a:lnSpc>
                           <a:spcPct val="100000"/>
                         </a:lnSpc>
@@ -8169,151 +7680,458 @@
                         <a:defRPr/>
                       </a:pPr>
                       <a:r>
-                        <a:rPr lang="pt-PT" sz="900" b="0" i="0" kern="1200" dirty="0">
+                        <a:rPr lang="pt-PT" sz="1400" b="0" kern="1200" dirty="0">
                           <a:solidFill>
-                            <a:schemeClr val="tx1">
-                              <a:lumMod val="75000"/>
-                              <a:lumOff val="25000"/>
-                            </a:schemeClr>
+                            <a:schemeClr val="bg1"/>
                           </a:solidFill>
                           <a:effectLst/>
-                          <a:latin typeface="+mn-lt"/>
-                          <a:ea typeface="+mn-ea"/>
-                          <a:cs typeface="+mn-cs"/>
                         </a:rPr>
                         <a:t>∀IZ, </a:t>
                       </a:r>
+                    </a:p>
+                    <a:p>
+                      <a:pPr marL="0" marR="0" lvl="0" indent="0" algn="ctr" defTabSz="914400" rtl="0" eaLnBrk="1" fontAlgn="auto" latinLnBrk="0" hangingPunct="1">
+                        <a:lnSpc>
+                          <a:spcPct val="100000"/>
+                        </a:lnSpc>
+                        <a:spcBef>
+                          <a:spcPts val="0"/>
+                        </a:spcBef>
+                        <a:spcAft>
+                          <a:spcPts val="0"/>
+                        </a:spcAft>
+                        <a:buClrTx/>
+                        <a:buSzTx/>
+                        <a:buFontTx/>
+                        <a:buNone/>
+                        <a:tabLst/>
+                        <a:defRPr/>
+                      </a:pPr>
                       <a:r>
-                        <a:rPr lang="pt-PT" sz="900" b="0" i="0" kern="1200" dirty="0" err="1">
+                        <a:rPr lang="pt-PT" sz="1400" b="0" i="1" kern="1200" dirty="0" err="1">
                           <a:solidFill>
-                            <a:schemeClr val="tx1">
-                              <a:lumMod val="75000"/>
-                              <a:lumOff val="25000"/>
-                            </a:schemeClr>
+                            <a:schemeClr val="bg1"/>
                           </a:solidFill>
                           <a:effectLst/>
-                          <a:latin typeface="+mn-lt"/>
-                          <a:ea typeface="+mn-ea"/>
-                          <a:cs typeface="+mn-cs"/>
                         </a:rPr>
                         <a:t>While</a:t>
                       </a:r>
                       <a:r>
-                        <a:rPr lang="pt-PT" sz="900" b="0" i="0" kern="1200" dirty="0">
+                        <a:rPr lang="pt-PT" sz="1400" b="0" i="1" kern="1200" dirty="0">
                           <a:solidFill>
-                            <a:schemeClr val="tx1">
-                              <a:lumMod val="75000"/>
-                              <a:lumOff val="25000"/>
-                            </a:schemeClr>
+                            <a:schemeClr val="bg1"/>
                           </a:solidFill>
                           <a:effectLst/>
-                          <a:latin typeface="+mn-lt"/>
-                          <a:ea typeface="+mn-ea"/>
-                          <a:cs typeface="+mn-cs"/>
                         </a:rPr>
-                        <a:t>(B[IZx,IZy+1] ∉ {“X”,”IZ”}) do B[IZx+1,IXy]=IZ</a:t>
+                        <a:t> </a:t>
                       </a:r>
-                      <a:endParaRPr lang="pt-PT" sz="900" dirty="0">
+                      <a:r>
+                        <a:rPr lang="pt-PT" sz="1400" b="0" kern="1200" dirty="0">
+                          <a:solidFill>
+                            <a:schemeClr val="bg1"/>
+                          </a:solidFill>
+                          <a:effectLst/>
+                        </a:rPr>
+                        <a:t>(B[ </a:t>
+                      </a:r>
+                      <a:r>
+                        <a:rPr lang="pt-PT" sz="1400" b="0" kern="1200" dirty="0" err="1">
+                          <a:solidFill>
+                            <a:schemeClr val="bg1"/>
+                          </a:solidFill>
+                          <a:effectLst/>
+                        </a:rPr>
+                        <a:t>Izx</a:t>
+                      </a:r>
+                      <a:r>
+                        <a:rPr lang="pt-PT" sz="1400" b="0" kern="1200" dirty="0">
+                          <a:solidFill>
+                            <a:schemeClr val="bg1"/>
+                          </a:solidFill>
+                          <a:effectLst/>
+                        </a:rPr>
+                        <a:t> , IZy-1 ] ∉ { “X” , ”IY” }) </a:t>
+                      </a:r>
+                      <a:r>
+                        <a:rPr lang="pt-PT" sz="1400" b="0" i="1" kern="1200" dirty="0">
+                          <a:solidFill>
+                            <a:schemeClr val="bg1"/>
+                          </a:solidFill>
+                          <a:effectLst/>
+                        </a:rPr>
+                        <a:t>do</a:t>
+                      </a:r>
+                      <a:r>
+                        <a:rPr lang="pt-PT" sz="1400" b="0" kern="1200" dirty="0">
+                          <a:solidFill>
+                            <a:schemeClr val="bg1"/>
+                          </a:solidFill>
+                          <a:effectLst/>
+                        </a:rPr>
+                        <a:t> B[ IZx-1 , </a:t>
+                      </a:r>
+                      <a:r>
+                        <a:rPr lang="pt-PT" sz="1400" b="0" kern="1200" dirty="0" err="1">
+                          <a:solidFill>
+                            <a:schemeClr val="bg1"/>
+                          </a:solidFill>
+                          <a:effectLst/>
+                        </a:rPr>
+                        <a:t>Ixy</a:t>
+                      </a:r>
+                      <a:r>
+                        <a:rPr lang="pt-PT" sz="1400" b="0" kern="1200" dirty="0">
+                          <a:solidFill>
+                            <a:schemeClr val="bg1"/>
+                          </a:solidFill>
+                          <a:effectLst/>
+                        </a:rPr>
+                        <a:t> ] = IZ</a:t>
+                      </a:r>
+                      <a:endParaRPr lang="pt-PT" sz="1400" dirty="0">
                         <a:solidFill>
-                          <a:schemeClr val="tx1">
-                            <a:lumMod val="75000"/>
-                            <a:lumOff val="25000"/>
-                          </a:schemeClr>
+                          <a:schemeClr val="bg1"/>
                         </a:solidFill>
                       </a:endParaRPr>
                     </a:p>
                     <a:p>
-                      <a:endParaRPr lang="pt-PT" sz="900" dirty="0">
+                      <a:pPr algn="ctr"/>
+                      <a:endParaRPr lang="pt-PT" sz="1400" dirty="0">
                         <a:solidFill>
-                          <a:schemeClr val="tx1">
-                            <a:lumMod val="75000"/>
-                            <a:lumOff val="25000"/>
-                          </a:schemeClr>
+                          <a:schemeClr val="bg1"/>
                         </a:solidFill>
                       </a:endParaRPr>
                     </a:p>
                   </a:txBody>
-                  <a:tcPr marL="160954" marR="83697" marT="83697" marB="83697">
-                    <a:lnL w="12700" cmpd="sng">
-                      <a:noFill/>
-                      <a:prstDash val="solid"/>
-                    </a:lnL>
-                    <a:lnR w="12700" cmpd="sng">
-                      <a:noFill/>
-                      <a:prstDash val="solid"/>
-                    </a:lnR>
-                    <a:lnT w="19050" cap="flat" cmpd="sng" algn="ctr">
-                      <a:solidFill>
-                        <a:srgbClr val="FFFFFF"/>
-                      </a:solidFill>
-                      <a:prstDash val="solid"/>
-                    </a:lnT>
-                    <a:lnB w="19050" cap="flat" cmpd="sng" algn="ctr">
-                      <a:solidFill>
-                        <a:srgbClr val="FFFFFF"/>
-                      </a:solidFill>
-                      <a:prstDash val="solid"/>
-                    </a:lnB>
-                    <a:solidFill>
-                      <a:srgbClr val="B4BCBE">
-                        <a:alpha val="34902"/>
-                      </a:srgbClr>
-                    </a:solidFill>
-                  </a:tcPr>
+                  <a:tcPr marL="160954" marR="83697" marT="83697" marB="83697" anchor="ctr"/>
                 </a:tc>
                 <a:tc>
                   <a:txBody>
                     <a:bodyPr/>
                     <a:lstStyle/>
                     <a:p>
+                      <a:pPr algn="ctr"/>
                       <a:r>
-                        <a:rPr lang="en-US" sz="900" dirty="0">
+                        <a:rPr lang="en-US" sz="1200" dirty="0">
                           <a:solidFill>
-                            <a:schemeClr val="tx1">
-                              <a:lumMod val="75000"/>
-                              <a:lumOff val="25000"/>
-                            </a:schemeClr>
+                            <a:schemeClr val="bg1"/>
                           </a:solidFill>
                         </a:rPr>
                         <a:t>1</a:t>
                       </a:r>
-                      <a:endParaRPr lang="pt-PT" sz="900" dirty="0">
+                      <a:endParaRPr lang="pt-PT" sz="1200" dirty="0">
                         <a:solidFill>
-                          <a:schemeClr val="tx1">
-                            <a:lumMod val="75000"/>
-                            <a:lumOff val="25000"/>
-                          </a:schemeClr>
+                          <a:schemeClr val="bg1"/>
                         </a:solidFill>
                       </a:endParaRPr>
                     </a:p>
                   </a:txBody>
-                  <a:tcPr marL="160954" marR="83697" marT="83697" marB="83697">
-                    <a:lnL w="12700" cmpd="sng">
-                      <a:noFill/>
-                      <a:prstDash val="solid"/>
-                    </a:lnL>
-                    <a:lnR w="12700" cmpd="sng">
-                      <a:noFill/>
-                      <a:prstDash val="solid"/>
-                    </a:lnR>
-                    <a:lnT w="19050" cap="flat" cmpd="sng" algn="ctr">
-                      <a:solidFill>
-                        <a:srgbClr val="FFFFFF"/>
-                      </a:solidFill>
-                      <a:prstDash val="solid"/>
-                    </a:lnT>
-                    <a:lnB w="19050" cap="flat" cmpd="sng" algn="ctr">
-                      <a:solidFill>
-                        <a:srgbClr val="FFFFFF"/>
-                      </a:solidFill>
-                      <a:prstDash val="solid"/>
-                    </a:lnB>
-                    <a:solidFill>
-                      <a:srgbClr val="B4BCBE">
-                        <a:alpha val="34902"/>
-                      </a:srgbClr>
-                    </a:solidFill>
-                  </a:tcPr>
+                  <a:tcPr marL="160954" marR="83697" marT="83697" marB="83697" anchor="ctr"/>
+                </a:tc>
+                <a:extLst>
+                  <a:ext uri="{0D108BD9-81ED-4DB2-BD59-A6C34878D82A}">
+                    <a16:rowId xmlns:a16="http://schemas.microsoft.com/office/drawing/2014/main" val="3184130834"/>
+                  </a:ext>
+                </a:extLst>
+              </a:tr>
+              <a:tr h="1050468">
+                <a:tc>
+                  <a:txBody>
+                    <a:bodyPr/>
+                    <a:lstStyle/>
+                    <a:p>
+                      <a:pPr algn="ctr"/>
+                      <a:r>
+                        <a:rPr lang="en-US" sz="1200">
+                          <a:solidFill>
+                            <a:schemeClr val="bg1"/>
+                          </a:solidFill>
+                        </a:rPr>
+                        <a:t>Right</a:t>
+                      </a:r>
+                      <a:endParaRPr lang="pt-PT" sz="1200">
+                        <a:solidFill>
+                          <a:schemeClr val="bg1"/>
+                        </a:solidFill>
+                      </a:endParaRPr>
+                    </a:p>
+                  </a:txBody>
+                  <a:tcPr marL="160954" marR="83697" marT="83697" marB="83697" anchor="ctr"/>
+                </a:tc>
+                <a:tc>
+                  <a:txBody>
+                    <a:bodyPr/>
+                    <a:lstStyle/>
+                    <a:p>
+                      <a:pPr marL="0" marR="0" lvl="0" indent="0" algn="ctr" defTabSz="914400" rtl="0" eaLnBrk="1" fontAlgn="auto" latinLnBrk="0" hangingPunct="1">
+                        <a:lnSpc>
+                          <a:spcPct val="100000"/>
+                        </a:lnSpc>
+                        <a:spcBef>
+                          <a:spcPts val="0"/>
+                        </a:spcBef>
+                        <a:spcAft>
+                          <a:spcPts val="0"/>
+                        </a:spcAft>
+                        <a:buClrTx/>
+                        <a:buSzTx/>
+                        <a:buFontTx/>
+                        <a:buNone/>
+                        <a:tabLst/>
+                        <a:defRPr/>
+                      </a:pPr>
+                      <a:r>
+                        <a:rPr lang="pt-PT" sz="1400" b="0" kern="1200" dirty="0">
+                          <a:solidFill>
+                            <a:schemeClr val="bg1"/>
+                          </a:solidFill>
+                          <a:effectLst/>
+                        </a:rPr>
+                        <a:t>∃IZ, B[ IZx+1 , </a:t>
+                      </a:r>
+                      <a:r>
+                        <a:rPr lang="pt-PT" sz="1400" b="0" kern="1200" dirty="0" err="1">
+                          <a:solidFill>
+                            <a:schemeClr val="bg1"/>
+                          </a:solidFill>
+                          <a:effectLst/>
+                        </a:rPr>
+                        <a:t>Ixy</a:t>
+                      </a:r>
+                      <a:r>
+                        <a:rPr lang="pt-PT" sz="1400" b="0" kern="1200" dirty="0">
+                          <a:solidFill>
+                            <a:schemeClr val="bg1"/>
+                          </a:solidFill>
+                          <a:effectLst/>
+                        </a:rPr>
+                        <a:t> ] ∉ { “X” , ”IZ” } ∧ </a:t>
+                      </a:r>
+                      <a:r>
+                        <a:rPr lang="pt-PT" sz="1400" b="0" kern="1200" dirty="0" err="1">
+                          <a:solidFill>
+                            <a:schemeClr val="bg1"/>
+                          </a:solidFill>
+                          <a:effectLst/>
+                        </a:rPr>
+                        <a:t>Izx</a:t>
+                      </a:r>
+                      <a:r>
+                        <a:rPr lang="pt-PT" sz="1400" b="0" kern="1200" dirty="0">
+                          <a:solidFill>
+                            <a:schemeClr val="bg1"/>
+                          </a:solidFill>
+                          <a:effectLst/>
+                        </a:rPr>
+                        <a:t> &lt; </a:t>
+                      </a:r>
+                      <a:r>
+                        <a:rPr lang="pt-PT" sz="1400" b="0" kern="1200" dirty="0" err="1">
+                          <a:solidFill>
+                            <a:schemeClr val="bg1"/>
+                          </a:solidFill>
+                          <a:effectLst/>
+                        </a:rPr>
+                        <a:t>B.size</a:t>
+                      </a:r>
+                      <a:endParaRPr lang="pt-PT" sz="1400" dirty="0">
+                        <a:solidFill>
+                          <a:schemeClr val="bg1"/>
+                        </a:solidFill>
+                      </a:endParaRPr>
+                    </a:p>
+                  </a:txBody>
+                  <a:tcPr marL="160954" marR="83697" marT="83697" marB="83697" anchor="ctr"/>
+                </a:tc>
+                <a:tc>
+                  <a:txBody>
+                    <a:bodyPr/>
+                    <a:lstStyle/>
+                    <a:p>
+                      <a:pPr marL="0" marR="0" lvl="0" indent="0" algn="ctr" defTabSz="914400" rtl="0" eaLnBrk="1" fontAlgn="auto" latinLnBrk="0" hangingPunct="1">
+                        <a:lnSpc>
+                          <a:spcPct val="100000"/>
+                        </a:lnSpc>
+                        <a:spcBef>
+                          <a:spcPts val="0"/>
+                        </a:spcBef>
+                        <a:spcAft>
+                          <a:spcPts val="0"/>
+                        </a:spcAft>
+                        <a:buClrTx/>
+                        <a:buSzTx/>
+                        <a:buFontTx/>
+                        <a:buNone/>
+                        <a:tabLst/>
+                        <a:defRPr/>
+                      </a:pPr>
+                      <a:r>
+                        <a:rPr lang="pt-PT" sz="1400" b="0" kern="1200" dirty="0">
+                          <a:solidFill>
+                            <a:schemeClr val="bg1"/>
+                          </a:solidFill>
+                          <a:effectLst/>
+                        </a:rPr>
+                        <a:t>∀IZ, </a:t>
+                      </a:r>
+                    </a:p>
+                    <a:p>
+                      <a:pPr marL="0" marR="0" lvl="0" indent="0" algn="ctr" defTabSz="914400" rtl="0" eaLnBrk="1" fontAlgn="auto" latinLnBrk="0" hangingPunct="1">
+                        <a:lnSpc>
+                          <a:spcPct val="100000"/>
+                        </a:lnSpc>
+                        <a:spcBef>
+                          <a:spcPts val="0"/>
+                        </a:spcBef>
+                        <a:spcAft>
+                          <a:spcPts val="0"/>
+                        </a:spcAft>
+                        <a:buClrTx/>
+                        <a:buSzTx/>
+                        <a:buFontTx/>
+                        <a:buNone/>
+                        <a:tabLst/>
+                        <a:defRPr/>
+                      </a:pPr>
+                      <a:r>
+                        <a:rPr lang="pt-PT" sz="1400" b="0" i="1" kern="1200" dirty="0" err="1">
+                          <a:solidFill>
+                            <a:schemeClr val="bg1"/>
+                          </a:solidFill>
+                          <a:effectLst/>
+                        </a:rPr>
+                        <a:t>While</a:t>
+                      </a:r>
+                      <a:r>
+                        <a:rPr lang="pt-PT" sz="1400" b="0" i="1" kern="1200" dirty="0">
+                          <a:solidFill>
+                            <a:schemeClr val="bg1"/>
+                          </a:solidFill>
+                          <a:effectLst/>
+                        </a:rPr>
+                        <a:t> </a:t>
+                      </a:r>
+                      <a:r>
+                        <a:rPr lang="pt-PT" sz="1400" b="0" kern="1200" dirty="0">
+                          <a:solidFill>
+                            <a:schemeClr val="bg1"/>
+                          </a:solidFill>
+                          <a:effectLst/>
+                        </a:rPr>
+                        <a:t>(B[ </a:t>
+                      </a:r>
+                      <a:r>
+                        <a:rPr lang="pt-PT" sz="1400" b="0" kern="1200" dirty="0" err="1">
+                          <a:solidFill>
+                            <a:schemeClr val="bg1"/>
+                          </a:solidFill>
+                          <a:effectLst/>
+                        </a:rPr>
+                        <a:t>IZx</a:t>
+                      </a:r>
+                      <a:r>
+                        <a:rPr lang="pt-PT" sz="1400" b="0" kern="1200" dirty="0">
+                          <a:solidFill>
+                            <a:schemeClr val="bg1"/>
+                          </a:solidFill>
+                          <a:effectLst/>
+                        </a:rPr>
+                        <a:t> , IZy+1 ] ∉ { “X” ,”IY”}) </a:t>
+                      </a:r>
+                    </a:p>
+                    <a:p>
+                      <a:pPr marL="0" marR="0" lvl="0" indent="0" algn="ctr" defTabSz="914400" rtl="0" eaLnBrk="1" fontAlgn="auto" latinLnBrk="0" hangingPunct="1">
+                        <a:lnSpc>
+                          <a:spcPct val="100000"/>
+                        </a:lnSpc>
+                        <a:spcBef>
+                          <a:spcPts val="0"/>
+                        </a:spcBef>
+                        <a:spcAft>
+                          <a:spcPts val="0"/>
+                        </a:spcAft>
+                        <a:buClrTx/>
+                        <a:buSzTx/>
+                        <a:buFontTx/>
+                        <a:buNone/>
+                        <a:tabLst/>
+                        <a:defRPr/>
+                      </a:pPr>
+                      <a:r>
+                        <a:rPr lang="pt-PT" sz="1400" b="0" i="1" kern="1200" dirty="0">
+                          <a:solidFill>
+                            <a:schemeClr val="bg1"/>
+                          </a:solidFill>
+                          <a:effectLst/>
+                        </a:rPr>
+                        <a:t>do</a:t>
+                      </a:r>
+                      <a:r>
+                        <a:rPr lang="pt-PT" sz="1400" b="0" kern="1200" dirty="0">
+                          <a:solidFill>
+                            <a:schemeClr val="bg1"/>
+                          </a:solidFill>
+                          <a:effectLst/>
+                        </a:rPr>
+                        <a:t> B[ IZx+1 , </a:t>
+                      </a:r>
+                      <a:r>
+                        <a:rPr lang="pt-PT" sz="1400" b="0" kern="1200" dirty="0" err="1">
+                          <a:solidFill>
+                            <a:schemeClr val="bg1"/>
+                          </a:solidFill>
+                          <a:effectLst/>
+                        </a:rPr>
+                        <a:t>Ixy</a:t>
+                      </a:r>
+                      <a:r>
+                        <a:rPr lang="pt-PT" sz="1400" b="0" kern="1200" dirty="0">
+                          <a:solidFill>
+                            <a:schemeClr val="bg1"/>
+                          </a:solidFill>
+                          <a:effectLst/>
+                        </a:rPr>
+                        <a:t> ] = IZ</a:t>
+                      </a:r>
+                      <a:endParaRPr lang="pt-PT" sz="1400" dirty="0">
+                        <a:solidFill>
+                          <a:schemeClr val="bg1"/>
+                        </a:solidFill>
+                      </a:endParaRPr>
+                    </a:p>
+                    <a:p>
+                      <a:pPr algn="ctr"/>
+                      <a:endParaRPr lang="pt-PT" sz="1400" dirty="0">
+                        <a:solidFill>
+                          <a:schemeClr val="bg1"/>
+                        </a:solidFill>
+                      </a:endParaRPr>
+                    </a:p>
+                  </a:txBody>
+                  <a:tcPr marL="160954" marR="83697" marT="83697" marB="83697" anchor="ctr"/>
+                </a:tc>
+                <a:tc>
+                  <a:txBody>
+                    <a:bodyPr/>
+                    <a:lstStyle/>
+                    <a:p>
+                      <a:pPr algn="ctr"/>
+                      <a:r>
+                        <a:rPr lang="en-US" sz="1200" dirty="0">
+                          <a:solidFill>
+                            <a:schemeClr val="bg1"/>
+                          </a:solidFill>
+                        </a:rPr>
+                        <a:t>1</a:t>
+                      </a:r>
+                      <a:endParaRPr lang="pt-PT" sz="1200" dirty="0">
+                        <a:solidFill>
+                          <a:schemeClr val="bg1"/>
+                        </a:solidFill>
+                      </a:endParaRPr>
+                    </a:p>
+                  </a:txBody>
+                  <a:tcPr marL="160954" marR="83697" marT="83697" marB="83697" anchor="ctr"/>
                 </a:tc>
                 <a:extLst>
                   <a:ext uri="{0D108BD9-81ED-4DB2-BD59-A6C34878D82A}">
@@ -8325,6 +8143,42 @@
           </a:graphicData>
         </a:graphic>
       </p:graphicFrame>
+      <p:sp>
+        <p:nvSpPr>
+          <p:cNvPr id="2" name="CaixaDeTexto 1">
+            <a:extLst>
+              <a:ext uri="{FF2B5EF4-FFF2-40B4-BE49-F238E27FC236}">
+                <a16:creationId xmlns:a16="http://schemas.microsoft.com/office/drawing/2014/main" id="{49B2BBE7-0E79-40F4-8F9C-AA555DBF48EE}"/>
+              </a:ext>
+            </a:extLst>
+          </p:cNvPr>
+          <p:cNvSpPr txBox="1"/>
+          <p:nvPr/>
+        </p:nvSpPr>
+        <p:spPr>
+          <a:xfrm>
+            <a:off x="5029200" y="890712"/>
+            <a:ext cx="5892799" cy="307777"/>
+          </a:xfrm>
+          <a:prstGeom prst="rect">
+            <a:avLst/>
+          </a:prstGeom>
+          <a:noFill/>
+        </p:spPr>
+        <p:txBody>
+          <a:bodyPr wrap="square" rtlCol="0">
+            <a:spAutoFit/>
+          </a:bodyPr>
+          <a:lstStyle/>
+          <a:p>
+            <a:r>
+              <a:rPr lang="pt-PT" sz="1400" dirty="0"/>
+              <a:t>Legenda:     IZ - peça que se move       IY - outra peça       X - parede</a:t>
+            </a:r>
+            <a:endParaRPr lang="en-US" sz="1400" dirty="0"/>
+          </a:p>
+        </p:txBody>
+      </p:sp>
     </p:spTree>
     <p:extLst>
       <p:ext uri="{BB962C8B-B14F-4D97-AF65-F5344CB8AC3E}">
@@ -8373,8 +8227,8 @@
         </p:nvSpPr>
         <p:spPr>
           <a:xfrm>
-            <a:off x="2116137" y="306999"/>
-            <a:ext cx="7959725" cy="1077913"/>
+            <a:off x="2116137" y="419100"/>
+            <a:ext cx="7959725" cy="965812"/>
           </a:xfrm>
         </p:spPr>
         <p:txBody>
@@ -8405,7 +8259,7 @@
         <p:spPr>
           <a:xfrm>
             <a:off x="1642695" y="1231023"/>
-            <a:ext cx="8906608" cy="3539430"/>
+            <a:ext cx="8725267" cy="5478423"/>
           </a:xfrm>
           <a:prstGeom prst="rect">
             <a:avLst/>
@@ -8418,74 +8272,14 @@
           </a:bodyPr>
           <a:lstStyle/>
           <a:p>
-            <a:pPr marL="285750" indent="-285750">
+            <a:pPr>
               <a:lnSpc>
                 <a:spcPct val="150000"/>
               </a:lnSpc>
-              <a:buFont typeface="Wingdings" panose="05000000000000000000" pitchFamily="2" charset="2"/>
-              <a:buChar char="§"/>
             </a:pPr>
             <a:r>
               <a:rPr lang="pt-PT" sz="1400" b="1" dirty="0"/>
-              <a:t>Linguagem de programação: </a:t>
-            </a:r>
-            <a:r>
-              <a:rPr lang="pt-PT" sz="1400" dirty="0" err="1"/>
-              <a:t>Python</a:t>
-            </a:r>
-            <a:r>
-              <a:rPr lang="pt-PT" sz="1400" dirty="0"/>
-              <a:t>, recorrendo ao pacote </a:t>
-            </a:r>
-            <a:r>
-              <a:rPr lang="pt-PT" sz="1400" i="1" dirty="0" err="1"/>
-              <a:t>pygame</a:t>
-            </a:r>
-            <a:r>
-              <a:rPr lang="pt-PT" sz="1400" dirty="0"/>
-              <a:t> para representação da interface do jogo.</a:t>
-            </a:r>
-          </a:p>
-          <a:p>
-            <a:pPr marL="285750" indent="-285750">
-              <a:lnSpc>
-                <a:spcPct val="150000"/>
-              </a:lnSpc>
-              <a:buFont typeface="Wingdings" panose="05000000000000000000" pitchFamily="2" charset="2"/>
-              <a:buChar char="§"/>
-            </a:pPr>
-            <a:r>
-              <a:rPr lang="pt-PT" sz="1400" b="1" dirty="0"/>
-              <a:t>Ambiente de desenvolvimento: </a:t>
-            </a:r>
-            <a:r>
-              <a:rPr lang="pt-PT" sz="1400" dirty="0" err="1"/>
-              <a:t>VSCode</a:t>
-            </a:r>
-            <a:r>
-              <a:rPr lang="pt-PT" sz="1400" dirty="0"/>
-              <a:t> / </a:t>
-            </a:r>
-            <a:r>
-              <a:rPr lang="pt-PT" sz="1400" dirty="0" err="1"/>
-              <a:t>Spyder</a:t>
-            </a:r>
-            <a:r>
-              <a:rPr lang="pt-PT" sz="1400" dirty="0"/>
-              <a:t>.</a:t>
-            </a:r>
-          </a:p>
-          <a:p>
-            <a:pPr marL="285750" indent="-285750">
-              <a:lnSpc>
-                <a:spcPct val="150000"/>
-              </a:lnSpc>
-              <a:buFont typeface="Wingdings" panose="05000000000000000000" pitchFamily="2" charset="2"/>
-              <a:buChar char="§"/>
-            </a:pPr>
-            <a:r>
-              <a:rPr lang="pt-PT" sz="1400" b="1" dirty="0"/>
-              <a:t>Estruturas de dados:</a:t>
+              <a:t>Linguagem de programação</a:t>
             </a:r>
           </a:p>
           <a:p>
@@ -8497,8 +8291,31 @@
               <a:buChar char="§"/>
             </a:pPr>
             <a:r>
+              <a:rPr lang="pt-PT" sz="1400" dirty="0" err="1"/>
+              <a:t>Python</a:t>
+            </a:r>
+            <a:r>
               <a:rPr lang="pt-PT" sz="1400" dirty="0"/>
-              <a:t>Listas, para representar os tabuleiros de jogo;</a:t>
+              <a:t>, recorrendo ao pacote </a:t>
+            </a:r>
+            <a:r>
+              <a:rPr lang="pt-PT" sz="1400" i="1" dirty="0" err="1"/>
+              <a:t>pygame</a:t>
+            </a:r>
+            <a:r>
+              <a:rPr lang="pt-PT" sz="1400" dirty="0"/>
+              <a:t> para representação da interface do jogo.</a:t>
+            </a:r>
+          </a:p>
+          <a:p>
+            <a:pPr>
+              <a:lnSpc>
+                <a:spcPct val="150000"/>
+              </a:lnSpc>
+            </a:pPr>
+            <a:r>
+              <a:rPr lang="pt-PT" sz="1400" b="1" dirty="0"/>
+              <a:t>Ambiente de desenvolvimento</a:t>
             </a:r>
           </a:p>
           <a:p>
@@ -8510,46 +8327,20 @@
               <a:buChar char="§"/>
             </a:pPr>
             <a:r>
-              <a:rPr lang="pt-PT" sz="1400" i="1" dirty="0"/>
-              <a:t>Nodes</a:t>
+              <a:rPr lang="pt-PT" sz="1400" dirty="0" err="1"/>
+              <a:t>VSCode</a:t>
             </a:r>
             <a:r>
               <a:rPr lang="pt-PT" sz="1400" dirty="0"/>
-              <a:t> e </a:t>
-            </a:r>
-            <a:r>
-              <a:rPr lang="pt-PT" sz="1400" i="1" dirty="0" err="1"/>
-              <a:t>Graphs</a:t>
+              <a:t> / </a:t>
+            </a:r>
+            <a:r>
+              <a:rPr lang="pt-PT" sz="1400" dirty="0" err="1"/>
+              <a:t>Spyder</a:t>
             </a:r>
             <a:r>
               <a:rPr lang="pt-PT" sz="1400" dirty="0"/>
               <a:t>.</a:t>
-            </a:r>
-          </a:p>
-          <a:p>
-            <a:pPr marL="285750" indent="-285750">
-              <a:lnSpc>
-                <a:spcPct val="150000"/>
-              </a:lnSpc>
-              <a:buFont typeface="Wingdings" panose="05000000000000000000" pitchFamily="2" charset="2"/>
-              <a:buChar char="§"/>
-            </a:pPr>
-            <a:r>
-              <a:rPr lang="pt-PT" sz="1400" b="1" dirty="0"/>
-              <a:t>Estrutura de ficheiros: ???</a:t>
-            </a:r>
-          </a:p>
-          <a:p>
-            <a:pPr marL="285750" indent="-285750">
-              <a:lnSpc>
-                <a:spcPct val="150000"/>
-              </a:lnSpc>
-              <a:buFont typeface="Wingdings" panose="05000000000000000000" pitchFamily="2" charset="2"/>
-              <a:buChar char="§"/>
-            </a:pPr>
-            <a:r>
-              <a:rPr lang="pt-PT" sz="1400" b="1" dirty="0"/>
-              <a:t>Trabalho já implementado: </a:t>
             </a:r>
           </a:p>
           <a:p>
@@ -8560,9 +8351,17 @@
               <a:buFont typeface="Wingdings" panose="05000000000000000000" pitchFamily="2" charset="2"/>
               <a:buChar char="§"/>
             </a:pPr>
-            <a:r>
-              <a:rPr lang="pt-PT" sz="1400" dirty="0"/>
-              <a:t>Representação gráfica do tabuleiro;</a:t>
+            <a:endParaRPr lang="pt-PT" sz="1400" dirty="0"/>
+          </a:p>
+          <a:p>
+            <a:pPr>
+              <a:lnSpc>
+                <a:spcPct val="150000"/>
+              </a:lnSpc>
+            </a:pPr>
+            <a:r>
+              <a:rPr lang="pt-PT" sz="1400" b="1" dirty="0"/>
+              <a:t>Estruturas de dados</a:t>
             </a:r>
           </a:p>
           <a:p>
@@ -8575,6 +8374,122 @@
             </a:pPr>
             <a:r>
               <a:rPr lang="pt-PT" sz="1400" dirty="0"/>
+              <a:t>Listas, para representar os tabuleiros de jogo;</a:t>
+            </a:r>
+          </a:p>
+          <a:p>
+            <a:pPr marL="742950" lvl="1" indent="-285750">
+              <a:lnSpc>
+                <a:spcPct val="150000"/>
+              </a:lnSpc>
+              <a:buFont typeface="Wingdings" panose="05000000000000000000" pitchFamily="2" charset="2"/>
+              <a:buChar char="§"/>
+            </a:pPr>
+            <a:r>
+              <a:rPr lang="pt-PT" sz="1400" i="1" dirty="0"/>
+              <a:t>Nodes</a:t>
+            </a:r>
+            <a:r>
+              <a:rPr lang="pt-PT" sz="1400" dirty="0"/>
+              <a:t> e </a:t>
+            </a:r>
+            <a:r>
+              <a:rPr lang="pt-PT" sz="1400" i="1" dirty="0" err="1"/>
+              <a:t>Graphs</a:t>
+            </a:r>
+            <a:r>
+              <a:rPr lang="pt-PT" sz="1400" dirty="0"/>
+              <a:t>.</a:t>
+            </a:r>
+          </a:p>
+          <a:p>
+            <a:pPr>
+              <a:lnSpc>
+                <a:spcPct val="150000"/>
+              </a:lnSpc>
+            </a:pPr>
+            <a:r>
+              <a:rPr lang="pt-PT" sz="1400" b="1" dirty="0"/>
+              <a:t>Estrutura de ficheiros: </a:t>
+            </a:r>
+          </a:p>
+          <a:p>
+            <a:pPr marL="742950" lvl="1" indent="-285750">
+              <a:lnSpc>
+                <a:spcPct val="150000"/>
+              </a:lnSpc>
+              <a:buFont typeface="Wingdings" panose="05000000000000000000" pitchFamily="2" charset="2"/>
+              <a:buChar char="§"/>
+            </a:pPr>
+            <a:r>
+              <a:rPr lang="pt-PT" sz="1400" dirty="0"/>
+              <a:t>A figura ao lado representa a estrutura dos ficheiros com </a:t>
+            </a:r>
+          </a:p>
+          <a:p>
+            <a:pPr lvl="1">
+              <a:lnSpc>
+                <a:spcPct val="150000"/>
+              </a:lnSpc>
+            </a:pPr>
+            <a:r>
+              <a:rPr lang="pt-PT" sz="1400" dirty="0"/>
+              <a:t>diferentes matrizes para diferentes níveis com os quais </a:t>
+            </a:r>
+          </a:p>
+          <a:p>
+            <a:pPr lvl="1">
+              <a:lnSpc>
+                <a:spcPct val="150000"/>
+              </a:lnSpc>
+            </a:pPr>
+            <a:r>
+              <a:rPr lang="pt-PT" sz="1400" dirty="0"/>
+              <a:t>podemos testar o jogo;</a:t>
+            </a:r>
+          </a:p>
+          <a:p>
+            <a:pPr lvl="1">
+              <a:lnSpc>
+                <a:spcPct val="150000"/>
+              </a:lnSpc>
+            </a:pPr>
+            <a:endParaRPr lang="pt-PT" sz="1400" b="1" dirty="0"/>
+          </a:p>
+          <a:p>
+            <a:pPr>
+              <a:lnSpc>
+                <a:spcPct val="150000"/>
+              </a:lnSpc>
+            </a:pPr>
+            <a:r>
+              <a:rPr lang="pt-PT" sz="1400" b="1" dirty="0"/>
+              <a:t>Trabalho já implementado</a:t>
+            </a:r>
+          </a:p>
+          <a:p>
+            <a:pPr marL="742950" lvl="1" indent="-285750">
+              <a:lnSpc>
+                <a:spcPct val="150000"/>
+              </a:lnSpc>
+              <a:buFont typeface="Wingdings" panose="05000000000000000000" pitchFamily="2" charset="2"/>
+              <a:buChar char="§"/>
+            </a:pPr>
+            <a:r>
+              <a:rPr lang="pt-PT" sz="1400" dirty="0"/>
+              <a:t>Representação gráfica do tabuleiro;</a:t>
+            </a:r>
+          </a:p>
+          <a:p>
+            <a:pPr marL="742950" lvl="1" indent="-285750">
+              <a:lnSpc>
+                <a:spcPct val="150000"/>
+              </a:lnSpc>
+              <a:buFont typeface="Wingdings" panose="05000000000000000000" pitchFamily="2" charset="2"/>
+              <a:buChar char="§"/>
+            </a:pPr>
+            <a:r>
+              <a:rPr lang="pt-PT" sz="1400" dirty="0"/>
               <a:t>Verificação dos movimentos válidos.</a:t>
             </a:r>
           </a:p>
@@ -8587,6 +8502,36 @@
           </a:p>
         </p:txBody>
       </p:sp>
+      <p:pic>
+        <p:nvPicPr>
+          <p:cNvPr id="5" name="Imagem 4">
+            <a:extLst>
+              <a:ext uri="{FF2B5EF4-FFF2-40B4-BE49-F238E27FC236}">
+                <a16:creationId xmlns:a16="http://schemas.microsoft.com/office/drawing/2014/main" id="{98110F21-59D2-41D7-85A0-DC77BC2F776B}"/>
+              </a:ext>
+            </a:extLst>
+          </p:cNvPr>
+          <p:cNvPicPr>
+            <a:picLocks noChangeAspect="1"/>
+          </p:cNvPicPr>
+          <p:nvPr/>
+        </p:nvPicPr>
+        <p:blipFill>
+          <a:blip r:embed="rId2"/>
+          <a:stretch>
+            <a:fillRect/>
+          </a:stretch>
+        </p:blipFill>
+        <p:spPr>
+          <a:xfrm>
+            <a:off x="7323137" y="3970234"/>
+            <a:ext cx="2752725" cy="2419350"/>
+          </a:xfrm>
+          <a:prstGeom prst="rect">
+            <a:avLst/>
+          </a:prstGeom>
+        </p:spPr>
+      </p:pic>
     </p:spTree>
     <p:extLst>
       <p:ext uri="{BB962C8B-B14F-4D97-AF65-F5344CB8AC3E}">

--- a/docs/presentation.pptx
+++ b/docs/presentation.pptx
@@ -334,7 +334,7 @@
           <a:p>
             <a:fld id="{9AB3A824-1A51-4B26-AD58-A6D8E14F6C04}" type="datetimeFigureOut">
               <a:rPr lang="en-US" dirty="0"/>
-              <a:t>3/18/2021</a:t>
+              <a:t>3/19/2021</a:t>
             </a:fld>
             <a:endParaRPr lang="en-US" dirty="0"/>
           </a:p>
@@ -668,7 +668,7 @@
           <a:p>
             <a:fld id="{D857E33E-8B18-4087-B112-809917729534}" type="datetimeFigureOut">
               <a:rPr lang="en-US" dirty="0"/>
-              <a:t>3/18/2021</a:t>
+              <a:t>3/19/2021</a:t>
             </a:fld>
             <a:endParaRPr lang="en-US" dirty="0"/>
           </a:p>
@@ -970,7 +970,7 @@
           <a:p>
             <a:fld id="{D3FFE419-2371-464F-8239-3959401C3561}" type="datetimeFigureOut">
               <a:rPr lang="en-US" dirty="0"/>
-              <a:t>3/18/2021</a:t>
+              <a:t>3/19/2021</a:t>
             </a:fld>
             <a:endParaRPr lang="en-US" dirty="0"/>
           </a:p>
@@ -1217,7 +1217,7 @@
           <a:p>
             <a:fld id="{97D162C4-EDD9-4389-A98B-B87ECEA2A816}" type="datetimeFigureOut">
               <a:rPr lang="en-US" dirty="0"/>
-              <a:t>3/18/2021</a:t>
+              <a:t>3/19/2021</a:t>
             </a:fld>
             <a:endParaRPr lang="en-US" dirty="0"/>
           </a:p>
@@ -1624,7 +1624,7 @@
           <a:p>
             <a:fld id="{3E5059C3-6A89-4494-99FF-5A4D6FFD50EB}" type="datetimeFigureOut">
               <a:rPr lang="en-US" dirty="0"/>
-              <a:t>3/18/2021</a:t>
+              <a:t>3/19/2021</a:t>
             </a:fld>
             <a:endParaRPr lang="en-US" dirty="0"/>
           </a:p>
@@ -1938,7 +1938,7 @@
           <a:p>
             <a:fld id="{CA954B2F-12DE-47F5-8894-472B206D2E1E}" type="datetimeFigureOut">
               <a:rPr lang="en-US" dirty="0"/>
-              <a:t>3/18/2021</a:t>
+              <a:t>3/19/2021</a:t>
             </a:fld>
             <a:endParaRPr lang="en-US" dirty="0"/>
           </a:p>
@@ -2482,7 +2482,7 @@
           <a:p>
             <a:fld id="{3F30E46F-7819-4ACF-B48B-48222C2ACC88}" type="datetimeFigureOut">
               <a:rPr lang="en-US" dirty="0"/>
-              <a:t>3/18/2021</a:t>
+              <a:t>3/19/2021</a:t>
             </a:fld>
             <a:endParaRPr lang="en-US" dirty="0"/>
           </a:p>
@@ -2677,7 +2677,7 @@
           <a:p>
             <a:fld id="{1FAF3416-4057-4DAA-829D-4CA07428D088}" type="datetimeFigureOut">
               <a:rPr lang="en-US" dirty="0"/>
-              <a:t>3/18/2021</a:t>
+              <a:t>3/19/2021</a:t>
             </a:fld>
             <a:endParaRPr lang="en-US" dirty="0"/>
           </a:p>
@@ -2890,7 +2890,7 @@
           <a:p>
             <a:fld id="{921D9284-D300-4297-87F7-E791DCC15DB1}" type="datetimeFigureOut">
               <a:rPr lang="en-US" dirty="0"/>
-              <a:t>3/18/2021</a:t>
+              <a:t>3/19/2021</a:t>
             </a:fld>
             <a:endParaRPr lang="en-US" dirty="0"/>
           </a:p>
@@ -3259,7 +3259,7 @@
           <a:p>
             <a:fld id="{37D525BB-DA17-4BA0-B3C8-3AC3ABC827E6}" type="datetimeFigureOut">
               <a:rPr lang="en-US" dirty="0"/>
-              <a:t>3/18/2021</a:t>
+              <a:t>3/19/2021</a:t>
             </a:fld>
             <a:endParaRPr lang="en-US" dirty="0"/>
           </a:p>
@@ -3662,7 +3662,7 @@
           <a:p>
             <a:fld id="{B16C4C9A-3960-41CF-A4E9-2A8FB932454B}" type="datetimeFigureOut">
               <a:rPr lang="en-US" dirty="0"/>
-              <a:t>3/18/2021</a:t>
+              <a:t>3/19/2021</a:t>
             </a:fld>
             <a:endParaRPr lang="en-US" dirty="0"/>
           </a:p>
@@ -3973,7 +3973,7 @@
           <a:p>
             <a:fld id="{3CBC1C18-307B-4F68-A007-B5B542270E8D}" type="datetimeFigureOut">
               <a:rPr lang="en-US" dirty="0"/>
-              <a:t>3/18/2021</a:t>
+              <a:t>3/19/2021</a:t>
             </a:fld>
             <a:endParaRPr lang="en-US" dirty="0"/>
           </a:p>
@@ -6072,7 +6072,7 @@
             </a:pPr>
             <a:r>
               <a:rPr lang="pt-PT" sz="1500" dirty="0"/>
-              <a:t>O tabuleiro de jogo é representado por uma matriz B quadrangular com Y colunas e Y linhas, 4&lt;Y&lt;6. Os valores de cada célula têm os seguintes valores:</a:t>
+              <a:t>O tabuleiro de jogo é representado por uma matriz B quadrangular com Y colunas e Y linhas, 4 &lt;= Y &lt;= 6. Os valores de cada célula têm os seguintes valores:</a:t>
             </a:r>
           </a:p>
           <a:p>

--- a/docs/presentation.pptx
+++ b/docs/presentation.pptx
@@ -334,7 +334,7 @@
           <a:p>
             <a:fld id="{9AB3A824-1A51-4B26-AD58-A6D8E14F6C04}" type="datetimeFigureOut">
               <a:rPr lang="en-US" dirty="0"/>
-              <a:t>3/19/2021</a:t>
+              <a:t>3/20/2021</a:t>
             </a:fld>
             <a:endParaRPr lang="en-US" dirty="0"/>
           </a:p>
@@ -668,7 +668,7 @@
           <a:p>
             <a:fld id="{D857E33E-8B18-4087-B112-809917729534}" type="datetimeFigureOut">
               <a:rPr lang="en-US" dirty="0"/>
-              <a:t>3/19/2021</a:t>
+              <a:t>3/20/2021</a:t>
             </a:fld>
             <a:endParaRPr lang="en-US" dirty="0"/>
           </a:p>
@@ -970,7 +970,7 @@
           <a:p>
             <a:fld id="{D3FFE419-2371-464F-8239-3959401C3561}" type="datetimeFigureOut">
               <a:rPr lang="en-US" dirty="0"/>
-              <a:t>3/19/2021</a:t>
+              <a:t>3/20/2021</a:t>
             </a:fld>
             <a:endParaRPr lang="en-US" dirty="0"/>
           </a:p>
@@ -1217,7 +1217,7 @@
           <a:p>
             <a:fld id="{97D162C4-EDD9-4389-A98B-B87ECEA2A816}" type="datetimeFigureOut">
               <a:rPr lang="en-US" dirty="0"/>
-              <a:t>3/19/2021</a:t>
+              <a:t>3/20/2021</a:t>
             </a:fld>
             <a:endParaRPr lang="en-US" dirty="0"/>
           </a:p>
@@ -1624,7 +1624,7 @@
           <a:p>
             <a:fld id="{3E5059C3-6A89-4494-99FF-5A4D6FFD50EB}" type="datetimeFigureOut">
               <a:rPr lang="en-US" dirty="0"/>
-              <a:t>3/19/2021</a:t>
+              <a:t>3/20/2021</a:t>
             </a:fld>
             <a:endParaRPr lang="en-US" dirty="0"/>
           </a:p>
@@ -1938,7 +1938,7 @@
           <a:p>
             <a:fld id="{CA954B2F-12DE-47F5-8894-472B206D2E1E}" type="datetimeFigureOut">
               <a:rPr lang="en-US" dirty="0"/>
-              <a:t>3/19/2021</a:t>
+              <a:t>3/20/2021</a:t>
             </a:fld>
             <a:endParaRPr lang="en-US" dirty="0"/>
           </a:p>
@@ -2482,7 +2482,7 @@
           <a:p>
             <a:fld id="{3F30E46F-7819-4ACF-B48B-48222C2ACC88}" type="datetimeFigureOut">
               <a:rPr lang="en-US" dirty="0"/>
-              <a:t>3/19/2021</a:t>
+              <a:t>3/20/2021</a:t>
             </a:fld>
             <a:endParaRPr lang="en-US" dirty="0"/>
           </a:p>
@@ -2677,7 +2677,7 @@
           <a:p>
             <a:fld id="{1FAF3416-4057-4DAA-829D-4CA07428D088}" type="datetimeFigureOut">
               <a:rPr lang="en-US" dirty="0"/>
-              <a:t>3/19/2021</a:t>
+              <a:t>3/20/2021</a:t>
             </a:fld>
             <a:endParaRPr lang="en-US" dirty="0"/>
           </a:p>
@@ -2890,7 +2890,7 @@
           <a:p>
             <a:fld id="{921D9284-D300-4297-87F7-E791DCC15DB1}" type="datetimeFigureOut">
               <a:rPr lang="en-US" dirty="0"/>
-              <a:t>3/19/2021</a:t>
+              <a:t>3/20/2021</a:t>
             </a:fld>
             <a:endParaRPr lang="en-US" dirty="0"/>
           </a:p>
@@ -3259,7 +3259,7 @@
           <a:p>
             <a:fld id="{37D525BB-DA17-4BA0-B3C8-3AC3ABC827E6}" type="datetimeFigureOut">
               <a:rPr lang="en-US" dirty="0"/>
-              <a:t>3/19/2021</a:t>
+              <a:t>3/20/2021</a:t>
             </a:fld>
             <a:endParaRPr lang="en-US" dirty="0"/>
           </a:p>
@@ -3662,7 +3662,7 @@
           <a:p>
             <a:fld id="{B16C4C9A-3960-41CF-A4E9-2A8FB932454B}" type="datetimeFigureOut">
               <a:rPr lang="en-US" dirty="0"/>
-              <a:t>3/19/2021</a:t>
+              <a:t>3/20/2021</a:t>
             </a:fld>
             <a:endParaRPr lang="en-US" dirty="0"/>
           </a:p>
@@ -3973,7 +3973,7 @@
           <a:p>
             <a:fld id="{3CBC1C18-307B-4F68-A007-B5B542270E8D}" type="datetimeFigureOut">
               <a:rPr lang="en-US" dirty="0"/>
-              <a:t>3/19/2021</a:t>
+              <a:t>3/20/2021</a:t>
             </a:fld>
             <a:endParaRPr lang="en-US" dirty="0"/>
           </a:p>
@@ -6248,7 +6248,7 @@
                   </a:schemeClr>
                 </a:solidFill>
               </a:rPr>
-              <a:t>B = [  [ 'X’ , '-’ , '-’ , ‘Y’ ],</a:t>
+              <a:t>B = [  [ 'X’ , ‘X’ , '-’ , ‘X’ ],</a:t>
             </a:r>
           </a:p>
           <a:p>
@@ -6267,7 +6267,7 @@
                   </a:schemeClr>
                 </a:solidFill>
               </a:rPr>
-              <a:t>          [ ‘B’ , ’-’ , ’-’ , ’-’ ],</a:t>
+              <a:t>          [ ‘-’ , ’X’ , ’-’ , ’IP’ ],</a:t>
             </a:r>
           </a:p>
           <a:p>
@@ -6286,7 +6286,7 @@
                   </a:schemeClr>
                 </a:solidFill>
               </a:rPr>
-              <a:t>          [ 'X’ , 'BF’ , ‘-’ , ‘-’ ],</a:t>
+              <a:t>          [ ‘FP’ , ‘X’ , ‘IP’ , ‘X’ ],</a:t>
             </a:r>
           </a:p>
           <a:p>
@@ -6305,7 +6305,7 @@
                   </a:schemeClr>
                 </a:solidFill>
               </a:rPr>
-              <a:t>          [ ‘X’ , ’YF’ , ’-’ , ’-’ ] ]</a:t>
+              <a:t>          [ ‘-’ , ’-’ , ’-’ , ’FP’ ] ]</a:t>
             </a:r>
           </a:p>
         </p:txBody>
@@ -6355,7 +6355,7 @@
                   </a:schemeClr>
                 </a:solidFill>
               </a:rPr>
-              <a:t>B = [  [ 'X’ , '-’ , '-’ , ‘-’ ],</a:t>
+              <a:t>B = [  [ 'X’ , ‘X’ , '-’ , ‘X’ ],</a:t>
             </a:r>
           </a:p>
           <a:p>
@@ -6374,7 +6374,7 @@
                   </a:schemeClr>
                 </a:solidFill>
               </a:rPr>
-              <a:t>          [ ‘-’ , ’-’ , ’-’ , ’-’ ],</a:t>
+              <a:t>          [ ‘-’ , ’X’ , ’-’ , ’-’ ],</a:t>
             </a:r>
           </a:p>
           <a:p>
@@ -6393,7 +6393,7 @@
                   </a:schemeClr>
                 </a:solidFill>
               </a:rPr>
-              <a:t>          [ 'X’ , 'B’ , ‘-’ , ‘-’ ],</a:t>
+              <a:t>          [ ‘IPFP’ , ‘X’ , ‘-’ , ‘X’ ],</a:t>
             </a:r>
           </a:p>
           <a:p>
@@ -6412,7 +6412,7 @@
                   </a:schemeClr>
                 </a:solidFill>
               </a:rPr>
-              <a:t>          [ ‘X’ , ’Y’ , ’-’ , ’-’ ] ]</a:t>
+              <a:t>          [ ‘-’ , ’-’ , ’-’ , ’IPFP’ ] ]</a:t>
             </a:r>
           </a:p>
         </p:txBody>
@@ -6566,7 +6566,7 @@
         <p:spPr>
           <a:xfrm>
             <a:off x="1431732" y="5145775"/>
-            <a:ext cx="4721328" cy="1311000"/>
+            <a:ext cx="4721328" cy="1784976"/>
           </a:xfrm>
           <a:prstGeom prst="rect">
             <a:avLst/>
@@ -6608,7 +6608,7 @@
             </a:pPr>
             <a:r>
               <a:rPr lang="pt-PT" sz="1400" dirty="0"/>
-              <a:t>Número de estados finais (FZ) sozinhos (que não têm célula jogável (IZ) em cima).</a:t>
+              <a:t>f(n) = g(n) + h(n), onde g(n) é o custo do caminho desde o estado inicial até ao nó n e h(n) é uma função heurística que estima o custo do caminho mais barato desde n até ao estado objetivo.</a:t>
             </a:r>
           </a:p>
           <a:p>
@@ -6949,13 +6949,13 @@
           <p:nvPr>
             <p:extLst>
               <p:ext uri="{D42A27DB-BD31-4B8C-83A1-F6EECF244321}">
-                <p14:modId xmlns:p14="http://schemas.microsoft.com/office/powerpoint/2010/main" val="3330898760"/>
+                <p14:modId xmlns:p14="http://schemas.microsoft.com/office/powerpoint/2010/main" val="941513624"/>
               </p:ext>
             </p:extLst>
           </p:nvPr>
         </p:nvGraphicFramePr>
         <p:xfrm>
-          <a:off x="1575687" y="1313629"/>
+          <a:off x="1575687" y="1198489"/>
           <a:ext cx="9040628" cy="4820470"/>
         </p:xfrm>
         <a:graphic>
@@ -8157,7 +8157,7 @@
         </p:nvSpPr>
         <p:spPr>
           <a:xfrm>
-            <a:off x="5029200" y="890712"/>
+            <a:off x="1503485" y="6134099"/>
             <a:ext cx="5892799" cy="307777"/>
           </a:xfrm>
           <a:prstGeom prst="rect">
@@ -8259,7 +8259,7 @@
         <p:spPr>
           <a:xfrm>
             <a:off x="1642695" y="1231023"/>
-            <a:ext cx="8725267" cy="5478423"/>
+            <a:ext cx="8725267" cy="6124754"/>
           </a:xfrm>
           <a:prstGeom prst="rect">
             <a:avLst/>
@@ -8449,14 +8449,6 @@
             </a:r>
           </a:p>
           <a:p>
-            <a:pPr lvl="1">
-              <a:lnSpc>
-                <a:spcPct val="150000"/>
-              </a:lnSpc>
-            </a:pPr>
-            <a:endParaRPr lang="pt-PT" sz="1400" b="1" dirty="0"/>
-          </a:p>
-          <a:p>
             <a:pPr>
               <a:lnSpc>
                 <a:spcPct val="150000"/>
@@ -8490,8 +8482,44 @@
             </a:pPr>
             <a:r>
               <a:rPr lang="pt-PT" sz="1400" dirty="0"/>
-              <a:t>Verificação dos movimentos válidos.</a:t>
-            </a:r>
+              <a:t>Verificação dos movimentos válidos;</a:t>
+            </a:r>
+          </a:p>
+          <a:p>
+            <a:pPr marL="742950" lvl="1" indent="-285750">
+              <a:lnSpc>
+                <a:spcPct val="150000"/>
+              </a:lnSpc>
+              <a:buFont typeface="Wingdings" panose="05000000000000000000" pitchFamily="2" charset="2"/>
+              <a:buChar char="§"/>
+            </a:pPr>
+            <a:r>
+              <a:rPr lang="pt-PT" sz="1400" dirty="0"/>
+              <a:t>Modo de jogo individual;</a:t>
+            </a:r>
+          </a:p>
+          <a:p>
+            <a:pPr marL="742950" lvl="1" indent="-285750">
+              <a:lnSpc>
+                <a:spcPct val="150000"/>
+              </a:lnSpc>
+              <a:buFont typeface="Wingdings" panose="05000000000000000000" pitchFamily="2" charset="2"/>
+              <a:buChar char="§"/>
+            </a:pPr>
+            <a:r>
+              <a:rPr lang="pt-PT" sz="1400" dirty="0"/>
+              <a:t>Implementação do algoritmo BFS.</a:t>
+            </a:r>
+          </a:p>
+          <a:p>
+            <a:pPr marL="742950" lvl="1" indent="-285750">
+              <a:lnSpc>
+                <a:spcPct val="150000"/>
+              </a:lnSpc>
+              <a:buFont typeface="Wingdings" panose="05000000000000000000" pitchFamily="2" charset="2"/>
+              <a:buChar char="§"/>
+            </a:pPr>
+            <a:endParaRPr lang="pt-PT" sz="1400" dirty="0"/>
           </a:p>
           <a:p>
             <a:pPr marL="285750" indent="-285750">
@@ -8504,10 +8532,10 @@
       </p:sp>
       <p:pic>
         <p:nvPicPr>
-          <p:cNvPr id="5" name="Imagem 4">
+          <p:cNvPr id="6" name="Imagem 5">
             <a:extLst>
               <a:ext uri="{FF2B5EF4-FFF2-40B4-BE49-F238E27FC236}">
-                <a16:creationId xmlns:a16="http://schemas.microsoft.com/office/drawing/2014/main" id="{98110F21-59D2-41D7-85A0-DC77BC2F776B}"/>
+                <a16:creationId xmlns:a16="http://schemas.microsoft.com/office/drawing/2014/main" id="{1585AF65-1C94-4DC2-8FDF-A7E05F7D37B7}"/>
               </a:ext>
             </a:extLst>
           </p:cNvPr>
@@ -8524,8 +8552,8 @@
         </p:blipFill>
         <p:spPr>
           <a:xfrm>
-            <a:off x="7323137" y="3970234"/>
-            <a:ext cx="2752725" cy="2419350"/>
+            <a:off x="7266353" y="3606967"/>
+            <a:ext cx="3101609" cy="2568163"/>
           </a:xfrm>
           <a:prstGeom prst="rect">
             <a:avLst/>

--- a/docs/presentation.pptx
+++ b/docs/presentation.pptx
@@ -380,7 +380,7 @@
           <a:p>
             <a:fld id="{6D22F896-40B5-4ADD-8801-0D06FADFA095}" type="slidenum">
               <a:rPr lang="en-US" dirty="0"/>
-              <a:t>‹nº›</a:t>
+              <a:t>‹#›</a:t>
             </a:fld>
             <a:endParaRPr lang="en-US" dirty="0"/>
           </a:p>
@@ -714,7 +714,7 @@
           <a:p>
             <a:fld id="{6D22F896-40B5-4ADD-8801-0D06FADFA095}" type="slidenum">
               <a:rPr lang="en-US" dirty="0"/>
-              <a:t>‹nº›</a:t>
+              <a:t>‹#›</a:t>
             </a:fld>
             <a:endParaRPr lang="en-US" dirty="0"/>
           </a:p>
@@ -1016,7 +1016,7 @@
           <a:p>
             <a:fld id="{6D22F896-40B5-4ADD-8801-0D06FADFA095}" type="slidenum">
               <a:rPr lang="en-US" dirty="0"/>
-              <a:t>‹nº›</a:t>
+              <a:t>‹#›</a:t>
             </a:fld>
             <a:endParaRPr lang="en-US" dirty="0"/>
           </a:p>
@@ -1263,7 +1263,7 @@
           <a:p>
             <a:fld id="{6D22F896-40B5-4ADD-8801-0D06FADFA095}" type="slidenum">
               <a:rPr lang="en-US" dirty="0"/>
-              <a:t>‹nº›</a:t>
+              <a:t>‹#›</a:t>
             </a:fld>
             <a:endParaRPr lang="en-US" dirty="0"/>
           </a:p>
@@ -1670,7 +1670,7 @@
           <a:p>
             <a:fld id="{6D22F896-40B5-4ADD-8801-0D06FADFA095}" type="slidenum">
               <a:rPr lang="en-US" dirty="0"/>
-              <a:t>‹nº›</a:t>
+              <a:t>‹#›</a:t>
             </a:fld>
             <a:endParaRPr lang="en-US" dirty="0"/>
           </a:p>
@@ -1984,7 +1984,7 @@
           <a:p>
             <a:fld id="{6D22F896-40B5-4ADD-8801-0D06FADFA095}" type="slidenum">
               <a:rPr lang="en-US" dirty="0"/>
-              <a:t>‹nº›</a:t>
+              <a:t>‹#›</a:t>
             </a:fld>
             <a:endParaRPr lang="en-US" dirty="0"/>
           </a:p>
@@ -2528,7 +2528,7 @@
           <a:p>
             <a:fld id="{6D22F896-40B5-4ADD-8801-0D06FADFA095}" type="slidenum">
               <a:rPr lang="en-US" dirty="0"/>
-              <a:t>‹nº›</a:t>
+              <a:t>‹#›</a:t>
             </a:fld>
             <a:endParaRPr lang="en-US" dirty="0"/>
           </a:p>
@@ -2723,7 +2723,7 @@
           <a:p>
             <a:fld id="{6D22F896-40B5-4ADD-8801-0D06FADFA095}" type="slidenum">
               <a:rPr lang="en-US" dirty="0"/>
-              <a:t>‹nº›</a:t>
+              <a:t>‹#›</a:t>
             </a:fld>
             <a:endParaRPr lang="en-US" dirty="0"/>
           </a:p>
@@ -2936,7 +2936,7 @@
           <a:p>
             <a:fld id="{6D22F896-40B5-4ADD-8801-0D06FADFA095}" type="slidenum">
               <a:rPr lang="en-US" dirty="0"/>
-              <a:t>‹nº›</a:t>
+              <a:t>‹#›</a:t>
             </a:fld>
             <a:endParaRPr lang="en-US" dirty="0"/>
           </a:p>
@@ -3305,7 +3305,7 @@
           <a:p>
             <a:fld id="{6D22F896-40B5-4ADD-8801-0D06FADFA095}" type="slidenum">
               <a:rPr lang="en-US" dirty="0"/>
-              <a:t>‹nº›</a:t>
+              <a:t>‹#›</a:t>
             </a:fld>
             <a:endParaRPr lang="en-US" dirty="0"/>
           </a:p>
@@ -3708,7 +3708,7 @@
           <a:p>
             <a:fld id="{6D22F896-40B5-4ADD-8801-0D06FADFA095}" type="slidenum">
               <a:rPr lang="en-US" dirty="0"/>
-              <a:t>‹nº›</a:t>
+              <a:t>‹#›</a:t>
             </a:fld>
             <a:endParaRPr lang="en-US" dirty="0"/>
           </a:p>
@@ -4056,7 +4056,7 @@
             <a:fld id="{6D22F896-40B5-4ADD-8801-0D06FADFA095}" type="slidenum">
               <a:rPr lang="en-US" dirty="0"/>
               <a:pPr/>
-              <a:t>‹nº›</a:t>
+              <a:t>‹#›</a:t>
             </a:fld>
             <a:endParaRPr lang="en-US" dirty="0"/>
           </a:p>
@@ -5469,6 +5469,15 @@
 <file path=ppt/slides/slide3.xml><?xml version="1.0" encoding="utf-8"?>
 <p:sld xmlns:a="http://schemas.openxmlformats.org/drawingml/2006/main" xmlns:r="http://schemas.openxmlformats.org/officeDocument/2006/relationships" xmlns:p="http://schemas.openxmlformats.org/presentationml/2006/main">
   <p:cSld>
+    <p:bg>
+      <p:bgPr>
+        <a:blipFill rotWithShape="1">
+          <a:blip r:embed="rId2"/>
+          <a:stretch/>
+        </a:blipFill>
+        <a:effectLst/>
+      </p:bgPr>
+    </p:bg>
     <p:spTree>
       <p:nvGrpSpPr>
         <p:cNvPr id="1" name=""/>
@@ -5483,6 +5492,1318 @@
           <a:chExt cx="0" cy="0"/>
         </a:xfrm>
       </p:grpSpPr>
+      <p:pic>
+        <p:nvPicPr>
+          <p:cNvPr id="11" name="Picture 10">
+            <a:extLst>
+              <a:ext uri="{FF2B5EF4-FFF2-40B4-BE49-F238E27FC236}">
+                <a16:creationId xmlns:a16="http://schemas.microsoft.com/office/drawing/2014/main" id="{3DBBA26C-89C3-411F-9753-606A413F89AF}"/>
+              </a:ext>
+              <a:ext uri="{C183D7F6-B498-43B3-948B-1728B52AA6E4}">
+                <adec:decorative xmlns:adec="http://schemas.microsoft.com/office/drawing/2017/decorative" val="1"/>
+              </a:ext>
+            </a:extLst>
+          </p:cNvPr>
+          <p:cNvPicPr>
+            <a:picLocks noGrp="1" noRot="1" noChangeAspect="1" noMove="1" noResize="1" noEditPoints="1" noAdjustHandles="1" noChangeArrowheads="1" noChangeShapeType="1" noCrop="1"/>
+          </p:cNvPicPr>
+          <p:nvPr>
+            <p:extLst>
+              <p:ext uri="{386F3935-93C4-4BCD-93E2-E3B085C9AB24}">
+                <p16:designElem xmlns:p16="http://schemas.microsoft.com/office/powerpoint/2015/main" val="1"/>
+              </p:ext>
+            </p:extLst>
+          </p:nvPr>
+        </p:nvPicPr>
+        <p:blipFill>
+          <a:blip r:embed="rId3">
+            <a:extLst>
+              <a:ext uri="{28A0092B-C50C-407E-A947-70E740481C1C}">
+                <a14:useLocalDpi xmlns:a14="http://schemas.microsoft.com/office/drawing/2010/main" val="0"/>
+              </a:ext>
+            </a:extLst>
+          </a:blip>
+          <a:stretch>
+            <a:fillRect/>
+          </a:stretch>
+        </p:blipFill>
+        <p:spPr>
+          <a:xfrm>
+            <a:off x="2831794" y="2105202"/>
+            <a:ext cx="9360205" cy="4752798"/>
+          </a:xfrm>
+          <a:prstGeom prst="rect">
+            <a:avLst/>
+          </a:prstGeom>
+        </p:spPr>
+      </p:pic>
+      <p:pic>
+        <p:nvPicPr>
+          <p:cNvPr id="13" name="Picture 12">
+            <a:extLst>
+              <a:ext uri="{FF2B5EF4-FFF2-40B4-BE49-F238E27FC236}">
+                <a16:creationId xmlns:a16="http://schemas.microsoft.com/office/drawing/2014/main" id="{EEAD2215-6311-4D1C-B6B5-F57CB6BFCBCA}"/>
+              </a:ext>
+              <a:ext uri="{C183D7F6-B498-43B3-948B-1728B52AA6E4}">
+                <adec:decorative xmlns:adec="http://schemas.microsoft.com/office/drawing/2017/decorative" val="1"/>
+              </a:ext>
+            </a:extLst>
+          </p:cNvPr>
+          <p:cNvPicPr>
+            <a:picLocks noGrp="1" noRot="1" noChangeAspect="1" noMove="1" noResize="1" noEditPoints="1" noAdjustHandles="1" noChangeArrowheads="1" noChangeShapeType="1" noCrop="1"/>
+          </p:cNvPicPr>
+          <p:nvPr>
+            <p:extLst>
+              <p:ext uri="{386F3935-93C4-4BCD-93E2-E3B085C9AB24}">
+                <p16:designElem xmlns:p16="http://schemas.microsoft.com/office/powerpoint/2015/main" val="1"/>
+              </p:ext>
+            </p:extLst>
+          </p:nvPr>
+        </p:nvPicPr>
+        <p:blipFill>
+          <a:blip r:embed="rId4">
+            <a:extLst>
+              <a:ext uri="{28A0092B-C50C-407E-A947-70E740481C1C}">
+                <a14:useLocalDpi xmlns:a14="http://schemas.microsoft.com/office/drawing/2010/main" val="0"/>
+              </a:ext>
+            </a:extLst>
+          </a:blip>
+          <a:stretch>
+            <a:fillRect/>
+          </a:stretch>
+        </p:blipFill>
+        <p:spPr>
+          <a:xfrm>
+            <a:off x="0" y="0"/>
+            <a:ext cx="12189867" cy="6858000"/>
+          </a:xfrm>
+          <a:prstGeom prst="rect">
+            <a:avLst/>
+          </a:prstGeom>
+        </p:spPr>
+      </p:pic>
+      <p:sp>
+        <p:nvSpPr>
+          <p:cNvPr id="15" name="Rectangle 14">
+            <a:extLst>
+              <a:ext uri="{FF2B5EF4-FFF2-40B4-BE49-F238E27FC236}">
+                <a16:creationId xmlns:a16="http://schemas.microsoft.com/office/drawing/2014/main" id="{7BA5DE79-30D1-4A10-8DB9-0A6E523A9723}"/>
+              </a:ext>
+              <a:ext uri="{C183D7F6-B498-43B3-948B-1728B52AA6E4}">
+                <adec:decorative xmlns:adec="http://schemas.microsoft.com/office/drawing/2017/decorative" val="1"/>
+              </a:ext>
+            </a:extLst>
+          </p:cNvPr>
+          <p:cNvSpPr>
+            <a:spLocks noGrp="1" noRot="1" noChangeAspect="1" noMove="1" noResize="1" noEditPoints="1" noAdjustHandles="1" noChangeArrowheads="1" noChangeShapeType="1" noTextEdit="1"/>
+          </p:cNvSpPr>
+          <p:nvPr>
+            <p:extLst>
+              <p:ext uri="{386F3935-93C4-4BCD-93E2-E3B085C9AB24}">
+                <p16:designElem xmlns:p16="http://schemas.microsoft.com/office/powerpoint/2015/main" val="1"/>
+              </p:ext>
+            </p:extLst>
+          </p:nvPr>
+        </p:nvSpPr>
+        <p:spPr>
+          <a:xfrm>
+            <a:off x="0" y="0"/>
+            <a:ext cx="964174" cy="6858000"/>
+          </a:xfrm>
+          <a:prstGeom prst="rect">
+            <a:avLst/>
+          </a:prstGeom>
+          <a:solidFill>
+            <a:schemeClr val="bg2"/>
+          </a:solidFill>
+          <a:ln>
+            <a:noFill/>
+          </a:ln>
+        </p:spPr>
+        <p:style>
+          <a:lnRef idx="2">
+            <a:schemeClr val="accent1">
+              <a:shade val="50000"/>
+            </a:schemeClr>
+          </a:lnRef>
+          <a:fillRef idx="1">
+            <a:schemeClr val="accent1"/>
+          </a:fillRef>
+          <a:effectRef idx="0">
+            <a:schemeClr val="accent1"/>
+          </a:effectRef>
+          <a:fontRef idx="minor">
+            <a:schemeClr val="lt1"/>
+          </a:fontRef>
+        </p:style>
+      </p:sp>
+      <p:sp>
+        <p:nvSpPr>
+          <p:cNvPr id="17" name="Rectangle 16">
+            <a:extLst>
+              <a:ext uri="{FF2B5EF4-FFF2-40B4-BE49-F238E27FC236}">
+                <a16:creationId xmlns:a16="http://schemas.microsoft.com/office/drawing/2014/main" id="{9ABD0D63-D23F-4AE7-8270-4185EF9C1C25}"/>
+              </a:ext>
+              <a:ext uri="{C183D7F6-B498-43B3-948B-1728B52AA6E4}">
+                <adec:decorative xmlns:adec="http://schemas.microsoft.com/office/drawing/2017/decorative" val="1"/>
+              </a:ext>
+            </a:extLst>
+          </p:cNvPr>
+          <p:cNvSpPr>
+            <a:spLocks noGrp="1" noRot="1" noChangeAspect="1" noMove="1" noResize="1" noEditPoints="1" noAdjustHandles="1" noChangeArrowheads="1" noChangeShapeType="1" noTextEdit="1"/>
+          </p:cNvSpPr>
+          <p:nvPr>
+            <p:extLst>
+              <p:ext uri="{386F3935-93C4-4BCD-93E2-E3B085C9AB24}">
+                <p16:designElem xmlns:p16="http://schemas.microsoft.com/office/powerpoint/2015/main" val="1"/>
+              </p:ext>
+            </p:extLst>
+          </p:nvPr>
+        </p:nvSpPr>
+        <p:spPr>
+          <a:xfrm>
+            <a:off x="962042" y="0"/>
+            <a:ext cx="45719" cy="6858000"/>
+          </a:xfrm>
+          <a:prstGeom prst="rect">
+            <a:avLst/>
+          </a:prstGeom>
+          <a:solidFill>
+            <a:schemeClr val="accent6"/>
+          </a:solidFill>
+          <a:ln>
+            <a:noFill/>
+          </a:ln>
+        </p:spPr>
+        <p:style>
+          <a:lnRef idx="2">
+            <a:schemeClr val="accent1">
+              <a:shade val="50000"/>
+            </a:schemeClr>
+          </a:lnRef>
+          <a:fillRef idx="1">
+            <a:schemeClr val="accent1"/>
+          </a:fillRef>
+          <a:effectRef idx="0">
+            <a:schemeClr val="accent1"/>
+          </a:effectRef>
+          <a:fontRef idx="minor">
+            <a:schemeClr val="lt1"/>
+          </a:fontRef>
+        </p:style>
+      </p:sp>
+      <p:sp>
+        <p:nvSpPr>
+          <p:cNvPr id="19" name="Rectangle 18">
+            <a:extLst>
+              <a:ext uri="{FF2B5EF4-FFF2-40B4-BE49-F238E27FC236}">
+                <a16:creationId xmlns:a16="http://schemas.microsoft.com/office/drawing/2014/main" id="{D5B0B43F-2CE7-4C6C-BABC-EE342B32827C}"/>
+              </a:ext>
+              <a:ext uri="{C183D7F6-B498-43B3-948B-1728B52AA6E4}">
+                <adec:decorative xmlns:adec="http://schemas.microsoft.com/office/drawing/2017/decorative" val="1"/>
+              </a:ext>
+            </a:extLst>
+          </p:cNvPr>
+          <p:cNvSpPr>
+            <a:spLocks noGrp="1" noRot="1" noChangeAspect="1" noMove="1" noResize="1" noEditPoints="1" noAdjustHandles="1" noChangeArrowheads="1" noChangeShapeType="1" noTextEdit="1"/>
+          </p:cNvSpPr>
+          <p:nvPr>
+            <p:extLst>
+              <p:ext uri="{386F3935-93C4-4BCD-93E2-E3B085C9AB24}">
+                <p16:designElem xmlns:p16="http://schemas.microsoft.com/office/powerpoint/2015/main" val="1"/>
+              </p:ext>
+            </p:extLst>
+          </p:nvPr>
+        </p:nvSpPr>
+        <p:spPr>
+          <a:xfrm>
+            <a:off x="1004479" y="0"/>
+            <a:ext cx="10372316" cy="6858000"/>
+          </a:xfrm>
+          <a:prstGeom prst="rect">
+            <a:avLst/>
+          </a:prstGeom>
+          <a:solidFill>
+            <a:schemeClr val="bg2">
+              <a:alpha val="92000"/>
+            </a:schemeClr>
+          </a:solidFill>
+          <a:ln>
+            <a:noFill/>
+          </a:ln>
+        </p:spPr>
+        <p:style>
+          <a:lnRef idx="2">
+            <a:schemeClr val="accent1">
+              <a:shade val="50000"/>
+            </a:schemeClr>
+          </a:lnRef>
+          <a:fillRef idx="1">
+            <a:schemeClr val="accent1"/>
+          </a:fillRef>
+          <a:effectRef idx="0">
+            <a:schemeClr val="accent1"/>
+          </a:effectRef>
+          <a:fontRef idx="minor">
+            <a:schemeClr val="lt1"/>
+          </a:fontRef>
+        </p:style>
+      </p:sp>
+      <p:sp>
+        <p:nvSpPr>
+          <p:cNvPr id="21" name="Rectangle 20">
+            <a:extLst>
+              <a:ext uri="{FF2B5EF4-FFF2-40B4-BE49-F238E27FC236}">
+                <a16:creationId xmlns:a16="http://schemas.microsoft.com/office/drawing/2014/main" id="{85459F07-63F9-48CF-B725-A873C4BC3650}"/>
+              </a:ext>
+              <a:ext uri="{C183D7F6-B498-43B3-948B-1728B52AA6E4}">
+                <adec:decorative xmlns:adec="http://schemas.microsoft.com/office/drawing/2017/decorative" val="1"/>
+              </a:ext>
+            </a:extLst>
+          </p:cNvPr>
+          <p:cNvSpPr>
+            <a:spLocks noGrp="1" noRot="1" noChangeAspect="1" noMove="1" noResize="1" noEditPoints="1" noAdjustHandles="1" noChangeArrowheads="1" noChangeShapeType="1" noTextEdit="1"/>
+          </p:cNvSpPr>
+          <p:nvPr>
+            <p:extLst>
+              <p:ext uri="{386F3935-93C4-4BCD-93E2-E3B085C9AB24}">
+                <p16:designElem xmlns:p16="http://schemas.microsoft.com/office/powerpoint/2015/main" val="1"/>
+              </p:ext>
+            </p:extLst>
+          </p:nvPr>
+        </p:nvSpPr>
+        <p:spPr>
+          <a:xfrm>
+            <a:off x="11377328" y="0"/>
+            <a:ext cx="27432" cy="6858000"/>
+          </a:xfrm>
+          <a:prstGeom prst="rect">
+            <a:avLst/>
+          </a:prstGeom>
+          <a:solidFill>
+            <a:schemeClr val="accent6"/>
+          </a:solidFill>
+          <a:ln>
+            <a:noFill/>
+          </a:ln>
+        </p:spPr>
+        <p:style>
+          <a:lnRef idx="2">
+            <a:schemeClr val="accent1">
+              <a:shade val="50000"/>
+            </a:schemeClr>
+          </a:lnRef>
+          <a:fillRef idx="1">
+            <a:schemeClr val="accent1"/>
+          </a:fillRef>
+          <a:effectRef idx="0">
+            <a:schemeClr val="accent1"/>
+          </a:effectRef>
+          <a:fontRef idx="minor">
+            <a:schemeClr val="lt1"/>
+          </a:fontRef>
+        </p:style>
+      </p:sp>
+      <p:sp>
+        <p:nvSpPr>
+          <p:cNvPr id="23" name="TextBox 22">
+            <a:extLst>
+              <a:ext uri="{FF2B5EF4-FFF2-40B4-BE49-F238E27FC236}">
+                <a16:creationId xmlns:a16="http://schemas.microsoft.com/office/drawing/2014/main" id="{14B83E1E-DAC1-4851-84FF-D6FE1649DE0B}"/>
+              </a:ext>
+              <a:ext uri="{C183D7F6-B498-43B3-948B-1728B52AA6E4}">
+                <adec:decorative xmlns:adec="http://schemas.microsoft.com/office/drawing/2017/decorative" val="1"/>
+              </a:ext>
+            </a:extLst>
+          </p:cNvPr>
+          <p:cNvSpPr txBox="1">
+            <a:spLocks noGrp="1" noRot="1" noChangeAspect="1" noMove="1" noResize="1" noEditPoints="1" noAdjustHandles="1" noChangeArrowheads="1" noChangeShapeType="1" noTextEdit="1"/>
+          </p:cNvSpPr>
+          <p:nvPr>
+            <p:extLst>
+              <p:ext uri="{386F3935-93C4-4BCD-93E2-E3B085C9AB24}">
+                <p16:designElem xmlns:p16="http://schemas.microsoft.com/office/powerpoint/2015/main" val="1"/>
+              </p:ext>
+            </p:extLst>
+          </p:nvPr>
+        </p:nvSpPr>
+        <p:spPr>
+          <a:xfrm>
+            <a:off x="2194943" y="641225"/>
+            <a:ext cx="415636" cy="369332"/>
+          </a:xfrm>
+          <a:prstGeom prst="rect">
+            <a:avLst/>
+          </a:prstGeom>
+          <a:noFill/>
+        </p:spPr>
+        <p:txBody>
+          <a:bodyPr wrap="square" rtlCol="0">
+            <a:spAutoFit/>
+          </a:bodyPr>
+          <a:lstStyle/>
+          <a:p>
+            <a:pPr algn="r">
+              <a:spcAft>
+                <a:spcPts val="600"/>
+              </a:spcAft>
+            </a:pPr>
+            <a:r>
+              <a:rPr lang="en-US" sz="1800" dirty="0">
+                <a:solidFill>
+                  <a:schemeClr val="accent6"/>
+                </a:solidFill>
+                <a:latin typeface="Wingdings 3" panose="05040102010807070707" pitchFamily="18" charset="2"/>
+              </a:rPr>
+              <a:t>z</a:t>
+            </a:r>
+            <a:endParaRPr lang="en-US" sz="1000" dirty="0">
+              <a:solidFill>
+                <a:schemeClr val="accent6"/>
+              </a:solidFill>
+              <a:latin typeface="MS Shell Dlg 2" panose="020B0604030504040204" pitchFamily="34" charset="0"/>
+            </a:endParaRPr>
+          </a:p>
+        </p:txBody>
+      </p:sp>
+      <p:sp useBgFill="1">
+        <p:nvSpPr>
+          <p:cNvPr id="25" name="Rectangle 24">
+            <a:extLst>
+              <a:ext uri="{FF2B5EF4-FFF2-40B4-BE49-F238E27FC236}">
+                <a16:creationId xmlns:a16="http://schemas.microsoft.com/office/drawing/2014/main" id="{8F3CF990-ACB8-443A-BB74-D36EC8A00B02}"/>
+              </a:ext>
+              <a:ext uri="{C183D7F6-B498-43B3-948B-1728B52AA6E4}">
+                <adec:decorative xmlns:adec="http://schemas.microsoft.com/office/drawing/2017/decorative" val="1"/>
+              </a:ext>
+            </a:extLst>
+          </p:cNvPr>
+          <p:cNvSpPr>
+            <a:spLocks noGrp="1" noRot="1" noChangeAspect="1" noMove="1" noResize="1" noEditPoints="1" noAdjustHandles="1" noChangeArrowheads="1" noChangeShapeType="1" noTextEdit="1"/>
+          </p:cNvSpPr>
+          <p:nvPr>
+            <p:extLst>
+              <p:ext uri="{386F3935-93C4-4BCD-93E2-E3B085C9AB24}">
+                <p16:designElem xmlns:p16="http://schemas.microsoft.com/office/powerpoint/2015/main" val="1"/>
+              </p:ext>
+            </p:extLst>
+          </p:nvPr>
+        </p:nvSpPr>
+        <p:spPr>
+          <a:xfrm>
+            <a:off x="0" y="-1"/>
+            <a:ext cx="12192000" cy="6858001"/>
+          </a:xfrm>
+          <a:prstGeom prst="rect">
+            <a:avLst/>
+          </a:prstGeom>
+          <a:ln>
+            <a:noFill/>
+          </a:ln>
+        </p:spPr>
+        <p:style>
+          <a:lnRef idx="2">
+            <a:schemeClr val="accent1">
+              <a:shade val="50000"/>
+            </a:schemeClr>
+          </a:lnRef>
+          <a:fillRef idx="1">
+            <a:schemeClr val="accent1"/>
+          </a:fillRef>
+          <a:effectRef idx="0">
+            <a:schemeClr val="accent1"/>
+          </a:effectRef>
+          <a:fontRef idx="minor">
+            <a:schemeClr val="lt1"/>
+          </a:fontRef>
+        </p:style>
+        <p:txBody>
+          <a:bodyPr rtlCol="0" anchor="ctr"/>
+          <a:lstStyle/>
+          <a:p>
+            <a:pPr algn="ctr"/>
+            <a:endParaRPr lang="en-US"/>
+          </a:p>
+        </p:txBody>
+      </p:sp>
+      <p:sp>
+        <p:nvSpPr>
+          <p:cNvPr id="27" name="Rectangle 26">
+            <a:extLst>
+              <a:ext uri="{FF2B5EF4-FFF2-40B4-BE49-F238E27FC236}">
+                <a16:creationId xmlns:a16="http://schemas.microsoft.com/office/drawing/2014/main" id="{2601900C-265D-4146-A578-477541E3DF28}"/>
+              </a:ext>
+              <a:ext uri="{C183D7F6-B498-43B3-948B-1728B52AA6E4}">
+                <adec:decorative xmlns:adec="http://schemas.microsoft.com/office/drawing/2017/decorative" val="1"/>
+              </a:ext>
+            </a:extLst>
+          </p:cNvPr>
+          <p:cNvSpPr>
+            <a:spLocks noGrp="1" noRot="1" noChangeAspect="1" noMove="1" noResize="1" noEditPoints="1" noAdjustHandles="1" noChangeArrowheads="1" noChangeShapeType="1" noTextEdit="1"/>
+          </p:cNvSpPr>
+          <p:nvPr>
+            <p:extLst>
+              <p:ext uri="{386F3935-93C4-4BCD-93E2-E3B085C9AB24}">
+                <p16:designElem xmlns:p16="http://schemas.microsoft.com/office/powerpoint/2015/main" val="1"/>
+              </p:ext>
+            </p:extLst>
+          </p:nvPr>
+        </p:nvSpPr>
+        <p:spPr>
+          <a:xfrm>
+            <a:off x="0" y="0"/>
+            <a:ext cx="12192000" cy="6858000"/>
+          </a:xfrm>
+          <a:prstGeom prst="rect">
+            <a:avLst/>
+          </a:prstGeom>
+          <a:solidFill>
+            <a:schemeClr val="accent1">
+              <a:lumMod val="50000"/>
+              <a:alpha val="20000"/>
+            </a:schemeClr>
+          </a:solidFill>
+          <a:ln>
+            <a:noFill/>
+          </a:ln>
+        </p:spPr>
+        <p:style>
+          <a:lnRef idx="2">
+            <a:schemeClr val="accent1">
+              <a:shade val="50000"/>
+            </a:schemeClr>
+          </a:lnRef>
+          <a:fillRef idx="1">
+            <a:schemeClr val="accent1"/>
+          </a:fillRef>
+          <a:effectRef idx="0">
+            <a:schemeClr val="accent1"/>
+          </a:effectRef>
+          <a:fontRef idx="minor">
+            <a:schemeClr val="lt1"/>
+          </a:fontRef>
+        </p:style>
+        <p:txBody>
+          <a:bodyPr rtlCol="0" anchor="ctr"/>
+          <a:lstStyle/>
+          <a:p>
+            <a:pPr algn="ctr"/>
+            <a:endParaRPr lang="en-US"/>
+          </a:p>
+        </p:txBody>
+      </p:sp>
+      <p:pic>
+        <p:nvPicPr>
+          <p:cNvPr id="29" name="Picture 28">
+            <a:extLst>
+              <a:ext uri="{FF2B5EF4-FFF2-40B4-BE49-F238E27FC236}">
+                <a16:creationId xmlns:a16="http://schemas.microsoft.com/office/drawing/2014/main" id="{00B98862-BEE1-44FB-A335-A1B9106B445E}"/>
+              </a:ext>
+              <a:ext uri="{C183D7F6-B498-43B3-948B-1728B52AA6E4}">
+                <adec:decorative xmlns:adec="http://schemas.microsoft.com/office/drawing/2017/decorative" val="1"/>
+              </a:ext>
+            </a:extLst>
+          </p:cNvPr>
+          <p:cNvPicPr>
+            <a:picLocks noGrp="1" noRot="1" noChangeAspect="1" noMove="1" noResize="1" noEditPoints="1" noAdjustHandles="1" noChangeArrowheads="1" noChangeShapeType="1" noCrop="1"/>
+          </p:cNvPicPr>
+          <p:nvPr>
+            <p:extLst>
+              <p:ext uri="{386F3935-93C4-4BCD-93E2-E3B085C9AB24}">
+                <p16:designElem xmlns:p16="http://schemas.microsoft.com/office/powerpoint/2015/main" val="1"/>
+              </p:ext>
+            </p:extLst>
+          </p:nvPr>
+        </p:nvPicPr>
+        <p:blipFill>
+          <a:blip r:embed="rId3">
+            <a:extLst>
+              <a:ext uri="{28A0092B-C50C-407E-A947-70E740481C1C}">
+                <a14:useLocalDpi xmlns:a14="http://schemas.microsoft.com/office/drawing/2010/main" val="0"/>
+              </a:ext>
+            </a:extLst>
+          </a:blip>
+          <a:stretch>
+            <a:fillRect/>
+          </a:stretch>
+        </p:blipFill>
+        <p:spPr>
+          <a:xfrm>
+            <a:off x="2831794" y="2105202"/>
+            <a:ext cx="9360205" cy="4752798"/>
+          </a:xfrm>
+          <a:prstGeom prst="rect">
+            <a:avLst/>
+          </a:prstGeom>
+          <a:noFill/>
+        </p:spPr>
+      </p:pic>
+      <p:sp>
+        <p:nvSpPr>
+          <p:cNvPr id="31" name="Freeform: Shape 30">
+            <a:extLst>
+              <a:ext uri="{FF2B5EF4-FFF2-40B4-BE49-F238E27FC236}">
+                <a16:creationId xmlns:a16="http://schemas.microsoft.com/office/drawing/2014/main" id="{65F94F98-3A57-49AA-838E-91AAF600B6EE}"/>
+              </a:ext>
+              <a:ext uri="{C183D7F6-B498-43B3-948B-1728B52AA6E4}">
+                <adec:decorative xmlns:adec="http://schemas.microsoft.com/office/drawing/2017/decorative" val="1"/>
+              </a:ext>
+            </a:extLst>
+          </p:cNvPr>
+          <p:cNvSpPr>
+            <a:spLocks noGrp="1" noRot="1" noChangeAspect="1" noMove="1" noResize="1" noEditPoints="1" noAdjustHandles="1" noChangeArrowheads="1" noChangeShapeType="1" noTextEdit="1"/>
+          </p:cNvSpPr>
+          <p:nvPr>
+            <p:extLst>
+              <p:ext uri="{386F3935-93C4-4BCD-93E2-E3B085C9AB24}">
+                <p16:designElem xmlns:p16="http://schemas.microsoft.com/office/powerpoint/2015/main" val="1"/>
+              </p:ext>
+            </p:extLst>
+          </p:nvPr>
+        </p:nvSpPr>
+        <p:spPr>
+          <a:xfrm rot="16200000">
+            <a:off x="3678519" y="-1660968"/>
+            <a:ext cx="5838229" cy="11188733"/>
+          </a:xfrm>
+          <a:custGeom>
+            <a:avLst/>
+            <a:gdLst>
+              <a:gd name="connsiteX0" fmla="*/ 0 w 7821919"/>
+              <a:gd name="connsiteY0" fmla="*/ 0 h 6858000"/>
+              <a:gd name="connsiteX1" fmla="*/ 6983367 w 7821919"/>
+              <a:gd name="connsiteY1" fmla="*/ 0 h 6858000"/>
+              <a:gd name="connsiteX2" fmla="*/ 6982269 w 7821919"/>
+              <a:gd name="connsiteY2" fmla="*/ 1331 h 6858000"/>
+              <a:gd name="connsiteX3" fmla="*/ 6833782 w 7821919"/>
+              <a:gd name="connsiteY3" fmla="*/ 487443 h 6858000"/>
+              <a:gd name="connsiteX4" fmla="*/ 6851446 w 7821919"/>
+              <a:gd name="connsiteY4" fmla="*/ 662666 h 6858000"/>
+              <a:gd name="connsiteX5" fmla="*/ 6857532 w 7821919"/>
+              <a:gd name="connsiteY5" fmla="*/ 686333 h 6858000"/>
+              <a:gd name="connsiteX6" fmla="*/ 6806927 w 7821919"/>
+              <a:gd name="connsiteY6" fmla="*/ 699345 h 6858000"/>
+              <a:gd name="connsiteX7" fmla="*/ 5555365 w 7821919"/>
+              <a:gd name="connsiteY7" fmla="*/ 2400515 h 6858000"/>
+              <a:gd name="connsiteX8" fmla="*/ 7336617 w 7821919"/>
+              <a:gd name="connsiteY8" fmla="*/ 4181767 h 6858000"/>
+              <a:gd name="connsiteX9" fmla="*/ 7452815 w 7821919"/>
+              <a:gd name="connsiteY9" fmla="*/ 4175900 h 6858000"/>
+              <a:gd name="connsiteX10" fmla="*/ 7437456 w 7821919"/>
+              <a:gd name="connsiteY10" fmla="*/ 4225378 h 6858000"/>
+              <a:gd name="connsiteX11" fmla="*/ 7428275 w 7821919"/>
+              <a:gd name="connsiteY11" fmla="*/ 4316448 h 6858000"/>
+              <a:gd name="connsiteX12" fmla="*/ 7789089 w 7821919"/>
+              <a:gd name="connsiteY12" fmla="*/ 4759152 h 6858000"/>
+              <a:gd name="connsiteX13" fmla="*/ 7821919 w 7821919"/>
+              <a:gd name="connsiteY13" fmla="*/ 4762461 h 6858000"/>
+              <a:gd name="connsiteX14" fmla="*/ 7809638 w 7821919"/>
+              <a:gd name="connsiteY14" fmla="*/ 4785088 h 6858000"/>
+              <a:gd name="connsiteX15" fmla="*/ 7794661 w 7821919"/>
+              <a:gd name="connsiteY15" fmla="*/ 4833335 h 6858000"/>
+              <a:gd name="connsiteX16" fmla="*/ 7524776 w 7821919"/>
+              <a:gd name="connsiteY16" fmla="*/ 4917113 h 6858000"/>
+              <a:gd name="connsiteX17" fmla="*/ 6642110 w 7821919"/>
+              <a:gd name="connsiteY17" fmla="*/ 6248746 h 6858000"/>
+              <a:gd name="connsiteX18" fmla="*/ 6755682 w 7821919"/>
+              <a:gd name="connsiteY18" fmla="*/ 6811285 h 6858000"/>
+              <a:gd name="connsiteX19" fmla="*/ 6778185 w 7821919"/>
+              <a:gd name="connsiteY19" fmla="*/ 6858000 h 6858000"/>
+              <a:gd name="connsiteX20" fmla="*/ 0 w 7821919"/>
+              <a:gd name="connsiteY20" fmla="*/ 6858000 h 6858000"/>
+            </a:gdLst>
+            <a:ahLst/>
+            <a:cxnLst>
+              <a:cxn ang="0">
+                <a:pos x="connsiteX0" y="connsiteY0"/>
+              </a:cxn>
+              <a:cxn ang="0">
+                <a:pos x="connsiteX1" y="connsiteY1"/>
+              </a:cxn>
+              <a:cxn ang="0">
+                <a:pos x="connsiteX2" y="connsiteY2"/>
+              </a:cxn>
+              <a:cxn ang="0">
+                <a:pos x="connsiteX3" y="connsiteY3"/>
+              </a:cxn>
+              <a:cxn ang="0">
+                <a:pos x="connsiteX4" y="connsiteY4"/>
+              </a:cxn>
+              <a:cxn ang="0">
+                <a:pos x="connsiteX5" y="connsiteY5"/>
+              </a:cxn>
+              <a:cxn ang="0">
+                <a:pos x="connsiteX6" y="connsiteY6"/>
+              </a:cxn>
+              <a:cxn ang="0">
+                <a:pos x="connsiteX7" y="connsiteY7"/>
+              </a:cxn>
+              <a:cxn ang="0">
+                <a:pos x="connsiteX8" y="connsiteY8"/>
+              </a:cxn>
+              <a:cxn ang="0">
+                <a:pos x="connsiteX9" y="connsiteY9"/>
+              </a:cxn>
+              <a:cxn ang="0">
+                <a:pos x="connsiteX10" y="connsiteY10"/>
+              </a:cxn>
+              <a:cxn ang="0">
+                <a:pos x="connsiteX11" y="connsiteY11"/>
+              </a:cxn>
+              <a:cxn ang="0">
+                <a:pos x="connsiteX12" y="connsiteY12"/>
+              </a:cxn>
+              <a:cxn ang="0">
+                <a:pos x="connsiteX13" y="connsiteY13"/>
+              </a:cxn>
+              <a:cxn ang="0">
+                <a:pos x="connsiteX14" y="connsiteY14"/>
+              </a:cxn>
+              <a:cxn ang="0">
+                <a:pos x="connsiteX15" y="connsiteY15"/>
+              </a:cxn>
+              <a:cxn ang="0">
+                <a:pos x="connsiteX16" y="connsiteY16"/>
+              </a:cxn>
+              <a:cxn ang="0">
+                <a:pos x="connsiteX17" y="connsiteY17"/>
+              </a:cxn>
+              <a:cxn ang="0">
+                <a:pos x="connsiteX18" y="connsiteY18"/>
+              </a:cxn>
+              <a:cxn ang="0">
+                <a:pos x="connsiteX19" y="connsiteY19"/>
+              </a:cxn>
+              <a:cxn ang="0">
+                <a:pos x="connsiteX20" y="connsiteY20"/>
+              </a:cxn>
+            </a:cxnLst>
+            <a:rect l="l" t="t" r="r" b="b"/>
+            <a:pathLst>
+              <a:path w="7821919" h="6858000">
+                <a:moveTo>
+                  <a:pt x="0" y="0"/>
+                </a:moveTo>
+                <a:lnTo>
+                  <a:pt x="6983367" y="0"/>
+                </a:lnTo>
+                <a:lnTo>
+                  <a:pt x="6982269" y="1331"/>
+                </a:lnTo>
+                <a:cubicBezTo>
+                  <a:pt x="6888522" y="140095"/>
+                  <a:pt x="6833782" y="307376"/>
+                  <a:pt x="6833782" y="487443"/>
+                </a:cubicBezTo>
+                <a:cubicBezTo>
+                  <a:pt x="6833782" y="547466"/>
+                  <a:pt x="6839864" y="606067"/>
+                  <a:pt x="6851446" y="662666"/>
+                </a:cubicBezTo>
+                <a:lnTo>
+                  <a:pt x="6857532" y="686333"/>
+                </a:lnTo>
+                <a:lnTo>
+                  <a:pt x="6806927" y="699345"/>
+                </a:lnTo>
+                <a:cubicBezTo>
+                  <a:pt x="6081835" y="924872"/>
+                  <a:pt x="5555365" y="1601212"/>
+                  <a:pt x="5555365" y="2400515"/>
+                </a:cubicBezTo>
+                <a:cubicBezTo>
+                  <a:pt x="5555365" y="3384273"/>
+                  <a:pt x="6352859" y="4181767"/>
+                  <a:pt x="7336617" y="4181767"/>
+                </a:cubicBezTo>
+                <a:lnTo>
+                  <a:pt x="7452815" y="4175900"/>
+                </a:lnTo>
+                <a:lnTo>
+                  <a:pt x="7437456" y="4225378"/>
+                </a:lnTo>
+                <a:cubicBezTo>
+                  <a:pt x="7431436" y="4254794"/>
+                  <a:pt x="7428275" y="4285252"/>
+                  <a:pt x="7428275" y="4316448"/>
+                </a:cubicBezTo>
+                <a:cubicBezTo>
+                  <a:pt x="7428275" y="4534821"/>
+                  <a:pt x="7583172" y="4717015"/>
+                  <a:pt x="7789089" y="4759152"/>
+                </a:cubicBezTo>
+                <a:lnTo>
+                  <a:pt x="7821919" y="4762461"/>
+                </a:lnTo>
+                <a:lnTo>
+                  <a:pt x="7809638" y="4785088"/>
+                </a:lnTo>
+                <a:lnTo>
+                  <a:pt x="7794661" y="4833335"/>
+                </a:lnTo>
+                <a:lnTo>
+                  <a:pt x="7524776" y="4917113"/>
+                </a:lnTo>
+                <a:cubicBezTo>
+                  <a:pt x="7006070" y="5136507"/>
+                  <a:pt x="6642110" y="5650122"/>
+                  <a:pt x="6642110" y="6248746"/>
+                </a:cubicBezTo>
+                <a:cubicBezTo>
+                  <a:pt x="6642110" y="6448287"/>
+                  <a:pt x="6682550" y="6638383"/>
+                  <a:pt x="6755682" y="6811285"/>
+                </a:cubicBezTo>
+                <a:lnTo>
+                  <a:pt x="6778185" y="6858000"/>
+                </a:lnTo>
+                <a:lnTo>
+                  <a:pt x="0" y="6858000"/>
+                </a:lnTo>
+                <a:close/>
+              </a:path>
+            </a:pathLst>
+          </a:custGeom>
+          <a:gradFill>
+            <a:gsLst>
+              <a:gs pos="25000">
+                <a:schemeClr val="accent1">
+                  <a:alpha val="0"/>
+                </a:schemeClr>
+              </a:gs>
+              <a:gs pos="100000">
+                <a:schemeClr val="accent1">
+                  <a:alpha val="75000"/>
+                </a:schemeClr>
+              </a:gs>
+            </a:gsLst>
+            <a:lin ang="10800000" scaled="1"/>
+          </a:gradFill>
+          <a:ln>
+            <a:noFill/>
+          </a:ln>
+        </p:spPr>
+        <p:style>
+          <a:lnRef idx="2">
+            <a:schemeClr val="accent1">
+              <a:shade val="50000"/>
+            </a:schemeClr>
+          </a:lnRef>
+          <a:fillRef idx="1">
+            <a:schemeClr val="accent1"/>
+          </a:fillRef>
+          <a:effectRef idx="0">
+            <a:schemeClr val="accent1"/>
+          </a:effectRef>
+          <a:fontRef idx="minor">
+            <a:schemeClr val="lt1"/>
+          </a:fontRef>
+        </p:style>
+      </p:sp>
+      <p:pic>
+        <p:nvPicPr>
+          <p:cNvPr id="33" name="Picture 32">
+            <a:extLst>
+              <a:ext uri="{FF2B5EF4-FFF2-40B4-BE49-F238E27FC236}">
+                <a16:creationId xmlns:a16="http://schemas.microsoft.com/office/drawing/2014/main" id="{7185CF21-0594-48C0-9F3E-254D6BCE9D9B}"/>
+              </a:ext>
+              <a:ext uri="{C183D7F6-B498-43B3-948B-1728B52AA6E4}">
+                <adec:decorative xmlns:adec="http://schemas.microsoft.com/office/drawing/2017/decorative" val="1"/>
+              </a:ext>
+            </a:extLst>
+          </p:cNvPr>
+          <p:cNvPicPr>
+            <a:picLocks noGrp="1" noRot="1" noChangeAspect="1" noMove="1" noResize="1" noEditPoints="1" noAdjustHandles="1" noChangeArrowheads="1" noChangeShapeType="1" noCrop="1"/>
+          </p:cNvPicPr>
+          <p:nvPr>
+            <p:extLst>
+              <p:ext uri="{386F3935-93C4-4BCD-93E2-E3B085C9AB24}">
+                <p16:designElem xmlns:p16="http://schemas.microsoft.com/office/powerpoint/2015/main" val="1"/>
+              </p:ext>
+            </p:extLst>
+          </p:nvPr>
+        </p:nvPicPr>
+        <p:blipFill>
+          <a:blip r:embed="rId4">
+            <a:extLst>
+              <a:ext uri="{28A0092B-C50C-407E-A947-70E740481C1C}">
+                <a14:useLocalDpi xmlns:a14="http://schemas.microsoft.com/office/drawing/2010/main" val="0"/>
+              </a:ext>
+            </a:extLst>
+          </a:blip>
+          <a:stretch>
+            <a:fillRect/>
+          </a:stretch>
+        </p:blipFill>
+        <p:spPr>
+          <a:xfrm>
+            <a:off x="1067" y="0"/>
+            <a:ext cx="12189867" cy="6858000"/>
+          </a:xfrm>
+          <a:prstGeom prst="rect">
+            <a:avLst/>
+          </a:prstGeom>
+        </p:spPr>
+      </p:pic>
+      <p:sp>
+        <p:nvSpPr>
+          <p:cNvPr id="35" name="Rectangle 34">
+            <a:extLst>
+              <a:ext uri="{FF2B5EF4-FFF2-40B4-BE49-F238E27FC236}">
+                <a16:creationId xmlns:a16="http://schemas.microsoft.com/office/drawing/2014/main" id="{41F8C064-2DC5-4758-B49C-76BFF64052AF}"/>
+              </a:ext>
+              <a:ext uri="{C183D7F6-B498-43B3-948B-1728B52AA6E4}">
+                <adec:decorative xmlns:adec="http://schemas.microsoft.com/office/drawing/2017/decorative" val="1"/>
+              </a:ext>
+            </a:extLst>
+          </p:cNvPr>
+          <p:cNvSpPr>
+            <a:spLocks noGrp="1" noRot="1" noChangeAspect="1" noMove="1" noResize="1" noEditPoints="1" noAdjustHandles="1" noChangeArrowheads="1" noChangeShapeType="1" noTextEdit="1"/>
+          </p:cNvSpPr>
+          <p:nvPr>
+            <p:extLst>
+              <p:ext uri="{386F3935-93C4-4BCD-93E2-E3B085C9AB24}">
+                <p16:designElem xmlns:p16="http://schemas.microsoft.com/office/powerpoint/2015/main" val="1"/>
+              </p:ext>
+            </p:extLst>
+          </p:nvPr>
+        </p:nvSpPr>
+        <p:spPr>
+          <a:xfrm>
+            <a:off x="0" y="0"/>
+            <a:ext cx="12192000" cy="6858001"/>
+          </a:xfrm>
+          <a:prstGeom prst="rect">
+            <a:avLst/>
+          </a:prstGeom>
+          <a:solidFill>
+            <a:schemeClr val="tx2">
+              <a:lumMod val="10000"/>
+              <a:alpha val="20000"/>
+            </a:schemeClr>
+          </a:solidFill>
+          <a:ln>
+            <a:noFill/>
+          </a:ln>
+        </p:spPr>
+        <p:style>
+          <a:lnRef idx="2">
+            <a:schemeClr val="accent1">
+              <a:shade val="50000"/>
+            </a:schemeClr>
+          </a:lnRef>
+          <a:fillRef idx="1">
+            <a:schemeClr val="accent1"/>
+          </a:fillRef>
+          <a:effectRef idx="0">
+            <a:schemeClr val="accent1"/>
+          </a:effectRef>
+          <a:fontRef idx="minor">
+            <a:schemeClr val="lt1"/>
+          </a:fontRef>
+        </p:style>
+        <p:txBody>
+          <a:bodyPr rtlCol="0" anchor="ctr"/>
+          <a:lstStyle/>
+          <a:p>
+            <a:pPr algn="ctr"/>
+            <a:endParaRPr lang="en-US"/>
+          </a:p>
+        </p:txBody>
+      </p:sp>
+      <p:sp>
+        <p:nvSpPr>
+          <p:cNvPr id="37" name="Freeform: Shape 36">
+            <a:extLst>
+              <a:ext uri="{FF2B5EF4-FFF2-40B4-BE49-F238E27FC236}">
+                <a16:creationId xmlns:a16="http://schemas.microsoft.com/office/drawing/2014/main" id="{FBD68200-BC03-4015-860B-CD5C30CD76B8}"/>
+              </a:ext>
+              <a:ext uri="{C183D7F6-B498-43B3-948B-1728B52AA6E4}">
+                <adec:decorative xmlns:adec="http://schemas.microsoft.com/office/drawing/2017/decorative" val="1"/>
+              </a:ext>
+            </a:extLst>
+          </p:cNvPr>
+          <p:cNvSpPr>
+            <a:spLocks noGrp="1" noRot="1" noChangeAspect="1" noMove="1" noResize="1" noEditPoints="1" noAdjustHandles="1" noChangeArrowheads="1" noChangeShapeType="1" noTextEdit="1"/>
+          </p:cNvSpPr>
+          <p:nvPr>
+            <p:extLst>
+              <p:ext uri="{386F3935-93C4-4BCD-93E2-E3B085C9AB24}">
+                <p16:designElem xmlns:p16="http://schemas.microsoft.com/office/powerpoint/2015/main" val="1"/>
+              </p:ext>
+            </p:extLst>
+          </p:nvPr>
+        </p:nvSpPr>
+        <p:spPr>
+          <a:xfrm>
+            <a:off x="953542" y="0"/>
+            <a:ext cx="7875912" cy="6858000"/>
+          </a:xfrm>
+          <a:custGeom>
+            <a:avLst/>
+            <a:gdLst>
+              <a:gd name="connsiteX0" fmla="*/ 0 w 7821919"/>
+              <a:gd name="connsiteY0" fmla="*/ 0 h 6858000"/>
+              <a:gd name="connsiteX1" fmla="*/ 6983367 w 7821919"/>
+              <a:gd name="connsiteY1" fmla="*/ 0 h 6858000"/>
+              <a:gd name="connsiteX2" fmla="*/ 6982269 w 7821919"/>
+              <a:gd name="connsiteY2" fmla="*/ 1331 h 6858000"/>
+              <a:gd name="connsiteX3" fmla="*/ 6833782 w 7821919"/>
+              <a:gd name="connsiteY3" fmla="*/ 487443 h 6858000"/>
+              <a:gd name="connsiteX4" fmla="*/ 6851446 w 7821919"/>
+              <a:gd name="connsiteY4" fmla="*/ 662666 h 6858000"/>
+              <a:gd name="connsiteX5" fmla="*/ 6857532 w 7821919"/>
+              <a:gd name="connsiteY5" fmla="*/ 686333 h 6858000"/>
+              <a:gd name="connsiteX6" fmla="*/ 6806927 w 7821919"/>
+              <a:gd name="connsiteY6" fmla="*/ 699345 h 6858000"/>
+              <a:gd name="connsiteX7" fmla="*/ 5555365 w 7821919"/>
+              <a:gd name="connsiteY7" fmla="*/ 2400515 h 6858000"/>
+              <a:gd name="connsiteX8" fmla="*/ 7336617 w 7821919"/>
+              <a:gd name="connsiteY8" fmla="*/ 4181767 h 6858000"/>
+              <a:gd name="connsiteX9" fmla="*/ 7452815 w 7821919"/>
+              <a:gd name="connsiteY9" fmla="*/ 4175900 h 6858000"/>
+              <a:gd name="connsiteX10" fmla="*/ 7437456 w 7821919"/>
+              <a:gd name="connsiteY10" fmla="*/ 4225378 h 6858000"/>
+              <a:gd name="connsiteX11" fmla="*/ 7428275 w 7821919"/>
+              <a:gd name="connsiteY11" fmla="*/ 4316448 h 6858000"/>
+              <a:gd name="connsiteX12" fmla="*/ 7789089 w 7821919"/>
+              <a:gd name="connsiteY12" fmla="*/ 4759152 h 6858000"/>
+              <a:gd name="connsiteX13" fmla="*/ 7821919 w 7821919"/>
+              <a:gd name="connsiteY13" fmla="*/ 4762461 h 6858000"/>
+              <a:gd name="connsiteX14" fmla="*/ 7809638 w 7821919"/>
+              <a:gd name="connsiteY14" fmla="*/ 4785088 h 6858000"/>
+              <a:gd name="connsiteX15" fmla="*/ 7794661 w 7821919"/>
+              <a:gd name="connsiteY15" fmla="*/ 4833335 h 6858000"/>
+              <a:gd name="connsiteX16" fmla="*/ 7524776 w 7821919"/>
+              <a:gd name="connsiteY16" fmla="*/ 4917113 h 6858000"/>
+              <a:gd name="connsiteX17" fmla="*/ 6642110 w 7821919"/>
+              <a:gd name="connsiteY17" fmla="*/ 6248746 h 6858000"/>
+              <a:gd name="connsiteX18" fmla="*/ 6755682 w 7821919"/>
+              <a:gd name="connsiteY18" fmla="*/ 6811285 h 6858000"/>
+              <a:gd name="connsiteX19" fmla="*/ 6778185 w 7821919"/>
+              <a:gd name="connsiteY19" fmla="*/ 6858000 h 6858000"/>
+              <a:gd name="connsiteX20" fmla="*/ 0 w 7821919"/>
+              <a:gd name="connsiteY20" fmla="*/ 6858000 h 6858000"/>
+            </a:gdLst>
+            <a:ahLst/>
+            <a:cxnLst>
+              <a:cxn ang="0">
+                <a:pos x="connsiteX0" y="connsiteY0"/>
+              </a:cxn>
+              <a:cxn ang="0">
+                <a:pos x="connsiteX1" y="connsiteY1"/>
+              </a:cxn>
+              <a:cxn ang="0">
+                <a:pos x="connsiteX2" y="connsiteY2"/>
+              </a:cxn>
+              <a:cxn ang="0">
+                <a:pos x="connsiteX3" y="connsiteY3"/>
+              </a:cxn>
+              <a:cxn ang="0">
+                <a:pos x="connsiteX4" y="connsiteY4"/>
+              </a:cxn>
+              <a:cxn ang="0">
+                <a:pos x="connsiteX5" y="connsiteY5"/>
+              </a:cxn>
+              <a:cxn ang="0">
+                <a:pos x="connsiteX6" y="connsiteY6"/>
+              </a:cxn>
+              <a:cxn ang="0">
+                <a:pos x="connsiteX7" y="connsiteY7"/>
+              </a:cxn>
+              <a:cxn ang="0">
+                <a:pos x="connsiteX8" y="connsiteY8"/>
+              </a:cxn>
+              <a:cxn ang="0">
+                <a:pos x="connsiteX9" y="connsiteY9"/>
+              </a:cxn>
+              <a:cxn ang="0">
+                <a:pos x="connsiteX10" y="connsiteY10"/>
+              </a:cxn>
+              <a:cxn ang="0">
+                <a:pos x="connsiteX11" y="connsiteY11"/>
+              </a:cxn>
+              <a:cxn ang="0">
+                <a:pos x="connsiteX12" y="connsiteY12"/>
+              </a:cxn>
+              <a:cxn ang="0">
+                <a:pos x="connsiteX13" y="connsiteY13"/>
+              </a:cxn>
+              <a:cxn ang="0">
+                <a:pos x="connsiteX14" y="connsiteY14"/>
+              </a:cxn>
+              <a:cxn ang="0">
+                <a:pos x="connsiteX15" y="connsiteY15"/>
+              </a:cxn>
+              <a:cxn ang="0">
+                <a:pos x="connsiteX16" y="connsiteY16"/>
+              </a:cxn>
+              <a:cxn ang="0">
+                <a:pos x="connsiteX17" y="connsiteY17"/>
+              </a:cxn>
+              <a:cxn ang="0">
+                <a:pos x="connsiteX18" y="connsiteY18"/>
+              </a:cxn>
+              <a:cxn ang="0">
+                <a:pos x="connsiteX19" y="connsiteY19"/>
+              </a:cxn>
+              <a:cxn ang="0">
+                <a:pos x="connsiteX20" y="connsiteY20"/>
+              </a:cxn>
+            </a:cxnLst>
+            <a:rect l="l" t="t" r="r" b="b"/>
+            <a:pathLst>
+              <a:path w="7821919" h="6858000">
+                <a:moveTo>
+                  <a:pt x="0" y="0"/>
+                </a:moveTo>
+                <a:lnTo>
+                  <a:pt x="6983367" y="0"/>
+                </a:lnTo>
+                <a:lnTo>
+                  <a:pt x="6982269" y="1331"/>
+                </a:lnTo>
+                <a:cubicBezTo>
+                  <a:pt x="6888522" y="140095"/>
+                  <a:pt x="6833782" y="307376"/>
+                  <a:pt x="6833782" y="487443"/>
+                </a:cubicBezTo>
+                <a:cubicBezTo>
+                  <a:pt x="6833782" y="547466"/>
+                  <a:pt x="6839864" y="606067"/>
+                  <a:pt x="6851446" y="662666"/>
+                </a:cubicBezTo>
+                <a:lnTo>
+                  <a:pt x="6857532" y="686333"/>
+                </a:lnTo>
+                <a:lnTo>
+                  <a:pt x="6806927" y="699345"/>
+                </a:lnTo>
+                <a:cubicBezTo>
+                  <a:pt x="6081835" y="924872"/>
+                  <a:pt x="5555365" y="1601212"/>
+                  <a:pt x="5555365" y="2400515"/>
+                </a:cubicBezTo>
+                <a:cubicBezTo>
+                  <a:pt x="5555365" y="3384273"/>
+                  <a:pt x="6352859" y="4181767"/>
+                  <a:pt x="7336617" y="4181767"/>
+                </a:cubicBezTo>
+                <a:lnTo>
+                  <a:pt x="7452815" y="4175900"/>
+                </a:lnTo>
+                <a:lnTo>
+                  <a:pt x="7437456" y="4225378"/>
+                </a:lnTo>
+                <a:cubicBezTo>
+                  <a:pt x="7431436" y="4254794"/>
+                  <a:pt x="7428275" y="4285252"/>
+                  <a:pt x="7428275" y="4316448"/>
+                </a:cubicBezTo>
+                <a:cubicBezTo>
+                  <a:pt x="7428275" y="4534821"/>
+                  <a:pt x="7583172" y="4717015"/>
+                  <a:pt x="7789089" y="4759152"/>
+                </a:cubicBezTo>
+                <a:lnTo>
+                  <a:pt x="7821919" y="4762461"/>
+                </a:lnTo>
+                <a:lnTo>
+                  <a:pt x="7809638" y="4785088"/>
+                </a:lnTo>
+                <a:lnTo>
+                  <a:pt x="7794661" y="4833335"/>
+                </a:lnTo>
+                <a:lnTo>
+                  <a:pt x="7524776" y="4917113"/>
+                </a:lnTo>
+                <a:cubicBezTo>
+                  <a:pt x="7006070" y="5136507"/>
+                  <a:pt x="6642110" y="5650122"/>
+                  <a:pt x="6642110" y="6248746"/>
+                </a:cubicBezTo>
+                <a:cubicBezTo>
+                  <a:pt x="6642110" y="6448287"/>
+                  <a:pt x="6682550" y="6638383"/>
+                  <a:pt x="6755682" y="6811285"/>
+                </a:cubicBezTo>
+                <a:lnTo>
+                  <a:pt x="6778185" y="6858000"/>
+                </a:lnTo>
+                <a:lnTo>
+                  <a:pt x="0" y="6858000"/>
+                </a:lnTo>
+                <a:close/>
+              </a:path>
+            </a:pathLst>
+          </a:custGeom>
+          <a:gradFill>
+            <a:gsLst>
+              <a:gs pos="15000">
+                <a:schemeClr val="bg2">
+                  <a:alpha val="0"/>
+                </a:schemeClr>
+              </a:gs>
+              <a:gs pos="100000">
+                <a:schemeClr val="bg2"/>
+              </a:gs>
+            </a:gsLst>
+            <a:lin ang="10800000" scaled="1"/>
+          </a:gradFill>
+          <a:ln>
+            <a:noFill/>
+          </a:ln>
+        </p:spPr>
+        <p:style>
+          <a:lnRef idx="2">
+            <a:schemeClr val="accent1">
+              <a:shade val="50000"/>
+            </a:schemeClr>
+          </a:lnRef>
+          <a:fillRef idx="1">
+            <a:schemeClr val="accent1"/>
+          </a:fillRef>
+          <a:effectRef idx="0">
+            <a:schemeClr val="accent1"/>
+          </a:effectRef>
+          <a:fontRef idx="minor">
+            <a:schemeClr val="lt1"/>
+          </a:fontRef>
+        </p:style>
+      </p:sp>
+      <p:sp>
+        <p:nvSpPr>
+          <p:cNvPr id="39" name="Rectangle 38">
+            <a:extLst>
+              <a:ext uri="{FF2B5EF4-FFF2-40B4-BE49-F238E27FC236}">
+                <a16:creationId xmlns:a16="http://schemas.microsoft.com/office/drawing/2014/main" id="{A0B5529D-5CAA-4BF2-B5C9-34705E7661F9}"/>
+              </a:ext>
+              <a:ext uri="{C183D7F6-B498-43B3-948B-1728B52AA6E4}">
+                <adec:decorative xmlns:adec="http://schemas.microsoft.com/office/drawing/2017/decorative" val="1"/>
+              </a:ext>
+            </a:extLst>
+          </p:cNvPr>
+          <p:cNvSpPr>
+            <a:spLocks noGrp="1" noRot="1" noChangeAspect="1" noMove="1" noResize="1" noEditPoints="1" noAdjustHandles="1" noChangeArrowheads="1" noChangeShapeType="1" noTextEdit="1"/>
+          </p:cNvSpPr>
+          <p:nvPr>
+            <p:extLst>
+              <p:ext uri="{386F3935-93C4-4BCD-93E2-E3B085C9AB24}">
+                <p16:designElem xmlns:p16="http://schemas.microsoft.com/office/powerpoint/2015/main" val="1"/>
+              </p:ext>
+            </p:extLst>
+          </p:nvPr>
+        </p:nvSpPr>
+        <p:spPr>
+          <a:xfrm>
+            <a:off x="0" y="0"/>
+            <a:ext cx="959909" cy="6858000"/>
+          </a:xfrm>
+          <a:prstGeom prst="rect">
+            <a:avLst/>
+          </a:prstGeom>
+          <a:solidFill>
+            <a:schemeClr val="bg2">
+              <a:lumMod val="90000"/>
+              <a:lumOff val="10000"/>
+            </a:schemeClr>
+          </a:solidFill>
+          <a:ln>
+            <a:noFill/>
+          </a:ln>
+        </p:spPr>
+        <p:style>
+          <a:lnRef idx="2">
+            <a:schemeClr val="accent1">
+              <a:shade val="50000"/>
+            </a:schemeClr>
+          </a:lnRef>
+          <a:fillRef idx="1">
+            <a:schemeClr val="accent1"/>
+          </a:fillRef>
+          <a:effectRef idx="0">
+            <a:schemeClr val="accent1"/>
+          </a:effectRef>
+          <a:fontRef idx="minor">
+            <a:schemeClr val="lt1"/>
+          </a:fontRef>
+        </p:style>
+      </p:sp>
+      <p:sp>
+        <p:nvSpPr>
+          <p:cNvPr id="41" name="Oval 40">
+            <a:extLst>
+              <a:ext uri="{FF2B5EF4-FFF2-40B4-BE49-F238E27FC236}">
+                <a16:creationId xmlns:a16="http://schemas.microsoft.com/office/drawing/2014/main" id="{332A6F87-AC28-4AA8-B8A6-AEBC67BD0D64}"/>
+              </a:ext>
+              <a:ext uri="{C183D7F6-B498-43B3-948B-1728B52AA6E4}">
+                <adec:decorative xmlns:adec="http://schemas.microsoft.com/office/drawing/2017/decorative" val="1"/>
+              </a:ext>
+            </a:extLst>
+          </p:cNvPr>
+          <p:cNvSpPr>
+            <a:spLocks noGrp="1" noRot="1" noChangeAspect="1" noMove="1" noResize="1" noEditPoints="1" noAdjustHandles="1" noChangeArrowheads="1" noChangeShapeType="1" noTextEdit="1"/>
+          </p:cNvSpPr>
+          <p:nvPr>
+            <p:extLst>
+              <p:ext uri="{386F3935-93C4-4BCD-93E2-E3B085C9AB24}">
+                <p16:designElem xmlns:p16="http://schemas.microsoft.com/office/powerpoint/2015/main" val="1"/>
+              </p:ext>
+            </p:extLst>
+          </p:nvPr>
+        </p:nvSpPr>
+        <p:spPr>
+          <a:xfrm>
+            <a:off x="1547567" y="421698"/>
+            <a:ext cx="967148" cy="967148"/>
+          </a:xfrm>
+          <a:prstGeom prst="ellipse">
+            <a:avLst/>
+          </a:prstGeom>
+          <a:gradFill>
+            <a:gsLst>
+              <a:gs pos="0">
+                <a:schemeClr val="bg2">
+                  <a:alpha val="0"/>
+                </a:schemeClr>
+              </a:gs>
+              <a:gs pos="100000">
+                <a:schemeClr val="accent1">
+                  <a:alpha val="21000"/>
+                </a:schemeClr>
+              </a:gs>
+            </a:gsLst>
+            <a:lin ang="10800000" scaled="1"/>
+          </a:gradFill>
+          <a:ln>
+            <a:noFill/>
+          </a:ln>
+        </p:spPr>
+        <p:style>
+          <a:lnRef idx="2">
+            <a:schemeClr val="accent1">
+              <a:shade val="50000"/>
+            </a:schemeClr>
+          </a:lnRef>
+          <a:fillRef idx="1">
+            <a:schemeClr val="accent1"/>
+          </a:fillRef>
+          <a:effectRef idx="0">
+            <a:schemeClr val="accent1"/>
+          </a:effectRef>
+          <a:fontRef idx="minor">
+            <a:schemeClr val="lt1"/>
+          </a:fontRef>
+        </p:style>
+        <p:txBody>
+          <a:bodyPr rtlCol="0" anchor="ctr"/>
+          <a:lstStyle/>
+          <a:p>
+            <a:pPr algn="ctr"/>
+            <a:endParaRPr lang="en-US"/>
+          </a:p>
+        </p:txBody>
+      </p:sp>
       <p:sp>
         <p:nvSpPr>
           <p:cNvPr id="2" name="Título 1">
@@ -5501,20 +6822,21 @@
         </p:nvSpPr>
         <p:spPr>
           <a:xfrm>
-            <a:off x="2116930" y="517525"/>
-            <a:ext cx="7958137" cy="1077913"/>
-          </a:xfrm>
-        </p:spPr>
-        <p:txBody>
-          <a:bodyPr/>
+            <a:off x="2188901" y="808056"/>
+            <a:ext cx="8381238" cy="1077229"/>
+          </a:xfrm>
+        </p:spPr>
+        <p:txBody>
+          <a:bodyPr vert="horz" lIns="91440" tIns="45720" rIns="91440" bIns="45720" rtlCol="0" anchor="t">
+            <a:normAutofit/>
+          </a:bodyPr>
           <a:lstStyle/>
           <a:p>
-            <a:pPr algn="ctr"/>
-            <a:r>
-              <a:rPr lang="pt-PT" dirty="0"/>
+            <a:pPr algn="l"/>
+            <a:r>
+              <a:rPr lang="en-US" sz="3700"/>
               <a:t>Referências e Trabalho Relacionado</a:t>
             </a:r>
-            <a:endParaRPr lang="en-US" dirty="0"/>
           </a:p>
         </p:txBody>
       </p:sp>
@@ -5532,68 +6854,427 @@
         </p:nvSpPr>
         <p:spPr>
           <a:xfrm>
-            <a:off x="1647091" y="1466949"/>
-            <a:ext cx="8897816" cy="1021883"/>
-          </a:xfrm>
-          <a:prstGeom prst="rect">
-            <a:avLst/>
-          </a:prstGeom>
-          <a:noFill/>
-        </p:spPr>
-        <p:txBody>
-          <a:bodyPr wrap="square" rtlCol="0">
-            <a:spAutoFit/>
+            <a:off x="1700457" y="2121765"/>
+            <a:ext cx="6572814" cy="3997828"/>
+          </a:xfrm>
+        </p:spPr>
+        <p:txBody>
+          <a:bodyPr vert="horz" lIns="91440" tIns="45720" rIns="91440" bIns="45720" rtlCol="0" anchor="t">
+            <a:normAutofit/>
           </a:bodyPr>
           <a:lstStyle/>
           <a:p>
-            <a:pPr marL="285750" indent="-285750">
+            <a:pPr marL="285750" indent="-285750" defTabSz="914400">
               <a:lnSpc>
-                <a:spcPct val="150000"/>
+                <a:spcPct val="120000"/>
               </a:lnSpc>
+              <a:spcAft>
+                <a:spcPts val="600"/>
+              </a:spcAft>
+              <a:buClr>
+                <a:schemeClr val="accent6"/>
+              </a:buClr>
+              <a:buSzPct val="90000"/>
               <a:buFont typeface="Wingdings" panose="05000000000000000000" pitchFamily="2" charset="2"/>
               <a:buChar char="§"/>
             </a:pPr>
             <a:r>
-              <a:rPr lang="pt-PT" sz="1400" dirty="0">
-                <a:hlinkClick r:id="rId2"/>
+              <a:rPr lang="en-US" dirty="0">
+                <a:solidFill>
+                  <a:schemeClr val="accent1"/>
+                </a:solidFill>
+                <a:hlinkClick r:id="rId5">
+                  <a:extLst>
+                    <a:ext uri="{A12FA001-AC4F-418D-AE19-62706E023703}">
+                      <ahyp:hlinkClr xmlns:ahyp="http://schemas.microsoft.com/office/drawing/2018/hyperlinkcolor" val="tx"/>
+                    </a:ext>
+                  </a:extLst>
+                </a:hlinkClick>
               </a:rPr>
-              <a:t>Link para a página do jogo na Google Play</a:t>
-            </a:r>
-            <a:r>
-              <a:rPr lang="pt-PT" sz="1400" dirty="0"/>
+              <a:t>Link para a </a:t>
+            </a:r>
+            <a:r>
+              <a:rPr lang="en-US" dirty="0" err="1">
+                <a:solidFill>
+                  <a:schemeClr val="accent1"/>
+                </a:solidFill>
+                <a:hlinkClick r:id="rId5">
+                  <a:extLst>
+                    <a:ext uri="{A12FA001-AC4F-418D-AE19-62706E023703}">
+                      <ahyp:hlinkClr xmlns:ahyp="http://schemas.microsoft.com/office/drawing/2018/hyperlinkcolor" val="tx"/>
+                    </a:ext>
+                  </a:extLst>
+                </a:hlinkClick>
+              </a:rPr>
+              <a:t>página</a:t>
+            </a:r>
+            <a:r>
+              <a:rPr lang="en-US" dirty="0">
+                <a:solidFill>
+                  <a:schemeClr val="accent1"/>
+                </a:solidFill>
+                <a:hlinkClick r:id="rId5">
+                  <a:extLst>
+                    <a:ext uri="{A12FA001-AC4F-418D-AE19-62706E023703}">
+                      <ahyp:hlinkClr xmlns:ahyp="http://schemas.microsoft.com/office/drawing/2018/hyperlinkcolor" val="tx"/>
+                    </a:ext>
+                  </a:extLst>
+                </a:hlinkClick>
+              </a:rPr>
+              <a:t> do </a:t>
+            </a:r>
+            <a:r>
+              <a:rPr lang="en-US" dirty="0" err="1">
+                <a:solidFill>
+                  <a:schemeClr val="accent1"/>
+                </a:solidFill>
+                <a:hlinkClick r:id="rId5">
+                  <a:extLst>
+                    <a:ext uri="{A12FA001-AC4F-418D-AE19-62706E023703}">
+                      <ahyp:hlinkClr xmlns:ahyp="http://schemas.microsoft.com/office/drawing/2018/hyperlinkcolor" val="tx"/>
+                    </a:ext>
+                  </a:extLst>
+                </a:hlinkClick>
+              </a:rPr>
+              <a:t>jogo</a:t>
+            </a:r>
+            <a:r>
+              <a:rPr lang="en-US" dirty="0">
+                <a:solidFill>
+                  <a:schemeClr val="accent1"/>
+                </a:solidFill>
+                <a:hlinkClick r:id="rId5">
+                  <a:extLst>
+                    <a:ext uri="{A12FA001-AC4F-418D-AE19-62706E023703}">
+                      <ahyp:hlinkClr xmlns:ahyp="http://schemas.microsoft.com/office/drawing/2018/hyperlinkcolor" val="tx"/>
+                    </a:ext>
+                  </a:extLst>
+                </a:hlinkClick>
+              </a:rPr>
+              <a:t> </a:t>
+            </a:r>
+            <a:r>
+              <a:rPr lang="en-US" dirty="0" err="1">
+                <a:solidFill>
+                  <a:schemeClr val="accent1"/>
+                </a:solidFill>
+                <a:hlinkClick r:id="rId5">
+                  <a:extLst>
+                    <a:ext uri="{A12FA001-AC4F-418D-AE19-62706E023703}">
+                      <ahyp:hlinkClr xmlns:ahyp="http://schemas.microsoft.com/office/drawing/2018/hyperlinkcolor" val="tx"/>
+                    </a:ext>
+                  </a:extLst>
+                </a:hlinkClick>
+              </a:rPr>
+              <a:t>na</a:t>
+            </a:r>
+            <a:r>
+              <a:rPr lang="en-US" dirty="0">
+                <a:solidFill>
+                  <a:schemeClr val="accent1"/>
+                </a:solidFill>
+                <a:hlinkClick r:id="rId5">
+                  <a:extLst>
+                    <a:ext uri="{A12FA001-AC4F-418D-AE19-62706E023703}">
+                      <ahyp:hlinkClr xmlns:ahyp="http://schemas.microsoft.com/office/drawing/2018/hyperlinkcolor" val="tx"/>
+                    </a:ext>
+                  </a:extLst>
+                </a:hlinkClick>
+              </a:rPr>
+              <a:t> Google Play</a:t>
+            </a:r>
+            <a:r>
+              <a:rPr lang="en-US" dirty="0">
+                <a:solidFill>
+                  <a:schemeClr val="accent1"/>
+                </a:solidFill>
+              </a:rPr>
               <a:t>;</a:t>
             </a:r>
           </a:p>
           <a:p>
-            <a:pPr marL="285750" indent="-285750">
+            <a:pPr marL="285750" indent="-285750" defTabSz="914400">
               <a:lnSpc>
-                <a:spcPct val="150000"/>
+                <a:spcPct val="120000"/>
               </a:lnSpc>
+              <a:spcAft>
+                <a:spcPts val="600"/>
+              </a:spcAft>
+              <a:buClr>
+                <a:schemeClr val="accent6"/>
+              </a:buClr>
+              <a:buSzPct val="90000"/>
               <a:buFont typeface="Wingdings" panose="05000000000000000000" pitchFamily="2" charset="2"/>
               <a:buChar char="§"/>
             </a:pPr>
             <a:r>
-              <a:rPr lang="pt-PT" sz="1400" dirty="0">
-                <a:hlinkClick r:id="rId3"/>
+              <a:rPr lang="en-US" dirty="0" err="1">
+                <a:solidFill>
+                  <a:schemeClr val="accent1"/>
+                </a:solidFill>
+                <a:hlinkClick r:id="rId6">
+                  <a:extLst>
+                    <a:ext uri="{A12FA001-AC4F-418D-AE19-62706E023703}">
+                      <ahyp:hlinkClr xmlns:ahyp="http://schemas.microsoft.com/office/drawing/2018/hyperlinkcolor" val="tx"/>
+                    </a:ext>
+                  </a:extLst>
+                </a:hlinkClick>
               </a:rPr>
-              <a:t>Exemplo para desenvolvimento gráfico</a:t>
-            </a:r>
-            <a:r>
-              <a:rPr lang="pt-PT" sz="1400" dirty="0"/>
+              <a:t>Exemplo</a:t>
+            </a:r>
+            <a:r>
+              <a:rPr lang="en-US" dirty="0">
+                <a:solidFill>
+                  <a:schemeClr val="accent1"/>
+                </a:solidFill>
+                <a:hlinkClick r:id="rId6">
+                  <a:extLst>
+                    <a:ext uri="{A12FA001-AC4F-418D-AE19-62706E023703}">
+                      <ahyp:hlinkClr xmlns:ahyp="http://schemas.microsoft.com/office/drawing/2018/hyperlinkcolor" val="tx"/>
+                    </a:ext>
+                  </a:extLst>
+                </a:hlinkClick>
+              </a:rPr>
+              <a:t> para </a:t>
+            </a:r>
+            <a:r>
+              <a:rPr lang="en-US" dirty="0" err="1">
+                <a:solidFill>
+                  <a:schemeClr val="accent1"/>
+                </a:solidFill>
+                <a:hlinkClick r:id="rId6">
+                  <a:extLst>
+                    <a:ext uri="{A12FA001-AC4F-418D-AE19-62706E023703}">
+                      <ahyp:hlinkClr xmlns:ahyp="http://schemas.microsoft.com/office/drawing/2018/hyperlinkcolor" val="tx"/>
+                    </a:ext>
+                  </a:extLst>
+                </a:hlinkClick>
+              </a:rPr>
+              <a:t>desenvolvimento</a:t>
+            </a:r>
+            <a:r>
+              <a:rPr lang="en-US" dirty="0">
+                <a:solidFill>
+                  <a:schemeClr val="accent1"/>
+                </a:solidFill>
+                <a:hlinkClick r:id="rId6">
+                  <a:extLst>
+                    <a:ext uri="{A12FA001-AC4F-418D-AE19-62706E023703}">
+                      <ahyp:hlinkClr xmlns:ahyp="http://schemas.microsoft.com/office/drawing/2018/hyperlinkcolor" val="tx"/>
+                    </a:ext>
+                  </a:extLst>
+                </a:hlinkClick>
+              </a:rPr>
+              <a:t> </a:t>
+            </a:r>
+            <a:r>
+              <a:rPr lang="en-US" dirty="0" err="1">
+                <a:solidFill>
+                  <a:schemeClr val="accent1"/>
+                </a:solidFill>
+                <a:hlinkClick r:id="rId6">
+                  <a:extLst>
+                    <a:ext uri="{A12FA001-AC4F-418D-AE19-62706E023703}">
+                      <ahyp:hlinkClr xmlns:ahyp="http://schemas.microsoft.com/office/drawing/2018/hyperlinkcolor" val="tx"/>
+                    </a:ext>
+                  </a:extLst>
+                </a:hlinkClick>
+              </a:rPr>
+              <a:t>gráfico</a:t>
+            </a:r>
+            <a:r>
+              <a:rPr lang="en-US" dirty="0">
+                <a:solidFill>
+                  <a:schemeClr val="accent1"/>
+                </a:solidFill>
+              </a:rPr>
               <a:t>;</a:t>
             </a:r>
           </a:p>
           <a:p>
-            <a:pPr marL="285750" indent="-285750">
+            <a:pPr marL="285750" indent="-285750" defTabSz="914400">
               <a:lnSpc>
-                <a:spcPct val="150000"/>
+                <a:spcPct val="120000"/>
               </a:lnSpc>
+              <a:spcAft>
+                <a:spcPts val="600"/>
+              </a:spcAft>
+              <a:buClr>
+                <a:schemeClr val="accent6"/>
+              </a:buClr>
+              <a:buSzPct val="90000"/>
               <a:buFont typeface="Wingdings" panose="05000000000000000000" pitchFamily="2" charset="2"/>
               <a:buChar char="§"/>
             </a:pPr>
             <a:r>
-              <a:rPr lang="pt-PT" sz="1400" dirty="0"/>
-              <a:t>Slides das aulas teóricas e teórico-práticas para desenvolvimento dos diferentes algoritmos. </a:t>
+              <a:rPr lang="en-US" dirty="0" err="1">
+                <a:solidFill>
+                  <a:schemeClr val="accent1"/>
+                </a:solidFill>
+                <a:hlinkClick r:id="rId7">
+                  <a:extLst>
+                    <a:ext uri="{A12FA001-AC4F-418D-AE19-62706E023703}">
+                      <ahyp:hlinkClr xmlns:ahyp="http://schemas.microsoft.com/office/drawing/2018/hyperlinkcolor" val="tx"/>
+                    </a:ext>
+                  </a:extLst>
+                </a:hlinkClick>
+              </a:rPr>
+              <a:t>Exemplo</a:t>
+            </a:r>
+            <a:r>
+              <a:rPr lang="en-US" dirty="0">
+                <a:solidFill>
+                  <a:schemeClr val="accent1"/>
+                </a:solidFill>
+                <a:hlinkClick r:id="rId7">
+                  <a:extLst>
+                    <a:ext uri="{A12FA001-AC4F-418D-AE19-62706E023703}">
+                      <ahyp:hlinkClr xmlns:ahyp="http://schemas.microsoft.com/office/drawing/2018/hyperlinkcolor" val="tx"/>
+                    </a:ext>
+                  </a:extLst>
+                </a:hlinkClick>
+              </a:rPr>
+              <a:t> de </a:t>
+            </a:r>
+            <a:r>
+              <a:rPr lang="en-US" dirty="0" err="1">
+                <a:solidFill>
+                  <a:schemeClr val="accent1"/>
+                </a:solidFill>
+                <a:hlinkClick r:id="rId7">
+                  <a:extLst>
+                    <a:ext uri="{A12FA001-AC4F-418D-AE19-62706E023703}">
+                      <ahyp:hlinkClr xmlns:ahyp="http://schemas.microsoft.com/office/drawing/2018/hyperlinkcolor" val="tx"/>
+                    </a:ext>
+                  </a:extLst>
+                </a:hlinkClick>
+              </a:rPr>
+              <a:t>desenvolvimento</a:t>
+            </a:r>
+            <a:r>
+              <a:rPr lang="en-US" dirty="0">
+                <a:solidFill>
+                  <a:schemeClr val="accent1"/>
+                </a:solidFill>
+                <a:hlinkClick r:id="rId7">
+                  <a:extLst>
+                    <a:ext uri="{A12FA001-AC4F-418D-AE19-62706E023703}">
+                      <ahyp:hlinkClr xmlns:ahyp="http://schemas.microsoft.com/office/drawing/2018/hyperlinkcolor" val="tx"/>
+                    </a:ext>
+                  </a:extLst>
+                </a:hlinkClick>
+              </a:rPr>
+              <a:t> de </a:t>
+            </a:r>
+            <a:r>
+              <a:rPr lang="en-US" dirty="0" err="1">
+                <a:solidFill>
+                  <a:schemeClr val="accent1"/>
+                </a:solidFill>
+                <a:hlinkClick r:id="rId7">
+                  <a:extLst>
+                    <a:ext uri="{A12FA001-AC4F-418D-AE19-62706E023703}">
+                      <ahyp:hlinkClr xmlns:ahyp="http://schemas.microsoft.com/office/drawing/2018/hyperlinkcolor" val="tx"/>
+                    </a:ext>
+                  </a:extLst>
+                </a:hlinkClick>
+              </a:rPr>
+              <a:t>algoritmos</a:t>
+            </a:r>
+            <a:r>
+              <a:rPr lang="en-US" dirty="0">
+                <a:solidFill>
+                  <a:schemeClr val="accent1"/>
+                </a:solidFill>
+                <a:hlinkClick r:id="rId7">
+                  <a:extLst>
+                    <a:ext uri="{A12FA001-AC4F-418D-AE19-62706E023703}">
+                      <ahyp:hlinkClr xmlns:ahyp="http://schemas.microsoft.com/office/drawing/2018/hyperlinkcolor" val="tx"/>
+                    </a:ext>
+                  </a:extLst>
+                </a:hlinkClick>
+              </a:rPr>
+              <a:t> de </a:t>
+            </a:r>
+            <a:r>
+              <a:rPr lang="en-US" dirty="0" err="1">
+                <a:solidFill>
+                  <a:schemeClr val="accent1"/>
+                </a:solidFill>
+                <a:hlinkClick r:id="rId7">
+                  <a:extLst>
+                    <a:ext uri="{A12FA001-AC4F-418D-AE19-62706E023703}">
+                      <ahyp:hlinkClr xmlns:ahyp="http://schemas.microsoft.com/office/drawing/2018/hyperlinkcolor" val="tx"/>
+                    </a:ext>
+                  </a:extLst>
+                </a:hlinkClick>
+              </a:rPr>
+              <a:t>pesquisa</a:t>
+            </a:r>
+            <a:endParaRPr lang="en-US" dirty="0">
+              <a:solidFill>
+                <a:schemeClr val="accent1"/>
+              </a:solidFill>
+            </a:endParaRPr>
+          </a:p>
+          <a:p>
+            <a:pPr marL="285750" indent="-285750" defTabSz="914400">
+              <a:lnSpc>
+                <a:spcPct val="120000"/>
+              </a:lnSpc>
+              <a:spcAft>
+                <a:spcPts val="600"/>
+              </a:spcAft>
+              <a:buClr>
+                <a:schemeClr val="accent6"/>
+              </a:buClr>
+              <a:buSzPct val="90000"/>
+              <a:buFont typeface="Wingdings" panose="05000000000000000000" pitchFamily="2" charset="2"/>
+              <a:buChar char="§"/>
+            </a:pPr>
+            <a:r>
+              <a:rPr lang="en-US" dirty="0"/>
+              <a:t>Slides das aulas </a:t>
+            </a:r>
+            <a:r>
+              <a:rPr lang="en-US" dirty="0" err="1"/>
+              <a:t>teóricas</a:t>
+            </a:r>
+            <a:r>
+              <a:rPr lang="en-US" dirty="0"/>
+              <a:t> e </a:t>
+            </a:r>
+            <a:r>
+              <a:rPr lang="en-US" dirty="0" err="1"/>
+              <a:t>teórico-práticas</a:t>
+            </a:r>
+            <a:r>
+              <a:rPr lang="en-US" dirty="0"/>
+              <a:t> para </a:t>
+            </a:r>
+            <a:r>
+              <a:rPr lang="en-US" dirty="0" err="1"/>
+              <a:t>desenvolvimento</a:t>
+            </a:r>
+            <a:r>
+              <a:rPr lang="en-US" dirty="0"/>
+              <a:t> dos </a:t>
+            </a:r>
+            <a:r>
+              <a:rPr lang="en-US" dirty="0" err="1"/>
+              <a:t>diferentes</a:t>
+            </a:r>
+            <a:r>
+              <a:rPr lang="en-US" dirty="0"/>
+              <a:t> </a:t>
+            </a:r>
+            <a:r>
+              <a:rPr lang="en-US" dirty="0" err="1"/>
+              <a:t>algoritmos</a:t>
+            </a:r>
+            <a:r>
+              <a:rPr lang="en-US" dirty="0"/>
+              <a:t>. </a:t>
             </a:r>
           </a:p>
         </p:txBody>

--- a/docs/presentation.pptx
+++ b/docs/presentation.pptx
@@ -334,7 +334,7 @@
           <a:p>
             <a:fld id="{9AB3A824-1A51-4B26-AD58-A6D8E14F6C04}" type="datetimeFigureOut">
               <a:rPr lang="en-US" dirty="0"/>
-              <a:t>3/20/2021</a:t>
+              <a:t>3/22/2021</a:t>
             </a:fld>
             <a:endParaRPr lang="en-US" dirty="0"/>
           </a:p>
@@ -380,7 +380,7 @@
           <a:p>
             <a:fld id="{6D22F896-40B5-4ADD-8801-0D06FADFA095}" type="slidenum">
               <a:rPr lang="en-US" dirty="0"/>
-              <a:t>‹#›</a:t>
+              <a:t>‹nº›</a:t>
             </a:fld>
             <a:endParaRPr lang="en-US" dirty="0"/>
           </a:p>
@@ -668,7 +668,7 @@
           <a:p>
             <a:fld id="{D857E33E-8B18-4087-B112-809917729534}" type="datetimeFigureOut">
               <a:rPr lang="en-US" dirty="0"/>
-              <a:t>3/20/2021</a:t>
+              <a:t>3/22/2021</a:t>
             </a:fld>
             <a:endParaRPr lang="en-US" dirty="0"/>
           </a:p>
@@ -714,7 +714,7 @@
           <a:p>
             <a:fld id="{6D22F896-40B5-4ADD-8801-0D06FADFA095}" type="slidenum">
               <a:rPr lang="en-US" dirty="0"/>
-              <a:t>‹#›</a:t>
+              <a:t>‹nº›</a:t>
             </a:fld>
             <a:endParaRPr lang="en-US" dirty="0"/>
           </a:p>
@@ -970,7 +970,7 @@
           <a:p>
             <a:fld id="{D3FFE419-2371-464F-8239-3959401C3561}" type="datetimeFigureOut">
               <a:rPr lang="en-US" dirty="0"/>
-              <a:t>3/20/2021</a:t>
+              <a:t>3/22/2021</a:t>
             </a:fld>
             <a:endParaRPr lang="en-US" dirty="0"/>
           </a:p>
@@ -1016,7 +1016,7 @@
           <a:p>
             <a:fld id="{6D22F896-40B5-4ADD-8801-0D06FADFA095}" type="slidenum">
               <a:rPr lang="en-US" dirty="0"/>
-              <a:t>‹#›</a:t>
+              <a:t>‹nº›</a:t>
             </a:fld>
             <a:endParaRPr lang="en-US" dirty="0"/>
           </a:p>
@@ -1217,7 +1217,7 @@
           <a:p>
             <a:fld id="{97D162C4-EDD9-4389-A98B-B87ECEA2A816}" type="datetimeFigureOut">
               <a:rPr lang="en-US" dirty="0"/>
-              <a:t>3/20/2021</a:t>
+              <a:t>3/22/2021</a:t>
             </a:fld>
             <a:endParaRPr lang="en-US" dirty="0"/>
           </a:p>
@@ -1263,7 +1263,7 @@
           <a:p>
             <a:fld id="{6D22F896-40B5-4ADD-8801-0D06FADFA095}" type="slidenum">
               <a:rPr lang="en-US" dirty="0"/>
-              <a:t>‹#›</a:t>
+              <a:t>‹nº›</a:t>
             </a:fld>
             <a:endParaRPr lang="en-US" dirty="0"/>
           </a:p>
@@ -1624,7 +1624,7 @@
           <a:p>
             <a:fld id="{3E5059C3-6A89-4494-99FF-5A4D6FFD50EB}" type="datetimeFigureOut">
               <a:rPr lang="en-US" dirty="0"/>
-              <a:t>3/20/2021</a:t>
+              <a:t>3/22/2021</a:t>
             </a:fld>
             <a:endParaRPr lang="en-US" dirty="0"/>
           </a:p>
@@ -1670,7 +1670,7 @@
           <a:p>
             <a:fld id="{6D22F896-40B5-4ADD-8801-0D06FADFA095}" type="slidenum">
               <a:rPr lang="en-US" dirty="0"/>
-              <a:t>‹#›</a:t>
+              <a:t>‹nº›</a:t>
             </a:fld>
             <a:endParaRPr lang="en-US" dirty="0"/>
           </a:p>
@@ -1938,7 +1938,7 @@
           <a:p>
             <a:fld id="{CA954B2F-12DE-47F5-8894-472B206D2E1E}" type="datetimeFigureOut">
               <a:rPr lang="en-US" dirty="0"/>
-              <a:t>3/20/2021</a:t>
+              <a:t>3/22/2021</a:t>
             </a:fld>
             <a:endParaRPr lang="en-US" dirty="0"/>
           </a:p>
@@ -1984,7 +1984,7 @@
           <a:p>
             <a:fld id="{6D22F896-40B5-4ADD-8801-0D06FADFA095}" type="slidenum">
               <a:rPr lang="en-US" dirty="0"/>
-              <a:t>‹#›</a:t>
+              <a:t>‹nº›</a:t>
             </a:fld>
             <a:endParaRPr lang="en-US" dirty="0"/>
           </a:p>
@@ -2482,7 +2482,7 @@
           <a:p>
             <a:fld id="{3F30E46F-7819-4ACF-B48B-48222C2ACC88}" type="datetimeFigureOut">
               <a:rPr lang="en-US" dirty="0"/>
-              <a:t>3/20/2021</a:t>
+              <a:t>3/22/2021</a:t>
             </a:fld>
             <a:endParaRPr lang="en-US" dirty="0"/>
           </a:p>
@@ -2528,7 +2528,7 @@
           <a:p>
             <a:fld id="{6D22F896-40B5-4ADD-8801-0D06FADFA095}" type="slidenum">
               <a:rPr lang="en-US" dirty="0"/>
-              <a:t>‹#›</a:t>
+              <a:t>‹nº›</a:t>
             </a:fld>
             <a:endParaRPr lang="en-US" dirty="0"/>
           </a:p>
@@ -2677,7 +2677,7 @@
           <a:p>
             <a:fld id="{1FAF3416-4057-4DAA-829D-4CA07428D088}" type="datetimeFigureOut">
               <a:rPr lang="en-US" dirty="0"/>
-              <a:t>3/20/2021</a:t>
+              <a:t>3/22/2021</a:t>
             </a:fld>
             <a:endParaRPr lang="en-US" dirty="0"/>
           </a:p>
@@ -2723,7 +2723,7 @@
           <a:p>
             <a:fld id="{6D22F896-40B5-4ADD-8801-0D06FADFA095}" type="slidenum">
               <a:rPr lang="en-US" dirty="0"/>
-              <a:t>‹#›</a:t>
+              <a:t>‹nº›</a:t>
             </a:fld>
             <a:endParaRPr lang="en-US" dirty="0"/>
           </a:p>
@@ -2890,7 +2890,7 @@
           <a:p>
             <a:fld id="{921D9284-D300-4297-87F7-E791DCC15DB1}" type="datetimeFigureOut">
               <a:rPr lang="en-US" dirty="0"/>
-              <a:t>3/20/2021</a:t>
+              <a:t>3/22/2021</a:t>
             </a:fld>
             <a:endParaRPr lang="en-US" dirty="0"/>
           </a:p>
@@ -2936,7 +2936,7 @@
           <a:p>
             <a:fld id="{6D22F896-40B5-4ADD-8801-0D06FADFA095}" type="slidenum">
               <a:rPr lang="en-US" dirty="0"/>
-              <a:t>‹#›</a:t>
+              <a:t>‹nº›</a:t>
             </a:fld>
             <a:endParaRPr lang="en-US" dirty="0"/>
           </a:p>
@@ -3259,7 +3259,7 @@
           <a:p>
             <a:fld id="{37D525BB-DA17-4BA0-B3C8-3AC3ABC827E6}" type="datetimeFigureOut">
               <a:rPr lang="en-US" dirty="0"/>
-              <a:t>3/20/2021</a:t>
+              <a:t>3/22/2021</a:t>
             </a:fld>
             <a:endParaRPr lang="en-US" dirty="0"/>
           </a:p>
@@ -3305,7 +3305,7 @@
           <a:p>
             <a:fld id="{6D22F896-40B5-4ADD-8801-0D06FADFA095}" type="slidenum">
               <a:rPr lang="en-US" dirty="0"/>
-              <a:t>‹#›</a:t>
+              <a:t>‹nº›</a:t>
             </a:fld>
             <a:endParaRPr lang="en-US" dirty="0"/>
           </a:p>
@@ -3662,7 +3662,7 @@
           <a:p>
             <a:fld id="{B16C4C9A-3960-41CF-A4E9-2A8FB932454B}" type="datetimeFigureOut">
               <a:rPr lang="en-US" dirty="0"/>
-              <a:t>3/20/2021</a:t>
+              <a:t>3/22/2021</a:t>
             </a:fld>
             <a:endParaRPr lang="en-US" dirty="0"/>
           </a:p>
@@ -3708,7 +3708,7 @@
           <a:p>
             <a:fld id="{6D22F896-40B5-4ADD-8801-0D06FADFA095}" type="slidenum">
               <a:rPr lang="en-US" dirty="0"/>
-              <a:t>‹#›</a:t>
+              <a:t>‹nº›</a:t>
             </a:fld>
             <a:endParaRPr lang="en-US" dirty="0"/>
           </a:p>
@@ -3973,7 +3973,7 @@
           <a:p>
             <a:fld id="{3CBC1C18-307B-4F68-A007-B5B542270E8D}" type="datetimeFigureOut">
               <a:rPr lang="en-US" dirty="0"/>
-              <a:t>3/20/2021</a:t>
+              <a:t>3/22/2021</a:t>
             </a:fld>
             <a:endParaRPr lang="en-US" dirty="0"/>
           </a:p>
@@ -4056,7 +4056,7 @@
             <a:fld id="{6D22F896-40B5-4ADD-8801-0D06FADFA095}" type="slidenum">
               <a:rPr lang="en-US" dirty="0"/>
               <a:pPr/>
-              <a:t>‹#›</a:t>
+              <a:t>‹nº›</a:t>
             </a:fld>
             <a:endParaRPr lang="en-US" dirty="0"/>
           </a:p>
@@ -7775,7 +7775,7 @@
             </a:pPr>
             <a:r>
               <a:rPr lang="pt-PT" sz="1500" dirty="0"/>
-              <a:t>‘B’, ‘G’, ‘O’, ‘P’, ‘R’ ou ‘Y’ no caso de ser uma célula jogável</a:t>
+              <a:t>‘IB’, ‘IG’, ‘IO’, ‘IP’, ‘IR’ ou ‘IY’ no caso de ser uma célula jogável</a:t>
             </a:r>
           </a:p>
           <a:p>
@@ -7786,7 +7786,7 @@
             </a:pPr>
             <a:r>
               <a:rPr lang="pt-PT" sz="1500" dirty="0"/>
-              <a:t>‘BF’, ‘GF’, ‘OF’, ‘PF’, ‘RF’ ou ‘YF’ no caso de ser uma célula destino </a:t>
+              <a:t>‘FB’, ‘FG’, ‘FO’, ‘FP’, ‘FR’ ou ‘FY’ no caso de ser uma célula destino </a:t>
             </a:r>
           </a:p>
           <a:p>
@@ -8630,7 +8630,7 @@
           <p:nvPr>
             <p:extLst>
               <p:ext uri="{D42A27DB-BD31-4B8C-83A1-F6EECF244321}">
-                <p14:modId xmlns:p14="http://schemas.microsoft.com/office/powerpoint/2010/main" val="941513624"/>
+                <p14:modId xmlns:p14="http://schemas.microsoft.com/office/powerpoint/2010/main" val="2553989897"/>
               </p:ext>
             </p:extLst>
           </p:nvPr>
@@ -8814,7 +8814,7 @@
                           </a:solidFill>
                           <a:effectLst/>
                         </a:rPr>
-                        <a:t> , IZy-1 ] ∉ { “X” , ”IZ” } ∧ </a:t>
+                        <a:t> , IZy-1 ] ∉ { “X” , ”IY” } ∧ </a:t>
                       </a:r>
                       <a:r>
                         <a:rPr lang="pt-PT" sz="1400" b="0" kern="1200" dirty="0" err="1">
@@ -9047,7 +9047,7 @@
                           </a:solidFill>
                           <a:effectLst/>
                         </a:rPr>
-                        <a:t> + 1 ] ∉ { “X” , ”IZ” } ∧ </a:t>
+                        <a:t> + 1 ] ∉ { “X” , ”IY” } ∧ </a:t>
                       </a:r>
                       <a:r>
                         <a:rPr lang="pt-PT" sz="1400" b="0" kern="1200" dirty="0" err="1">
@@ -9309,7 +9309,7 @@
                           </a:solidFill>
                           <a:effectLst/>
                         </a:rPr>
-                        <a:t> ] ∉ { “X” , ”IZ” } ∧ </a:t>
+                        <a:t> ] ∉ { “X” , ”IY” } ∧ </a:t>
                       </a:r>
                       <a:r>
                         <a:rPr lang="pt-PT" sz="1400" b="0" kern="1200" dirty="0" err="1">
@@ -9586,7 +9586,25 @@
                           </a:solidFill>
                           <a:effectLst/>
                         </a:rPr>
-                        <a:t> ] ∉ { “X” , ”IZ” } ∧ </a:t>
+                        <a:t> ] ∉ { “X” , </a:t>
+                      </a:r>
+                      <a:r>
+                        <a:rPr lang="pt-PT" sz="1400" b="0" kern="1200">
+                          <a:solidFill>
+                            <a:schemeClr val="bg1"/>
+                          </a:solidFill>
+                          <a:effectLst/>
+                        </a:rPr>
+                        <a:t>”IY” </a:t>
+                      </a:r>
+                      <a:r>
+                        <a:rPr lang="pt-PT" sz="1400" b="0" kern="1200" dirty="0">
+                          <a:solidFill>
+                            <a:schemeClr val="bg1"/>
+                          </a:solidFill>
+                          <a:effectLst/>
+                        </a:rPr>
+                        <a:t>} ∧ </a:t>
                       </a:r>
                       <a:r>
                         <a:rPr lang="pt-PT" sz="1400" b="0" kern="1200" dirty="0" err="1">
